--- a/Doc/PowerPoint.pptx
+++ b/Doc/PowerPoint.pptx
@@ -7,10 +7,11 @@
   <p:sldIdLst>
     <p:sldId id="256" r:id="rId2"/>
     <p:sldId id="269" r:id="rId3"/>
-    <p:sldId id="273" r:id="rId4"/>
-    <p:sldId id="271" r:id="rId5"/>
-    <p:sldId id="272" r:id="rId6"/>
-    <p:sldId id="270" r:id="rId7"/>
+    <p:sldId id="274" r:id="rId4"/>
+    <p:sldId id="273" r:id="rId5"/>
+    <p:sldId id="271" r:id="rId6"/>
+    <p:sldId id="272" r:id="rId7"/>
+    <p:sldId id="270" r:id="rId8"/>
   </p:sldIdLst>
   <p:sldSz cx="12192000" cy="6858000"/>
   <p:notesSz cx="6858000" cy="9144000"/>
@@ -879,14 +880,11 @@
         <a:lstStyle/>
         <a:p>
           <a:r>
-            <a:rPr lang="fr-FR" dirty="0" smtClean="0">
+            <a:rPr lang="fr-FR" dirty="0">
               <a:latin typeface="+mj-lt"/>
             </a:rPr>
             <a:t>AVANT</a:t>
           </a:r>
-          <a:endParaRPr lang="fr-FR" dirty="0">
-            <a:latin typeface="+mj-lt"/>
-          </a:endParaRPr>
         </a:p>
       </dgm:t>
     </dgm:pt>
@@ -920,7 +918,7 @@
         <a:lstStyle/>
         <a:p>
           <a:r>
-            <a:rPr lang="fr-FR" dirty="0" smtClean="0">
+            <a:rPr lang="fr-FR" dirty="0">
               <a:solidFill>
                 <a:srgbClr val="FE692E"/>
               </a:solidFill>
@@ -928,12 +926,6 @@
             </a:rPr>
             <a:t>APRES</a:t>
           </a:r>
-          <a:endParaRPr lang="fr-FR" dirty="0">
-            <a:solidFill>
-              <a:srgbClr val="FE692E"/>
-            </a:solidFill>
-            <a:latin typeface="+mj-lt"/>
-          </a:endParaRPr>
         </a:p>
       </dgm:t>
     </dgm:pt>
@@ -998,13 +990,6 @@
         </dgm:presLayoutVars>
       </dgm:prSet>
       <dgm:spPr/>
-      <dgm:t>
-        <a:bodyPr/>
-        <a:lstStyle/>
-        <a:p>
-          <a:endParaRPr lang="fr-FR"/>
-        </a:p>
-      </dgm:t>
     </dgm:pt>
     <dgm:pt modelId="{103A2ACA-1721-4550-971C-BE8BAD09D1A0}" type="pres">
       <dgm:prSet presAssocID="{74DFF6C5-3C64-4F97-97DD-1CA0CE4747E4}" presName="spVertical2" presStyleCnt="0"/>
@@ -1035,13 +1020,6 @@
         </dgm:presLayoutVars>
       </dgm:prSet>
       <dgm:spPr/>
-      <dgm:t>
-        <a:bodyPr/>
-        <a:lstStyle/>
-        <a:p>
-          <a:endParaRPr lang="fr-FR"/>
-        </a:p>
-      </dgm:t>
     </dgm:pt>
     <dgm:pt modelId="{4EB8D885-6690-4B46-8948-DEB3274878F0}" type="pres">
       <dgm:prSet presAssocID="{22646828-3880-405B-A78C-421673B69268}" presName="spVertical2" presStyleCnt="0"/>
@@ -1062,20 +1040,13 @@
     <dgm:pt modelId="{000E129F-B3D0-42A5-82D4-52CAD7D938F6}" type="pres">
       <dgm:prSet presAssocID="{60BAAD12-50FB-442F-A240-92E5575BEA1F}" presName="backgroundArrow" presStyleLbl="node1" presStyleIdx="0" presStyleCnt="1" custLinFactNeighborX="75909" custLinFactNeighborY="-2542"/>
       <dgm:spPr/>
-      <dgm:t>
-        <a:bodyPr/>
-        <a:lstStyle/>
-        <a:p>
-          <a:endParaRPr lang="fr-FR"/>
-        </a:p>
-      </dgm:t>
     </dgm:pt>
   </dgm:ptLst>
   <dgm:cxnLst>
     <dgm:cxn modelId="{74372001-9DE7-4FDE-988C-A51C79ECEDC0}" type="presOf" srcId="{22646828-3880-405B-A78C-421673B69268}" destId="{1BC3D23A-FBBC-45A1-ABBC-19741C8E7CEC}" srcOrd="0" destOrd="0" presId="urn:microsoft.com/office/officeart/2005/8/layout/hProcess3"/>
-    <dgm:cxn modelId="{E1105018-5AE7-4D8B-AC6A-814C6976A96B}" srcId="{60BAAD12-50FB-442F-A240-92E5575BEA1F}" destId="{22646828-3880-405B-A78C-421673B69268}" srcOrd="1" destOrd="0" parTransId="{88DEB956-57CA-4689-9989-95A44F0CC55B}" sibTransId="{50F9E2AF-BF08-4ED5-8AFC-C98DDC1D0406}"/>
     <dgm:cxn modelId="{D11DD702-1D51-4D82-8500-B0796C815F2A}" type="presOf" srcId="{74DFF6C5-3C64-4F97-97DD-1CA0CE4747E4}" destId="{A39F2525-C1F2-44BB-AE8F-576840E862AB}" srcOrd="0" destOrd="0" presId="urn:microsoft.com/office/officeart/2005/8/layout/hProcess3"/>
     <dgm:cxn modelId="{5940510A-F1EC-4FB2-8873-6D5A0A4B4B27}" srcId="{60BAAD12-50FB-442F-A240-92E5575BEA1F}" destId="{74DFF6C5-3C64-4F97-97DD-1CA0CE4747E4}" srcOrd="0" destOrd="0" parTransId="{41D2EA29-78EF-4C7F-A385-8D4BDA45FB29}" sibTransId="{BB43829D-3D1C-4832-B084-7E947B021F6F}"/>
+    <dgm:cxn modelId="{E1105018-5AE7-4D8B-AC6A-814C6976A96B}" srcId="{60BAAD12-50FB-442F-A240-92E5575BEA1F}" destId="{22646828-3880-405B-A78C-421673B69268}" srcOrd="1" destOrd="0" parTransId="{88DEB956-57CA-4689-9989-95A44F0CC55B}" sibTransId="{50F9E2AF-BF08-4ED5-8AFC-C98DDC1D0406}"/>
     <dgm:cxn modelId="{8083044D-73F0-469A-9B85-4B916A1A63B6}" type="presOf" srcId="{60BAAD12-50FB-442F-A240-92E5575BEA1F}" destId="{D56906B3-DD53-429F-87B4-D54A0A68FA79}" srcOrd="0" destOrd="0" presId="urn:microsoft.com/office/officeart/2005/8/layout/hProcess3"/>
     <dgm:cxn modelId="{64900CF1-B82F-48A7-AD47-196EBADAA0BD}" type="presParOf" srcId="{D56906B3-DD53-429F-87B4-D54A0A68FA79}" destId="{2A98C18C-576F-4A58-8B48-A945E686AA80}" srcOrd="0" destOrd="0" presId="urn:microsoft.com/office/officeart/2005/8/layout/hProcess3"/>
     <dgm:cxn modelId="{955A7AD0-2ABC-411D-A304-0F116EF4C6E9}" type="presParOf" srcId="{D56906B3-DD53-429F-87B4-D54A0A68FA79}" destId="{023E5586-C125-4E43-BBA5-25B823C8AF38}" srcOrd="1" destOrd="0" presId="urn:microsoft.com/office/officeart/2005/8/layout/hProcess3"/>
@@ -1199,7 +1170,7 @@
         </a:bodyPr>
         <a:lstStyle/>
         <a:p>
-          <a:pPr lvl="0" algn="ctr" defTabSz="666750">
+          <a:pPr marL="0" lvl="0" indent="0" algn="ctr" defTabSz="666750">
             <a:lnSpc>
               <a:spcPct val="90000"/>
             </a:lnSpc>
@@ -1209,9 +1180,10 @@
             <a:spcAft>
               <a:spcPct val="35000"/>
             </a:spcAft>
+            <a:buNone/>
           </a:pPr>
           <a:r>
-            <a:rPr lang="fr-FR" sz="1500" kern="1200" dirty="0" smtClean="0">
+            <a:rPr lang="fr-FR" sz="1500" kern="1200" dirty="0">
               <a:solidFill>
                 <a:srgbClr val="FE692E"/>
               </a:solidFill>
@@ -1219,12 +1191,6 @@
             </a:rPr>
             <a:t>APRES</a:t>
           </a:r>
-          <a:endParaRPr lang="fr-FR" sz="1500" kern="1200" dirty="0">
-            <a:solidFill>
-              <a:srgbClr val="FE692E"/>
-            </a:solidFill>
-            <a:latin typeface="+mj-lt"/>
-          </a:endParaRPr>
         </a:p>
       </dsp:txBody>
       <dsp:txXfrm>
@@ -1269,7 +1235,7 @@
         </a:bodyPr>
         <a:lstStyle/>
         <a:p>
-          <a:pPr lvl="0" algn="ctr" defTabSz="666750">
+          <a:pPr marL="0" lvl="0" indent="0" algn="ctr" defTabSz="666750">
             <a:lnSpc>
               <a:spcPct val="90000"/>
             </a:lnSpc>
@@ -1279,16 +1245,14 @@
             <a:spcAft>
               <a:spcPct val="35000"/>
             </a:spcAft>
+            <a:buNone/>
           </a:pPr>
           <a:r>
-            <a:rPr lang="fr-FR" sz="1500" kern="1200" dirty="0" smtClean="0">
+            <a:rPr lang="fr-FR" sz="1500" kern="1200" dirty="0">
               <a:latin typeface="+mj-lt"/>
             </a:rPr>
             <a:t>AVANT</a:t>
           </a:r>
-          <a:endParaRPr lang="fr-FR" sz="1500" kern="1200" dirty="0">
-            <a:latin typeface="+mj-lt"/>
-          </a:endParaRPr>
         </a:p>
       </dsp:txBody>
       <dsp:txXfrm>
@@ -2779,7 +2743,7 @@
           </a:lstStyle>
           <a:p>
             <a:r>
-              <a:rPr lang="fr-FR" smtClean="0"/>
+              <a:rPr lang="fr-FR"/>
               <a:t>Modifiez le style du titre</a:t>
             </a:r>
             <a:endParaRPr lang="en-US" dirty="0"/>
@@ -2851,7 +2815,7 @@
           </a:lstStyle>
           <a:p>
             <a:r>
-              <a:rPr lang="fr-FR" smtClean="0"/>
+              <a:rPr lang="fr-FR"/>
               <a:t>Modifier le style des sous-titres du masque</a:t>
             </a:r>
             <a:endParaRPr lang="en-US" dirty="0"/>
@@ -2917,7 +2881,7 @@
           <a:p>
             <a:fld id="{0052D068-7BF0-4F27-A139-A086802B4DFD}" type="slidenum">
               <a:rPr lang="fr-CA" smtClean="0"/>
-              <a:t>‹N°›</a:t>
+              <a:t>‹#›</a:t>
             </a:fld>
             <a:endParaRPr lang="fr-CA"/>
           </a:p>
@@ -2983,13 +2947,6 @@
       </p:transition>
     </mc:Fallback>
   </mc:AlternateContent>
-  <p:timing>
-    <p:tnLst>
-      <p:par>
-        <p:cTn id="1" dur="indefinite" restart="never" nodeType="tmRoot"/>
-      </p:par>
-    </p:tnLst>
-  </p:timing>
 </p:sldLayout>
 </file>
 
@@ -3107,7 +3064,7 @@
           <a:lstStyle/>
           <a:p>
             <a:r>
-              <a:rPr lang="fr-FR" smtClean="0"/>
+              <a:rPr lang="fr-FR"/>
               <a:t>Modifiez le style du titre</a:t>
             </a:r>
             <a:endParaRPr lang="en-US" dirty="0"/>
@@ -3136,35 +3093,35 @@
           <a:p>
             <a:pPr lvl="0"/>
             <a:r>
-              <a:rPr lang="fr-FR" smtClean="0"/>
+              <a:rPr lang="fr-FR"/>
               <a:t>Modifier les styles du texte du masque</a:t>
             </a:r>
           </a:p>
           <a:p>
             <a:pPr lvl="1"/>
             <a:r>
-              <a:rPr lang="fr-FR" smtClean="0"/>
+              <a:rPr lang="fr-FR"/>
               <a:t>Deuxième niveau</a:t>
             </a:r>
           </a:p>
           <a:p>
             <a:pPr lvl="2"/>
             <a:r>
-              <a:rPr lang="fr-FR" smtClean="0"/>
+              <a:rPr lang="fr-FR"/>
               <a:t>Troisième niveau</a:t>
             </a:r>
           </a:p>
           <a:p>
             <a:pPr lvl="3"/>
             <a:r>
-              <a:rPr lang="fr-FR" smtClean="0"/>
+              <a:rPr lang="fr-FR"/>
               <a:t>Quatrième niveau</a:t>
             </a:r>
           </a:p>
           <a:p>
             <a:pPr lvl="4"/>
             <a:r>
-              <a:rPr lang="fr-FR" smtClean="0"/>
+              <a:rPr lang="fr-FR"/>
               <a:t>Cinquième niveau</a:t>
             </a:r>
             <a:endParaRPr lang="en-US" dirty="0"/>
@@ -3230,7 +3187,7 @@
           <a:p>
             <a:fld id="{0052D068-7BF0-4F27-A139-A086802B4DFD}" type="slidenum">
               <a:rPr lang="fr-CA" smtClean="0"/>
-              <a:t>‹N°›</a:t>
+              <a:t>‹#›</a:t>
             </a:fld>
             <a:endParaRPr lang="fr-CA"/>
           </a:p>
@@ -3303,7 +3260,7 @@
           </a:lstStyle>
           <a:p>
             <a:r>
-              <a:rPr lang="fr-FR" dirty="0" smtClean="0"/>
+              <a:rPr lang="fr-FR" dirty="0"/>
               <a:t>Modifiez le style du titre</a:t>
             </a:r>
             <a:endParaRPr lang="en-US" dirty="0"/>
@@ -3327,35 +3284,35 @@
           <a:p>
             <a:pPr lvl="0"/>
             <a:r>
-              <a:rPr lang="fr-FR" smtClean="0"/>
+              <a:rPr lang="fr-FR"/>
               <a:t>Modifier les styles du texte du masque</a:t>
             </a:r>
           </a:p>
           <a:p>
             <a:pPr lvl="1"/>
             <a:r>
-              <a:rPr lang="fr-FR" smtClean="0"/>
+              <a:rPr lang="fr-FR"/>
               <a:t>Deuxième niveau</a:t>
             </a:r>
           </a:p>
           <a:p>
             <a:pPr lvl="2"/>
             <a:r>
-              <a:rPr lang="fr-FR" smtClean="0"/>
+              <a:rPr lang="fr-FR"/>
               <a:t>Troisième niveau</a:t>
             </a:r>
           </a:p>
           <a:p>
             <a:pPr lvl="3"/>
             <a:r>
-              <a:rPr lang="fr-FR" smtClean="0"/>
+              <a:rPr lang="fr-FR"/>
               <a:t>Quatrième niveau</a:t>
             </a:r>
           </a:p>
           <a:p>
             <a:pPr lvl="4"/>
             <a:r>
-              <a:rPr lang="fr-FR" smtClean="0"/>
+              <a:rPr lang="fr-FR"/>
               <a:t>Cinquième niveau</a:t>
             </a:r>
             <a:endParaRPr lang="en-US" dirty="0"/>
@@ -3421,7 +3378,7 @@
           <a:p>
             <a:fld id="{0052D068-7BF0-4F27-A139-A086802B4DFD}" type="slidenum">
               <a:rPr lang="fr-CA" smtClean="0"/>
-              <a:t>‹N°›</a:t>
+              <a:t>‹#›</a:t>
             </a:fld>
             <a:endParaRPr lang="fr-CA"/>
           </a:p>
@@ -3487,13 +3444,6 @@
       </p:transition>
     </mc:Fallback>
   </mc:AlternateContent>
-  <p:timing>
-    <p:tnLst>
-      <p:par>
-        <p:cTn id="1" dur="indefinite" restart="never" nodeType="tmRoot"/>
-      </p:par>
-    </p:tnLst>
-  </p:timing>
 </p:sldLayout>
 </file>
 
@@ -3627,7 +3577,7 @@
           </a:lstStyle>
           <a:p>
             <a:r>
-              <a:rPr lang="fr-FR" smtClean="0"/>
+              <a:rPr lang="fr-FR"/>
               <a:t>Modifiez le style du titre</a:t>
             </a:r>
             <a:endParaRPr lang="en-US" dirty="0"/>
@@ -3748,7 +3698,7 @@
           <a:p>
             <a:pPr lvl="0"/>
             <a:r>
-              <a:rPr lang="fr-FR" smtClean="0"/>
+              <a:rPr lang="fr-FR"/>
               <a:t>Modifier les styles du texte du masque</a:t>
             </a:r>
           </a:p>
@@ -3813,7 +3763,7 @@
           <a:p>
             <a:fld id="{0052D068-7BF0-4F27-A139-A086802B4DFD}" type="slidenum">
               <a:rPr lang="fr-CA" smtClean="0"/>
-              <a:t>‹N°›</a:t>
+              <a:t>‹#›</a:t>
             </a:fld>
             <a:endParaRPr lang="fr-CA"/>
           </a:p>
@@ -3879,13 +3829,6 @@
       </p:transition>
     </mc:Fallback>
   </mc:AlternateContent>
-  <p:timing>
-    <p:tnLst>
-      <p:par>
-        <p:cTn id="1" dur="indefinite" restart="never" nodeType="tmRoot"/>
-      </p:par>
-    </p:tnLst>
-  </p:timing>
 </p:sldLayout>
 </file>
 
@@ -3927,7 +3870,7 @@
           <a:lstStyle/>
           <a:p>
             <a:r>
-              <a:rPr lang="fr-FR" smtClean="0"/>
+              <a:rPr lang="fr-FR"/>
               <a:t>Modifiez le style du titre</a:t>
             </a:r>
             <a:endParaRPr lang="en-US" dirty="0"/>
@@ -3956,35 +3899,35 @@
           <a:p>
             <a:pPr lvl="0"/>
             <a:r>
-              <a:rPr lang="fr-FR" smtClean="0"/>
+              <a:rPr lang="fr-FR"/>
               <a:t>Modifier les styles du texte du masque</a:t>
             </a:r>
           </a:p>
           <a:p>
             <a:pPr lvl="1"/>
             <a:r>
-              <a:rPr lang="fr-FR" smtClean="0"/>
+              <a:rPr lang="fr-FR"/>
               <a:t>Deuxième niveau</a:t>
             </a:r>
           </a:p>
           <a:p>
             <a:pPr lvl="2"/>
             <a:r>
-              <a:rPr lang="fr-FR" smtClean="0"/>
+              <a:rPr lang="fr-FR"/>
               <a:t>Troisième niveau</a:t>
             </a:r>
           </a:p>
           <a:p>
             <a:pPr lvl="3"/>
             <a:r>
-              <a:rPr lang="fr-FR" smtClean="0"/>
+              <a:rPr lang="fr-FR"/>
               <a:t>Quatrième niveau</a:t>
             </a:r>
           </a:p>
           <a:p>
             <a:pPr lvl="4"/>
             <a:r>
-              <a:rPr lang="fr-FR" smtClean="0"/>
+              <a:rPr lang="fr-FR"/>
               <a:t>Cinquième niveau</a:t>
             </a:r>
             <a:endParaRPr lang="en-US" dirty="0"/>
@@ -4013,35 +3956,35 @@
           <a:p>
             <a:pPr lvl="0"/>
             <a:r>
-              <a:rPr lang="fr-FR" smtClean="0"/>
+              <a:rPr lang="fr-FR"/>
               <a:t>Modifier les styles du texte du masque</a:t>
             </a:r>
           </a:p>
           <a:p>
             <a:pPr lvl="1"/>
             <a:r>
-              <a:rPr lang="fr-FR" smtClean="0"/>
+              <a:rPr lang="fr-FR"/>
               <a:t>Deuxième niveau</a:t>
             </a:r>
           </a:p>
           <a:p>
             <a:pPr lvl="2"/>
             <a:r>
-              <a:rPr lang="fr-FR" smtClean="0"/>
+              <a:rPr lang="fr-FR"/>
               <a:t>Troisième niveau</a:t>
             </a:r>
           </a:p>
           <a:p>
             <a:pPr lvl="3"/>
             <a:r>
-              <a:rPr lang="fr-FR" smtClean="0"/>
+              <a:rPr lang="fr-FR"/>
               <a:t>Quatrième niveau</a:t>
             </a:r>
           </a:p>
           <a:p>
             <a:pPr lvl="4"/>
             <a:r>
-              <a:rPr lang="fr-FR" smtClean="0"/>
+              <a:rPr lang="fr-FR"/>
               <a:t>Cinquième niveau</a:t>
             </a:r>
             <a:endParaRPr lang="en-US" dirty="0"/>
@@ -4107,7 +4050,7 @@
           <a:p>
             <a:fld id="{0052D068-7BF0-4F27-A139-A086802B4DFD}" type="slidenum">
               <a:rPr lang="fr-CA" smtClean="0"/>
-              <a:t>‹N°›</a:t>
+              <a:t>‹#›</a:t>
             </a:fld>
             <a:endParaRPr lang="fr-CA"/>
           </a:p>
@@ -4135,13 +4078,6 @@
       </p:transition>
     </mc:Fallback>
   </mc:AlternateContent>
-  <p:timing>
-    <p:tnLst>
-      <p:par>
-        <p:cTn id="1" dur="indefinite" restart="never" nodeType="tmRoot"/>
-      </p:par>
-    </p:tnLst>
-  </p:timing>
 </p:sldLayout>
 </file>
 
@@ -4183,7 +4119,7 @@
           <a:lstStyle/>
           <a:p>
             <a:r>
-              <a:rPr lang="fr-FR" smtClean="0"/>
+              <a:rPr lang="fr-FR"/>
               <a:t>Modifiez le style du titre</a:t>
             </a:r>
             <a:endParaRPr lang="en-US" dirty="0"/>
@@ -4255,7 +4191,7 @@
           <a:p>
             <a:pPr lvl="0"/>
             <a:r>
-              <a:rPr lang="fr-FR" smtClean="0"/>
+              <a:rPr lang="fr-FR"/>
               <a:t>Modifier les styles du texte du masque</a:t>
             </a:r>
           </a:p>
@@ -4283,35 +4219,35 @@
           <a:p>
             <a:pPr lvl="0"/>
             <a:r>
-              <a:rPr lang="fr-FR" smtClean="0"/>
+              <a:rPr lang="fr-FR"/>
               <a:t>Modifier les styles du texte du masque</a:t>
             </a:r>
           </a:p>
           <a:p>
             <a:pPr lvl="1"/>
             <a:r>
-              <a:rPr lang="fr-FR" smtClean="0"/>
+              <a:rPr lang="fr-FR"/>
               <a:t>Deuxième niveau</a:t>
             </a:r>
           </a:p>
           <a:p>
             <a:pPr lvl="2"/>
             <a:r>
-              <a:rPr lang="fr-FR" smtClean="0"/>
+              <a:rPr lang="fr-FR"/>
               <a:t>Troisième niveau</a:t>
             </a:r>
           </a:p>
           <a:p>
             <a:pPr lvl="3"/>
             <a:r>
-              <a:rPr lang="fr-FR" smtClean="0"/>
+              <a:rPr lang="fr-FR"/>
               <a:t>Quatrième niveau</a:t>
             </a:r>
           </a:p>
           <a:p>
             <a:pPr lvl="4"/>
             <a:r>
-              <a:rPr lang="fr-FR" smtClean="0"/>
+              <a:rPr lang="fr-FR"/>
               <a:t>Cinquième niveau</a:t>
             </a:r>
             <a:endParaRPr lang="en-US" dirty="0"/>
@@ -4383,7 +4319,7 @@
           <a:p>
             <a:pPr lvl="0"/>
             <a:r>
-              <a:rPr lang="fr-FR" smtClean="0"/>
+              <a:rPr lang="fr-FR"/>
               <a:t>Modifier les styles du texte du masque</a:t>
             </a:r>
           </a:p>
@@ -4411,35 +4347,35 @@
           <a:p>
             <a:pPr lvl="0"/>
             <a:r>
-              <a:rPr lang="fr-FR" smtClean="0"/>
+              <a:rPr lang="fr-FR"/>
               <a:t>Modifier les styles du texte du masque</a:t>
             </a:r>
           </a:p>
           <a:p>
             <a:pPr lvl="1"/>
             <a:r>
-              <a:rPr lang="fr-FR" smtClean="0"/>
+              <a:rPr lang="fr-FR"/>
               <a:t>Deuxième niveau</a:t>
             </a:r>
           </a:p>
           <a:p>
             <a:pPr lvl="2"/>
             <a:r>
-              <a:rPr lang="fr-FR" smtClean="0"/>
+              <a:rPr lang="fr-FR"/>
               <a:t>Troisième niveau</a:t>
             </a:r>
           </a:p>
           <a:p>
             <a:pPr lvl="3"/>
             <a:r>
-              <a:rPr lang="fr-FR" smtClean="0"/>
+              <a:rPr lang="fr-FR"/>
               <a:t>Quatrième niveau</a:t>
             </a:r>
           </a:p>
           <a:p>
             <a:pPr lvl="4"/>
             <a:r>
-              <a:rPr lang="fr-FR" smtClean="0"/>
+              <a:rPr lang="fr-FR"/>
               <a:t>Cinquième niveau</a:t>
             </a:r>
             <a:endParaRPr lang="en-US" dirty="0"/>
@@ -4505,7 +4441,7 @@
           <a:p>
             <a:fld id="{0052D068-7BF0-4F27-A139-A086802B4DFD}" type="slidenum">
               <a:rPr lang="fr-CA" smtClean="0"/>
-              <a:t>‹N°›</a:t>
+              <a:t>‹#›</a:t>
             </a:fld>
             <a:endParaRPr lang="fr-CA"/>
           </a:p>
@@ -4533,13 +4469,6 @@
       </p:transition>
     </mc:Fallback>
   </mc:AlternateContent>
-  <p:timing>
-    <p:tnLst>
-      <p:par>
-        <p:cTn id="1" dur="indefinite" restart="never" nodeType="tmRoot"/>
-      </p:par>
-    </p:tnLst>
-  </p:timing>
 </p:sldLayout>
 </file>
 
@@ -4585,7 +4514,7 @@
           </a:lstStyle>
           <a:p>
             <a:r>
-              <a:rPr lang="fr-FR" dirty="0" smtClean="0"/>
+              <a:rPr lang="fr-FR" dirty="0"/>
               <a:t>Modifiez le style du titre</a:t>
             </a:r>
             <a:endParaRPr lang="fr-CA" dirty="0"/>
@@ -4614,13 +4543,6 @@
       </p:transition>
     </mc:Fallback>
   </mc:AlternateContent>
-  <p:timing>
-    <p:tnLst>
-      <p:par>
-        <p:cTn id="1" dur="indefinite" restart="never" nodeType="tmRoot"/>
-      </p:par>
-    </p:tnLst>
-  </p:timing>
 </p:sldLayout>
 </file>
 
@@ -4748,7 +4670,7 @@
           </a:lstStyle>
           <a:p>
             <a:r>
-              <a:rPr lang="fr-FR" smtClean="0"/>
+              <a:rPr lang="fr-FR"/>
               <a:t>Modifiez le style du titre</a:t>
             </a:r>
             <a:endParaRPr lang="en-US" dirty="0"/>
@@ -4777,35 +4699,35 @@
           <a:p>
             <a:pPr lvl="0"/>
             <a:r>
-              <a:rPr lang="fr-FR" smtClean="0"/>
+              <a:rPr lang="fr-FR"/>
               <a:t>Modifier les styles du texte du masque</a:t>
             </a:r>
           </a:p>
           <a:p>
             <a:pPr lvl="1"/>
             <a:r>
-              <a:rPr lang="fr-FR" smtClean="0"/>
+              <a:rPr lang="fr-FR"/>
               <a:t>Deuxième niveau</a:t>
             </a:r>
           </a:p>
           <a:p>
             <a:pPr lvl="2"/>
             <a:r>
-              <a:rPr lang="fr-FR" smtClean="0"/>
+              <a:rPr lang="fr-FR"/>
               <a:t>Troisième niveau</a:t>
             </a:r>
           </a:p>
           <a:p>
             <a:pPr lvl="3"/>
             <a:r>
-              <a:rPr lang="fr-FR" smtClean="0"/>
+              <a:rPr lang="fr-FR"/>
               <a:t>Quatrième niveau</a:t>
             </a:r>
           </a:p>
           <a:p>
             <a:pPr lvl="4"/>
             <a:r>
-              <a:rPr lang="fr-FR" smtClean="0"/>
+              <a:rPr lang="fr-FR"/>
               <a:t>Cinquième niveau</a:t>
             </a:r>
             <a:endParaRPr lang="en-US" dirty="0"/>
@@ -4877,7 +4799,7 @@
           <a:p>
             <a:pPr lvl="0"/>
             <a:r>
-              <a:rPr lang="fr-FR" smtClean="0"/>
+              <a:rPr lang="fr-FR"/>
               <a:t>Modifier les styles du texte du masque</a:t>
             </a:r>
           </a:p>
@@ -4972,7 +4894,7 @@
           <a:p>
             <a:fld id="{0052D068-7BF0-4F27-A139-A086802B4DFD}" type="slidenum">
               <a:rPr lang="fr-CA" smtClean="0"/>
-              <a:t>‹N°›</a:t>
+              <a:t>‹#›</a:t>
             </a:fld>
             <a:endParaRPr lang="fr-CA"/>
           </a:p>
@@ -5127,7 +5049,7 @@
           </a:lstStyle>
           <a:p>
             <a:r>
-              <a:rPr lang="fr-FR" smtClean="0"/>
+              <a:rPr lang="fr-FR"/>
               <a:t>Modifiez le style du titre</a:t>
             </a:r>
             <a:endParaRPr lang="en-US" dirty="0"/>
@@ -5202,7 +5124,7 @@
           </a:lstStyle>
           <a:p>
             <a:r>
-              <a:rPr lang="fr-FR" smtClean="0"/>
+              <a:rPr lang="fr-FR"/>
               <a:t>Cliquez sur l'icône pour ajouter une image</a:t>
             </a:r>
             <a:endParaRPr lang="en-US" dirty="0"/>
@@ -5280,7 +5202,7 @@
           <a:p>
             <a:pPr lvl="0"/>
             <a:r>
-              <a:rPr lang="fr-FR" smtClean="0"/>
+              <a:rPr lang="fr-FR"/>
               <a:t>Modifier les styles du texte du masque</a:t>
             </a:r>
           </a:p>
@@ -5345,7 +5267,7 @@
           <a:p>
             <a:fld id="{0052D068-7BF0-4F27-A139-A086802B4DFD}" type="slidenum">
               <a:rPr lang="fr-CA" smtClean="0"/>
-              <a:t>‹N°›</a:t>
+              <a:t>‹#›</a:t>
             </a:fld>
             <a:endParaRPr lang="fr-CA"/>
           </a:p>
@@ -5409,7 +5331,7 @@
           <a:lstStyle/>
           <a:p>
             <a:r>
-              <a:rPr lang="fr-FR" smtClean="0"/>
+              <a:rPr lang="fr-FR"/>
               <a:t>Modifiez le style du titre</a:t>
             </a:r>
             <a:endParaRPr lang="en-US" dirty="0"/>
@@ -5433,35 +5355,35 @@
           <a:p>
             <a:pPr lvl="0"/>
             <a:r>
-              <a:rPr lang="fr-FR" smtClean="0"/>
+              <a:rPr lang="fr-FR"/>
               <a:t>Modifier les styles du texte du masque</a:t>
             </a:r>
           </a:p>
           <a:p>
             <a:pPr lvl="1"/>
             <a:r>
-              <a:rPr lang="fr-FR" smtClean="0"/>
+              <a:rPr lang="fr-FR"/>
               <a:t>Deuxième niveau</a:t>
             </a:r>
           </a:p>
           <a:p>
             <a:pPr lvl="2"/>
             <a:r>
-              <a:rPr lang="fr-FR" smtClean="0"/>
+              <a:rPr lang="fr-FR"/>
               <a:t>Troisième niveau</a:t>
             </a:r>
           </a:p>
           <a:p>
             <a:pPr lvl="3"/>
             <a:r>
-              <a:rPr lang="fr-FR" smtClean="0"/>
+              <a:rPr lang="fr-FR"/>
               <a:t>Quatrième niveau</a:t>
             </a:r>
           </a:p>
           <a:p>
             <a:pPr lvl="4"/>
             <a:r>
-              <a:rPr lang="fr-FR" smtClean="0"/>
+              <a:rPr lang="fr-FR"/>
               <a:t>Cinquième niveau</a:t>
             </a:r>
             <a:endParaRPr lang="en-US" dirty="0"/>
@@ -5527,7 +5449,7 @@
           <a:p>
             <a:fld id="{0052D068-7BF0-4F27-A139-A086802B4DFD}" type="slidenum">
               <a:rPr lang="fr-CA" smtClean="0"/>
-              <a:t>‹N°›</a:t>
+              <a:t>‹#›</a:t>
             </a:fld>
             <a:endParaRPr lang="fr-CA"/>
           </a:p>
@@ -5682,7 +5604,7 @@
           <a:lstStyle/>
           <a:p>
             <a:r>
-              <a:rPr lang="fr-FR" dirty="0" smtClean="0"/>
+              <a:rPr lang="fr-FR" dirty="0"/>
               <a:t>Modifiez le style du titre</a:t>
             </a:r>
             <a:endParaRPr lang="en-US" dirty="0"/>
@@ -5716,35 +5638,35 @@
           <a:p>
             <a:pPr lvl="0"/>
             <a:r>
-              <a:rPr lang="fr-FR" smtClean="0"/>
+              <a:rPr lang="fr-FR"/>
               <a:t>Modifier les styles du texte du masque</a:t>
             </a:r>
           </a:p>
           <a:p>
             <a:pPr lvl="1"/>
             <a:r>
-              <a:rPr lang="fr-FR" smtClean="0"/>
+              <a:rPr lang="fr-FR"/>
               <a:t>Deuxième niveau</a:t>
             </a:r>
           </a:p>
           <a:p>
             <a:pPr lvl="2"/>
             <a:r>
-              <a:rPr lang="fr-FR" smtClean="0"/>
+              <a:rPr lang="fr-FR"/>
               <a:t>Troisième niveau</a:t>
             </a:r>
           </a:p>
           <a:p>
             <a:pPr lvl="3"/>
             <a:r>
-              <a:rPr lang="fr-FR" smtClean="0"/>
+              <a:rPr lang="fr-FR"/>
               <a:t>Quatrième niveau</a:t>
             </a:r>
           </a:p>
           <a:p>
             <a:pPr lvl="4"/>
             <a:r>
-              <a:rPr lang="fr-FR" smtClean="0"/>
+              <a:rPr lang="fr-FR"/>
               <a:t>Cinquième niveau</a:t>
             </a:r>
             <a:endParaRPr lang="en-US" dirty="0"/>
@@ -5858,7 +5780,7 @@
           <a:p>
             <a:fld id="{0052D068-7BF0-4F27-A139-A086802B4DFD}" type="slidenum">
               <a:rPr lang="fr-CA" smtClean="0"/>
-              <a:t>‹N°›</a:t>
+              <a:t>‹#›</a:t>
             </a:fld>
             <a:endParaRPr lang="fr-CA"/>
           </a:p>
@@ -5926,13 +5848,6 @@
       </p:transition>
     </mc:Fallback>
   </mc:AlternateContent>
-  <p:timing>
-    <p:tnLst>
-      <p:par>
-        <p:cTn id="1" dur="indefinite" restart="never" nodeType="tmRoot"/>
-      </p:par>
-    </p:tnLst>
-  </p:timing>
   <p:txStyles>
     <p:titleStyle>
       <a:lvl1pPr algn="r" defTabSz="914400" rtl="0" eaLnBrk="1" latinLnBrk="0" hangingPunct="1">
@@ -6341,19 +6256,19 @@
           <a:lstStyle/>
           <a:p>
             <a:r>
-              <a:rPr lang="fr-CA" dirty="0" err="1" smtClean="0"/>
+              <a:rPr lang="fr-CA" dirty="0" err="1"/>
               <a:t>ContrOleur</a:t>
             </a:r>
             <a:r>
-              <a:rPr lang="fr-CA" dirty="0" smtClean="0"/>
+              <a:rPr lang="fr-CA" dirty="0"/>
               <a:t> d’</a:t>
             </a:r>
             <a:r>
-              <a:rPr lang="fr-CA" dirty="0" err="1" smtClean="0"/>
+              <a:rPr lang="fr-CA" dirty="0" err="1"/>
               <a:t>Ecran</a:t>
             </a:r>
             <a:r>
-              <a:rPr lang="fr-CA" dirty="0" smtClean="0"/>
+              <a:rPr lang="fr-CA" dirty="0"/>
               <a:t> LCD</a:t>
             </a:r>
           </a:p>
@@ -6363,23 +6278,19 @@
           <a:p>
             <a:r>
               <a:rPr lang="fr-CA" dirty="0"/>
-              <a:t>CHARLES LEVESQUE </a:t>
-            </a:r>
-            <a:r>
-              <a:rPr lang="fr-CA" dirty="0" smtClean="0"/>
-              <a:t>MATTE</a:t>
+              <a:t>CHARLES LEVESQUE MATTE</a:t>
             </a:r>
           </a:p>
           <a:p>
             <a:r>
-              <a:rPr lang="fr-CA" dirty="0" smtClean="0"/>
+              <a:rPr lang="fr-CA" dirty="0"/>
               <a:t>Pascal Emmanuel </a:t>
             </a:r>
             <a:r>
-              <a:rPr lang="fr-CA" dirty="0" err="1" smtClean="0"/>
+              <a:rPr lang="fr-CA" dirty="0" err="1"/>
               <a:t>LachancE</a:t>
             </a:r>
-            <a:endParaRPr lang="fr-CA" dirty="0" smtClean="0"/>
+            <a:endParaRPr lang="fr-CA" dirty="0"/>
           </a:p>
         </p:txBody>
       </p:sp>
@@ -6498,13 +6409,6 @@
       </p:transition>
     </mc:Fallback>
   </mc:AlternateContent>
-  <p:timing>
-    <p:tnLst>
-      <p:par>
-        <p:cTn id="1" dur="indefinite" restart="never" nodeType="tmRoot"/>
-      </p:par>
-    </p:tnLst>
-  </p:timing>
 </p:sld>
 </file>
 
@@ -6551,7 +6455,7 @@
               <a:buChar char="•"/>
             </a:pPr>
             <a:r>
-              <a:rPr lang="fr-CA" sz="2800" dirty="0" smtClean="0"/>
+              <a:rPr lang="fr-CA" sz="2800" dirty="0"/>
               <a:t>2009</a:t>
             </a:r>
           </a:p>
@@ -6565,7 +6469,7 @@
               <a:buChar char="•"/>
             </a:pPr>
             <a:r>
-              <a:rPr lang="fr-CA" sz="2800" dirty="0" smtClean="0"/>
+              <a:rPr lang="fr-CA" sz="2800" dirty="0"/>
               <a:t>2011</a:t>
             </a:r>
           </a:p>
@@ -6579,7 +6483,7 @@
               <a:buChar char="•"/>
             </a:pPr>
             <a:r>
-              <a:rPr lang="fr-CA" sz="2800" dirty="0" smtClean="0"/>
+              <a:rPr lang="fr-CA" sz="2800" dirty="0"/>
               <a:t>2012</a:t>
             </a:r>
           </a:p>
@@ -6593,10 +6497,9 @@
               <a:buChar char="•"/>
             </a:pPr>
             <a:r>
-              <a:rPr lang="fr-CA" sz="2800" dirty="0" smtClean="0"/>
+              <a:rPr lang="fr-CA" sz="2800" dirty="0"/>
               <a:t>2013</a:t>
             </a:r>
-            <a:endParaRPr lang="fr-CA" sz="2800" dirty="0"/>
           </a:p>
         </p:txBody>
       </p:sp>
@@ -6933,11 +6836,11 @@
               <a:buChar char="•"/>
             </a:pPr>
             <a:r>
-              <a:rPr lang="fr-CA" sz="2800" dirty="0" err="1" smtClean="0"/>
+              <a:rPr lang="fr-CA" sz="2800" dirty="0" err="1"/>
               <a:t>Student</a:t>
             </a:r>
             <a:r>
-              <a:rPr lang="fr-CA" sz="2800" dirty="0" smtClean="0"/>
+              <a:rPr lang="fr-CA" sz="2800" dirty="0"/>
               <a:t>-proof</a:t>
             </a:r>
           </a:p>
@@ -6992,15 +6895,15 @@
           <a:lstStyle/>
           <a:p>
             <a:r>
-              <a:rPr lang="fr-CA" dirty="0" err="1" smtClean="0"/>
+              <a:rPr lang="fr-CA" dirty="0" err="1"/>
               <a:t>DEFI</a:t>
             </a:r>
             <a:r>
-              <a:rPr lang="fr-CA" dirty="0" smtClean="0"/>
+              <a:rPr lang="fr-CA" dirty="0"/>
               <a:t> ET KIT </a:t>
             </a:r>
             <a:r>
-              <a:rPr lang="fr-CA" dirty="0" err="1" smtClean="0">
+              <a:rPr lang="fr-CA" dirty="0" err="1">
                 <a:solidFill>
                   <a:srgbClr val="FE692E"/>
                 </a:solidFill>
@@ -7100,7 +7003,7 @@
           <a:lstStyle/>
           <a:p>
             <a:r>
-              <a:rPr lang="fr-CA" sz="2800" dirty="0" smtClean="0">
+              <a:rPr lang="fr-CA" sz="2800" dirty="0">
                 <a:solidFill>
                   <a:srgbClr val="FE692E"/>
                 </a:solidFill>
@@ -7108,12 +7011,6 @@
               </a:rPr>
               <a:t>2019</a:t>
             </a:r>
-            <a:endParaRPr lang="fr-CA" sz="2800" dirty="0">
-              <a:solidFill>
-                <a:srgbClr val="FE692E"/>
-              </a:solidFill>
-              <a:latin typeface="+mj-lt"/>
-            </a:endParaRPr>
           </a:p>
         </p:txBody>
       </p:sp>
@@ -8054,6 +7951,6018 @@
           <a:chExt cx="0" cy="0"/>
         </a:xfrm>
       </p:grpSpPr>
+      <p:pic>
+        <p:nvPicPr>
+          <p:cNvPr id="4" name="Picture 3">
+            <a:extLst>
+              <a:ext uri="{FF2B5EF4-FFF2-40B4-BE49-F238E27FC236}">
+                <a16:creationId xmlns:a16="http://schemas.microsoft.com/office/drawing/2014/main" id="{3ADD9D47-1780-4FBF-882B-09B4749B2B3C}"/>
+              </a:ext>
+            </a:extLst>
+          </p:cNvPr>
+          <p:cNvPicPr>
+            <a:picLocks noChangeAspect="1"/>
+          </p:cNvPicPr>
+          <p:nvPr/>
+        </p:nvPicPr>
+        <p:blipFill>
+          <a:blip r:embed="rId2"/>
+          <a:stretch>
+            <a:fillRect/>
+          </a:stretch>
+        </p:blipFill>
+        <p:spPr>
+          <a:xfrm>
+            <a:off x="2544097" y="1052512"/>
+            <a:ext cx="6580853" cy="5163279"/>
+          </a:xfrm>
+          <a:prstGeom prst="rect">
+            <a:avLst/>
+          </a:prstGeom>
+        </p:spPr>
+      </p:pic>
+      <p:sp>
+        <p:nvSpPr>
+          <p:cNvPr id="2" name="Title 1">
+            <a:extLst>
+              <a:ext uri="{FF2B5EF4-FFF2-40B4-BE49-F238E27FC236}">
+                <a16:creationId xmlns:a16="http://schemas.microsoft.com/office/drawing/2014/main" id="{96BB0AD2-2F66-4C8D-BBFA-FBFAEB1CFBAF}"/>
+              </a:ext>
+            </a:extLst>
+          </p:cNvPr>
+          <p:cNvSpPr>
+            <a:spLocks noGrp="1"/>
+          </p:cNvSpPr>
+          <p:nvPr>
+            <p:ph type="title"/>
+          </p:nvPr>
+        </p:nvSpPr>
+        <p:spPr/>
+        <p:txBody>
+          <a:bodyPr>
+            <a:normAutofit fontScale="90000"/>
+          </a:bodyPr>
+          <a:lstStyle/>
+          <a:p>
+            <a:r>
+              <a:rPr lang="fr-CA" dirty="0"/>
+              <a:t>Field Programmable </a:t>
+            </a:r>
+            <a:r>
+              <a:rPr lang="fr-CA" dirty="0" err="1"/>
+              <a:t>Gate</a:t>
+            </a:r>
+            <a:r>
+              <a:rPr lang="fr-CA" dirty="0"/>
+              <a:t> </a:t>
+            </a:r>
+            <a:r>
+              <a:rPr lang="fr-CA" dirty="0" err="1"/>
+              <a:t>Array</a:t>
+            </a:r>
+            <a:r>
+              <a:rPr lang="fr-CA" dirty="0"/>
+              <a:t> </a:t>
+            </a:r>
+            <a:r>
+              <a:rPr lang="fr-CA" dirty="0">
+                <a:latin typeface="+mn-lt"/>
+              </a:rPr>
+              <a:t>(</a:t>
+            </a:r>
+            <a:r>
+              <a:rPr lang="fr-CA" dirty="0">
+                <a:solidFill>
+                  <a:srgbClr val="FE692E"/>
+                </a:solidFill>
+              </a:rPr>
+              <a:t>FPGA</a:t>
+            </a:r>
+            <a:r>
+              <a:rPr lang="fr-CA" dirty="0">
+                <a:latin typeface="+mn-lt"/>
+              </a:rPr>
+              <a:t>)</a:t>
+            </a:r>
+            <a:endParaRPr lang="en-CA" dirty="0"/>
+          </a:p>
+        </p:txBody>
+      </p:sp>
+      <p:sp>
+        <p:nvSpPr>
+          <p:cNvPr id="3" name="Content Placeholder 2">
+            <a:extLst>
+              <a:ext uri="{FF2B5EF4-FFF2-40B4-BE49-F238E27FC236}">
+                <a16:creationId xmlns:a16="http://schemas.microsoft.com/office/drawing/2014/main" id="{3CA52FCD-CF27-41F5-8340-C8EEB9F6FB79}"/>
+              </a:ext>
+            </a:extLst>
+          </p:cNvPr>
+          <p:cNvSpPr>
+            <a:spLocks noGrp="1"/>
+          </p:cNvSpPr>
+          <p:nvPr>
+            <p:ph idx="1"/>
+          </p:nvPr>
+        </p:nvSpPr>
+        <p:spPr/>
+        <p:txBody>
+          <a:bodyPr/>
+          <a:lstStyle/>
+          <a:p>
+            <a:pPr>
+              <a:buClr>
+                <a:srgbClr val="FE692E"/>
+              </a:buClr>
+              <a:buFont typeface="Arial" panose="020B0604020202020204" pitchFamily="34" charset="0"/>
+              <a:buChar char="•"/>
+            </a:pPr>
+            <a:r>
+              <a:rPr lang="fr-CA" dirty="0"/>
+              <a:t>Groupes de circuits configurables</a:t>
+            </a:r>
+          </a:p>
+          <a:p>
+            <a:pPr lvl="1">
+              <a:buClr>
+                <a:srgbClr val="FE692E"/>
+              </a:buClr>
+              <a:buFont typeface="Arial" panose="020B0604020202020204" pitchFamily="34" charset="0"/>
+              <a:buChar char="•"/>
+            </a:pPr>
+            <a:r>
+              <a:rPr lang="fr-CA" dirty="0"/>
+              <a:t>Portes logiques (AND, OR, XOR, NOT </a:t>
+            </a:r>
+            <a:r>
+              <a:rPr lang="fr-CA" dirty="0" err="1"/>
+              <a:t>ect</a:t>
+            </a:r>
+            <a:r>
+              <a:rPr lang="fr-CA" dirty="0"/>
+              <a:t>.)</a:t>
+            </a:r>
+          </a:p>
+          <a:p>
+            <a:pPr lvl="1">
+              <a:buClr>
+                <a:srgbClr val="FE692E"/>
+              </a:buClr>
+              <a:buFont typeface="Arial" panose="020B0604020202020204" pitchFamily="34" charset="0"/>
+              <a:buChar char="•"/>
+            </a:pPr>
+            <a:r>
+              <a:rPr lang="fr-CA" dirty="0"/>
+              <a:t>Flip-Flops &amp; </a:t>
+            </a:r>
+            <a:r>
+              <a:rPr lang="fr-CA" dirty="0" err="1"/>
+              <a:t>Latches</a:t>
+            </a:r>
+            <a:endParaRPr lang="fr-CA" dirty="0"/>
+          </a:p>
+          <a:p>
+            <a:pPr lvl="1">
+              <a:buClr>
+                <a:srgbClr val="FE692E"/>
+              </a:buClr>
+              <a:buFont typeface="Arial" panose="020B0604020202020204" pitchFamily="34" charset="0"/>
+              <a:buChar char="•"/>
+            </a:pPr>
+            <a:r>
+              <a:rPr lang="fr-CA" dirty="0"/>
+              <a:t>RAM</a:t>
+            </a:r>
+          </a:p>
+          <a:p>
+            <a:pPr lvl="1">
+              <a:buClr>
+                <a:srgbClr val="FE692E"/>
+              </a:buClr>
+              <a:buFont typeface="Arial" panose="020B0604020202020204" pitchFamily="34" charset="0"/>
+              <a:buChar char="•"/>
+            </a:pPr>
+            <a:r>
+              <a:rPr lang="fr-CA" dirty="0"/>
+              <a:t>Entrées/Sorties</a:t>
+            </a:r>
+          </a:p>
+          <a:p>
+            <a:pPr lvl="1">
+              <a:buClr>
+                <a:srgbClr val="FE692E"/>
+              </a:buClr>
+              <a:buFont typeface="Arial" panose="020B0604020202020204" pitchFamily="34" charset="0"/>
+              <a:buChar char="•"/>
+            </a:pPr>
+            <a:r>
+              <a:rPr lang="fr-CA" dirty="0" err="1"/>
+              <a:t>Clocks</a:t>
+            </a:r>
+            <a:endParaRPr lang="fr-CA" dirty="0"/>
+          </a:p>
+          <a:p>
+            <a:pPr>
+              <a:buClr>
+                <a:srgbClr val="FE692E"/>
+              </a:buClr>
+              <a:buFont typeface="Arial" panose="020B0604020202020204" pitchFamily="34" charset="0"/>
+              <a:buChar char="•"/>
+            </a:pPr>
+            <a:r>
+              <a:rPr lang="fr-CA" dirty="0"/>
+              <a:t>Interconnections</a:t>
+            </a:r>
+          </a:p>
+          <a:p>
+            <a:pPr>
+              <a:buClr>
+                <a:srgbClr val="FE692E"/>
+              </a:buClr>
+              <a:buFont typeface="Arial" panose="020B0604020202020204" pitchFamily="34" charset="0"/>
+              <a:buChar char="•"/>
+            </a:pPr>
+            <a:r>
+              <a:rPr lang="fr-CA" dirty="0"/>
+              <a:t>100k portes logiques (</a:t>
+            </a:r>
+            <a:r>
+              <a:rPr lang="fr-CA" dirty="0" err="1"/>
+              <a:t>Xilinx</a:t>
+            </a:r>
+            <a:r>
+              <a:rPr lang="fr-CA" dirty="0"/>
+              <a:t> Spartan 3E) – 50 million (</a:t>
+            </a:r>
+            <a:r>
+              <a:rPr lang="fr-CA" dirty="0" err="1"/>
+              <a:t>Xilinx</a:t>
+            </a:r>
+            <a:r>
+              <a:rPr lang="fr-CA" dirty="0"/>
+              <a:t> </a:t>
+            </a:r>
+            <a:r>
+              <a:rPr lang="fr-CA" dirty="0" err="1"/>
+              <a:t>UltraScale</a:t>
+            </a:r>
+            <a:r>
+              <a:rPr lang="fr-CA" dirty="0"/>
+              <a:t>)</a:t>
+            </a:r>
+            <a:endParaRPr lang="en-CA" dirty="0"/>
+          </a:p>
+        </p:txBody>
+      </p:sp>
+      <p:grpSp>
+        <p:nvGrpSpPr>
+          <p:cNvPr id="15" name="Group 14">
+            <a:extLst>
+              <a:ext uri="{FF2B5EF4-FFF2-40B4-BE49-F238E27FC236}">
+                <a16:creationId xmlns:a16="http://schemas.microsoft.com/office/drawing/2014/main" id="{3667284C-D8EA-4FCD-9EFE-D563E0493790}"/>
+              </a:ext>
+            </a:extLst>
+          </p:cNvPr>
+          <p:cNvGrpSpPr/>
+          <p:nvPr/>
+        </p:nvGrpSpPr>
+        <p:grpSpPr>
+          <a:xfrm>
+            <a:off x="3030948" y="1541052"/>
+            <a:ext cx="1186096" cy="3063786"/>
+            <a:chOff x="3030948" y="1541052"/>
+            <a:chExt cx="1186096" cy="3063786"/>
+          </a:xfrm>
+        </p:grpSpPr>
+        <p:cxnSp>
+          <p:nvCxnSpPr>
+            <p:cNvPr id="6" name="Straight Connector 5">
+              <a:extLst>
+                <a:ext uri="{FF2B5EF4-FFF2-40B4-BE49-F238E27FC236}">
+                  <a16:creationId xmlns:a16="http://schemas.microsoft.com/office/drawing/2014/main" id="{3E0435F6-010C-4546-9D76-C7A34DC13E4D}"/>
+                </a:ext>
+              </a:extLst>
+            </p:cNvPr>
+            <p:cNvCxnSpPr>
+              <a:cxnSpLocks/>
+            </p:cNvCxnSpPr>
+            <p:nvPr/>
+          </p:nvCxnSpPr>
+          <p:spPr>
+            <a:xfrm>
+              <a:off x="3040518" y="1541052"/>
+              <a:ext cx="0" cy="914400"/>
+            </a:xfrm>
+            <a:prstGeom prst="line">
+              <a:avLst/>
+            </a:prstGeom>
+          </p:spPr>
+          <p:style>
+            <a:lnRef idx="3">
+              <a:schemeClr val="accent2"/>
+            </a:lnRef>
+            <a:fillRef idx="0">
+              <a:schemeClr val="accent2"/>
+            </a:fillRef>
+            <a:effectRef idx="2">
+              <a:schemeClr val="accent2"/>
+            </a:effectRef>
+            <a:fontRef idx="minor">
+              <a:schemeClr val="tx1"/>
+            </a:fontRef>
+          </p:style>
+        </p:cxnSp>
+        <p:cxnSp>
+          <p:nvCxnSpPr>
+            <p:cNvPr id="9" name="Straight Connector 8">
+              <a:extLst>
+                <a:ext uri="{FF2B5EF4-FFF2-40B4-BE49-F238E27FC236}">
+                  <a16:creationId xmlns:a16="http://schemas.microsoft.com/office/drawing/2014/main" id="{CB838552-E11F-4B9B-9C03-36BA34951631}"/>
+                </a:ext>
+              </a:extLst>
+            </p:cNvPr>
+            <p:cNvCxnSpPr/>
+            <p:nvPr/>
+          </p:nvCxnSpPr>
+          <p:spPr>
+            <a:xfrm flipH="1">
+              <a:off x="3030948" y="2445838"/>
+              <a:ext cx="1176571" cy="0"/>
+            </a:xfrm>
+            <a:prstGeom prst="line">
+              <a:avLst/>
+            </a:prstGeom>
+          </p:spPr>
+          <p:style>
+            <a:lnRef idx="3">
+              <a:schemeClr val="accent2"/>
+            </a:lnRef>
+            <a:fillRef idx="0">
+              <a:schemeClr val="accent2"/>
+            </a:fillRef>
+            <a:effectRef idx="2">
+              <a:schemeClr val="accent2"/>
+            </a:effectRef>
+            <a:fontRef idx="minor">
+              <a:schemeClr val="tx1"/>
+            </a:fontRef>
+          </p:style>
+        </p:cxnSp>
+        <p:cxnSp>
+          <p:nvCxnSpPr>
+            <p:cNvPr id="11" name="Straight Connector 10">
+              <a:extLst>
+                <a:ext uri="{FF2B5EF4-FFF2-40B4-BE49-F238E27FC236}">
+                  <a16:creationId xmlns:a16="http://schemas.microsoft.com/office/drawing/2014/main" id="{619AA9D2-DF3A-4EE6-A0D0-2D03819D27DD}"/>
+                </a:ext>
+              </a:extLst>
+            </p:cNvPr>
+            <p:cNvCxnSpPr/>
+            <p:nvPr/>
+          </p:nvCxnSpPr>
+          <p:spPr>
+            <a:xfrm>
+              <a:off x="3040473" y="2445838"/>
+              <a:ext cx="0" cy="1091112"/>
+            </a:xfrm>
+            <a:prstGeom prst="line">
+              <a:avLst/>
+            </a:prstGeom>
+          </p:spPr>
+          <p:style>
+            <a:lnRef idx="3">
+              <a:schemeClr val="accent2"/>
+            </a:lnRef>
+            <a:fillRef idx="0">
+              <a:schemeClr val="accent2"/>
+            </a:fillRef>
+            <a:effectRef idx="2">
+              <a:schemeClr val="accent2"/>
+            </a:effectRef>
+            <a:fontRef idx="minor">
+              <a:schemeClr val="tx1"/>
+            </a:fontRef>
+          </p:style>
+        </p:cxnSp>
+        <p:cxnSp>
+          <p:nvCxnSpPr>
+            <p:cNvPr id="12" name="Straight Connector 11">
+              <a:extLst>
+                <a:ext uri="{FF2B5EF4-FFF2-40B4-BE49-F238E27FC236}">
+                  <a16:creationId xmlns:a16="http://schemas.microsoft.com/office/drawing/2014/main" id="{E23D6EEE-CFE5-4B86-BA7F-97190B25AAFF}"/>
+                </a:ext>
+              </a:extLst>
+            </p:cNvPr>
+            <p:cNvCxnSpPr/>
+            <p:nvPr/>
+          </p:nvCxnSpPr>
+          <p:spPr>
+            <a:xfrm flipH="1">
+              <a:off x="3040473" y="3534863"/>
+              <a:ext cx="1176571" cy="0"/>
+            </a:xfrm>
+            <a:prstGeom prst="line">
+              <a:avLst/>
+            </a:prstGeom>
+          </p:spPr>
+          <p:style>
+            <a:lnRef idx="3">
+              <a:schemeClr val="accent2"/>
+            </a:lnRef>
+            <a:fillRef idx="0">
+              <a:schemeClr val="accent2"/>
+            </a:fillRef>
+            <a:effectRef idx="2">
+              <a:schemeClr val="accent2"/>
+            </a:effectRef>
+            <a:fontRef idx="minor">
+              <a:schemeClr val="tx1"/>
+            </a:fontRef>
+          </p:style>
+        </p:cxnSp>
+        <p:cxnSp>
+          <p:nvCxnSpPr>
+            <p:cNvPr id="13" name="Straight Connector 12">
+              <a:extLst>
+                <a:ext uri="{FF2B5EF4-FFF2-40B4-BE49-F238E27FC236}">
+                  <a16:creationId xmlns:a16="http://schemas.microsoft.com/office/drawing/2014/main" id="{CCA91B40-6BA5-4324-9D61-650F6F27584E}"/>
+                </a:ext>
+              </a:extLst>
+            </p:cNvPr>
+            <p:cNvCxnSpPr/>
+            <p:nvPr/>
+          </p:nvCxnSpPr>
+          <p:spPr>
+            <a:xfrm flipH="1">
+              <a:off x="3040473" y="4604838"/>
+              <a:ext cx="1176571" cy="0"/>
+            </a:xfrm>
+            <a:prstGeom prst="line">
+              <a:avLst/>
+            </a:prstGeom>
+          </p:spPr>
+          <p:style>
+            <a:lnRef idx="3">
+              <a:schemeClr val="accent2"/>
+            </a:lnRef>
+            <a:fillRef idx="0">
+              <a:schemeClr val="accent2"/>
+            </a:fillRef>
+            <a:effectRef idx="2">
+              <a:schemeClr val="accent2"/>
+            </a:effectRef>
+            <a:fontRef idx="minor">
+              <a:schemeClr val="tx1"/>
+            </a:fontRef>
+          </p:style>
+        </p:cxnSp>
+        <p:cxnSp>
+          <p:nvCxnSpPr>
+            <p:cNvPr id="14" name="Straight Connector 13">
+              <a:extLst>
+                <a:ext uri="{FF2B5EF4-FFF2-40B4-BE49-F238E27FC236}">
+                  <a16:creationId xmlns:a16="http://schemas.microsoft.com/office/drawing/2014/main" id="{BEB378C2-D6C0-477F-9676-9485A16BB08E}"/>
+                </a:ext>
+              </a:extLst>
+            </p:cNvPr>
+            <p:cNvCxnSpPr/>
+            <p:nvPr/>
+          </p:nvCxnSpPr>
+          <p:spPr>
+            <a:xfrm>
+              <a:off x="3036121" y="3513726"/>
+              <a:ext cx="0" cy="1091112"/>
+            </a:xfrm>
+            <a:prstGeom prst="line">
+              <a:avLst/>
+            </a:prstGeom>
+          </p:spPr>
+          <p:style>
+            <a:lnRef idx="3">
+              <a:schemeClr val="accent2"/>
+            </a:lnRef>
+            <a:fillRef idx="0">
+              <a:schemeClr val="accent2"/>
+            </a:fillRef>
+            <a:effectRef idx="2">
+              <a:schemeClr val="accent2"/>
+            </a:effectRef>
+            <a:fontRef idx="minor">
+              <a:schemeClr val="tx1"/>
+            </a:fontRef>
+          </p:style>
+        </p:cxnSp>
+      </p:grpSp>
+      <p:grpSp>
+        <p:nvGrpSpPr>
+          <p:cNvPr id="25" name="Group 24">
+            <a:extLst>
+              <a:ext uri="{FF2B5EF4-FFF2-40B4-BE49-F238E27FC236}">
+                <a16:creationId xmlns:a16="http://schemas.microsoft.com/office/drawing/2014/main" id="{303B748A-006A-4C6A-8D45-4878E1A70F96}"/>
+              </a:ext>
+            </a:extLst>
+          </p:cNvPr>
+          <p:cNvGrpSpPr/>
+          <p:nvPr/>
+        </p:nvGrpSpPr>
+        <p:grpSpPr>
+          <a:xfrm>
+            <a:off x="3282950" y="1541052"/>
+            <a:ext cx="924569" cy="1068798"/>
+            <a:chOff x="3282950" y="1541052"/>
+            <a:chExt cx="924569" cy="1068798"/>
+          </a:xfrm>
+        </p:grpSpPr>
+        <p:cxnSp>
+          <p:nvCxnSpPr>
+            <p:cNvPr id="17" name="Straight Connector 16">
+              <a:extLst>
+                <a:ext uri="{FF2B5EF4-FFF2-40B4-BE49-F238E27FC236}">
+                  <a16:creationId xmlns:a16="http://schemas.microsoft.com/office/drawing/2014/main" id="{D5B6A01B-288B-4276-BB9F-674B982A6C5C}"/>
+                </a:ext>
+              </a:extLst>
+            </p:cNvPr>
+            <p:cNvCxnSpPr/>
+            <p:nvPr/>
+          </p:nvCxnSpPr>
+          <p:spPr>
+            <a:xfrm>
+              <a:off x="3517900" y="1541052"/>
+              <a:ext cx="0" cy="1068798"/>
+            </a:xfrm>
+            <a:prstGeom prst="line">
+              <a:avLst/>
+            </a:prstGeom>
+            <a:ln>
+              <a:solidFill>
+                <a:srgbClr val="00B0F0"/>
+              </a:solidFill>
+            </a:ln>
+          </p:spPr>
+          <p:style>
+            <a:lnRef idx="3">
+              <a:schemeClr val="accent2"/>
+            </a:lnRef>
+            <a:fillRef idx="0">
+              <a:schemeClr val="accent2"/>
+            </a:fillRef>
+            <a:effectRef idx="2">
+              <a:schemeClr val="accent2"/>
+            </a:effectRef>
+            <a:fontRef idx="minor">
+              <a:schemeClr val="tx1"/>
+            </a:fontRef>
+          </p:style>
+        </p:cxnSp>
+        <p:cxnSp>
+          <p:nvCxnSpPr>
+            <p:cNvPr id="19" name="Straight Connector 18">
+              <a:extLst>
+                <a:ext uri="{FF2B5EF4-FFF2-40B4-BE49-F238E27FC236}">
+                  <a16:creationId xmlns:a16="http://schemas.microsoft.com/office/drawing/2014/main" id="{D42107A9-373B-40B0-9769-0B9158B145F9}"/>
+                </a:ext>
+              </a:extLst>
+            </p:cNvPr>
+            <p:cNvCxnSpPr/>
+            <p:nvPr/>
+          </p:nvCxnSpPr>
+          <p:spPr>
+            <a:xfrm flipH="1">
+              <a:off x="3521075" y="2603500"/>
+              <a:ext cx="686444" cy="0"/>
+            </a:xfrm>
+            <a:prstGeom prst="line">
+              <a:avLst/>
+            </a:prstGeom>
+            <a:ln>
+              <a:solidFill>
+                <a:srgbClr val="00B0F0"/>
+              </a:solidFill>
+            </a:ln>
+          </p:spPr>
+          <p:style>
+            <a:lnRef idx="3">
+              <a:schemeClr val="accent2"/>
+            </a:lnRef>
+            <a:fillRef idx="0">
+              <a:schemeClr val="accent2"/>
+            </a:fillRef>
+            <a:effectRef idx="2">
+              <a:schemeClr val="accent2"/>
+            </a:effectRef>
+            <a:fontRef idx="minor">
+              <a:schemeClr val="tx1"/>
+            </a:fontRef>
+          </p:style>
+        </p:cxnSp>
+        <p:cxnSp>
+          <p:nvCxnSpPr>
+            <p:cNvPr id="21" name="Straight Connector 20">
+              <a:extLst>
+                <a:ext uri="{FF2B5EF4-FFF2-40B4-BE49-F238E27FC236}">
+                  <a16:creationId xmlns:a16="http://schemas.microsoft.com/office/drawing/2014/main" id="{487077BB-70E6-42E3-B5B8-E2F2B9AAED12}"/>
+                </a:ext>
+              </a:extLst>
+            </p:cNvPr>
+            <p:cNvCxnSpPr/>
+            <p:nvPr/>
+          </p:nvCxnSpPr>
+          <p:spPr>
+            <a:xfrm>
+              <a:off x="3286125" y="1689100"/>
+              <a:ext cx="231775" cy="0"/>
+            </a:xfrm>
+            <a:prstGeom prst="line">
+              <a:avLst/>
+            </a:prstGeom>
+            <a:ln>
+              <a:solidFill>
+                <a:srgbClr val="00B0F0"/>
+              </a:solidFill>
+            </a:ln>
+          </p:spPr>
+          <p:style>
+            <a:lnRef idx="3">
+              <a:schemeClr val="accent2"/>
+            </a:lnRef>
+            <a:fillRef idx="0">
+              <a:schemeClr val="accent2"/>
+            </a:fillRef>
+            <a:effectRef idx="2">
+              <a:schemeClr val="accent2"/>
+            </a:effectRef>
+            <a:fontRef idx="minor">
+              <a:schemeClr val="tx1"/>
+            </a:fontRef>
+          </p:style>
+        </p:cxnSp>
+        <p:cxnSp>
+          <p:nvCxnSpPr>
+            <p:cNvPr id="23" name="Straight Connector 22">
+              <a:extLst>
+                <a:ext uri="{FF2B5EF4-FFF2-40B4-BE49-F238E27FC236}">
+                  <a16:creationId xmlns:a16="http://schemas.microsoft.com/office/drawing/2014/main" id="{F50CC97D-8283-4ED9-97EC-8B5C1ED0E4A6}"/>
+                </a:ext>
+              </a:extLst>
+            </p:cNvPr>
+            <p:cNvCxnSpPr>
+              <a:cxnSpLocks/>
+            </p:cNvCxnSpPr>
+            <p:nvPr/>
+          </p:nvCxnSpPr>
+          <p:spPr>
+            <a:xfrm flipV="1">
+              <a:off x="3282950" y="1689100"/>
+              <a:ext cx="3175" cy="156634"/>
+            </a:xfrm>
+            <a:prstGeom prst="line">
+              <a:avLst/>
+            </a:prstGeom>
+            <a:ln>
+              <a:solidFill>
+                <a:srgbClr val="00B0F0"/>
+              </a:solidFill>
+            </a:ln>
+          </p:spPr>
+          <p:style>
+            <a:lnRef idx="3">
+              <a:schemeClr val="accent2"/>
+            </a:lnRef>
+            <a:fillRef idx="0">
+              <a:schemeClr val="accent2"/>
+            </a:fillRef>
+            <a:effectRef idx="2">
+              <a:schemeClr val="accent2"/>
+            </a:effectRef>
+            <a:fontRef idx="minor">
+              <a:schemeClr val="tx1"/>
+            </a:fontRef>
+          </p:style>
+        </p:cxnSp>
+      </p:grpSp>
+      <p:grpSp>
+        <p:nvGrpSpPr>
+          <p:cNvPr id="34" name="Group 33">
+            <a:extLst>
+              <a:ext uri="{FF2B5EF4-FFF2-40B4-BE49-F238E27FC236}">
+                <a16:creationId xmlns:a16="http://schemas.microsoft.com/office/drawing/2014/main" id="{E425AA78-DC36-4FDE-9FED-88E91A1C33DB}"/>
+              </a:ext>
+            </a:extLst>
+          </p:cNvPr>
+          <p:cNvGrpSpPr/>
+          <p:nvPr/>
+        </p:nvGrpSpPr>
+        <p:grpSpPr>
+          <a:xfrm>
+            <a:off x="3282950" y="2159000"/>
+            <a:ext cx="924569" cy="1895475"/>
+            <a:chOff x="3282950" y="2159000"/>
+            <a:chExt cx="924569" cy="1895475"/>
+          </a:xfrm>
+        </p:grpSpPr>
+        <p:cxnSp>
+          <p:nvCxnSpPr>
+            <p:cNvPr id="27" name="Straight Connector 26">
+              <a:extLst>
+                <a:ext uri="{FF2B5EF4-FFF2-40B4-BE49-F238E27FC236}">
+                  <a16:creationId xmlns:a16="http://schemas.microsoft.com/office/drawing/2014/main" id="{F85D043A-88C6-4886-BDE1-9659544F10DD}"/>
+                </a:ext>
+              </a:extLst>
+            </p:cNvPr>
+            <p:cNvCxnSpPr/>
+            <p:nvPr/>
+          </p:nvCxnSpPr>
+          <p:spPr>
+            <a:xfrm>
+              <a:off x="3286125" y="2159000"/>
+              <a:ext cx="0" cy="831850"/>
+            </a:xfrm>
+            <a:prstGeom prst="line">
+              <a:avLst/>
+            </a:prstGeom>
+            <a:ln/>
+          </p:spPr>
+          <p:style>
+            <a:lnRef idx="3">
+              <a:schemeClr val="accent2"/>
+            </a:lnRef>
+            <a:fillRef idx="0">
+              <a:schemeClr val="accent2"/>
+            </a:fillRef>
+            <a:effectRef idx="2">
+              <a:schemeClr val="accent2"/>
+            </a:effectRef>
+            <a:fontRef idx="minor">
+              <a:schemeClr val="tx1"/>
+            </a:fontRef>
+          </p:style>
+        </p:cxnSp>
+        <p:cxnSp>
+          <p:nvCxnSpPr>
+            <p:cNvPr id="29" name="Straight Connector 28">
+              <a:extLst>
+                <a:ext uri="{FF2B5EF4-FFF2-40B4-BE49-F238E27FC236}">
+                  <a16:creationId xmlns:a16="http://schemas.microsoft.com/office/drawing/2014/main" id="{E93D8CF1-86FF-4191-956C-2A8853C5AB77}"/>
+                </a:ext>
+              </a:extLst>
+            </p:cNvPr>
+            <p:cNvCxnSpPr/>
+            <p:nvPr/>
+          </p:nvCxnSpPr>
+          <p:spPr>
+            <a:xfrm flipH="1">
+              <a:off x="3282950" y="2990850"/>
+              <a:ext cx="924569" cy="0"/>
+            </a:xfrm>
+            <a:prstGeom prst="line">
+              <a:avLst/>
+            </a:prstGeom>
+            <a:ln/>
+          </p:spPr>
+          <p:style>
+            <a:lnRef idx="3">
+              <a:schemeClr val="accent2"/>
+            </a:lnRef>
+            <a:fillRef idx="0">
+              <a:schemeClr val="accent2"/>
+            </a:fillRef>
+            <a:effectRef idx="2">
+              <a:schemeClr val="accent2"/>
+            </a:effectRef>
+            <a:fontRef idx="minor">
+              <a:schemeClr val="tx1"/>
+            </a:fontRef>
+          </p:style>
+        </p:cxnSp>
+        <p:cxnSp>
+          <p:nvCxnSpPr>
+            <p:cNvPr id="31" name="Straight Connector 30">
+              <a:extLst>
+                <a:ext uri="{FF2B5EF4-FFF2-40B4-BE49-F238E27FC236}">
+                  <a16:creationId xmlns:a16="http://schemas.microsoft.com/office/drawing/2014/main" id="{52BDA0F5-06CF-4029-8C9C-5A8D26CA7BDA}"/>
+                </a:ext>
+              </a:extLst>
+            </p:cNvPr>
+            <p:cNvCxnSpPr/>
+            <p:nvPr/>
+          </p:nvCxnSpPr>
+          <p:spPr>
+            <a:xfrm flipH="1">
+              <a:off x="3282950" y="4054475"/>
+              <a:ext cx="924569" cy="0"/>
+            </a:xfrm>
+            <a:prstGeom prst="line">
+              <a:avLst/>
+            </a:prstGeom>
+            <a:ln/>
+          </p:spPr>
+          <p:style>
+            <a:lnRef idx="3">
+              <a:schemeClr val="accent2"/>
+            </a:lnRef>
+            <a:fillRef idx="0">
+              <a:schemeClr val="accent2"/>
+            </a:fillRef>
+            <a:effectRef idx="2">
+              <a:schemeClr val="accent2"/>
+            </a:effectRef>
+            <a:fontRef idx="minor">
+              <a:schemeClr val="tx1"/>
+            </a:fontRef>
+          </p:style>
+        </p:cxnSp>
+        <p:cxnSp>
+          <p:nvCxnSpPr>
+            <p:cNvPr id="33" name="Straight Connector 32">
+              <a:extLst>
+                <a:ext uri="{FF2B5EF4-FFF2-40B4-BE49-F238E27FC236}">
+                  <a16:creationId xmlns:a16="http://schemas.microsoft.com/office/drawing/2014/main" id="{57412239-AE55-4107-9E4C-144FE753601E}"/>
+                </a:ext>
+              </a:extLst>
+            </p:cNvPr>
+            <p:cNvCxnSpPr/>
+            <p:nvPr/>
+          </p:nvCxnSpPr>
+          <p:spPr>
+            <a:xfrm>
+              <a:off x="3286125" y="2990850"/>
+              <a:ext cx="0" cy="1060450"/>
+            </a:xfrm>
+            <a:prstGeom prst="line">
+              <a:avLst/>
+            </a:prstGeom>
+            <a:ln/>
+          </p:spPr>
+          <p:style>
+            <a:lnRef idx="3">
+              <a:schemeClr val="accent2"/>
+            </a:lnRef>
+            <a:fillRef idx="0">
+              <a:schemeClr val="accent2"/>
+            </a:fillRef>
+            <a:effectRef idx="2">
+              <a:schemeClr val="accent2"/>
+            </a:effectRef>
+            <a:fontRef idx="minor">
+              <a:schemeClr val="tx1"/>
+            </a:fontRef>
+          </p:style>
+        </p:cxnSp>
+      </p:grpSp>
+      <p:grpSp>
+        <p:nvGrpSpPr>
+          <p:cNvPr id="51" name="Group 50">
+            <a:extLst>
+              <a:ext uri="{FF2B5EF4-FFF2-40B4-BE49-F238E27FC236}">
+                <a16:creationId xmlns:a16="http://schemas.microsoft.com/office/drawing/2014/main" id="{01947A35-4634-4DC6-A475-3745CD82C389}"/>
+              </a:ext>
+            </a:extLst>
+          </p:cNvPr>
+          <p:cNvGrpSpPr/>
+          <p:nvPr/>
+        </p:nvGrpSpPr>
+        <p:grpSpPr>
+          <a:xfrm>
+            <a:off x="3749675" y="1541052"/>
+            <a:ext cx="454669" cy="2665823"/>
+            <a:chOff x="3749675" y="1541052"/>
+            <a:chExt cx="454669" cy="2665823"/>
+          </a:xfrm>
+        </p:grpSpPr>
+        <p:cxnSp>
+          <p:nvCxnSpPr>
+            <p:cNvPr id="36" name="Straight Connector 35">
+              <a:extLst>
+                <a:ext uri="{FF2B5EF4-FFF2-40B4-BE49-F238E27FC236}">
+                  <a16:creationId xmlns:a16="http://schemas.microsoft.com/office/drawing/2014/main" id="{F7C49413-CF05-46CA-B734-2043862B1717}"/>
+                </a:ext>
+              </a:extLst>
+            </p:cNvPr>
+            <p:cNvCxnSpPr/>
+            <p:nvPr/>
+          </p:nvCxnSpPr>
+          <p:spPr>
+            <a:xfrm>
+              <a:off x="3997325" y="1541052"/>
+              <a:ext cx="0" cy="1599023"/>
+            </a:xfrm>
+            <a:prstGeom prst="line">
+              <a:avLst/>
+            </a:prstGeom>
+          </p:spPr>
+          <p:style>
+            <a:lnRef idx="3">
+              <a:schemeClr val="accent2"/>
+            </a:lnRef>
+            <a:fillRef idx="0">
+              <a:schemeClr val="accent2"/>
+            </a:fillRef>
+            <a:effectRef idx="2">
+              <a:schemeClr val="accent2"/>
+            </a:effectRef>
+            <a:fontRef idx="minor">
+              <a:schemeClr val="tx1"/>
+            </a:fontRef>
+          </p:style>
+        </p:cxnSp>
+        <p:cxnSp>
+          <p:nvCxnSpPr>
+            <p:cNvPr id="38" name="Straight Connector 37">
+              <a:extLst>
+                <a:ext uri="{FF2B5EF4-FFF2-40B4-BE49-F238E27FC236}">
+                  <a16:creationId xmlns:a16="http://schemas.microsoft.com/office/drawing/2014/main" id="{CDA884A4-D586-4A66-89FE-E8F383982B04}"/>
+                </a:ext>
+              </a:extLst>
+            </p:cNvPr>
+            <p:cNvCxnSpPr/>
+            <p:nvPr/>
+          </p:nvCxnSpPr>
+          <p:spPr>
+            <a:xfrm flipH="1">
+              <a:off x="4000500" y="3136900"/>
+              <a:ext cx="203844" cy="0"/>
+            </a:xfrm>
+            <a:prstGeom prst="line">
+              <a:avLst/>
+            </a:prstGeom>
+          </p:spPr>
+          <p:style>
+            <a:lnRef idx="3">
+              <a:schemeClr val="accent2"/>
+            </a:lnRef>
+            <a:fillRef idx="0">
+              <a:schemeClr val="accent2"/>
+            </a:fillRef>
+            <a:effectRef idx="2">
+              <a:schemeClr val="accent2"/>
+            </a:effectRef>
+            <a:fontRef idx="minor">
+              <a:schemeClr val="tx1"/>
+            </a:fontRef>
+          </p:style>
+        </p:cxnSp>
+        <p:cxnSp>
+          <p:nvCxnSpPr>
+            <p:cNvPr id="40" name="Straight Connector 39">
+              <a:extLst>
+                <a:ext uri="{FF2B5EF4-FFF2-40B4-BE49-F238E27FC236}">
+                  <a16:creationId xmlns:a16="http://schemas.microsoft.com/office/drawing/2014/main" id="{3D9CD118-9124-4640-BC7C-8B2E16E93558}"/>
+                </a:ext>
+              </a:extLst>
+            </p:cNvPr>
+            <p:cNvCxnSpPr/>
+            <p:nvPr/>
+          </p:nvCxnSpPr>
+          <p:spPr>
+            <a:xfrm>
+              <a:off x="3749675" y="1689100"/>
+              <a:ext cx="247650" cy="0"/>
+            </a:xfrm>
+            <a:prstGeom prst="line">
+              <a:avLst/>
+            </a:prstGeom>
+          </p:spPr>
+          <p:style>
+            <a:lnRef idx="3">
+              <a:schemeClr val="accent2"/>
+            </a:lnRef>
+            <a:fillRef idx="0">
+              <a:schemeClr val="accent2"/>
+            </a:fillRef>
+            <a:effectRef idx="2">
+              <a:schemeClr val="accent2"/>
+            </a:effectRef>
+            <a:fontRef idx="minor">
+              <a:schemeClr val="tx1"/>
+            </a:fontRef>
+          </p:style>
+        </p:cxnSp>
+        <p:cxnSp>
+          <p:nvCxnSpPr>
+            <p:cNvPr id="42" name="Straight Connector 41">
+              <a:extLst>
+                <a:ext uri="{FF2B5EF4-FFF2-40B4-BE49-F238E27FC236}">
+                  <a16:creationId xmlns:a16="http://schemas.microsoft.com/office/drawing/2014/main" id="{A4EDB298-2C70-4915-9B75-BEEB0707E642}"/>
+                </a:ext>
+              </a:extLst>
+            </p:cNvPr>
+            <p:cNvCxnSpPr/>
+            <p:nvPr/>
+          </p:nvCxnSpPr>
+          <p:spPr>
+            <a:xfrm flipV="1">
+              <a:off x="3749675" y="1685925"/>
+              <a:ext cx="0" cy="156634"/>
+            </a:xfrm>
+            <a:prstGeom prst="line">
+              <a:avLst/>
+            </a:prstGeom>
+          </p:spPr>
+          <p:style>
+            <a:lnRef idx="3">
+              <a:schemeClr val="accent2"/>
+            </a:lnRef>
+            <a:fillRef idx="0">
+              <a:schemeClr val="accent2"/>
+            </a:fillRef>
+            <a:effectRef idx="2">
+              <a:schemeClr val="accent2"/>
+            </a:effectRef>
+            <a:fontRef idx="minor">
+              <a:schemeClr val="tx1"/>
+            </a:fontRef>
+          </p:style>
+        </p:cxnSp>
+        <p:cxnSp>
+          <p:nvCxnSpPr>
+            <p:cNvPr id="44" name="Straight Connector 43">
+              <a:extLst>
+                <a:ext uri="{FF2B5EF4-FFF2-40B4-BE49-F238E27FC236}">
+                  <a16:creationId xmlns:a16="http://schemas.microsoft.com/office/drawing/2014/main" id="{AF3CCD73-F70C-4183-9469-DC4298769585}"/>
+                </a:ext>
+              </a:extLst>
+            </p:cNvPr>
+            <p:cNvCxnSpPr/>
+            <p:nvPr/>
+          </p:nvCxnSpPr>
+          <p:spPr>
+            <a:xfrm>
+              <a:off x="3997325" y="3136900"/>
+              <a:ext cx="0" cy="1069975"/>
+            </a:xfrm>
+            <a:prstGeom prst="line">
+              <a:avLst/>
+            </a:prstGeom>
+          </p:spPr>
+          <p:style>
+            <a:lnRef idx="3">
+              <a:schemeClr val="accent2"/>
+            </a:lnRef>
+            <a:fillRef idx="0">
+              <a:schemeClr val="accent2"/>
+            </a:fillRef>
+            <a:effectRef idx="2">
+              <a:schemeClr val="accent2"/>
+            </a:effectRef>
+            <a:fontRef idx="minor">
+              <a:schemeClr val="tx1"/>
+            </a:fontRef>
+          </p:style>
+        </p:cxnSp>
+        <p:cxnSp>
+          <p:nvCxnSpPr>
+            <p:cNvPr id="45" name="Straight Connector 44">
+              <a:extLst>
+                <a:ext uri="{FF2B5EF4-FFF2-40B4-BE49-F238E27FC236}">
+                  <a16:creationId xmlns:a16="http://schemas.microsoft.com/office/drawing/2014/main" id="{279B409F-4043-4917-BE41-DA87EDC2462E}"/>
+                </a:ext>
+              </a:extLst>
+            </p:cNvPr>
+            <p:cNvCxnSpPr/>
+            <p:nvPr/>
+          </p:nvCxnSpPr>
+          <p:spPr>
+            <a:xfrm flipH="1">
+              <a:off x="4000500" y="4206875"/>
+              <a:ext cx="203844" cy="0"/>
+            </a:xfrm>
+            <a:prstGeom prst="line">
+              <a:avLst/>
+            </a:prstGeom>
+          </p:spPr>
+          <p:style>
+            <a:lnRef idx="3">
+              <a:schemeClr val="accent2"/>
+            </a:lnRef>
+            <a:fillRef idx="0">
+              <a:schemeClr val="accent2"/>
+            </a:fillRef>
+            <a:effectRef idx="2">
+              <a:schemeClr val="accent2"/>
+            </a:effectRef>
+            <a:fontRef idx="minor">
+              <a:schemeClr val="tx1"/>
+            </a:fontRef>
+          </p:style>
+        </p:cxnSp>
+      </p:grpSp>
+      <p:grpSp>
+        <p:nvGrpSpPr>
+          <p:cNvPr id="50" name="Group 49">
+            <a:extLst>
+              <a:ext uri="{FF2B5EF4-FFF2-40B4-BE49-F238E27FC236}">
+                <a16:creationId xmlns:a16="http://schemas.microsoft.com/office/drawing/2014/main" id="{8491EC34-EC9D-45D7-8AD1-7D55E863E645}"/>
+              </a:ext>
+            </a:extLst>
+          </p:cNvPr>
+          <p:cNvGrpSpPr/>
+          <p:nvPr/>
+        </p:nvGrpSpPr>
+        <p:grpSpPr>
+          <a:xfrm>
+            <a:off x="3749675" y="2159000"/>
+            <a:ext cx="454669" cy="1527175"/>
+            <a:chOff x="3749675" y="2159000"/>
+            <a:chExt cx="454669" cy="1527175"/>
+          </a:xfrm>
+        </p:grpSpPr>
+        <p:cxnSp>
+          <p:nvCxnSpPr>
+            <p:cNvPr id="47" name="Straight Connector 46">
+              <a:extLst>
+                <a:ext uri="{FF2B5EF4-FFF2-40B4-BE49-F238E27FC236}">
+                  <a16:creationId xmlns:a16="http://schemas.microsoft.com/office/drawing/2014/main" id="{DD336B91-E1E3-4668-8F22-013D04EA838F}"/>
+                </a:ext>
+              </a:extLst>
+            </p:cNvPr>
+            <p:cNvCxnSpPr/>
+            <p:nvPr/>
+          </p:nvCxnSpPr>
+          <p:spPr>
+            <a:xfrm>
+              <a:off x="3749675" y="2159000"/>
+              <a:ext cx="0" cy="1527175"/>
+            </a:xfrm>
+            <a:prstGeom prst="line">
+              <a:avLst/>
+            </a:prstGeom>
+            <a:ln>
+              <a:solidFill>
+                <a:srgbClr val="00B0F0"/>
+              </a:solidFill>
+            </a:ln>
+          </p:spPr>
+          <p:style>
+            <a:lnRef idx="3">
+              <a:schemeClr val="accent2"/>
+            </a:lnRef>
+            <a:fillRef idx="0">
+              <a:schemeClr val="accent2"/>
+            </a:fillRef>
+            <a:effectRef idx="2">
+              <a:schemeClr val="accent2"/>
+            </a:effectRef>
+            <a:fontRef idx="minor">
+              <a:schemeClr val="tx1"/>
+            </a:fontRef>
+          </p:style>
+        </p:cxnSp>
+        <p:cxnSp>
+          <p:nvCxnSpPr>
+            <p:cNvPr id="49" name="Straight Connector 48">
+              <a:extLst>
+                <a:ext uri="{FF2B5EF4-FFF2-40B4-BE49-F238E27FC236}">
+                  <a16:creationId xmlns:a16="http://schemas.microsoft.com/office/drawing/2014/main" id="{C4F62841-4D68-408E-AED0-361982DFC561}"/>
+                </a:ext>
+              </a:extLst>
+            </p:cNvPr>
+            <p:cNvCxnSpPr/>
+            <p:nvPr/>
+          </p:nvCxnSpPr>
+          <p:spPr>
+            <a:xfrm flipH="1">
+              <a:off x="3749675" y="3683000"/>
+              <a:ext cx="454669" cy="0"/>
+            </a:xfrm>
+            <a:prstGeom prst="line">
+              <a:avLst/>
+            </a:prstGeom>
+            <a:ln>
+              <a:solidFill>
+                <a:srgbClr val="00B0F0"/>
+              </a:solidFill>
+            </a:ln>
+          </p:spPr>
+          <p:style>
+            <a:lnRef idx="3">
+              <a:schemeClr val="accent2"/>
+            </a:lnRef>
+            <a:fillRef idx="0">
+              <a:schemeClr val="accent2"/>
+            </a:fillRef>
+            <a:effectRef idx="2">
+              <a:schemeClr val="accent2"/>
+            </a:effectRef>
+            <a:fontRef idx="minor">
+              <a:schemeClr val="tx1"/>
+            </a:fontRef>
+          </p:style>
+        </p:cxnSp>
+      </p:grpSp>
+      <p:grpSp>
+        <p:nvGrpSpPr>
+          <p:cNvPr id="62" name="Group 61">
+            <a:extLst>
+              <a:ext uri="{FF2B5EF4-FFF2-40B4-BE49-F238E27FC236}">
+                <a16:creationId xmlns:a16="http://schemas.microsoft.com/office/drawing/2014/main" id="{22B7C04B-B53F-4389-9562-B306A8CB1247}"/>
+              </a:ext>
+            </a:extLst>
+          </p:cNvPr>
+          <p:cNvGrpSpPr/>
+          <p:nvPr/>
+        </p:nvGrpSpPr>
+        <p:grpSpPr>
+          <a:xfrm>
+            <a:off x="4772025" y="2524126"/>
+            <a:ext cx="2419350" cy="2724149"/>
+            <a:chOff x="4772025" y="2524126"/>
+            <a:chExt cx="2419350" cy="2724149"/>
+          </a:xfrm>
+        </p:grpSpPr>
+        <p:cxnSp>
+          <p:nvCxnSpPr>
+            <p:cNvPr id="53" name="Straight Connector 52">
+              <a:extLst>
+                <a:ext uri="{FF2B5EF4-FFF2-40B4-BE49-F238E27FC236}">
+                  <a16:creationId xmlns:a16="http://schemas.microsoft.com/office/drawing/2014/main" id="{7B43D42C-F296-443B-98DA-C3AB13F7132E}"/>
+                </a:ext>
+              </a:extLst>
+            </p:cNvPr>
+            <p:cNvCxnSpPr/>
+            <p:nvPr/>
+          </p:nvCxnSpPr>
+          <p:spPr>
+            <a:xfrm>
+              <a:off x="4772025" y="2524126"/>
+              <a:ext cx="1571625" cy="0"/>
+            </a:xfrm>
+            <a:prstGeom prst="line">
+              <a:avLst/>
+            </a:prstGeom>
+            <a:ln>
+              <a:solidFill>
+                <a:srgbClr val="00B0F0"/>
+              </a:solidFill>
+            </a:ln>
+          </p:spPr>
+          <p:style>
+            <a:lnRef idx="3">
+              <a:schemeClr val="accent2"/>
+            </a:lnRef>
+            <a:fillRef idx="0">
+              <a:schemeClr val="accent2"/>
+            </a:fillRef>
+            <a:effectRef idx="2">
+              <a:schemeClr val="accent2"/>
+            </a:effectRef>
+            <a:fontRef idx="minor">
+              <a:schemeClr val="tx1"/>
+            </a:fontRef>
+          </p:style>
+        </p:cxnSp>
+        <p:cxnSp>
+          <p:nvCxnSpPr>
+            <p:cNvPr id="55" name="Straight Connector 54">
+              <a:extLst>
+                <a:ext uri="{FF2B5EF4-FFF2-40B4-BE49-F238E27FC236}">
+                  <a16:creationId xmlns:a16="http://schemas.microsoft.com/office/drawing/2014/main" id="{65B640BF-7103-41EB-8AAF-A2FEA04AAAD8}"/>
+                </a:ext>
+              </a:extLst>
+            </p:cNvPr>
+            <p:cNvCxnSpPr/>
+            <p:nvPr/>
+          </p:nvCxnSpPr>
+          <p:spPr>
+            <a:xfrm flipV="1">
+              <a:off x="6334125" y="2533650"/>
+              <a:ext cx="0" cy="2714625"/>
+            </a:xfrm>
+            <a:prstGeom prst="line">
+              <a:avLst/>
+            </a:prstGeom>
+            <a:ln>
+              <a:solidFill>
+                <a:srgbClr val="00B0F0"/>
+              </a:solidFill>
+            </a:ln>
+          </p:spPr>
+          <p:style>
+            <a:lnRef idx="3">
+              <a:schemeClr val="accent2"/>
+            </a:lnRef>
+            <a:fillRef idx="0">
+              <a:schemeClr val="accent2"/>
+            </a:fillRef>
+            <a:effectRef idx="2">
+              <a:schemeClr val="accent2"/>
+            </a:effectRef>
+            <a:fontRef idx="minor">
+              <a:schemeClr val="tx1"/>
+            </a:fontRef>
+          </p:style>
+        </p:cxnSp>
+        <p:cxnSp>
+          <p:nvCxnSpPr>
+            <p:cNvPr id="57" name="Straight Connector 56">
+              <a:extLst>
+                <a:ext uri="{FF2B5EF4-FFF2-40B4-BE49-F238E27FC236}">
+                  <a16:creationId xmlns:a16="http://schemas.microsoft.com/office/drawing/2014/main" id="{8DD07340-88FB-4CC2-8488-28BECCDB0B67}"/>
+                </a:ext>
+              </a:extLst>
+            </p:cNvPr>
+            <p:cNvCxnSpPr/>
+            <p:nvPr/>
+          </p:nvCxnSpPr>
+          <p:spPr>
+            <a:xfrm flipH="1">
+              <a:off x="6338887" y="2524126"/>
+              <a:ext cx="852488" cy="0"/>
+            </a:xfrm>
+            <a:prstGeom prst="line">
+              <a:avLst/>
+            </a:prstGeom>
+            <a:ln>
+              <a:solidFill>
+                <a:srgbClr val="00B0F0"/>
+              </a:solidFill>
+            </a:ln>
+          </p:spPr>
+          <p:style>
+            <a:lnRef idx="3">
+              <a:schemeClr val="accent2"/>
+            </a:lnRef>
+            <a:fillRef idx="0">
+              <a:schemeClr val="accent2"/>
+            </a:fillRef>
+            <a:effectRef idx="2">
+              <a:schemeClr val="accent2"/>
+            </a:effectRef>
+            <a:fontRef idx="minor">
+              <a:schemeClr val="tx1"/>
+            </a:fontRef>
+          </p:style>
+        </p:cxnSp>
+        <p:cxnSp>
+          <p:nvCxnSpPr>
+            <p:cNvPr id="58" name="Straight Connector 57">
+              <a:extLst>
+                <a:ext uri="{FF2B5EF4-FFF2-40B4-BE49-F238E27FC236}">
+                  <a16:creationId xmlns:a16="http://schemas.microsoft.com/office/drawing/2014/main" id="{4093A9C7-864D-4CD2-ABD0-4E4D794D334E}"/>
+                </a:ext>
+              </a:extLst>
+            </p:cNvPr>
+            <p:cNvCxnSpPr/>
+            <p:nvPr/>
+          </p:nvCxnSpPr>
+          <p:spPr>
+            <a:xfrm flipV="1">
+              <a:off x="7191375" y="2524126"/>
+              <a:ext cx="0" cy="2714625"/>
+            </a:xfrm>
+            <a:prstGeom prst="line">
+              <a:avLst/>
+            </a:prstGeom>
+            <a:ln>
+              <a:solidFill>
+                <a:srgbClr val="00B0F0"/>
+              </a:solidFill>
+            </a:ln>
+          </p:spPr>
+          <p:style>
+            <a:lnRef idx="3">
+              <a:schemeClr val="accent2"/>
+            </a:lnRef>
+            <a:fillRef idx="0">
+              <a:schemeClr val="accent2"/>
+            </a:fillRef>
+            <a:effectRef idx="2">
+              <a:schemeClr val="accent2"/>
+            </a:effectRef>
+            <a:fontRef idx="minor">
+              <a:schemeClr val="tx1"/>
+            </a:fontRef>
+          </p:style>
+        </p:cxnSp>
+      </p:grpSp>
+      <p:grpSp>
+        <p:nvGrpSpPr>
+          <p:cNvPr id="93" name="Group 92">
+            <a:extLst>
+              <a:ext uri="{FF2B5EF4-FFF2-40B4-BE49-F238E27FC236}">
+                <a16:creationId xmlns:a16="http://schemas.microsoft.com/office/drawing/2014/main" id="{D4946D0A-015F-411F-8D15-1703FE00F3DE}"/>
+              </a:ext>
+            </a:extLst>
+          </p:cNvPr>
+          <p:cNvGrpSpPr/>
+          <p:nvPr/>
+        </p:nvGrpSpPr>
+        <p:grpSpPr>
+          <a:xfrm>
+            <a:off x="5386388" y="5757863"/>
+            <a:ext cx="2586038" cy="261938"/>
+            <a:chOff x="5386388" y="5757863"/>
+            <a:chExt cx="2586038" cy="261938"/>
+          </a:xfrm>
+        </p:grpSpPr>
+        <p:cxnSp>
+          <p:nvCxnSpPr>
+            <p:cNvPr id="60" name="Straight Connector 59">
+              <a:extLst>
+                <a:ext uri="{FF2B5EF4-FFF2-40B4-BE49-F238E27FC236}">
+                  <a16:creationId xmlns:a16="http://schemas.microsoft.com/office/drawing/2014/main" id="{5CEBFFBB-9162-429C-BC1F-86E0C2FA2B1D}"/>
+                </a:ext>
+              </a:extLst>
+            </p:cNvPr>
+            <p:cNvCxnSpPr/>
+            <p:nvPr/>
+          </p:nvCxnSpPr>
+          <p:spPr>
+            <a:xfrm>
+              <a:off x="6248401" y="5757863"/>
+              <a:ext cx="0" cy="261938"/>
+            </a:xfrm>
+            <a:prstGeom prst="line">
+              <a:avLst/>
+            </a:prstGeom>
+            <a:ln>
+              <a:solidFill>
+                <a:srgbClr val="00B0F0"/>
+              </a:solidFill>
+            </a:ln>
+          </p:spPr>
+          <p:style>
+            <a:lnRef idx="3">
+              <a:schemeClr val="accent2"/>
+            </a:lnRef>
+            <a:fillRef idx="0">
+              <a:schemeClr val="accent2"/>
+            </a:fillRef>
+            <a:effectRef idx="2">
+              <a:schemeClr val="accent2"/>
+            </a:effectRef>
+            <a:fontRef idx="minor">
+              <a:schemeClr val="tx1"/>
+            </a:fontRef>
+          </p:style>
+        </p:cxnSp>
+        <p:cxnSp>
+          <p:nvCxnSpPr>
+            <p:cNvPr id="61" name="Straight Connector 60">
+              <a:extLst>
+                <a:ext uri="{FF2B5EF4-FFF2-40B4-BE49-F238E27FC236}">
+                  <a16:creationId xmlns:a16="http://schemas.microsoft.com/office/drawing/2014/main" id="{45CA2F1F-4309-43DF-A735-C53513D5A0BE}"/>
+                </a:ext>
+              </a:extLst>
+            </p:cNvPr>
+            <p:cNvCxnSpPr/>
+            <p:nvPr/>
+          </p:nvCxnSpPr>
+          <p:spPr>
+            <a:xfrm>
+              <a:off x="7115176" y="5757863"/>
+              <a:ext cx="0" cy="261938"/>
+            </a:xfrm>
+            <a:prstGeom prst="line">
+              <a:avLst/>
+            </a:prstGeom>
+            <a:ln/>
+          </p:spPr>
+          <p:style>
+            <a:lnRef idx="3">
+              <a:schemeClr val="accent2"/>
+            </a:lnRef>
+            <a:fillRef idx="0">
+              <a:schemeClr val="accent2"/>
+            </a:fillRef>
+            <a:effectRef idx="2">
+              <a:schemeClr val="accent2"/>
+            </a:effectRef>
+            <a:fontRef idx="minor">
+              <a:schemeClr val="tx1"/>
+            </a:fontRef>
+          </p:style>
+        </p:cxnSp>
+        <p:cxnSp>
+          <p:nvCxnSpPr>
+            <p:cNvPr id="63" name="Straight Connector 62">
+              <a:extLst>
+                <a:ext uri="{FF2B5EF4-FFF2-40B4-BE49-F238E27FC236}">
+                  <a16:creationId xmlns:a16="http://schemas.microsoft.com/office/drawing/2014/main" id="{D0A06DEB-1D65-483B-BEFB-771CEC744135}"/>
+                </a:ext>
+              </a:extLst>
+            </p:cNvPr>
+            <p:cNvCxnSpPr/>
+            <p:nvPr/>
+          </p:nvCxnSpPr>
+          <p:spPr>
+            <a:xfrm>
+              <a:off x="7972426" y="5757863"/>
+              <a:ext cx="0" cy="261938"/>
+            </a:xfrm>
+            <a:prstGeom prst="line">
+              <a:avLst/>
+            </a:prstGeom>
+            <a:ln/>
+          </p:spPr>
+          <p:style>
+            <a:lnRef idx="3">
+              <a:schemeClr val="accent2"/>
+            </a:lnRef>
+            <a:fillRef idx="0">
+              <a:schemeClr val="accent2"/>
+            </a:fillRef>
+            <a:effectRef idx="2">
+              <a:schemeClr val="accent2"/>
+            </a:effectRef>
+            <a:fontRef idx="minor">
+              <a:schemeClr val="tx1"/>
+            </a:fontRef>
+          </p:style>
+        </p:cxnSp>
+        <p:cxnSp>
+          <p:nvCxnSpPr>
+            <p:cNvPr id="64" name="Straight Connector 63">
+              <a:extLst>
+                <a:ext uri="{FF2B5EF4-FFF2-40B4-BE49-F238E27FC236}">
+                  <a16:creationId xmlns:a16="http://schemas.microsoft.com/office/drawing/2014/main" id="{011C317D-DF82-45EE-BD6A-928727138703}"/>
+                </a:ext>
+              </a:extLst>
+            </p:cNvPr>
+            <p:cNvCxnSpPr/>
+            <p:nvPr/>
+          </p:nvCxnSpPr>
+          <p:spPr>
+            <a:xfrm>
+              <a:off x="5386388" y="5757863"/>
+              <a:ext cx="0" cy="261938"/>
+            </a:xfrm>
+            <a:prstGeom prst="line">
+              <a:avLst/>
+            </a:prstGeom>
+            <a:ln/>
+          </p:spPr>
+          <p:style>
+            <a:lnRef idx="3">
+              <a:schemeClr val="accent2"/>
+            </a:lnRef>
+            <a:fillRef idx="0">
+              <a:schemeClr val="accent2"/>
+            </a:fillRef>
+            <a:effectRef idx="2">
+              <a:schemeClr val="accent2"/>
+            </a:effectRef>
+            <a:fontRef idx="minor">
+              <a:schemeClr val="tx1"/>
+            </a:fontRef>
+          </p:style>
+        </p:cxnSp>
+      </p:grpSp>
+      <p:grpSp>
+        <p:nvGrpSpPr>
+          <p:cNvPr id="87" name="Group 86">
+            <a:extLst>
+              <a:ext uri="{FF2B5EF4-FFF2-40B4-BE49-F238E27FC236}">
+                <a16:creationId xmlns:a16="http://schemas.microsoft.com/office/drawing/2014/main" id="{048603EA-448D-4CC5-8F7F-ED59B2B176C7}"/>
+              </a:ext>
+            </a:extLst>
+          </p:cNvPr>
+          <p:cNvGrpSpPr/>
+          <p:nvPr/>
+        </p:nvGrpSpPr>
+        <p:grpSpPr>
+          <a:xfrm>
+            <a:off x="4772025" y="3073400"/>
+            <a:ext cx="3140075" cy="2162177"/>
+            <a:chOff x="4772025" y="3073400"/>
+            <a:chExt cx="3140075" cy="2162177"/>
+          </a:xfrm>
+        </p:grpSpPr>
+        <p:cxnSp>
+          <p:nvCxnSpPr>
+            <p:cNvPr id="83" name="Straight Connector 82">
+              <a:extLst>
+                <a:ext uri="{FF2B5EF4-FFF2-40B4-BE49-F238E27FC236}">
+                  <a16:creationId xmlns:a16="http://schemas.microsoft.com/office/drawing/2014/main" id="{71591D87-1C7C-4A08-886A-30E96F6A4A73}"/>
+                </a:ext>
+              </a:extLst>
+            </p:cNvPr>
+            <p:cNvCxnSpPr/>
+            <p:nvPr/>
+          </p:nvCxnSpPr>
+          <p:spPr>
+            <a:xfrm>
+              <a:off x="4772025" y="3073400"/>
+              <a:ext cx="3140075" cy="0"/>
+            </a:xfrm>
+            <a:prstGeom prst="line">
+              <a:avLst/>
+            </a:prstGeom>
+          </p:spPr>
+          <p:style>
+            <a:lnRef idx="3">
+              <a:schemeClr val="accent2"/>
+            </a:lnRef>
+            <a:fillRef idx="0">
+              <a:schemeClr val="accent2"/>
+            </a:fillRef>
+            <a:effectRef idx="2">
+              <a:schemeClr val="accent2"/>
+            </a:effectRef>
+            <a:fontRef idx="minor">
+              <a:schemeClr val="tx1"/>
+            </a:fontRef>
+          </p:style>
+        </p:cxnSp>
+        <p:cxnSp>
+          <p:nvCxnSpPr>
+            <p:cNvPr id="85" name="Straight Connector 84">
+              <a:extLst>
+                <a:ext uri="{FF2B5EF4-FFF2-40B4-BE49-F238E27FC236}">
+                  <a16:creationId xmlns:a16="http://schemas.microsoft.com/office/drawing/2014/main" id="{6F22E388-9E5A-4821-B5CE-51C47D8CC920}"/>
+                </a:ext>
+              </a:extLst>
+            </p:cNvPr>
+            <p:cNvCxnSpPr>
+              <a:cxnSpLocks/>
+            </p:cNvCxnSpPr>
+            <p:nvPr/>
+          </p:nvCxnSpPr>
+          <p:spPr>
+            <a:xfrm flipV="1">
+              <a:off x="7912100" y="3076575"/>
+              <a:ext cx="0" cy="2159002"/>
+            </a:xfrm>
+            <a:prstGeom prst="line">
+              <a:avLst/>
+            </a:prstGeom>
+          </p:spPr>
+          <p:style>
+            <a:lnRef idx="3">
+              <a:schemeClr val="accent2"/>
+            </a:lnRef>
+            <a:fillRef idx="0">
+              <a:schemeClr val="accent2"/>
+            </a:fillRef>
+            <a:effectRef idx="2">
+              <a:schemeClr val="accent2"/>
+            </a:effectRef>
+            <a:fontRef idx="minor">
+              <a:schemeClr val="tx1"/>
+            </a:fontRef>
+          </p:style>
+        </p:cxnSp>
+      </p:grpSp>
+      <p:grpSp>
+        <p:nvGrpSpPr>
+          <p:cNvPr id="92" name="Group 91">
+            <a:extLst>
+              <a:ext uri="{FF2B5EF4-FFF2-40B4-BE49-F238E27FC236}">
+                <a16:creationId xmlns:a16="http://schemas.microsoft.com/office/drawing/2014/main" id="{D7EB516B-D139-4052-9FE5-F270F961EC75}"/>
+              </a:ext>
+            </a:extLst>
+          </p:cNvPr>
+          <p:cNvGrpSpPr/>
+          <p:nvPr/>
+        </p:nvGrpSpPr>
+        <p:grpSpPr>
+          <a:xfrm>
+            <a:off x="4772025" y="3606800"/>
+            <a:ext cx="1412875" cy="1628777"/>
+            <a:chOff x="4772025" y="3606800"/>
+            <a:chExt cx="1412875" cy="1628777"/>
+          </a:xfrm>
+        </p:grpSpPr>
+        <p:cxnSp>
+          <p:nvCxnSpPr>
+            <p:cNvPr id="89" name="Straight Connector 88">
+              <a:extLst>
+                <a:ext uri="{FF2B5EF4-FFF2-40B4-BE49-F238E27FC236}">
+                  <a16:creationId xmlns:a16="http://schemas.microsoft.com/office/drawing/2014/main" id="{7FD0AAB5-95A5-44CF-AEF0-05422018AC59}"/>
+                </a:ext>
+              </a:extLst>
+            </p:cNvPr>
+            <p:cNvCxnSpPr/>
+            <p:nvPr/>
+          </p:nvCxnSpPr>
+          <p:spPr>
+            <a:xfrm>
+              <a:off x="4772025" y="3606800"/>
+              <a:ext cx="1412875" cy="0"/>
+            </a:xfrm>
+            <a:prstGeom prst="line">
+              <a:avLst/>
+            </a:prstGeom>
+            <a:ln>
+              <a:solidFill>
+                <a:srgbClr val="00B0F0"/>
+              </a:solidFill>
+            </a:ln>
+          </p:spPr>
+          <p:style>
+            <a:lnRef idx="3">
+              <a:schemeClr val="accent2"/>
+            </a:lnRef>
+            <a:fillRef idx="0">
+              <a:schemeClr val="accent2"/>
+            </a:fillRef>
+            <a:effectRef idx="2">
+              <a:schemeClr val="accent2"/>
+            </a:effectRef>
+            <a:fontRef idx="minor">
+              <a:schemeClr val="tx1"/>
+            </a:fontRef>
+          </p:style>
+        </p:cxnSp>
+        <p:cxnSp>
+          <p:nvCxnSpPr>
+            <p:cNvPr id="91" name="Straight Connector 90">
+              <a:extLst>
+                <a:ext uri="{FF2B5EF4-FFF2-40B4-BE49-F238E27FC236}">
+                  <a16:creationId xmlns:a16="http://schemas.microsoft.com/office/drawing/2014/main" id="{1F702F58-29B8-4DF0-A2B6-A9901B074876}"/>
+                </a:ext>
+              </a:extLst>
+            </p:cNvPr>
+            <p:cNvCxnSpPr>
+              <a:cxnSpLocks/>
+            </p:cNvCxnSpPr>
+            <p:nvPr/>
+          </p:nvCxnSpPr>
+          <p:spPr>
+            <a:xfrm>
+              <a:off x="6184900" y="3606800"/>
+              <a:ext cx="0" cy="1628777"/>
+            </a:xfrm>
+            <a:prstGeom prst="line">
+              <a:avLst/>
+            </a:prstGeom>
+            <a:ln>
+              <a:solidFill>
+                <a:srgbClr val="00B0F0"/>
+              </a:solidFill>
+            </a:ln>
+          </p:spPr>
+          <p:style>
+            <a:lnRef idx="3">
+              <a:schemeClr val="accent2"/>
+            </a:lnRef>
+            <a:fillRef idx="0">
+              <a:schemeClr val="accent2"/>
+            </a:fillRef>
+            <a:effectRef idx="2">
+              <a:schemeClr val="accent2"/>
+            </a:effectRef>
+            <a:fontRef idx="minor">
+              <a:schemeClr val="tx1"/>
+            </a:fontRef>
+          </p:style>
+        </p:cxnSp>
+      </p:grpSp>
+      <p:grpSp>
+        <p:nvGrpSpPr>
+          <p:cNvPr id="81" name="Group 80">
+            <a:extLst>
+              <a:ext uri="{FF2B5EF4-FFF2-40B4-BE49-F238E27FC236}">
+                <a16:creationId xmlns:a16="http://schemas.microsoft.com/office/drawing/2014/main" id="{1C40D295-1261-41F1-A7E4-B3196F754213}"/>
+              </a:ext>
+            </a:extLst>
+          </p:cNvPr>
+          <p:cNvGrpSpPr/>
+          <p:nvPr/>
+        </p:nvGrpSpPr>
+        <p:grpSpPr>
+          <a:xfrm>
+            <a:off x="4772025" y="4137026"/>
+            <a:ext cx="2276475" cy="1133474"/>
+            <a:chOff x="4772025" y="4137026"/>
+            <a:chExt cx="2276475" cy="1133474"/>
+          </a:xfrm>
+        </p:grpSpPr>
+        <p:cxnSp>
+          <p:nvCxnSpPr>
+            <p:cNvPr id="74" name="Straight Connector 73">
+              <a:extLst>
+                <a:ext uri="{FF2B5EF4-FFF2-40B4-BE49-F238E27FC236}">
+                  <a16:creationId xmlns:a16="http://schemas.microsoft.com/office/drawing/2014/main" id="{D0FA7DD8-BAD8-4CC6-9FC2-503A04A90E4B}"/>
+                </a:ext>
+              </a:extLst>
+            </p:cNvPr>
+            <p:cNvCxnSpPr/>
+            <p:nvPr/>
+          </p:nvCxnSpPr>
+          <p:spPr>
+            <a:xfrm>
+              <a:off x="4772025" y="4140200"/>
+              <a:ext cx="708025" cy="0"/>
+            </a:xfrm>
+            <a:prstGeom prst="line">
+              <a:avLst/>
+            </a:prstGeom>
+          </p:spPr>
+          <p:style>
+            <a:lnRef idx="3">
+              <a:schemeClr val="accent2"/>
+            </a:lnRef>
+            <a:fillRef idx="0">
+              <a:schemeClr val="accent2"/>
+            </a:fillRef>
+            <a:effectRef idx="2">
+              <a:schemeClr val="accent2"/>
+            </a:effectRef>
+            <a:fontRef idx="minor">
+              <a:schemeClr val="tx1"/>
+            </a:fontRef>
+          </p:style>
+        </p:cxnSp>
+        <p:cxnSp>
+          <p:nvCxnSpPr>
+            <p:cNvPr id="76" name="Straight Connector 75">
+              <a:extLst>
+                <a:ext uri="{FF2B5EF4-FFF2-40B4-BE49-F238E27FC236}">
+                  <a16:creationId xmlns:a16="http://schemas.microsoft.com/office/drawing/2014/main" id="{AE1B9CC9-B572-4EBD-88BB-C87C25A039B3}"/>
+                </a:ext>
+              </a:extLst>
+            </p:cNvPr>
+            <p:cNvCxnSpPr>
+              <a:cxnSpLocks/>
+            </p:cNvCxnSpPr>
+            <p:nvPr/>
+          </p:nvCxnSpPr>
+          <p:spPr>
+            <a:xfrm flipV="1">
+              <a:off x="5473700" y="4137026"/>
+              <a:ext cx="0" cy="1133474"/>
+            </a:xfrm>
+            <a:prstGeom prst="line">
+              <a:avLst/>
+            </a:prstGeom>
+          </p:spPr>
+          <p:style>
+            <a:lnRef idx="3">
+              <a:schemeClr val="accent2"/>
+            </a:lnRef>
+            <a:fillRef idx="0">
+              <a:schemeClr val="accent2"/>
+            </a:fillRef>
+            <a:effectRef idx="2">
+              <a:schemeClr val="accent2"/>
+            </a:effectRef>
+            <a:fontRef idx="minor">
+              <a:schemeClr val="tx1"/>
+            </a:fontRef>
+          </p:style>
+        </p:cxnSp>
+        <p:cxnSp>
+          <p:nvCxnSpPr>
+            <p:cNvPr id="78" name="Straight Connector 77">
+              <a:extLst>
+                <a:ext uri="{FF2B5EF4-FFF2-40B4-BE49-F238E27FC236}">
+                  <a16:creationId xmlns:a16="http://schemas.microsoft.com/office/drawing/2014/main" id="{CB96EBE8-58F1-4767-819D-B89092B4736F}"/>
+                </a:ext>
+              </a:extLst>
+            </p:cNvPr>
+            <p:cNvCxnSpPr>
+              <a:cxnSpLocks/>
+            </p:cNvCxnSpPr>
+            <p:nvPr/>
+          </p:nvCxnSpPr>
+          <p:spPr>
+            <a:xfrm flipV="1">
+              <a:off x="7048500" y="4137026"/>
+              <a:ext cx="0" cy="1133474"/>
+            </a:xfrm>
+            <a:prstGeom prst="line">
+              <a:avLst/>
+            </a:prstGeom>
+          </p:spPr>
+          <p:style>
+            <a:lnRef idx="3">
+              <a:schemeClr val="accent2"/>
+            </a:lnRef>
+            <a:fillRef idx="0">
+              <a:schemeClr val="accent2"/>
+            </a:fillRef>
+            <a:effectRef idx="2">
+              <a:schemeClr val="accent2"/>
+            </a:effectRef>
+            <a:fontRef idx="minor">
+              <a:schemeClr val="tx1"/>
+            </a:fontRef>
+          </p:style>
+        </p:cxnSp>
+        <p:cxnSp>
+          <p:nvCxnSpPr>
+            <p:cNvPr id="80" name="Straight Connector 79">
+              <a:extLst>
+                <a:ext uri="{FF2B5EF4-FFF2-40B4-BE49-F238E27FC236}">
+                  <a16:creationId xmlns:a16="http://schemas.microsoft.com/office/drawing/2014/main" id="{29CCE77B-5FDD-4F42-BE63-C7D3B372DAD3}"/>
+                </a:ext>
+              </a:extLst>
+            </p:cNvPr>
+            <p:cNvCxnSpPr/>
+            <p:nvPr/>
+          </p:nvCxnSpPr>
+          <p:spPr>
+            <a:xfrm flipH="1">
+              <a:off x="5473700" y="4137026"/>
+              <a:ext cx="1571625" cy="0"/>
+            </a:xfrm>
+            <a:prstGeom prst="line">
+              <a:avLst/>
+            </a:prstGeom>
+          </p:spPr>
+          <p:style>
+            <a:lnRef idx="3">
+              <a:schemeClr val="accent2"/>
+            </a:lnRef>
+            <a:fillRef idx="0">
+              <a:schemeClr val="accent2"/>
+            </a:fillRef>
+            <a:effectRef idx="2">
+              <a:schemeClr val="accent2"/>
+            </a:effectRef>
+            <a:fontRef idx="minor">
+              <a:schemeClr val="tx1"/>
+            </a:fontRef>
+          </p:style>
+        </p:cxnSp>
+      </p:grpSp>
+      <p:grpSp>
+        <p:nvGrpSpPr>
+          <p:cNvPr id="72" name="Group 71">
+            <a:extLst>
+              <a:ext uri="{FF2B5EF4-FFF2-40B4-BE49-F238E27FC236}">
+                <a16:creationId xmlns:a16="http://schemas.microsoft.com/office/drawing/2014/main" id="{F04CD500-FC2D-4F30-910A-5B5B78D1F1C3}"/>
+              </a:ext>
+            </a:extLst>
+          </p:cNvPr>
+          <p:cNvGrpSpPr/>
+          <p:nvPr/>
+        </p:nvGrpSpPr>
+        <p:grpSpPr>
+          <a:xfrm>
+            <a:off x="4772025" y="4664075"/>
+            <a:ext cx="3289300" cy="581025"/>
+            <a:chOff x="4772025" y="4664075"/>
+            <a:chExt cx="3289300" cy="581025"/>
+          </a:xfrm>
+        </p:grpSpPr>
+        <p:cxnSp>
+          <p:nvCxnSpPr>
+            <p:cNvPr id="66" name="Straight Connector 65">
+              <a:extLst>
+                <a:ext uri="{FF2B5EF4-FFF2-40B4-BE49-F238E27FC236}">
+                  <a16:creationId xmlns:a16="http://schemas.microsoft.com/office/drawing/2014/main" id="{71B376ED-55F9-4934-ABDB-63209090F5AF}"/>
+                </a:ext>
+              </a:extLst>
+            </p:cNvPr>
+            <p:cNvCxnSpPr/>
+            <p:nvPr/>
+          </p:nvCxnSpPr>
+          <p:spPr>
+            <a:xfrm>
+              <a:off x="4772025" y="4667250"/>
+              <a:ext cx="538163" cy="0"/>
+            </a:xfrm>
+            <a:prstGeom prst="line">
+              <a:avLst/>
+            </a:prstGeom>
+          </p:spPr>
+          <p:style>
+            <a:lnRef idx="3">
+              <a:schemeClr val="accent2"/>
+            </a:lnRef>
+            <a:fillRef idx="0">
+              <a:schemeClr val="accent2"/>
+            </a:fillRef>
+            <a:effectRef idx="2">
+              <a:schemeClr val="accent2"/>
+            </a:effectRef>
+            <a:fontRef idx="minor">
+              <a:schemeClr val="tx1"/>
+            </a:fontRef>
+          </p:style>
+        </p:cxnSp>
+        <p:cxnSp>
+          <p:nvCxnSpPr>
+            <p:cNvPr id="68" name="Straight Connector 67">
+              <a:extLst>
+                <a:ext uri="{FF2B5EF4-FFF2-40B4-BE49-F238E27FC236}">
+                  <a16:creationId xmlns:a16="http://schemas.microsoft.com/office/drawing/2014/main" id="{399F467D-C9CC-4903-9382-99F94E8C745B}"/>
+                </a:ext>
+              </a:extLst>
+            </p:cNvPr>
+            <p:cNvCxnSpPr/>
+            <p:nvPr/>
+          </p:nvCxnSpPr>
+          <p:spPr>
+            <a:xfrm flipV="1">
+              <a:off x="5311775" y="4667250"/>
+              <a:ext cx="0" cy="577850"/>
+            </a:xfrm>
+            <a:prstGeom prst="line">
+              <a:avLst/>
+            </a:prstGeom>
+          </p:spPr>
+          <p:style>
+            <a:lnRef idx="3">
+              <a:schemeClr val="accent2"/>
+            </a:lnRef>
+            <a:fillRef idx="0">
+              <a:schemeClr val="accent2"/>
+            </a:fillRef>
+            <a:effectRef idx="2">
+              <a:schemeClr val="accent2"/>
+            </a:effectRef>
+            <a:fontRef idx="minor">
+              <a:schemeClr val="tx1"/>
+            </a:fontRef>
+          </p:style>
+        </p:cxnSp>
+        <p:cxnSp>
+          <p:nvCxnSpPr>
+            <p:cNvPr id="70" name="Straight Connector 69">
+              <a:extLst>
+                <a:ext uri="{FF2B5EF4-FFF2-40B4-BE49-F238E27FC236}">
+                  <a16:creationId xmlns:a16="http://schemas.microsoft.com/office/drawing/2014/main" id="{7310B196-11EE-4599-A4B1-2DCDC5B89D98}"/>
+                </a:ext>
+              </a:extLst>
+            </p:cNvPr>
+            <p:cNvCxnSpPr/>
+            <p:nvPr/>
+          </p:nvCxnSpPr>
+          <p:spPr>
+            <a:xfrm flipH="1">
+              <a:off x="5310188" y="4667250"/>
+              <a:ext cx="2751137" cy="0"/>
+            </a:xfrm>
+            <a:prstGeom prst="line">
+              <a:avLst/>
+            </a:prstGeom>
+          </p:spPr>
+          <p:style>
+            <a:lnRef idx="3">
+              <a:schemeClr val="accent2"/>
+            </a:lnRef>
+            <a:fillRef idx="0">
+              <a:schemeClr val="accent2"/>
+            </a:fillRef>
+            <a:effectRef idx="2">
+              <a:schemeClr val="accent2"/>
+            </a:effectRef>
+            <a:fontRef idx="minor">
+              <a:schemeClr val="tx1"/>
+            </a:fontRef>
+          </p:style>
+        </p:cxnSp>
+        <p:cxnSp>
+          <p:nvCxnSpPr>
+            <p:cNvPr id="71" name="Straight Connector 70">
+              <a:extLst>
+                <a:ext uri="{FF2B5EF4-FFF2-40B4-BE49-F238E27FC236}">
+                  <a16:creationId xmlns:a16="http://schemas.microsoft.com/office/drawing/2014/main" id="{76A47FD0-9814-4AC1-8832-F0C563C97D41}"/>
+                </a:ext>
+              </a:extLst>
+            </p:cNvPr>
+            <p:cNvCxnSpPr/>
+            <p:nvPr/>
+          </p:nvCxnSpPr>
+          <p:spPr>
+            <a:xfrm flipV="1">
+              <a:off x="8061325" y="4664075"/>
+              <a:ext cx="0" cy="577850"/>
+            </a:xfrm>
+            <a:prstGeom prst="line">
+              <a:avLst/>
+            </a:prstGeom>
+          </p:spPr>
+          <p:style>
+            <a:lnRef idx="3">
+              <a:schemeClr val="accent2"/>
+            </a:lnRef>
+            <a:fillRef idx="0">
+              <a:schemeClr val="accent2"/>
+            </a:fillRef>
+            <a:effectRef idx="2">
+              <a:schemeClr val="accent2"/>
+            </a:effectRef>
+            <a:fontRef idx="minor">
+              <a:schemeClr val="tx1"/>
+            </a:fontRef>
+          </p:style>
+        </p:cxnSp>
+      </p:grpSp>
+      <p:sp>
+        <p:nvSpPr>
+          <p:cNvPr id="95" name="TextBox 94">
+            <a:extLst>
+              <a:ext uri="{FF2B5EF4-FFF2-40B4-BE49-F238E27FC236}">
+                <a16:creationId xmlns:a16="http://schemas.microsoft.com/office/drawing/2014/main" id="{DEBFAACB-B80B-4A9D-821B-5368CCBEF35B}"/>
+              </a:ext>
+            </a:extLst>
+          </p:cNvPr>
+          <p:cNvSpPr txBox="1"/>
+          <p:nvPr/>
+        </p:nvSpPr>
+        <p:spPr>
+          <a:xfrm>
+            <a:off x="2874289" y="1021441"/>
+            <a:ext cx="198220" cy="369332"/>
+          </a:xfrm>
+          <a:prstGeom prst="rect">
+            <a:avLst/>
+          </a:prstGeom>
+          <a:noFill/>
+        </p:spPr>
+        <p:txBody>
+          <a:bodyPr wrap="square" rtlCol="0">
+            <a:spAutoFit/>
+          </a:bodyPr>
+          <a:lstStyle/>
+          <a:p>
+            <a:r>
+              <a:rPr lang="fr-CA" dirty="0">
+                <a:solidFill>
+                  <a:srgbClr val="FD4901"/>
+                </a:solidFill>
+                <a:latin typeface="+mj-lt"/>
+              </a:rPr>
+              <a:t>1</a:t>
+            </a:r>
+            <a:endParaRPr lang="en-CA" dirty="0">
+              <a:solidFill>
+                <a:srgbClr val="FD4901"/>
+              </a:solidFill>
+              <a:latin typeface="+mj-lt"/>
+            </a:endParaRPr>
+          </a:p>
+        </p:txBody>
+      </p:sp>
+      <p:sp>
+        <p:nvSpPr>
+          <p:cNvPr id="96" name="TextBox 95">
+            <a:extLst>
+              <a:ext uri="{FF2B5EF4-FFF2-40B4-BE49-F238E27FC236}">
+                <a16:creationId xmlns:a16="http://schemas.microsoft.com/office/drawing/2014/main" id="{53231E74-9699-446B-A8D7-9E3F096DAFF2}"/>
+              </a:ext>
+            </a:extLst>
+          </p:cNvPr>
+          <p:cNvSpPr txBox="1"/>
+          <p:nvPr/>
+        </p:nvSpPr>
+        <p:spPr>
+          <a:xfrm>
+            <a:off x="3338863" y="1020409"/>
+            <a:ext cx="198220" cy="369332"/>
+          </a:xfrm>
+          <a:prstGeom prst="rect">
+            <a:avLst/>
+          </a:prstGeom>
+          <a:noFill/>
+        </p:spPr>
+        <p:txBody>
+          <a:bodyPr wrap="square" rtlCol="0">
+            <a:spAutoFit/>
+          </a:bodyPr>
+          <a:lstStyle/>
+          <a:p>
+            <a:r>
+              <a:rPr lang="fr-CA" dirty="0">
+                <a:solidFill>
+                  <a:srgbClr val="00B0F0"/>
+                </a:solidFill>
+                <a:latin typeface="+mj-lt"/>
+              </a:rPr>
+              <a:t>0</a:t>
+            </a:r>
+            <a:endParaRPr lang="en-CA" dirty="0">
+              <a:solidFill>
+                <a:srgbClr val="00B0F0"/>
+              </a:solidFill>
+              <a:latin typeface="+mj-lt"/>
+            </a:endParaRPr>
+          </a:p>
+        </p:txBody>
+      </p:sp>
+      <p:sp>
+        <p:nvSpPr>
+          <p:cNvPr id="97" name="TextBox 96">
+            <a:extLst>
+              <a:ext uri="{FF2B5EF4-FFF2-40B4-BE49-F238E27FC236}">
+                <a16:creationId xmlns:a16="http://schemas.microsoft.com/office/drawing/2014/main" id="{8E989789-5C4A-4082-A367-8FE3921FC521}"/>
+              </a:ext>
+            </a:extLst>
+          </p:cNvPr>
+          <p:cNvSpPr txBox="1"/>
+          <p:nvPr/>
+        </p:nvSpPr>
+        <p:spPr>
+          <a:xfrm>
+            <a:off x="3835446" y="1020409"/>
+            <a:ext cx="198220" cy="369332"/>
+          </a:xfrm>
+          <a:prstGeom prst="rect">
+            <a:avLst/>
+          </a:prstGeom>
+          <a:noFill/>
+        </p:spPr>
+        <p:txBody>
+          <a:bodyPr wrap="square" rtlCol="0">
+            <a:spAutoFit/>
+          </a:bodyPr>
+          <a:lstStyle/>
+          <a:p>
+            <a:r>
+              <a:rPr lang="fr-CA" dirty="0">
+                <a:solidFill>
+                  <a:srgbClr val="FD4901"/>
+                </a:solidFill>
+                <a:latin typeface="+mj-lt"/>
+              </a:rPr>
+              <a:t>1</a:t>
+            </a:r>
+            <a:endParaRPr lang="en-CA" dirty="0">
+              <a:solidFill>
+                <a:srgbClr val="FD4901"/>
+              </a:solidFill>
+              <a:latin typeface="+mj-lt"/>
+            </a:endParaRPr>
+          </a:p>
+        </p:txBody>
+      </p:sp>
+      <p:sp>
+        <p:nvSpPr>
+          <p:cNvPr id="98" name="TextBox 97">
+            <a:extLst>
+              <a:ext uri="{FF2B5EF4-FFF2-40B4-BE49-F238E27FC236}">
+                <a16:creationId xmlns:a16="http://schemas.microsoft.com/office/drawing/2014/main" id="{D4432211-EAFB-4613-B653-59A9DDD21C2F}"/>
+              </a:ext>
+            </a:extLst>
+          </p:cNvPr>
+          <p:cNvSpPr txBox="1"/>
+          <p:nvPr/>
+        </p:nvSpPr>
+        <p:spPr>
+          <a:xfrm>
+            <a:off x="5244419" y="6019801"/>
+            <a:ext cx="198220" cy="369332"/>
+          </a:xfrm>
+          <a:prstGeom prst="rect">
+            <a:avLst/>
+          </a:prstGeom>
+          <a:noFill/>
+        </p:spPr>
+        <p:txBody>
+          <a:bodyPr wrap="square" rtlCol="0">
+            <a:spAutoFit/>
+          </a:bodyPr>
+          <a:lstStyle/>
+          <a:p>
+            <a:r>
+              <a:rPr lang="fr-CA" dirty="0">
+                <a:solidFill>
+                  <a:srgbClr val="FD4901"/>
+                </a:solidFill>
+                <a:latin typeface="+mj-lt"/>
+              </a:rPr>
+              <a:t>1</a:t>
+            </a:r>
+            <a:endParaRPr lang="en-CA" dirty="0">
+              <a:solidFill>
+                <a:srgbClr val="FD4901"/>
+              </a:solidFill>
+              <a:latin typeface="+mj-lt"/>
+            </a:endParaRPr>
+          </a:p>
+        </p:txBody>
+      </p:sp>
+      <p:sp>
+        <p:nvSpPr>
+          <p:cNvPr id="99" name="TextBox 98">
+            <a:extLst>
+              <a:ext uri="{FF2B5EF4-FFF2-40B4-BE49-F238E27FC236}">
+                <a16:creationId xmlns:a16="http://schemas.microsoft.com/office/drawing/2014/main" id="{73EF2CA6-E7C4-416F-B244-20C46F0EA345}"/>
+              </a:ext>
+            </a:extLst>
+          </p:cNvPr>
+          <p:cNvSpPr txBox="1"/>
+          <p:nvPr/>
+        </p:nvSpPr>
+        <p:spPr>
+          <a:xfrm>
+            <a:off x="6962282" y="6025397"/>
+            <a:ext cx="198220" cy="369332"/>
+          </a:xfrm>
+          <a:prstGeom prst="rect">
+            <a:avLst/>
+          </a:prstGeom>
+          <a:noFill/>
+        </p:spPr>
+        <p:txBody>
+          <a:bodyPr wrap="square" rtlCol="0">
+            <a:spAutoFit/>
+          </a:bodyPr>
+          <a:lstStyle/>
+          <a:p>
+            <a:r>
+              <a:rPr lang="fr-CA" dirty="0">
+                <a:solidFill>
+                  <a:srgbClr val="FD4901"/>
+                </a:solidFill>
+                <a:latin typeface="+mj-lt"/>
+              </a:rPr>
+              <a:t>1</a:t>
+            </a:r>
+            <a:endParaRPr lang="en-CA" dirty="0">
+              <a:solidFill>
+                <a:srgbClr val="FD4901"/>
+              </a:solidFill>
+              <a:latin typeface="+mj-lt"/>
+            </a:endParaRPr>
+          </a:p>
+        </p:txBody>
+      </p:sp>
+      <p:sp>
+        <p:nvSpPr>
+          <p:cNvPr id="100" name="TextBox 99">
+            <a:extLst>
+              <a:ext uri="{FF2B5EF4-FFF2-40B4-BE49-F238E27FC236}">
+                <a16:creationId xmlns:a16="http://schemas.microsoft.com/office/drawing/2014/main" id="{8C3BD572-7834-483E-95F9-C3B300D43D5E}"/>
+              </a:ext>
+            </a:extLst>
+          </p:cNvPr>
+          <p:cNvSpPr txBox="1"/>
+          <p:nvPr/>
+        </p:nvSpPr>
+        <p:spPr>
+          <a:xfrm>
+            <a:off x="7827311" y="6019801"/>
+            <a:ext cx="198220" cy="369332"/>
+          </a:xfrm>
+          <a:prstGeom prst="rect">
+            <a:avLst/>
+          </a:prstGeom>
+          <a:noFill/>
+        </p:spPr>
+        <p:txBody>
+          <a:bodyPr wrap="square" rtlCol="0">
+            <a:spAutoFit/>
+          </a:bodyPr>
+          <a:lstStyle/>
+          <a:p>
+            <a:r>
+              <a:rPr lang="fr-CA" dirty="0">
+                <a:solidFill>
+                  <a:srgbClr val="FD4901"/>
+                </a:solidFill>
+                <a:latin typeface="+mj-lt"/>
+              </a:rPr>
+              <a:t>1</a:t>
+            </a:r>
+            <a:endParaRPr lang="en-CA" dirty="0">
+              <a:solidFill>
+                <a:srgbClr val="FD4901"/>
+              </a:solidFill>
+              <a:latin typeface="+mj-lt"/>
+            </a:endParaRPr>
+          </a:p>
+        </p:txBody>
+      </p:sp>
+      <p:sp>
+        <p:nvSpPr>
+          <p:cNvPr id="101" name="TextBox 100">
+            <a:extLst>
+              <a:ext uri="{FF2B5EF4-FFF2-40B4-BE49-F238E27FC236}">
+                <a16:creationId xmlns:a16="http://schemas.microsoft.com/office/drawing/2014/main" id="{2E242AA4-6169-437B-A46E-E2E8CE4D788C}"/>
+              </a:ext>
+            </a:extLst>
+          </p:cNvPr>
+          <p:cNvSpPr txBox="1"/>
+          <p:nvPr/>
+        </p:nvSpPr>
+        <p:spPr>
+          <a:xfrm>
+            <a:off x="6090170" y="6016686"/>
+            <a:ext cx="198220" cy="369332"/>
+          </a:xfrm>
+          <a:prstGeom prst="rect">
+            <a:avLst/>
+          </a:prstGeom>
+          <a:noFill/>
+        </p:spPr>
+        <p:txBody>
+          <a:bodyPr wrap="square" rtlCol="0">
+            <a:spAutoFit/>
+          </a:bodyPr>
+          <a:lstStyle/>
+          <a:p>
+            <a:r>
+              <a:rPr lang="fr-CA" dirty="0">
+                <a:solidFill>
+                  <a:srgbClr val="00B0F0"/>
+                </a:solidFill>
+                <a:latin typeface="+mj-lt"/>
+              </a:rPr>
+              <a:t>0</a:t>
+            </a:r>
+            <a:endParaRPr lang="en-CA" dirty="0">
+              <a:solidFill>
+                <a:srgbClr val="00B0F0"/>
+              </a:solidFill>
+              <a:latin typeface="+mj-lt"/>
+            </a:endParaRPr>
+          </a:p>
+        </p:txBody>
+      </p:sp>
+      <p:grpSp>
+        <p:nvGrpSpPr>
+          <p:cNvPr id="120" name="Group 119">
+            <a:extLst>
+              <a:ext uri="{FF2B5EF4-FFF2-40B4-BE49-F238E27FC236}">
+                <a16:creationId xmlns:a16="http://schemas.microsoft.com/office/drawing/2014/main" id="{413CDC25-0131-400C-ACB4-9C502E399072}"/>
+              </a:ext>
+            </a:extLst>
+          </p:cNvPr>
+          <p:cNvGrpSpPr/>
+          <p:nvPr/>
+        </p:nvGrpSpPr>
+        <p:grpSpPr>
+          <a:xfrm>
+            <a:off x="2965890" y="2385484"/>
+            <a:ext cx="5174017" cy="2369345"/>
+            <a:chOff x="2965890" y="2385484"/>
+            <a:chExt cx="5174017" cy="2369345"/>
+          </a:xfrm>
+        </p:grpSpPr>
+        <p:sp>
+          <p:nvSpPr>
+            <p:cNvPr id="102" name="Oval 101">
+              <a:extLst>
+                <a:ext uri="{FF2B5EF4-FFF2-40B4-BE49-F238E27FC236}">
+                  <a16:creationId xmlns:a16="http://schemas.microsoft.com/office/drawing/2014/main" id="{596BBE18-AAAA-4916-9D18-A242218D9217}"/>
+                </a:ext>
+              </a:extLst>
+            </p:cNvPr>
+            <p:cNvSpPr/>
+            <p:nvPr/>
+          </p:nvSpPr>
+          <p:spPr>
+            <a:xfrm>
+              <a:off x="3208746" y="2932377"/>
+              <a:ext cx="149165" cy="138642"/>
+            </a:xfrm>
+            <a:prstGeom prst="ellipse">
+              <a:avLst/>
+            </a:prstGeom>
+            <a:noFill/>
+            <a:ln>
+              <a:solidFill>
+                <a:srgbClr val="FD4901"/>
+              </a:solidFill>
+            </a:ln>
+          </p:spPr>
+          <p:style>
+            <a:lnRef idx="2">
+              <a:schemeClr val="accent1">
+                <a:shade val="50000"/>
+              </a:schemeClr>
+            </a:lnRef>
+            <a:fillRef idx="1">
+              <a:schemeClr val="accent1"/>
+            </a:fillRef>
+            <a:effectRef idx="0">
+              <a:schemeClr val="accent1"/>
+            </a:effectRef>
+            <a:fontRef idx="minor">
+              <a:schemeClr val="lt1"/>
+            </a:fontRef>
+          </p:style>
+          <p:txBody>
+            <a:bodyPr rtlCol="0" anchor="ctr"/>
+            <a:lstStyle/>
+            <a:p>
+              <a:pPr algn="ctr"/>
+              <a:endParaRPr lang="en-CA"/>
+            </a:p>
+          </p:txBody>
+        </p:sp>
+        <p:grpSp>
+          <p:nvGrpSpPr>
+            <p:cNvPr id="119" name="Group 118">
+              <a:extLst>
+                <a:ext uri="{FF2B5EF4-FFF2-40B4-BE49-F238E27FC236}">
+                  <a16:creationId xmlns:a16="http://schemas.microsoft.com/office/drawing/2014/main" id="{E805E890-F568-4AE5-8146-273A010AD4AD}"/>
+                </a:ext>
+              </a:extLst>
+            </p:cNvPr>
+            <p:cNvGrpSpPr/>
+            <p:nvPr/>
+          </p:nvGrpSpPr>
+          <p:grpSpPr>
+            <a:xfrm>
+              <a:off x="2965890" y="2385484"/>
+              <a:ext cx="5174017" cy="2369345"/>
+              <a:chOff x="2965890" y="2385484"/>
+              <a:chExt cx="5174017" cy="2369345"/>
+            </a:xfrm>
+          </p:grpSpPr>
+          <p:sp>
+            <p:nvSpPr>
+              <p:cNvPr id="103" name="Oval 102">
+                <a:extLst>
+                  <a:ext uri="{FF2B5EF4-FFF2-40B4-BE49-F238E27FC236}">
+                    <a16:creationId xmlns:a16="http://schemas.microsoft.com/office/drawing/2014/main" id="{5EF286C8-0A5C-4CFD-9647-023834C73B64}"/>
+                  </a:ext>
+                </a:extLst>
+              </p:cNvPr>
+              <p:cNvSpPr/>
+              <p:nvPr/>
+            </p:nvSpPr>
+            <p:spPr>
+              <a:xfrm>
+                <a:off x="2978211" y="2385484"/>
+                <a:ext cx="149165" cy="138642"/>
+              </a:xfrm>
+              <a:prstGeom prst="ellipse">
+                <a:avLst/>
+              </a:prstGeom>
+              <a:noFill/>
+              <a:ln>
+                <a:solidFill>
+                  <a:srgbClr val="FD4901"/>
+                </a:solidFill>
+              </a:ln>
+            </p:spPr>
+            <p:style>
+              <a:lnRef idx="2">
+                <a:schemeClr val="accent1">
+                  <a:shade val="50000"/>
+                </a:schemeClr>
+              </a:lnRef>
+              <a:fillRef idx="1">
+                <a:schemeClr val="accent1"/>
+              </a:fillRef>
+              <a:effectRef idx="0">
+                <a:schemeClr val="accent1"/>
+              </a:effectRef>
+              <a:fontRef idx="minor">
+                <a:schemeClr val="lt1"/>
+              </a:fontRef>
+            </p:style>
+            <p:txBody>
+              <a:bodyPr rtlCol="0" anchor="ctr"/>
+              <a:lstStyle/>
+              <a:p>
+                <a:pPr algn="ctr"/>
+                <a:endParaRPr lang="en-CA"/>
+              </a:p>
+            </p:txBody>
+          </p:sp>
+          <p:sp>
+            <p:nvSpPr>
+              <p:cNvPr id="104" name="Oval 103">
+                <a:extLst>
+                  <a:ext uri="{FF2B5EF4-FFF2-40B4-BE49-F238E27FC236}">
+                    <a16:creationId xmlns:a16="http://schemas.microsoft.com/office/drawing/2014/main" id="{31DE342F-0777-4CF9-B466-3AF4639F3415}"/>
+                  </a:ext>
+                </a:extLst>
+              </p:cNvPr>
+              <p:cNvSpPr/>
+              <p:nvPr/>
+            </p:nvSpPr>
+            <p:spPr>
+              <a:xfrm>
+                <a:off x="3443318" y="2540529"/>
+                <a:ext cx="149165" cy="138642"/>
+              </a:xfrm>
+              <a:prstGeom prst="ellipse">
+                <a:avLst/>
+              </a:prstGeom>
+              <a:noFill/>
+              <a:ln>
+                <a:solidFill>
+                  <a:srgbClr val="FD4901"/>
+                </a:solidFill>
+              </a:ln>
+            </p:spPr>
+            <p:style>
+              <a:lnRef idx="2">
+                <a:schemeClr val="accent1">
+                  <a:shade val="50000"/>
+                </a:schemeClr>
+              </a:lnRef>
+              <a:fillRef idx="1">
+                <a:schemeClr val="accent1"/>
+              </a:fillRef>
+              <a:effectRef idx="0">
+                <a:schemeClr val="accent1"/>
+              </a:effectRef>
+              <a:fontRef idx="minor">
+                <a:schemeClr val="lt1"/>
+              </a:fontRef>
+            </p:style>
+            <p:txBody>
+              <a:bodyPr rtlCol="0" anchor="ctr"/>
+              <a:lstStyle/>
+              <a:p>
+                <a:pPr algn="ctr"/>
+                <a:endParaRPr lang="en-CA"/>
+              </a:p>
+            </p:txBody>
+          </p:sp>
+          <p:sp>
+            <p:nvSpPr>
+              <p:cNvPr id="105" name="Oval 104">
+                <a:extLst>
+                  <a:ext uri="{FF2B5EF4-FFF2-40B4-BE49-F238E27FC236}">
+                    <a16:creationId xmlns:a16="http://schemas.microsoft.com/office/drawing/2014/main" id="{96A6F70D-5FF6-4F73-A264-30967B3B997E}"/>
+                  </a:ext>
+                </a:extLst>
+              </p:cNvPr>
+              <p:cNvSpPr/>
+              <p:nvPr/>
+            </p:nvSpPr>
+            <p:spPr>
+              <a:xfrm>
+                <a:off x="3922742" y="3084542"/>
+                <a:ext cx="149165" cy="138642"/>
+              </a:xfrm>
+              <a:prstGeom prst="ellipse">
+                <a:avLst/>
+              </a:prstGeom>
+              <a:noFill/>
+              <a:ln>
+                <a:solidFill>
+                  <a:srgbClr val="FD4901"/>
+                </a:solidFill>
+              </a:ln>
+            </p:spPr>
+            <p:style>
+              <a:lnRef idx="2">
+                <a:schemeClr val="accent1">
+                  <a:shade val="50000"/>
+                </a:schemeClr>
+              </a:lnRef>
+              <a:fillRef idx="1">
+                <a:schemeClr val="accent1"/>
+              </a:fillRef>
+              <a:effectRef idx="0">
+                <a:schemeClr val="accent1"/>
+              </a:effectRef>
+              <a:fontRef idx="minor">
+                <a:schemeClr val="lt1"/>
+              </a:fontRef>
+            </p:style>
+            <p:txBody>
+              <a:bodyPr rtlCol="0" anchor="ctr"/>
+              <a:lstStyle/>
+              <a:p>
+                <a:pPr algn="ctr"/>
+                <a:endParaRPr lang="en-CA"/>
+              </a:p>
+            </p:txBody>
+          </p:sp>
+          <p:sp>
+            <p:nvSpPr>
+              <p:cNvPr id="106" name="Oval 105">
+                <a:extLst>
+                  <a:ext uri="{FF2B5EF4-FFF2-40B4-BE49-F238E27FC236}">
+                    <a16:creationId xmlns:a16="http://schemas.microsoft.com/office/drawing/2014/main" id="{F919ADED-1184-4157-B5D3-2846E81C7FF0}"/>
+                  </a:ext>
+                </a:extLst>
+              </p:cNvPr>
+              <p:cNvSpPr/>
+              <p:nvPr/>
+            </p:nvSpPr>
+            <p:spPr>
+              <a:xfrm>
+                <a:off x="2972684" y="3451754"/>
+                <a:ext cx="149165" cy="138642"/>
+              </a:xfrm>
+              <a:prstGeom prst="ellipse">
+                <a:avLst/>
+              </a:prstGeom>
+              <a:noFill/>
+              <a:ln>
+                <a:solidFill>
+                  <a:srgbClr val="FD4901"/>
+                </a:solidFill>
+              </a:ln>
+            </p:spPr>
+            <p:style>
+              <a:lnRef idx="2">
+                <a:schemeClr val="accent1">
+                  <a:shade val="50000"/>
+                </a:schemeClr>
+              </a:lnRef>
+              <a:fillRef idx="1">
+                <a:schemeClr val="accent1"/>
+              </a:fillRef>
+              <a:effectRef idx="0">
+                <a:schemeClr val="accent1"/>
+              </a:effectRef>
+              <a:fontRef idx="minor">
+                <a:schemeClr val="lt1"/>
+              </a:fontRef>
+            </p:style>
+            <p:txBody>
+              <a:bodyPr rtlCol="0" anchor="ctr"/>
+              <a:lstStyle/>
+              <a:p>
+                <a:pPr algn="ctr"/>
+                <a:endParaRPr lang="en-CA"/>
+              </a:p>
+            </p:txBody>
+          </p:sp>
+          <p:sp>
+            <p:nvSpPr>
+              <p:cNvPr id="107" name="Oval 106">
+                <a:extLst>
+                  <a:ext uri="{FF2B5EF4-FFF2-40B4-BE49-F238E27FC236}">
+                    <a16:creationId xmlns:a16="http://schemas.microsoft.com/office/drawing/2014/main" id="{4B5E7556-406C-4057-8DCF-5DF99FD4D010}"/>
+                  </a:ext>
+                </a:extLst>
+              </p:cNvPr>
+              <p:cNvSpPr/>
+              <p:nvPr/>
+            </p:nvSpPr>
+            <p:spPr>
+              <a:xfrm>
+                <a:off x="3672739" y="3620029"/>
+                <a:ext cx="149165" cy="138642"/>
+              </a:xfrm>
+              <a:prstGeom prst="ellipse">
+                <a:avLst/>
+              </a:prstGeom>
+              <a:noFill/>
+              <a:ln>
+                <a:solidFill>
+                  <a:srgbClr val="FD4901"/>
+                </a:solidFill>
+              </a:ln>
+            </p:spPr>
+            <p:style>
+              <a:lnRef idx="2">
+                <a:schemeClr val="accent1">
+                  <a:shade val="50000"/>
+                </a:schemeClr>
+              </a:lnRef>
+              <a:fillRef idx="1">
+                <a:schemeClr val="accent1"/>
+              </a:fillRef>
+              <a:effectRef idx="0">
+                <a:schemeClr val="accent1"/>
+              </a:effectRef>
+              <a:fontRef idx="minor">
+                <a:schemeClr val="lt1"/>
+              </a:fontRef>
+            </p:style>
+            <p:txBody>
+              <a:bodyPr rtlCol="0" anchor="ctr"/>
+              <a:lstStyle/>
+              <a:p>
+                <a:pPr algn="ctr"/>
+                <a:endParaRPr lang="en-CA"/>
+              </a:p>
+            </p:txBody>
+          </p:sp>
+          <p:sp>
+            <p:nvSpPr>
+              <p:cNvPr id="108" name="Oval 107">
+                <a:extLst>
+                  <a:ext uri="{FF2B5EF4-FFF2-40B4-BE49-F238E27FC236}">
+                    <a16:creationId xmlns:a16="http://schemas.microsoft.com/office/drawing/2014/main" id="{3ECAC54F-016E-4C66-B018-D4ACE33670FD}"/>
+                  </a:ext>
+                </a:extLst>
+              </p:cNvPr>
+              <p:cNvSpPr/>
+              <p:nvPr/>
+            </p:nvSpPr>
+            <p:spPr>
+              <a:xfrm>
+                <a:off x="3216094" y="3989825"/>
+                <a:ext cx="149165" cy="138642"/>
+              </a:xfrm>
+              <a:prstGeom prst="ellipse">
+                <a:avLst/>
+              </a:prstGeom>
+              <a:noFill/>
+              <a:ln>
+                <a:solidFill>
+                  <a:srgbClr val="FD4901"/>
+                </a:solidFill>
+              </a:ln>
+            </p:spPr>
+            <p:style>
+              <a:lnRef idx="2">
+                <a:schemeClr val="accent1">
+                  <a:shade val="50000"/>
+                </a:schemeClr>
+              </a:lnRef>
+              <a:fillRef idx="1">
+                <a:schemeClr val="accent1"/>
+              </a:fillRef>
+              <a:effectRef idx="0">
+                <a:schemeClr val="accent1"/>
+              </a:effectRef>
+              <a:fontRef idx="minor">
+                <a:schemeClr val="lt1"/>
+              </a:fontRef>
+            </p:style>
+            <p:txBody>
+              <a:bodyPr rtlCol="0" anchor="ctr"/>
+              <a:lstStyle/>
+              <a:p>
+                <a:pPr algn="ctr"/>
+                <a:endParaRPr lang="en-CA"/>
+              </a:p>
+            </p:txBody>
+          </p:sp>
+          <p:sp>
+            <p:nvSpPr>
+              <p:cNvPr id="109" name="Oval 108">
+                <a:extLst>
+                  <a:ext uri="{FF2B5EF4-FFF2-40B4-BE49-F238E27FC236}">
+                    <a16:creationId xmlns:a16="http://schemas.microsoft.com/office/drawing/2014/main" id="{D8FDB004-664B-4501-B0A0-E8EE2778FEAF}"/>
+                  </a:ext>
+                </a:extLst>
+              </p:cNvPr>
+              <p:cNvSpPr/>
+              <p:nvPr/>
+            </p:nvSpPr>
+            <p:spPr>
+              <a:xfrm>
+                <a:off x="3919568" y="4151342"/>
+                <a:ext cx="149165" cy="138642"/>
+              </a:xfrm>
+              <a:prstGeom prst="ellipse">
+                <a:avLst/>
+              </a:prstGeom>
+              <a:noFill/>
+              <a:ln>
+                <a:solidFill>
+                  <a:srgbClr val="FD4901"/>
+                </a:solidFill>
+              </a:ln>
+            </p:spPr>
+            <p:style>
+              <a:lnRef idx="2">
+                <a:schemeClr val="accent1">
+                  <a:shade val="50000"/>
+                </a:schemeClr>
+              </a:lnRef>
+              <a:fillRef idx="1">
+                <a:schemeClr val="accent1"/>
+              </a:fillRef>
+              <a:effectRef idx="0">
+                <a:schemeClr val="accent1"/>
+              </a:effectRef>
+              <a:fontRef idx="minor">
+                <a:schemeClr val="lt1"/>
+              </a:fontRef>
+            </p:style>
+            <p:txBody>
+              <a:bodyPr rtlCol="0" anchor="ctr"/>
+              <a:lstStyle/>
+              <a:p>
+                <a:pPr algn="ctr"/>
+                <a:endParaRPr lang="en-CA"/>
+              </a:p>
+            </p:txBody>
+          </p:sp>
+          <p:sp>
+            <p:nvSpPr>
+              <p:cNvPr id="110" name="Oval 109">
+                <a:extLst>
+                  <a:ext uri="{FF2B5EF4-FFF2-40B4-BE49-F238E27FC236}">
+                    <a16:creationId xmlns:a16="http://schemas.microsoft.com/office/drawing/2014/main" id="{80738BBA-46E2-48D0-85D8-6CA4BBB93D32}"/>
+                  </a:ext>
+                </a:extLst>
+              </p:cNvPr>
+              <p:cNvSpPr/>
+              <p:nvPr/>
+            </p:nvSpPr>
+            <p:spPr>
+              <a:xfrm>
+                <a:off x="2965890" y="4524479"/>
+                <a:ext cx="149165" cy="138642"/>
+              </a:xfrm>
+              <a:prstGeom prst="ellipse">
+                <a:avLst/>
+              </a:prstGeom>
+              <a:noFill/>
+              <a:ln>
+                <a:solidFill>
+                  <a:srgbClr val="FD4901"/>
+                </a:solidFill>
+              </a:ln>
+            </p:spPr>
+            <p:style>
+              <a:lnRef idx="2">
+                <a:schemeClr val="accent1">
+                  <a:shade val="50000"/>
+                </a:schemeClr>
+              </a:lnRef>
+              <a:fillRef idx="1">
+                <a:schemeClr val="accent1"/>
+              </a:fillRef>
+              <a:effectRef idx="0">
+                <a:schemeClr val="accent1"/>
+              </a:effectRef>
+              <a:fontRef idx="minor">
+                <a:schemeClr val="lt1"/>
+              </a:fontRef>
+            </p:style>
+            <p:txBody>
+              <a:bodyPr rtlCol="0" anchor="ctr"/>
+              <a:lstStyle/>
+              <a:p>
+                <a:pPr algn="ctr"/>
+                <a:endParaRPr lang="en-CA"/>
+              </a:p>
+            </p:txBody>
+          </p:sp>
+          <p:sp>
+            <p:nvSpPr>
+              <p:cNvPr id="111" name="Oval 110">
+                <a:extLst>
+                  <a:ext uri="{FF2B5EF4-FFF2-40B4-BE49-F238E27FC236}">
+                    <a16:creationId xmlns:a16="http://schemas.microsoft.com/office/drawing/2014/main" id="{D90538DE-94BB-438E-8CAE-7BA7578BFD32}"/>
+                  </a:ext>
+                </a:extLst>
+              </p:cNvPr>
+              <p:cNvSpPr/>
+              <p:nvPr/>
+            </p:nvSpPr>
+            <p:spPr>
+              <a:xfrm>
+                <a:off x="6260336" y="2461239"/>
+                <a:ext cx="149165" cy="138642"/>
+              </a:xfrm>
+              <a:prstGeom prst="ellipse">
+                <a:avLst/>
+              </a:prstGeom>
+              <a:noFill/>
+              <a:ln>
+                <a:solidFill>
+                  <a:srgbClr val="FD4901"/>
+                </a:solidFill>
+              </a:ln>
+            </p:spPr>
+            <p:style>
+              <a:lnRef idx="2">
+                <a:schemeClr val="accent1">
+                  <a:shade val="50000"/>
+                </a:schemeClr>
+              </a:lnRef>
+              <a:fillRef idx="1">
+                <a:schemeClr val="accent1"/>
+              </a:fillRef>
+              <a:effectRef idx="0">
+                <a:schemeClr val="accent1"/>
+              </a:effectRef>
+              <a:fontRef idx="minor">
+                <a:schemeClr val="lt1"/>
+              </a:fontRef>
+            </p:style>
+            <p:txBody>
+              <a:bodyPr rtlCol="0" anchor="ctr"/>
+              <a:lstStyle/>
+              <a:p>
+                <a:pPr algn="ctr"/>
+                <a:endParaRPr lang="en-CA"/>
+              </a:p>
+            </p:txBody>
+          </p:sp>
+          <p:sp>
+            <p:nvSpPr>
+              <p:cNvPr id="112" name="Oval 111">
+                <a:extLst>
+                  <a:ext uri="{FF2B5EF4-FFF2-40B4-BE49-F238E27FC236}">
+                    <a16:creationId xmlns:a16="http://schemas.microsoft.com/office/drawing/2014/main" id="{EC2CE051-6884-4FA9-B9EC-13F4DFBF46CE}"/>
+                  </a:ext>
+                </a:extLst>
+              </p:cNvPr>
+              <p:cNvSpPr/>
+              <p:nvPr/>
+            </p:nvSpPr>
+            <p:spPr>
+              <a:xfrm>
+                <a:off x="7120760" y="2466973"/>
+                <a:ext cx="149165" cy="138642"/>
+              </a:xfrm>
+              <a:prstGeom prst="ellipse">
+                <a:avLst/>
+              </a:prstGeom>
+              <a:noFill/>
+              <a:ln>
+                <a:solidFill>
+                  <a:srgbClr val="FD4901"/>
+                </a:solidFill>
+              </a:ln>
+            </p:spPr>
+            <p:style>
+              <a:lnRef idx="2">
+                <a:schemeClr val="accent1">
+                  <a:shade val="50000"/>
+                </a:schemeClr>
+              </a:lnRef>
+              <a:fillRef idx="1">
+                <a:schemeClr val="accent1"/>
+              </a:fillRef>
+              <a:effectRef idx="0">
+                <a:schemeClr val="accent1"/>
+              </a:effectRef>
+              <a:fontRef idx="minor">
+                <a:schemeClr val="lt1"/>
+              </a:fontRef>
+            </p:style>
+            <p:txBody>
+              <a:bodyPr rtlCol="0" anchor="ctr"/>
+              <a:lstStyle/>
+              <a:p>
+                <a:pPr algn="ctr"/>
+                <a:endParaRPr lang="en-CA"/>
+              </a:p>
+            </p:txBody>
+          </p:sp>
+          <p:sp>
+            <p:nvSpPr>
+              <p:cNvPr id="113" name="Oval 112">
+                <a:extLst>
+                  <a:ext uri="{FF2B5EF4-FFF2-40B4-BE49-F238E27FC236}">
+                    <a16:creationId xmlns:a16="http://schemas.microsoft.com/office/drawing/2014/main" id="{E44FF508-E61F-4F10-9881-D36FACC90824}"/>
+                  </a:ext>
+                </a:extLst>
+              </p:cNvPr>
+              <p:cNvSpPr/>
+              <p:nvPr/>
+            </p:nvSpPr>
+            <p:spPr>
+              <a:xfrm>
+                <a:off x="6110318" y="3537479"/>
+                <a:ext cx="149165" cy="138642"/>
+              </a:xfrm>
+              <a:prstGeom prst="ellipse">
+                <a:avLst/>
+              </a:prstGeom>
+              <a:noFill/>
+              <a:ln>
+                <a:solidFill>
+                  <a:srgbClr val="FD4901"/>
+                </a:solidFill>
+              </a:ln>
+            </p:spPr>
+            <p:style>
+              <a:lnRef idx="2">
+                <a:schemeClr val="accent1">
+                  <a:shade val="50000"/>
+                </a:schemeClr>
+              </a:lnRef>
+              <a:fillRef idx="1">
+                <a:schemeClr val="accent1"/>
+              </a:fillRef>
+              <a:effectRef idx="0">
+                <a:schemeClr val="accent1"/>
+              </a:effectRef>
+              <a:fontRef idx="minor">
+                <a:schemeClr val="lt1"/>
+              </a:fontRef>
+            </p:style>
+            <p:txBody>
+              <a:bodyPr rtlCol="0" anchor="ctr"/>
+              <a:lstStyle/>
+              <a:p>
+                <a:pPr algn="ctr"/>
+                <a:endParaRPr lang="en-CA"/>
+              </a:p>
+            </p:txBody>
+          </p:sp>
+          <p:sp>
+            <p:nvSpPr>
+              <p:cNvPr id="114" name="Oval 113">
+                <a:extLst>
+                  <a:ext uri="{FF2B5EF4-FFF2-40B4-BE49-F238E27FC236}">
+                    <a16:creationId xmlns:a16="http://schemas.microsoft.com/office/drawing/2014/main" id="{083FD06E-BB5D-4319-B863-C0374E74C589}"/>
+                  </a:ext>
+                </a:extLst>
+              </p:cNvPr>
+              <p:cNvSpPr/>
+              <p:nvPr/>
+            </p:nvSpPr>
+            <p:spPr>
+              <a:xfrm>
+                <a:off x="7833550" y="3001698"/>
+                <a:ext cx="149165" cy="138642"/>
+              </a:xfrm>
+              <a:prstGeom prst="ellipse">
+                <a:avLst/>
+              </a:prstGeom>
+              <a:noFill/>
+              <a:ln>
+                <a:solidFill>
+                  <a:srgbClr val="FD4901"/>
+                </a:solidFill>
+              </a:ln>
+            </p:spPr>
+            <p:style>
+              <a:lnRef idx="2">
+                <a:schemeClr val="accent1">
+                  <a:shade val="50000"/>
+                </a:schemeClr>
+              </a:lnRef>
+              <a:fillRef idx="1">
+                <a:schemeClr val="accent1"/>
+              </a:fillRef>
+              <a:effectRef idx="0">
+                <a:schemeClr val="accent1"/>
+              </a:effectRef>
+              <a:fontRef idx="minor">
+                <a:schemeClr val="lt1"/>
+              </a:fontRef>
+            </p:style>
+            <p:txBody>
+              <a:bodyPr rtlCol="0" anchor="ctr"/>
+              <a:lstStyle/>
+              <a:p>
+                <a:pPr algn="ctr"/>
+                <a:endParaRPr lang="en-CA"/>
+              </a:p>
+            </p:txBody>
+          </p:sp>
+          <p:sp>
+            <p:nvSpPr>
+              <p:cNvPr id="115" name="Oval 114">
+                <a:extLst>
+                  <a:ext uri="{FF2B5EF4-FFF2-40B4-BE49-F238E27FC236}">
+                    <a16:creationId xmlns:a16="http://schemas.microsoft.com/office/drawing/2014/main" id="{01A6D992-0387-4A4F-AB96-34B593F6CBB1}"/>
+                  </a:ext>
+                </a:extLst>
+              </p:cNvPr>
+              <p:cNvSpPr/>
+              <p:nvPr/>
+            </p:nvSpPr>
+            <p:spPr>
+              <a:xfrm>
+                <a:off x="5395943" y="4067703"/>
+                <a:ext cx="149165" cy="138642"/>
+              </a:xfrm>
+              <a:prstGeom prst="ellipse">
+                <a:avLst/>
+              </a:prstGeom>
+              <a:noFill/>
+              <a:ln>
+                <a:solidFill>
+                  <a:srgbClr val="FD4901"/>
+                </a:solidFill>
+              </a:ln>
+            </p:spPr>
+            <p:style>
+              <a:lnRef idx="2">
+                <a:schemeClr val="accent1">
+                  <a:shade val="50000"/>
+                </a:schemeClr>
+              </a:lnRef>
+              <a:fillRef idx="1">
+                <a:schemeClr val="accent1"/>
+              </a:fillRef>
+              <a:effectRef idx="0">
+                <a:schemeClr val="accent1"/>
+              </a:effectRef>
+              <a:fontRef idx="minor">
+                <a:schemeClr val="lt1"/>
+              </a:fontRef>
+            </p:style>
+            <p:txBody>
+              <a:bodyPr rtlCol="0" anchor="ctr"/>
+              <a:lstStyle/>
+              <a:p>
+                <a:pPr algn="ctr"/>
+                <a:endParaRPr lang="en-CA"/>
+              </a:p>
+            </p:txBody>
+          </p:sp>
+          <p:sp>
+            <p:nvSpPr>
+              <p:cNvPr id="116" name="Oval 115">
+                <a:extLst>
+                  <a:ext uri="{FF2B5EF4-FFF2-40B4-BE49-F238E27FC236}">
+                    <a16:creationId xmlns:a16="http://schemas.microsoft.com/office/drawing/2014/main" id="{FF1C627D-5303-484F-A958-6CC823874605}"/>
+                  </a:ext>
+                </a:extLst>
+              </p:cNvPr>
+              <p:cNvSpPr/>
+              <p:nvPr/>
+            </p:nvSpPr>
+            <p:spPr>
+              <a:xfrm>
+                <a:off x="5239635" y="4616187"/>
+                <a:ext cx="149165" cy="138642"/>
+              </a:xfrm>
+              <a:prstGeom prst="ellipse">
+                <a:avLst/>
+              </a:prstGeom>
+              <a:noFill/>
+              <a:ln>
+                <a:solidFill>
+                  <a:srgbClr val="FD4901"/>
+                </a:solidFill>
+              </a:ln>
+            </p:spPr>
+            <p:style>
+              <a:lnRef idx="2">
+                <a:schemeClr val="accent1">
+                  <a:shade val="50000"/>
+                </a:schemeClr>
+              </a:lnRef>
+              <a:fillRef idx="1">
+                <a:schemeClr val="accent1"/>
+              </a:fillRef>
+              <a:effectRef idx="0">
+                <a:schemeClr val="accent1"/>
+              </a:effectRef>
+              <a:fontRef idx="minor">
+                <a:schemeClr val="lt1"/>
+              </a:fontRef>
+            </p:style>
+            <p:txBody>
+              <a:bodyPr rtlCol="0" anchor="ctr"/>
+              <a:lstStyle/>
+              <a:p>
+                <a:pPr algn="ctr"/>
+                <a:endParaRPr lang="en-CA"/>
+              </a:p>
+            </p:txBody>
+          </p:sp>
+          <p:sp>
+            <p:nvSpPr>
+              <p:cNvPr id="117" name="Oval 116">
+                <a:extLst>
+                  <a:ext uri="{FF2B5EF4-FFF2-40B4-BE49-F238E27FC236}">
+                    <a16:creationId xmlns:a16="http://schemas.microsoft.com/office/drawing/2014/main" id="{6D939C74-61BA-4158-89CB-4B7B1495E161}"/>
+                  </a:ext>
+                </a:extLst>
+              </p:cNvPr>
+              <p:cNvSpPr/>
+              <p:nvPr/>
+            </p:nvSpPr>
+            <p:spPr>
+              <a:xfrm>
+                <a:off x="6972632" y="4073819"/>
+                <a:ext cx="149165" cy="138642"/>
+              </a:xfrm>
+              <a:prstGeom prst="ellipse">
+                <a:avLst/>
+              </a:prstGeom>
+              <a:noFill/>
+              <a:ln>
+                <a:solidFill>
+                  <a:srgbClr val="FD4901"/>
+                </a:solidFill>
+              </a:ln>
+            </p:spPr>
+            <p:style>
+              <a:lnRef idx="2">
+                <a:schemeClr val="accent1">
+                  <a:shade val="50000"/>
+                </a:schemeClr>
+              </a:lnRef>
+              <a:fillRef idx="1">
+                <a:schemeClr val="accent1"/>
+              </a:fillRef>
+              <a:effectRef idx="0">
+                <a:schemeClr val="accent1"/>
+              </a:effectRef>
+              <a:fontRef idx="minor">
+                <a:schemeClr val="lt1"/>
+              </a:fontRef>
+            </p:style>
+            <p:txBody>
+              <a:bodyPr rtlCol="0" anchor="ctr"/>
+              <a:lstStyle/>
+              <a:p>
+                <a:pPr algn="ctr"/>
+                <a:endParaRPr lang="en-CA"/>
+              </a:p>
+            </p:txBody>
+          </p:sp>
+          <p:sp>
+            <p:nvSpPr>
+              <p:cNvPr id="118" name="Oval 117">
+                <a:extLst>
+                  <a:ext uri="{FF2B5EF4-FFF2-40B4-BE49-F238E27FC236}">
+                    <a16:creationId xmlns:a16="http://schemas.microsoft.com/office/drawing/2014/main" id="{5003A2F2-C477-4547-9470-7723851DBAEA}"/>
+                  </a:ext>
+                </a:extLst>
+              </p:cNvPr>
+              <p:cNvSpPr/>
+              <p:nvPr/>
+            </p:nvSpPr>
+            <p:spPr>
+              <a:xfrm>
+                <a:off x="7990742" y="4616187"/>
+                <a:ext cx="149165" cy="138642"/>
+              </a:xfrm>
+              <a:prstGeom prst="ellipse">
+                <a:avLst/>
+              </a:prstGeom>
+              <a:noFill/>
+              <a:ln>
+                <a:solidFill>
+                  <a:srgbClr val="FD4901"/>
+                </a:solidFill>
+              </a:ln>
+            </p:spPr>
+            <p:style>
+              <a:lnRef idx="2">
+                <a:schemeClr val="accent1">
+                  <a:shade val="50000"/>
+                </a:schemeClr>
+              </a:lnRef>
+              <a:fillRef idx="1">
+                <a:schemeClr val="accent1"/>
+              </a:fillRef>
+              <a:effectRef idx="0">
+                <a:schemeClr val="accent1"/>
+              </a:effectRef>
+              <a:fontRef idx="minor">
+                <a:schemeClr val="lt1"/>
+              </a:fontRef>
+            </p:style>
+            <p:txBody>
+              <a:bodyPr rtlCol="0" anchor="ctr"/>
+              <a:lstStyle/>
+              <a:p>
+                <a:pPr algn="ctr"/>
+                <a:endParaRPr lang="en-CA"/>
+              </a:p>
+            </p:txBody>
+          </p:sp>
+        </p:grpSp>
+      </p:grpSp>
+    </p:spTree>
+    <p:extLst>
+      <p:ext uri="{BB962C8B-B14F-4D97-AF65-F5344CB8AC3E}">
+        <p14:creationId xmlns:p14="http://schemas.microsoft.com/office/powerpoint/2010/main" val="679870819"/>
+      </p:ext>
+    </p:extLst>
+  </p:cSld>
+  <p:clrMapOvr>
+    <a:masterClrMapping/>
+  </p:clrMapOvr>
+  <mc:AlternateContent xmlns:mc="http://schemas.openxmlformats.org/markup-compatibility/2006" xmlns:p14="http://schemas.microsoft.com/office/powerpoint/2010/main">
+    <mc:Choice Requires="p14">
+      <p:transition p14:dur="100">
+        <p:dissolve/>
+      </p:transition>
+    </mc:Choice>
+    <mc:Fallback xmlns="">
+      <p:transition>
+        <p:dissolve/>
+      </p:transition>
+    </mc:Fallback>
+  </mc:AlternateContent>
+  <p:timing>
+    <p:tnLst>
+      <p:par>
+        <p:cTn id="1" dur="indefinite" restart="never" nodeType="tmRoot">
+          <p:childTnLst>
+            <p:seq concurrent="1" nextAc="seek">
+              <p:cTn id="2" dur="indefinite" nodeType="mainSeq">
+                <p:childTnLst>
+                  <p:par>
+                    <p:cTn id="3" fill="hold">
+                      <p:stCondLst>
+                        <p:cond delay="indefinite"/>
+                      </p:stCondLst>
+                      <p:childTnLst>
+                        <p:par>
+                          <p:cTn id="4" fill="hold">
+                            <p:stCondLst>
+                              <p:cond delay="0"/>
+                            </p:stCondLst>
+                            <p:childTnLst>
+                              <p:par>
+                                <p:cTn id="5" presetID="10" presetClass="entr" presetSubtype="0" fill="hold" grpId="1" nodeType="clickEffect">
+                                  <p:stCondLst>
+                                    <p:cond delay="0"/>
+                                  </p:stCondLst>
+                                  <p:childTnLst>
+                                    <p:set>
+                                      <p:cBhvr>
+                                        <p:cTn id="6" dur="1" fill="hold">
+                                          <p:stCondLst>
+                                            <p:cond delay="0"/>
+                                          </p:stCondLst>
+                                        </p:cTn>
+                                        <p:tgtEl>
+                                          <p:spTgt spid="3">
+                                            <p:txEl>
+                                              <p:pRg st="0" end="0"/>
+                                            </p:txEl>
+                                          </p:spTgt>
+                                        </p:tgtEl>
+                                        <p:attrNameLst>
+                                          <p:attrName>style.visibility</p:attrName>
+                                        </p:attrNameLst>
+                                      </p:cBhvr>
+                                      <p:to>
+                                        <p:strVal val="visible"/>
+                                      </p:to>
+                                    </p:set>
+                                    <p:animEffect transition="in" filter="fade">
+                                      <p:cBhvr>
+                                        <p:cTn id="7" dur="500"/>
+                                        <p:tgtEl>
+                                          <p:spTgt spid="3">
+                                            <p:txEl>
+                                              <p:pRg st="0" end="0"/>
+                                            </p:txEl>
+                                          </p:spTgt>
+                                        </p:tgtEl>
+                                      </p:cBhvr>
+                                    </p:animEffect>
+                                  </p:childTnLst>
+                                </p:cTn>
+                              </p:par>
+                            </p:childTnLst>
+                          </p:cTn>
+                        </p:par>
+                        <p:par>
+                          <p:cTn id="8" fill="hold">
+                            <p:stCondLst>
+                              <p:cond delay="500"/>
+                            </p:stCondLst>
+                            <p:childTnLst>
+                              <p:par>
+                                <p:cTn id="9" presetID="10" presetClass="entr" presetSubtype="0" fill="hold" grpId="1" nodeType="afterEffect">
+                                  <p:stCondLst>
+                                    <p:cond delay="0"/>
+                                  </p:stCondLst>
+                                  <p:childTnLst>
+                                    <p:set>
+                                      <p:cBhvr>
+                                        <p:cTn id="10" dur="1" fill="hold">
+                                          <p:stCondLst>
+                                            <p:cond delay="0"/>
+                                          </p:stCondLst>
+                                        </p:cTn>
+                                        <p:tgtEl>
+                                          <p:spTgt spid="3">
+                                            <p:txEl>
+                                              <p:pRg st="1" end="1"/>
+                                            </p:txEl>
+                                          </p:spTgt>
+                                        </p:tgtEl>
+                                        <p:attrNameLst>
+                                          <p:attrName>style.visibility</p:attrName>
+                                        </p:attrNameLst>
+                                      </p:cBhvr>
+                                      <p:to>
+                                        <p:strVal val="visible"/>
+                                      </p:to>
+                                    </p:set>
+                                    <p:animEffect transition="in" filter="fade">
+                                      <p:cBhvr>
+                                        <p:cTn id="11" dur="500"/>
+                                        <p:tgtEl>
+                                          <p:spTgt spid="3">
+                                            <p:txEl>
+                                              <p:pRg st="1" end="1"/>
+                                            </p:txEl>
+                                          </p:spTgt>
+                                        </p:tgtEl>
+                                      </p:cBhvr>
+                                    </p:animEffect>
+                                  </p:childTnLst>
+                                </p:cTn>
+                              </p:par>
+                            </p:childTnLst>
+                          </p:cTn>
+                        </p:par>
+                        <p:par>
+                          <p:cTn id="12" fill="hold">
+                            <p:stCondLst>
+                              <p:cond delay="1000"/>
+                            </p:stCondLst>
+                            <p:childTnLst>
+                              <p:par>
+                                <p:cTn id="13" presetID="10" presetClass="entr" presetSubtype="0" fill="hold" grpId="1" nodeType="afterEffect">
+                                  <p:stCondLst>
+                                    <p:cond delay="0"/>
+                                  </p:stCondLst>
+                                  <p:childTnLst>
+                                    <p:set>
+                                      <p:cBhvr>
+                                        <p:cTn id="14" dur="1" fill="hold">
+                                          <p:stCondLst>
+                                            <p:cond delay="0"/>
+                                          </p:stCondLst>
+                                        </p:cTn>
+                                        <p:tgtEl>
+                                          <p:spTgt spid="3">
+                                            <p:txEl>
+                                              <p:pRg st="2" end="2"/>
+                                            </p:txEl>
+                                          </p:spTgt>
+                                        </p:tgtEl>
+                                        <p:attrNameLst>
+                                          <p:attrName>style.visibility</p:attrName>
+                                        </p:attrNameLst>
+                                      </p:cBhvr>
+                                      <p:to>
+                                        <p:strVal val="visible"/>
+                                      </p:to>
+                                    </p:set>
+                                    <p:animEffect transition="in" filter="fade">
+                                      <p:cBhvr>
+                                        <p:cTn id="15" dur="500"/>
+                                        <p:tgtEl>
+                                          <p:spTgt spid="3">
+                                            <p:txEl>
+                                              <p:pRg st="2" end="2"/>
+                                            </p:txEl>
+                                          </p:spTgt>
+                                        </p:tgtEl>
+                                      </p:cBhvr>
+                                    </p:animEffect>
+                                  </p:childTnLst>
+                                </p:cTn>
+                              </p:par>
+                            </p:childTnLst>
+                          </p:cTn>
+                        </p:par>
+                        <p:par>
+                          <p:cTn id="16" fill="hold">
+                            <p:stCondLst>
+                              <p:cond delay="1500"/>
+                            </p:stCondLst>
+                            <p:childTnLst>
+                              <p:par>
+                                <p:cTn id="17" presetID="10" presetClass="entr" presetSubtype="0" fill="hold" grpId="1" nodeType="afterEffect">
+                                  <p:stCondLst>
+                                    <p:cond delay="0"/>
+                                  </p:stCondLst>
+                                  <p:childTnLst>
+                                    <p:set>
+                                      <p:cBhvr>
+                                        <p:cTn id="18" dur="1" fill="hold">
+                                          <p:stCondLst>
+                                            <p:cond delay="0"/>
+                                          </p:stCondLst>
+                                        </p:cTn>
+                                        <p:tgtEl>
+                                          <p:spTgt spid="3">
+                                            <p:txEl>
+                                              <p:pRg st="3" end="3"/>
+                                            </p:txEl>
+                                          </p:spTgt>
+                                        </p:tgtEl>
+                                        <p:attrNameLst>
+                                          <p:attrName>style.visibility</p:attrName>
+                                        </p:attrNameLst>
+                                      </p:cBhvr>
+                                      <p:to>
+                                        <p:strVal val="visible"/>
+                                      </p:to>
+                                    </p:set>
+                                    <p:animEffect transition="in" filter="fade">
+                                      <p:cBhvr>
+                                        <p:cTn id="19" dur="500"/>
+                                        <p:tgtEl>
+                                          <p:spTgt spid="3">
+                                            <p:txEl>
+                                              <p:pRg st="3" end="3"/>
+                                            </p:txEl>
+                                          </p:spTgt>
+                                        </p:tgtEl>
+                                      </p:cBhvr>
+                                    </p:animEffect>
+                                  </p:childTnLst>
+                                </p:cTn>
+                              </p:par>
+                            </p:childTnLst>
+                          </p:cTn>
+                        </p:par>
+                        <p:par>
+                          <p:cTn id="20" fill="hold">
+                            <p:stCondLst>
+                              <p:cond delay="2000"/>
+                            </p:stCondLst>
+                            <p:childTnLst>
+                              <p:par>
+                                <p:cTn id="21" presetID="10" presetClass="entr" presetSubtype="0" fill="hold" grpId="1" nodeType="afterEffect">
+                                  <p:stCondLst>
+                                    <p:cond delay="0"/>
+                                  </p:stCondLst>
+                                  <p:childTnLst>
+                                    <p:set>
+                                      <p:cBhvr>
+                                        <p:cTn id="22" dur="1" fill="hold">
+                                          <p:stCondLst>
+                                            <p:cond delay="0"/>
+                                          </p:stCondLst>
+                                        </p:cTn>
+                                        <p:tgtEl>
+                                          <p:spTgt spid="3">
+                                            <p:txEl>
+                                              <p:pRg st="4" end="4"/>
+                                            </p:txEl>
+                                          </p:spTgt>
+                                        </p:tgtEl>
+                                        <p:attrNameLst>
+                                          <p:attrName>style.visibility</p:attrName>
+                                        </p:attrNameLst>
+                                      </p:cBhvr>
+                                      <p:to>
+                                        <p:strVal val="visible"/>
+                                      </p:to>
+                                    </p:set>
+                                    <p:animEffect transition="in" filter="fade">
+                                      <p:cBhvr>
+                                        <p:cTn id="23" dur="500"/>
+                                        <p:tgtEl>
+                                          <p:spTgt spid="3">
+                                            <p:txEl>
+                                              <p:pRg st="4" end="4"/>
+                                            </p:txEl>
+                                          </p:spTgt>
+                                        </p:tgtEl>
+                                      </p:cBhvr>
+                                    </p:animEffect>
+                                  </p:childTnLst>
+                                </p:cTn>
+                              </p:par>
+                            </p:childTnLst>
+                          </p:cTn>
+                        </p:par>
+                        <p:par>
+                          <p:cTn id="24" fill="hold">
+                            <p:stCondLst>
+                              <p:cond delay="2500"/>
+                            </p:stCondLst>
+                            <p:childTnLst>
+                              <p:par>
+                                <p:cTn id="25" presetID="10" presetClass="entr" presetSubtype="0" fill="hold" grpId="1" nodeType="afterEffect">
+                                  <p:stCondLst>
+                                    <p:cond delay="0"/>
+                                  </p:stCondLst>
+                                  <p:childTnLst>
+                                    <p:set>
+                                      <p:cBhvr>
+                                        <p:cTn id="26" dur="1" fill="hold">
+                                          <p:stCondLst>
+                                            <p:cond delay="0"/>
+                                          </p:stCondLst>
+                                        </p:cTn>
+                                        <p:tgtEl>
+                                          <p:spTgt spid="3">
+                                            <p:txEl>
+                                              <p:pRg st="5" end="5"/>
+                                            </p:txEl>
+                                          </p:spTgt>
+                                        </p:tgtEl>
+                                        <p:attrNameLst>
+                                          <p:attrName>style.visibility</p:attrName>
+                                        </p:attrNameLst>
+                                      </p:cBhvr>
+                                      <p:to>
+                                        <p:strVal val="visible"/>
+                                      </p:to>
+                                    </p:set>
+                                    <p:animEffect transition="in" filter="fade">
+                                      <p:cBhvr>
+                                        <p:cTn id="27" dur="500"/>
+                                        <p:tgtEl>
+                                          <p:spTgt spid="3">
+                                            <p:txEl>
+                                              <p:pRg st="5" end="5"/>
+                                            </p:txEl>
+                                          </p:spTgt>
+                                        </p:tgtEl>
+                                      </p:cBhvr>
+                                    </p:animEffect>
+                                  </p:childTnLst>
+                                </p:cTn>
+                              </p:par>
+                            </p:childTnLst>
+                          </p:cTn>
+                        </p:par>
+                      </p:childTnLst>
+                    </p:cTn>
+                  </p:par>
+                  <p:par>
+                    <p:cTn id="28" fill="hold">
+                      <p:stCondLst>
+                        <p:cond delay="indefinite"/>
+                      </p:stCondLst>
+                      <p:childTnLst>
+                        <p:par>
+                          <p:cTn id="29" fill="hold">
+                            <p:stCondLst>
+                              <p:cond delay="0"/>
+                            </p:stCondLst>
+                            <p:childTnLst>
+                              <p:par>
+                                <p:cTn id="30" presetID="10" presetClass="entr" presetSubtype="0" fill="hold" grpId="1" nodeType="clickEffect">
+                                  <p:stCondLst>
+                                    <p:cond delay="0"/>
+                                  </p:stCondLst>
+                                  <p:childTnLst>
+                                    <p:set>
+                                      <p:cBhvr>
+                                        <p:cTn id="31" dur="1" fill="hold">
+                                          <p:stCondLst>
+                                            <p:cond delay="0"/>
+                                          </p:stCondLst>
+                                        </p:cTn>
+                                        <p:tgtEl>
+                                          <p:spTgt spid="3">
+                                            <p:txEl>
+                                              <p:pRg st="6" end="6"/>
+                                            </p:txEl>
+                                          </p:spTgt>
+                                        </p:tgtEl>
+                                        <p:attrNameLst>
+                                          <p:attrName>style.visibility</p:attrName>
+                                        </p:attrNameLst>
+                                      </p:cBhvr>
+                                      <p:to>
+                                        <p:strVal val="visible"/>
+                                      </p:to>
+                                    </p:set>
+                                    <p:animEffect transition="in" filter="fade">
+                                      <p:cBhvr>
+                                        <p:cTn id="32" dur="500"/>
+                                        <p:tgtEl>
+                                          <p:spTgt spid="3">
+                                            <p:txEl>
+                                              <p:pRg st="6" end="6"/>
+                                            </p:txEl>
+                                          </p:spTgt>
+                                        </p:tgtEl>
+                                      </p:cBhvr>
+                                    </p:animEffect>
+                                  </p:childTnLst>
+                                </p:cTn>
+                              </p:par>
+                            </p:childTnLst>
+                          </p:cTn>
+                        </p:par>
+                      </p:childTnLst>
+                    </p:cTn>
+                  </p:par>
+                  <p:par>
+                    <p:cTn id="33" fill="hold">
+                      <p:stCondLst>
+                        <p:cond delay="indefinite"/>
+                      </p:stCondLst>
+                      <p:childTnLst>
+                        <p:par>
+                          <p:cTn id="34" fill="hold">
+                            <p:stCondLst>
+                              <p:cond delay="0"/>
+                            </p:stCondLst>
+                            <p:childTnLst>
+                              <p:par>
+                                <p:cTn id="35" presetID="10" presetClass="entr" presetSubtype="0" fill="hold" grpId="1" nodeType="clickEffect">
+                                  <p:stCondLst>
+                                    <p:cond delay="0"/>
+                                  </p:stCondLst>
+                                  <p:childTnLst>
+                                    <p:set>
+                                      <p:cBhvr>
+                                        <p:cTn id="36" dur="1" fill="hold">
+                                          <p:stCondLst>
+                                            <p:cond delay="0"/>
+                                          </p:stCondLst>
+                                        </p:cTn>
+                                        <p:tgtEl>
+                                          <p:spTgt spid="3">
+                                            <p:txEl>
+                                              <p:pRg st="7" end="7"/>
+                                            </p:txEl>
+                                          </p:spTgt>
+                                        </p:tgtEl>
+                                        <p:attrNameLst>
+                                          <p:attrName>style.visibility</p:attrName>
+                                        </p:attrNameLst>
+                                      </p:cBhvr>
+                                      <p:to>
+                                        <p:strVal val="visible"/>
+                                      </p:to>
+                                    </p:set>
+                                    <p:animEffect transition="in" filter="fade">
+                                      <p:cBhvr>
+                                        <p:cTn id="37" dur="500"/>
+                                        <p:tgtEl>
+                                          <p:spTgt spid="3">
+                                            <p:txEl>
+                                              <p:pRg st="7" end="7"/>
+                                            </p:txEl>
+                                          </p:spTgt>
+                                        </p:tgtEl>
+                                      </p:cBhvr>
+                                    </p:animEffect>
+                                  </p:childTnLst>
+                                </p:cTn>
+                              </p:par>
+                            </p:childTnLst>
+                          </p:cTn>
+                        </p:par>
+                      </p:childTnLst>
+                    </p:cTn>
+                  </p:par>
+                  <p:par>
+                    <p:cTn id="38" fill="hold">
+                      <p:stCondLst>
+                        <p:cond delay="indefinite"/>
+                      </p:stCondLst>
+                      <p:childTnLst>
+                        <p:par>
+                          <p:cTn id="39" fill="hold">
+                            <p:stCondLst>
+                              <p:cond delay="0"/>
+                            </p:stCondLst>
+                            <p:childTnLst>
+                              <p:par>
+                                <p:cTn id="40" presetID="10" presetClass="exit" presetSubtype="0" fill="hold" grpId="0" nodeType="clickEffect">
+                                  <p:stCondLst>
+                                    <p:cond delay="0"/>
+                                  </p:stCondLst>
+                                  <p:childTnLst>
+                                    <p:animEffect transition="out" filter="fade">
+                                      <p:cBhvr>
+                                        <p:cTn id="41" dur="500"/>
+                                        <p:tgtEl>
+                                          <p:spTgt spid="3">
+                                            <p:txEl>
+                                              <p:pRg st="0" end="0"/>
+                                            </p:txEl>
+                                          </p:spTgt>
+                                        </p:tgtEl>
+                                      </p:cBhvr>
+                                    </p:animEffect>
+                                    <p:set>
+                                      <p:cBhvr>
+                                        <p:cTn id="42" dur="1" fill="hold">
+                                          <p:stCondLst>
+                                            <p:cond delay="499"/>
+                                          </p:stCondLst>
+                                        </p:cTn>
+                                        <p:tgtEl>
+                                          <p:spTgt spid="3">
+                                            <p:txEl>
+                                              <p:pRg st="0" end="0"/>
+                                            </p:txEl>
+                                          </p:spTgt>
+                                        </p:tgtEl>
+                                        <p:attrNameLst>
+                                          <p:attrName>style.visibility</p:attrName>
+                                        </p:attrNameLst>
+                                      </p:cBhvr>
+                                      <p:to>
+                                        <p:strVal val="hidden"/>
+                                      </p:to>
+                                    </p:set>
+                                  </p:childTnLst>
+                                </p:cTn>
+                              </p:par>
+                              <p:par>
+                                <p:cTn id="43" presetID="10" presetClass="exit" presetSubtype="0" fill="hold" grpId="0" nodeType="withEffect">
+                                  <p:stCondLst>
+                                    <p:cond delay="0"/>
+                                  </p:stCondLst>
+                                  <p:childTnLst>
+                                    <p:animEffect transition="out" filter="fade">
+                                      <p:cBhvr>
+                                        <p:cTn id="44" dur="500"/>
+                                        <p:tgtEl>
+                                          <p:spTgt spid="3">
+                                            <p:txEl>
+                                              <p:pRg st="1" end="1"/>
+                                            </p:txEl>
+                                          </p:spTgt>
+                                        </p:tgtEl>
+                                      </p:cBhvr>
+                                    </p:animEffect>
+                                    <p:set>
+                                      <p:cBhvr>
+                                        <p:cTn id="45" dur="1" fill="hold">
+                                          <p:stCondLst>
+                                            <p:cond delay="499"/>
+                                          </p:stCondLst>
+                                        </p:cTn>
+                                        <p:tgtEl>
+                                          <p:spTgt spid="3">
+                                            <p:txEl>
+                                              <p:pRg st="1" end="1"/>
+                                            </p:txEl>
+                                          </p:spTgt>
+                                        </p:tgtEl>
+                                        <p:attrNameLst>
+                                          <p:attrName>style.visibility</p:attrName>
+                                        </p:attrNameLst>
+                                      </p:cBhvr>
+                                      <p:to>
+                                        <p:strVal val="hidden"/>
+                                      </p:to>
+                                    </p:set>
+                                  </p:childTnLst>
+                                </p:cTn>
+                              </p:par>
+                              <p:par>
+                                <p:cTn id="46" presetID="10" presetClass="exit" presetSubtype="0" fill="hold" grpId="0" nodeType="withEffect">
+                                  <p:stCondLst>
+                                    <p:cond delay="0"/>
+                                  </p:stCondLst>
+                                  <p:childTnLst>
+                                    <p:animEffect transition="out" filter="fade">
+                                      <p:cBhvr>
+                                        <p:cTn id="47" dur="500"/>
+                                        <p:tgtEl>
+                                          <p:spTgt spid="3">
+                                            <p:txEl>
+                                              <p:pRg st="2" end="2"/>
+                                            </p:txEl>
+                                          </p:spTgt>
+                                        </p:tgtEl>
+                                      </p:cBhvr>
+                                    </p:animEffect>
+                                    <p:set>
+                                      <p:cBhvr>
+                                        <p:cTn id="48" dur="1" fill="hold">
+                                          <p:stCondLst>
+                                            <p:cond delay="499"/>
+                                          </p:stCondLst>
+                                        </p:cTn>
+                                        <p:tgtEl>
+                                          <p:spTgt spid="3">
+                                            <p:txEl>
+                                              <p:pRg st="2" end="2"/>
+                                            </p:txEl>
+                                          </p:spTgt>
+                                        </p:tgtEl>
+                                        <p:attrNameLst>
+                                          <p:attrName>style.visibility</p:attrName>
+                                        </p:attrNameLst>
+                                      </p:cBhvr>
+                                      <p:to>
+                                        <p:strVal val="hidden"/>
+                                      </p:to>
+                                    </p:set>
+                                  </p:childTnLst>
+                                </p:cTn>
+                              </p:par>
+                              <p:par>
+                                <p:cTn id="49" presetID="10" presetClass="exit" presetSubtype="0" fill="hold" grpId="0" nodeType="withEffect">
+                                  <p:stCondLst>
+                                    <p:cond delay="0"/>
+                                  </p:stCondLst>
+                                  <p:childTnLst>
+                                    <p:animEffect transition="out" filter="fade">
+                                      <p:cBhvr>
+                                        <p:cTn id="50" dur="500"/>
+                                        <p:tgtEl>
+                                          <p:spTgt spid="3">
+                                            <p:txEl>
+                                              <p:pRg st="3" end="3"/>
+                                            </p:txEl>
+                                          </p:spTgt>
+                                        </p:tgtEl>
+                                      </p:cBhvr>
+                                    </p:animEffect>
+                                    <p:set>
+                                      <p:cBhvr>
+                                        <p:cTn id="51" dur="1" fill="hold">
+                                          <p:stCondLst>
+                                            <p:cond delay="499"/>
+                                          </p:stCondLst>
+                                        </p:cTn>
+                                        <p:tgtEl>
+                                          <p:spTgt spid="3">
+                                            <p:txEl>
+                                              <p:pRg st="3" end="3"/>
+                                            </p:txEl>
+                                          </p:spTgt>
+                                        </p:tgtEl>
+                                        <p:attrNameLst>
+                                          <p:attrName>style.visibility</p:attrName>
+                                        </p:attrNameLst>
+                                      </p:cBhvr>
+                                      <p:to>
+                                        <p:strVal val="hidden"/>
+                                      </p:to>
+                                    </p:set>
+                                  </p:childTnLst>
+                                </p:cTn>
+                              </p:par>
+                              <p:par>
+                                <p:cTn id="52" presetID="10" presetClass="exit" presetSubtype="0" fill="hold" grpId="0" nodeType="withEffect">
+                                  <p:stCondLst>
+                                    <p:cond delay="0"/>
+                                  </p:stCondLst>
+                                  <p:childTnLst>
+                                    <p:animEffect transition="out" filter="fade">
+                                      <p:cBhvr>
+                                        <p:cTn id="53" dur="500"/>
+                                        <p:tgtEl>
+                                          <p:spTgt spid="3">
+                                            <p:txEl>
+                                              <p:pRg st="4" end="4"/>
+                                            </p:txEl>
+                                          </p:spTgt>
+                                        </p:tgtEl>
+                                      </p:cBhvr>
+                                    </p:animEffect>
+                                    <p:set>
+                                      <p:cBhvr>
+                                        <p:cTn id="54" dur="1" fill="hold">
+                                          <p:stCondLst>
+                                            <p:cond delay="499"/>
+                                          </p:stCondLst>
+                                        </p:cTn>
+                                        <p:tgtEl>
+                                          <p:spTgt spid="3">
+                                            <p:txEl>
+                                              <p:pRg st="4" end="4"/>
+                                            </p:txEl>
+                                          </p:spTgt>
+                                        </p:tgtEl>
+                                        <p:attrNameLst>
+                                          <p:attrName>style.visibility</p:attrName>
+                                        </p:attrNameLst>
+                                      </p:cBhvr>
+                                      <p:to>
+                                        <p:strVal val="hidden"/>
+                                      </p:to>
+                                    </p:set>
+                                  </p:childTnLst>
+                                </p:cTn>
+                              </p:par>
+                              <p:par>
+                                <p:cTn id="55" presetID="10" presetClass="exit" presetSubtype="0" fill="hold" grpId="0" nodeType="withEffect">
+                                  <p:stCondLst>
+                                    <p:cond delay="0"/>
+                                  </p:stCondLst>
+                                  <p:childTnLst>
+                                    <p:animEffect transition="out" filter="fade">
+                                      <p:cBhvr>
+                                        <p:cTn id="56" dur="500"/>
+                                        <p:tgtEl>
+                                          <p:spTgt spid="3">
+                                            <p:txEl>
+                                              <p:pRg st="5" end="5"/>
+                                            </p:txEl>
+                                          </p:spTgt>
+                                        </p:tgtEl>
+                                      </p:cBhvr>
+                                    </p:animEffect>
+                                    <p:set>
+                                      <p:cBhvr>
+                                        <p:cTn id="57" dur="1" fill="hold">
+                                          <p:stCondLst>
+                                            <p:cond delay="499"/>
+                                          </p:stCondLst>
+                                        </p:cTn>
+                                        <p:tgtEl>
+                                          <p:spTgt spid="3">
+                                            <p:txEl>
+                                              <p:pRg st="5" end="5"/>
+                                            </p:txEl>
+                                          </p:spTgt>
+                                        </p:tgtEl>
+                                        <p:attrNameLst>
+                                          <p:attrName>style.visibility</p:attrName>
+                                        </p:attrNameLst>
+                                      </p:cBhvr>
+                                      <p:to>
+                                        <p:strVal val="hidden"/>
+                                      </p:to>
+                                    </p:set>
+                                  </p:childTnLst>
+                                </p:cTn>
+                              </p:par>
+                              <p:par>
+                                <p:cTn id="58" presetID="10" presetClass="exit" presetSubtype="0" fill="hold" grpId="0" nodeType="withEffect">
+                                  <p:stCondLst>
+                                    <p:cond delay="0"/>
+                                  </p:stCondLst>
+                                  <p:childTnLst>
+                                    <p:animEffect transition="out" filter="fade">
+                                      <p:cBhvr>
+                                        <p:cTn id="59" dur="500"/>
+                                        <p:tgtEl>
+                                          <p:spTgt spid="3">
+                                            <p:txEl>
+                                              <p:pRg st="6" end="6"/>
+                                            </p:txEl>
+                                          </p:spTgt>
+                                        </p:tgtEl>
+                                      </p:cBhvr>
+                                    </p:animEffect>
+                                    <p:set>
+                                      <p:cBhvr>
+                                        <p:cTn id="60" dur="1" fill="hold">
+                                          <p:stCondLst>
+                                            <p:cond delay="499"/>
+                                          </p:stCondLst>
+                                        </p:cTn>
+                                        <p:tgtEl>
+                                          <p:spTgt spid="3">
+                                            <p:txEl>
+                                              <p:pRg st="6" end="6"/>
+                                            </p:txEl>
+                                          </p:spTgt>
+                                        </p:tgtEl>
+                                        <p:attrNameLst>
+                                          <p:attrName>style.visibility</p:attrName>
+                                        </p:attrNameLst>
+                                      </p:cBhvr>
+                                      <p:to>
+                                        <p:strVal val="hidden"/>
+                                      </p:to>
+                                    </p:set>
+                                  </p:childTnLst>
+                                </p:cTn>
+                              </p:par>
+                              <p:par>
+                                <p:cTn id="61" presetID="10" presetClass="exit" presetSubtype="0" fill="hold" grpId="0" nodeType="withEffect">
+                                  <p:stCondLst>
+                                    <p:cond delay="0"/>
+                                  </p:stCondLst>
+                                  <p:childTnLst>
+                                    <p:animEffect transition="out" filter="fade">
+                                      <p:cBhvr>
+                                        <p:cTn id="62" dur="500"/>
+                                        <p:tgtEl>
+                                          <p:spTgt spid="3">
+                                            <p:txEl>
+                                              <p:pRg st="7" end="7"/>
+                                            </p:txEl>
+                                          </p:spTgt>
+                                        </p:tgtEl>
+                                      </p:cBhvr>
+                                    </p:animEffect>
+                                    <p:set>
+                                      <p:cBhvr>
+                                        <p:cTn id="63" dur="1" fill="hold">
+                                          <p:stCondLst>
+                                            <p:cond delay="499"/>
+                                          </p:stCondLst>
+                                        </p:cTn>
+                                        <p:tgtEl>
+                                          <p:spTgt spid="3">
+                                            <p:txEl>
+                                              <p:pRg st="7" end="7"/>
+                                            </p:txEl>
+                                          </p:spTgt>
+                                        </p:tgtEl>
+                                        <p:attrNameLst>
+                                          <p:attrName>style.visibility</p:attrName>
+                                        </p:attrNameLst>
+                                      </p:cBhvr>
+                                      <p:to>
+                                        <p:strVal val="hidden"/>
+                                      </p:to>
+                                    </p:set>
+                                  </p:childTnLst>
+                                </p:cTn>
+                              </p:par>
+                              <p:par>
+                                <p:cTn id="64" presetID="10" presetClass="entr" presetSubtype="0" fill="hold" nodeType="withEffect">
+                                  <p:stCondLst>
+                                    <p:cond delay="0"/>
+                                  </p:stCondLst>
+                                  <p:childTnLst>
+                                    <p:set>
+                                      <p:cBhvr>
+                                        <p:cTn id="65" dur="1" fill="hold">
+                                          <p:stCondLst>
+                                            <p:cond delay="0"/>
+                                          </p:stCondLst>
+                                        </p:cTn>
+                                        <p:tgtEl>
+                                          <p:spTgt spid="4"/>
+                                        </p:tgtEl>
+                                        <p:attrNameLst>
+                                          <p:attrName>style.visibility</p:attrName>
+                                        </p:attrNameLst>
+                                      </p:cBhvr>
+                                      <p:to>
+                                        <p:strVal val="visible"/>
+                                      </p:to>
+                                    </p:set>
+                                    <p:animEffect transition="in" filter="fade">
+                                      <p:cBhvr>
+                                        <p:cTn id="66" dur="500"/>
+                                        <p:tgtEl>
+                                          <p:spTgt spid="4"/>
+                                        </p:tgtEl>
+                                      </p:cBhvr>
+                                    </p:animEffect>
+                                  </p:childTnLst>
+                                </p:cTn>
+                              </p:par>
+                            </p:childTnLst>
+                          </p:cTn>
+                        </p:par>
+                      </p:childTnLst>
+                    </p:cTn>
+                  </p:par>
+                  <p:par>
+                    <p:cTn id="67" fill="hold">
+                      <p:stCondLst>
+                        <p:cond delay="indefinite"/>
+                      </p:stCondLst>
+                      <p:childTnLst>
+                        <p:par>
+                          <p:cTn id="68" fill="hold">
+                            <p:stCondLst>
+                              <p:cond delay="0"/>
+                            </p:stCondLst>
+                            <p:childTnLst>
+                              <p:par>
+                                <p:cTn id="69" presetID="10" presetClass="entr" presetSubtype="0" fill="hold" grpId="0" nodeType="clickEffect">
+                                  <p:stCondLst>
+                                    <p:cond delay="0"/>
+                                  </p:stCondLst>
+                                  <p:childTnLst>
+                                    <p:set>
+                                      <p:cBhvr>
+                                        <p:cTn id="70" dur="1" fill="hold">
+                                          <p:stCondLst>
+                                            <p:cond delay="0"/>
+                                          </p:stCondLst>
+                                        </p:cTn>
+                                        <p:tgtEl>
+                                          <p:spTgt spid="95"/>
+                                        </p:tgtEl>
+                                        <p:attrNameLst>
+                                          <p:attrName>style.visibility</p:attrName>
+                                        </p:attrNameLst>
+                                      </p:cBhvr>
+                                      <p:to>
+                                        <p:strVal val="visible"/>
+                                      </p:to>
+                                    </p:set>
+                                    <p:animEffect transition="in" filter="fade">
+                                      <p:cBhvr>
+                                        <p:cTn id="71" dur="500"/>
+                                        <p:tgtEl>
+                                          <p:spTgt spid="95"/>
+                                        </p:tgtEl>
+                                      </p:cBhvr>
+                                    </p:animEffect>
+                                  </p:childTnLst>
+                                </p:cTn>
+                              </p:par>
+                            </p:childTnLst>
+                          </p:cTn>
+                        </p:par>
+                        <p:par>
+                          <p:cTn id="72" fill="hold">
+                            <p:stCondLst>
+                              <p:cond delay="500"/>
+                            </p:stCondLst>
+                            <p:childTnLst>
+                              <p:par>
+                                <p:cTn id="73" presetID="1" presetClass="entr" presetSubtype="0" fill="hold" nodeType="afterEffect">
+                                  <p:stCondLst>
+                                    <p:cond delay="0"/>
+                                  </p:stCondLst>
+                                  <p:childTnLst>
+                                    <p:set>
+                                      <p:cBhvr>
+                                        <p:cTn id="74" dur="1" fill="hold">
+                                          <p:stCondLst>
+                                            <p:cond delay="0"/>
+                                          </p:stCondLst>
+                                        </p:cTn>
+                                        <p:tgtEl>
+                                          <p:spTgt spid="15"/>
+                                        </p:tgtEl>
+                                        <p:attrNameLst>
+                                          <p:attrName>style.visibility</p:attrName>
+                                        </p:attrNameLst>
+                                      </p:cBhvr>
+                                      <p:to>
+                                        <p:strVal val="visible"/>
+                                      </p:to>
+                                    </p:set>
+                                  </p:childTnLst>
+                                </p:cTn>
+                              </p:par>
+                              <p:par>
+                                <p:cTn id="75" presetID="26" presetClass="emph" presetSubtype="0" fill="hold" nodeType="withEffect">
+                                  <p:stCondLst>
+                                    <p:cond delay="0"/>
+                                  </p:stCondLst>
+                                  <p:childTnLst>
+                                    <p:animEffect transition="out" filter="fade">
+                                      <p:cBhvr>
+                                        <p:cTn id="76" dur="500" tmFilter="0, 0; .2, .5; .8, .5; 1, 0"/>
+                                        <p:tgtEl>
+                                          <p:spTgt spid="15"/>
+                                        </p:tgtEl>
+                                      </p:cBhvr>
+                                    </p:animEffect>
+                                    <p:animScale>
+                                      <p:cBhvr>
+                                        <p:cTn id="77" dur="250" autoRev="1" fill="hold"/>
+                                        <p:tgtEl>
+                                          <p:spTgt spid="15"/>
+                                        </p:tgtEl>
+                                      </p:cBhvr>
+                                      <p:by x="105000" y="105000"/>
+                                    </p:animScale>
+                                  </p:childTnLst>
+                                </p:cTn>
+                              </p:par>
+                            </p:childTnLst>
+                          </p:cTn>
+                        </p:par>
+                      </p:childTnLst>
+                    </p:cTn>
+                  </p:par>
+                  <p:par>
+                    <p:cTn id="78" fill="hold">
+                      <p:stCondLst>
+                        <p:cond delay="indefinite"/>
+                      </p:stCondLst>
+                      <p:childTnLst>
+                        <p:par>
+                          <p:cTn id="79" fill="hold">
+                            <p:stCondLst>
+                              <p:cond delay="0"/>
+                            </p:stCondLst>
+                            <p:childTnLst>
+                              <p:par>
+                                <p:cTn id="80" presetID="10" presetClass="entr" presetSubtype="0" fill="hold" grpId="0" nodeType="clickEffect">
+                                  <p:stCondLst>
+                                    <p:cond delay="0"/>
+                                  </p:stCondLst>
+                                  <p:childTnLst>
+                                    <p:set>
+                                      <p:cBhvr>
+                                        <p:cTn id="81" dur="1" fill="hold">
+                                          <p:stCondLst>
+                                            <p:cond delay="0"/>
+                                          </p:stCondLst>
+                                        </p:cTn>
+                                        <p:tgtEl>
+                                          <p:spTgt spid="96"/>
+                                        </p:tgtEl>
+                                        <p:attrNameLst>
+                                          <p:attrName>style.visibility</p:attrName>
+                                        </p:attrNameLst>
+                                      </p:cBhvr>
+                                      <p:to>
+                                        <p:strVal val="visible"/>
+                                      </p:to>
+                                    </p:set>
+                                    <p:animEffect transition="in" filter="fade">
+                                      <p:cBhvr>
+                                        <p:cTn id="82" dur="500"/>
+                                        <p:tgtEl>
+                                          <p:spTgt spid="96"/>
+                                        </p:tgtEl>
+                                      </p:cBhvr>
+                                    </p:animEffect>
+                                  </p:childTnLst>
+                                </p:cTn>
+                              </p:par>
+                            </p:childTnLst>
+                          </p:cTn>
+                        </p:par>
+                        <p:par>
+                          <p:cTn id="83" fill="hold">
+                            <p:stCondLst>
+                              <p:cond delay="500"/>
+                            </p:stCondLst>
+                            <p:childTnLst>
+                              <p:par>
+                                <p:cTn id="84" presetID="1" presetClass="entr" presetSubtype="0" fill="hold" nodeType="afterEffect">
+                                  <p:stCondLst>
+                                    <p:cond delay="0"/>
+                                  </p:stCondLst>
+                                  <p:childTnLst>
+                                    <p:set>
+                                      <p:cBhvr>
+                                        <p:cTn id="85" dur="1" fill="hold">
+                                          <p:stCondLst>
+                                            <p:cond delay="0"/>
+                                          </p:stCondLst>
+                                        </p:cTn>
+                                        <p:tgtEl>
+                                          <p:spTgt spid="25"/>
+                                        </p:tgtEl>
+                                        <p:attrNameLst>
+                                          <p:attrName>style.visibility</p:attrName>
+                                        </p:attrNameLst>
+                                      </p:cBhvr>
+                                      <p:to>
+                                        <p:strVal val="visible"/>
+                                      </p:to>
+                                    </p:set>
+                                  </p:childTnLst>
+                                </p:cTn>
+                              </p:par>
+                              <p:par>
+                                <p:cTn id="86" presetID="26" presetClass="emph" presetSubtype="0" fill="hold" nodeType="withEffect">
+                                  <p:stCondLst>
+                                    <p:cond delay="0"/>
+                                  </p:stCondLst>
+                                  <p:childTnLst>
+                                    <p:animEffect transition="out" filter="fade">
+                                      <p:cBhvr>
+                                        <p:cTn id="87" dur="500" tmFilter="0, 0; .2, .5; .8, .5; 1, 0"/>
+                                        <p:tgtEl>
+                                          <p:spTgt spid="25"/>
+                                        </p:tgtEl>
+                                      </p:cBhvr>
+                                    </p:animEffect>
+                                    <p:animScale>
+                                      <p:cBhvr>
+                                        <p:cTn id="88" dur="250" autoRev="1" fill="hold"/>
+                                        <p:tgtEl>
+                                          <p:spTgt spid="25"/>
+                                        </p:tgtEl>
+                                      </p:cBhvr>
+                                      <p:by x="105000" y="105000"/>
+                                    </p:animScale>
+                                  </p:childTnLst>
+                                </p:cTn>
+                              </p:par>
+                            </p:childTnLst>
+                          </p:cTn>
+                        </p:par>
+                        <p:par>
+                          <p:cTn id="89" fill="hold">
+                            <p:stCondLst>
+                              <p:cond delay="1000"/>
+                            </p:stCondLst>
+                            <p:childTnLst>
+                              <p:par>
+                                <p:cTn id="90" presetID="1" presetClass="entr" presetSubtype="0" fill="hold" nodeType="afterEffect">
+                                  <p:stCondLst>
+                                    <p:cond delay="0"/>
+                                  </p:stCondLst>
+                                  <p:childTnLst>
+                                    <p:set>
+                                      <p:cBhvr>
+                                        <p:cTn id="91" dur="1" fill="hold">
+                                          <p:stCondLst>
+                                            <p:cond delay="0"/>
+                                          </p:stCondLst>
+                                        </p:cTn>
+                                        <p:tgtEl>
+                                          <p:spTgt spid="34"/>
+                                        </p:tgtEl>
+                                        <p:attrNameLst>
+                                          <p:attrName>style.visibility</p:attrName>
+                                        </p:attrNameLst>
+                                      </p:cBhvr>
+                                      <p:to>
+                                        <p:strVal val="visible"/>
+                                      </p:to>
+                                    </p:set>
+                                  </p:childTnLst>
+                                </p:cTn>
+                              </p:par>
+                              <p:par>
+                                <p:cTn id="92" presetID="26" presetClass="emph" presetSubtype="0" fill="hold" nodeType="withEffect">
+                                  <p:stCondLst>
+                                    <p:cond delay="0"/>
+                                  </p:stCondLst>
+                                  <p:childTnLst>
+                                    <p:animEffect transition="out" filter="fade">
+                                      <p:cBhvr>
+                                        <p:cTn id="93" dur="500" tmFilter="0, 0; .2, .5; .8, .5; 1, 0"/>
+                                        <p:tgtEl>
+                                          <p:spTgt spid="34"/>
+                                        </p:tgtEl>
+                                      </p:cBhvr>
+                                    </p:animEffect>
+                                    <p:animScale>
+                                      <p:cBhvr>
+                                        <p:cTn id="94" dur="250" autoRev="1" fill="hold"/>
+                                        <p:tgtEl>
+                                          <p:spTgt spid="34"/>
+                                        </p:tgtEl>
+                                      </p:cBhvr>
+                                      <p:by x="105000" y="105000"/>
+                                    </p:animScale>
+                                  </p:childTnLst>
+                                </p:cTn>
+                              </p:par>
+                            </p:childTnLst>
+                          </p:cTn>
+                        </p:par>
+                      </p:childTnLst>
+                    </p:cTn>
+                  </p:par>
+                  <p:par>
+                    <p:cTn id="95" fill="hold">
+                      <p:stCondLst>
+                        <p:cond delay="indefinite"/>
+                      </p:stCondLst>
+                      <p:childTnLst>
+                        <p:par>
+                          <p:cTn id="96" fill="hold">
+                            <p:stCondLst>
+                              <p:cond delay="0"/>
+                            </p:stCondLst>
+                            <p:childTnLst>
+                              <p:par>
+                                <p:cTn id="97" presetID="10" presetClass="entr" presetSubtype="0" fill="hold" grpId="0" nodeType="clickEffect">
+                                  <p:stCondLst>
+                                    <p:cond delay="0"/>
+                                  </p:stCondLst>
+                                  <p:childTnLst>
+                                    <p:set>
+                                      <p:cBhvr>
+                                        <p:cTn id="98" dur="1" fill="hold">
+                                          <p:stCondLst>
+                                            <p:cond delay="0"/>
+                                          </p:stCondLst>
+                                        </p:cTn>
+                                        <p:tgtEl>
+                                          <p:spTgt spid="97"/>
+                                        </p:tgtEl>
+                                        <p:attrNameLst>
+                                          <p:attrName>style.visibility</p:attrName>
+                                        </p:attrNameLst>
+                                      </p:cBhvr>
+                                      <p:to>
+                                        <p:strVal val="visible"/>
+                                      </p:to>
+                                    </p:set>
+                                    <p:animEffect transition="in" filter="fade">
+                                      <p:cBhvr>
+                                        <p:cTn id="99" dur="500"/>
+                                        <p:tgtEl>
+                                          <p:spTgt spid="97"/>
+                                        </p:tgtEl>
+                                      </p:cBhvr>
+                                    </p:animEffect>
+                                  </p:childTnLst>
+                                </p:cTn>
+                              </p:par>
+                            </p:childTnLst>
+                          </p:cTn>
+                        </p:par>
+                        <p:par>
+                          <p:cTn id="100" fill="hold">
+                            <p:stCondLst>
+                              <p:cond delay="500"/>
+                            </p:stCondLst>
+                            <p:childTnLst>
+                              <p:par>
+                                <p:cTn id="101" presetID="1" presetClass="entr" presetSubtype="0" fill="hold" nodeType="afterEffect">
+                                  <p:stCondLst>
+                                    <p:cond delay="0"/>
+                                  </p:stCondLst>
+                                  <p:childTnLst>
+                                    <p:set>
+                                      <p:cBhvr>
+                                        <p:cTn id="102" dur="1" fill="hold">
+                                          <p:stCondLst>
+                                            <p:cond delay="0"/>
+                                          </p:stCondLst>
+                                        </p:cTn>
+                                        <p:tgtEl>
+                                          <p:spTgt spid="51"/>
+                                        </p:tgtEl>
+                                        <p:attrNameLst>
+                                          <p:attrName>style.visibility</p:attrName>
+                                        </p:attrNameLst>
+                                      </p:cBhvr>
+                                      <p:to>
+                                        <p:strVal val="visible"/>
+                                      </p:to>
+                                    </p:set>
+                                  </p:childTnLst>
+                                </p:cTn>
+                              </p:par>
+                              <p:par>
+                                <p:cTn id="103" presetID="26" presetClass="emph" presetSubtype="0" fill="hold" nodeType="withEffect">
+                                  <p:stCondLst>
+                                    <p:cond delay="0"/>
+                                  </p:stCondLst>
+                                  <p:childTnLst>
+                                    <p:animEffect transition="out" filter="fade">
+                                      <p:cBhvr>
+                                        <p:cTn id="104" dur="500" tmFilter="0, 0; .2, .5; .8, .5; 1, 0"/>
+                                        <p:tgtEl>
+                                          <p:spTgt spid="51"/>
+                                        </p:tgtEl>
+                                      </p:cBhvr>
+                                    </p:animEffect>
+                                    <p:animScale>
+                                      <p:cBhvr>
+                                        <p:cTn id="105" dur="250" autoRev="1" fill="hold"/>
+                                        <p:tgtEl>
+                                          <p:spTgt spid="51"/>
+                                        </p:tgtEl>
+                                      </p:cBhvr>
+                                      <p:by x="105000" y="105000"/>
+                                    </p:animScale>
+                                  </p:childTnLst>
+                                </p:cTn>
+                              </p:par>
+                            </p:childTnLst>
+                          </p:cTn>
+                        </p:par>
+                        <p:par>
+                          <p:cTn id="106" fill="hold">
+                            <p:stCondLst>
+                              <p:cond delay="1000"/>
+                            </p:stCondLst>
+                            <p:childTnLst>
+                              <p:par>
+                                <p:cTn id="107" presetID="1" presetClass="entr" presetSubtype="0" fill="hold" nodeType="afterEffect">
+                                  <p:stCondLst>
+                                    <p:cond delay="0"/>
+                                  </p:stCondLst>
+                                  <p:childTnLst>
+                                    <p:set>
+                                      <p:cBhvr>
+                                        <p:cTn id="108" dur="1" fill="hold">
+                                          <p:stCondLst>
+                                            <p:cond delay="0"/>
+                                          </p:stCondLst>
+                                        </p:cTn>
+                                        <p:tgtEl>
+                                          <p:spTgt spid="50"/>
+                                        </p:tgtEl>
+                                        <p:attrNameLst>
+                                          <p:attrName>style.visibility</p:attrName>
+                                        </p:attrNameLst>
+                                      </p:cBhvr>
+                                      <p:to>
+                                        <p:strVal val="visible"/>
+                                      </p:to>
+                                    </p:set>
+                                  </p:childTnLst>
+                                </p:cTn>
+                              </p:par>
+                              <p:par>
+                                <p:cTn id="109" presetID="26" presetClass="emph" presetSubtype="0" fill="hold" nodeType="withEffect">
+                                  <p:stCondLst>
+                                    <p:cond delay="0"/>
+                                  </p:stCondLst>
+                                  <p:childTnLst>
+                                    <p:animEffect transition="out" filter="fade">
+                                      <p:cBhvr>
+                                        <p:cTn id="110" dur="500" tmFilter="0, 0; .2, .5; .8, .5; 1, 0"/>
+                                        <p:tgtEl>
+                                          <p:spTgt spid="50"/>
+                                        </p:tgtEl>
+                                      </p:cBhvr>
+                                    </p:animEffect>
+                                    <p:animScale>
+                                      <p:cBhvr>
+                                        <p:cTn id="111" dur="250" autoRev="1" fill="hold"/>
+                                        <p:tgtEl>
+                                          <p:spTgt spid="50"/>
+                                        </p:tgtEl>
+                                      </p:cBhvr>
+                                      <p:by x="105000" y="105000"/>
+                                    </p:animScale>
+                                  </p:childTnLst>
+                                </p:cTn>
+                              </p:par>
+                            </p:childTnLst>
+                          </p:cTn>
+                        </p:par>
+                      </p:childTnLst>
+                    </p:cTn>
+                  </p:par>
+                  <p:par>
+                    <p:cTn id="112" fill="hold">
+                      <p:stCondLst>
+                        <p:cond delay="indefinite"/>
+                      </p:stCondLst>
+                      <p:childTnLst>
+                        <p:par>
+                          <p:cTn id="113" fill="hold">
+                            <p:stCondLst>
+                              <p:cond delay="0"/>
+                            </p:stCondLst>
+                            <p:childTnLst>
+                              <p:par>
+                                <p:cTn id="114" presetID="1" presetClass="entr" presetSubtype="0" fill="hold" nodeType="clickEffect">
+                                  <p:stCondLst>
+                                    <p:cond delay="0"/>
+                                  </p:stCondLst>
+                                  <p:childTnLst>
+                                    <p:set>
+                                      <p:cBhvr>
+                                        <p:cTn id="115" dur="1" fill="hold">
+                                          <p:stCondLst>
+                                            <p:cond delay="0"/>
+                                          </p:stCondLst>
+                                        </p:cTn>
+                                        <p:tgtEl>
+                                          <p:spTgt spid="62"/>
+                                        </p:tgtEl>
+                                        <p:attrNameLst>
+                                          <p:attrName>style.visibility</p:attrName>
+                                        </p:attrNameLst>
+                                      </p:cBhvr>
+                                      <p:to>
+                                        <p:strVal val="visible"/>
+                                      </p:to>
+                                    </p:set>
+                                  </p:childTnLst>
+                                </p:cTn>
+                              </p:par>
+                              <p:par>
+                                <p:cTn id="116" presetID="26" presetClass="emph" presetSubtype="0" fill="hold" nodeType="withEffect">
+                                  <p:stCondLst>
+                                    <p:cond delay="0"/>
+                                  </p:stCondLst>
+                                  <p:childTnLst>
+                                    <p:animEffect transition="out" filter="fade">
+                                      <p:cBhvr>
+                                        <p:cTn id="117" dur="500" tmFilter="0, 0; .2, .5; .8, .5; 1, 0"/>
+                                        <p:tgtEl>
+                                          <p:spTgt spid="62"/>
+                                        </p:tgtEl>
+                                      </p:cBhvr>
+                                    </p:animEffect>
+                                    <p:animScale>
+                                      <p:cBhvr>
+                                        <p:cTn id="118" dur="250" autoRev="1" fill="hold"/>
+                                        <p:tgtEl>
+                                          <p:spTgt spid="62"/>
+                                        </p:tgtEl>
+                                      </p:cBhvr>
+                                      <p:by x="105000" y="105000"/>
+                                    </p:animScale>
+                                  </p:childTnLst>
+                                </p:cTn>
+                              </p:par>
+                            </p:childTnLst>
+                          </p:cTn>
+                        </p:par>
+                        <p:par>
+                          <p:cTn id="119" fill="hold">
+                            <p:stCondLst>
+                              <p:cond delay="500"/>
+                            </p:stCondLst>
+                            <p:childTnLst>
+                              <p:par>
+                                <p:cTn id="120" presetID="1" presetClass="entr" presetSubtype="0" fill="hold" nodeType="afterEffect">
+                                  <p:stCondLst>
+                                    <p:cond delay="0"/>
+                                  </p:stCondLst>
+                                  <p:childTnLst>
+                                    <p:set>
+                                      <p:cBhvr>
+                                        <p:cTn id="121" dur="1" fill="hold">
+                                          <p:stCondLst>
+                                            <p:cond delay="0"/>
+                                          </p:stCondLst>
+                                        </p:cTn>
+                                        <p:tgtEl>
+                                          <p:spTgt spid="87"/>
+                                        </p:tgtEl>
+                                        <p:attrNameLst>
+                                          <p:attrName>style.visibility</p:attrName>
+                                        </p:attrNameLst>
+                                      </p:cBhvr>
+                                      <p:to>
+                                        <p:strVal val="visible"/>
+                                      </p:to>
+                                    </p:set>
+                                  </p:childTnLst>
+                                </p:cTn>
+                              </p:par>
+                              <p:par>
+                                <p:cTn id="122" presetID="26" presetClass="emph" presetSubtype="0" fill="hold" nodeType="withEffect">
+                                  <p:stCondLst>
+                                    <p:cond delay="0"/>
+                                  </p:stCondLst>
+                                  <p:childTnLst>
+                                    <p:animEffect transition="out" filter="fade">
+                                      <p:cBhvr>
+                                        <p:cTn id="123" dur="500" tmFilter="0, 0; .2, .5; .8, .5; 1, 0"/>
+                                        <p:tgtEl>
+                                          <p:spTgt spid="87"/>
+                                        </p:tgtEl>
+                                      </p:cBhvr>
+                                    </p:animEffect>
+                                    <p:animScale>
+                                      <p:cBhvr>
+                                        <p:cTn id="124" dur="250" autoRev="1" fill="hold"/>
+                                        <p:tgtEl>
+                                          <p:spTgt spid="87"/>
+                                        </p:tgtEl>
+                                      </p:cBhvr>
+                                      <p:by x="105000" y="105000"/>
+                                    </p:animScale>
+                                  </p:childTnLst>
+                                </p:cTn>
+                              </p:par>
+                            </p:childTnLst>
+                          </p:cTn>
+                        </p:par>
+                        <p:par>
+                          <p:cTn id="125" fill="hold">
+                            <p:stCondLst>
+                              <p:cond delay="1000"/>
+                            </p:stCondLst>
+                            <p:childTnLst>
+                              <p:par>
+                                <p:cTn id="126" presetID="1" presetClass="entr" presetSubtype="0" fill="hold" nodeType="afterEffect">
+                                  <p:stCondLst>
+                                    <p:cond delay="0"/>
+                                  </p:stCondLst>
+                                  <p:childTnLst>
+                                    <p:set>
+                                      <p:cBhvr>
+                                        <p:cTn id="127" dur="1" fill="hold">
+                                          <p:stCondLst>
+                                            <p:cond delay="0"/>
+                                          </p:stCondLst>
+                                        </p:cTn>
+                                        <p:tgtEl>
+                                          <p:spTgt spid="92"/>
+                                        </p:tgtEl>
+                                        <p:attrNameLst>
+                                          <p:attrName>style.visibility</p:attrName>
+                                        </p:attrNameLst>
+                                      </p:cBhvr>
+                                      <p:to>
+                                        <p:strVal val="visible"/>
+                                      </p:to>
+                                    </p:set>
+                                  </p:childTnLst>
+                                </p:cTn>
+                              </p:par>
+                              <p:par>
+                                <p:cTn id="128" presetID="26" presetClass="emph" presetSubtype="0" fill="hold" nodeType="withEffect">
+                                  <p:stCondLst>
+                                    <p:cond delay="0"/>
+                                  </p:stCondLst>
+                                  <p:childTnLst>
+                                    <p:animEffect transition="out" filter="fade">
+                                      <p:cBhvr>
+                                        <p:cTn id="129" dur="500" tmFilter="0, 0; .2, .5; .8, .5; 1, 0"/>
+                                        <p:tgtEl>
+                                          <p:spTgt spid="92"/>
+                                        </p:tgtEl>
+                                      </p:cBhvr>
+                                    </p:animEffect>
+                                    <p:animScale>
+                                      <p:cBhvr>
+                                        <p:cTn id="130" dur="250" autoRev="1" fill="hold"/>
+                                        <p:tgtEl>
+                                          <p:spTgt spid="92"/>
+                                        </p:tgtEl>
+                                      </p:cBhvr>
+                                      <p:by x="105000" y="105000"/>
+                                    </p:animScale>
+                                  </p:childTnLst>
+                                </p:cTn>
+                              </p:par>
+                            </p:childTnLst>
+                          </p:cTn>
+                        </p:par>
+                        <p:par>
+                          <p:cTn id="131" fill="hold">
+                            <p:stCondLst>
+                              <p:cond delay="1500"/>
+                            </p:stCondLst>
+                            <p:childTnLst>
+                              <p:par>
+                                <p:cTn id="132" presetID="1" presetClass="entr" presetSubtype="0" fill="hold" nodeType="afterEffect">
+                                  <p:stCondLst>
+                                    <p:cond delay="0"/>
+                                  </p:stCondLst>
+                                  <p:childTnLst>
+                                    <p:set>
+                                      <p:cBhvr>
+                                        <p:cTn id="133" dur="1" fill="hold">
+                                          <p:stCondLst>
+                                            <p:cond delay="0"/>
+                                          </p:stCondLst>
+                                        </p:cTn>
+                                        <p:tgtEl>
+                                          <p:spTgt spid="81"/>
+                                        </p:tgtEl>
+                                        <p:attrNameLst>
+                                          <p:attrName>style.visibility</p:attrName>
+                                        </p:attrNameLst>
+                                      </p:cBhvr>
+                                      <p:to>
+                                        <p:strVal val="visible"/>
+                                      </p:to>
+                                    </p:set>
+                                  </p:childTnLst>
+                                </p:cTn>
+                              </p:par>
+                              <p:par>
+                                <p:cTn id="134" presetID="26" presetClass="emph" presetSubtype="0" fill="hold" nodeType="withEffect">
+                                  <p:stCondLst>
+                                    <p:cond delay="0"/>
+                                  </p:stCondLst>
+                                  <p:childTnLst>
+                                    <p:animEffect transition="out" filter="fade">
+                                      <p:cBhvr>
+                                        <p:cTn id="135" dur="500" tmFilter="0, 0; .2, .5; .8, .5; 1, 0"/>
+                                        <p:tgtEl>
+                                          <p:spTgt spid="81"/>
+                                        </p:tgtEl>
+                                      </p:cBhvr>
+                                    </p:animEffect>
+                                    <p:animScale>
+                                      <p:cBhvr>
+                                        <p:cTn id="136" dur="250" autoRev="1" fill="hold"/>
+                                        <p:tgtEl>
+                                          <p:spTgt spid="81"/>
+                                        </p:tgtEl>
+                                      </p:cBhvr>
+                                      <p:by x="105000" y="105000"/>
+                                    </p:animScale>
+                                  </p:childTnLst>
+                                </p:cTn>
+                              </p:par>
+                            </p:childTnLst>
+                          </p:cTn>
+                        </p:par>
+                        <p:par>
+                          <p:cTn id="137" fill="hold">
+                            <p:stCondLst>
+                              <p:cond delay="2000"/>
+                            </p:stCondLst>
+                            <p:childTnLst>
+                              <p:par>
+                                <p:cTn id="138" presetID="1" presetClass="entr" presetSubtype="0" fill="hold" nodeType="afterEffect">
+                                  <p:stCondLst>
+                                    <p:cond delay="0"/>
+                                  </p:stCondLst>
+                                  <p:childTnLst>
+                                    <p:set>
+                                      <p:cBhvr>
+                                        <p:cTn id="139" dur="1" fill="hold">
+                                          <p:stCondLst>
+                                            <p:cond delay="0"/>
+                                          </p:stCondLst>
+                                        </p:cTn>
+                                        <p:tgtEl>
+                                          <p:spTgt spid="72"/>
+                                        </p:tgtEl>
+                                        <p:attrNameLst>
+                                          <p:attrName>style.visibility</p:attrName>
+                                        </p:attrNameLst>
+                                      </p:cBhvr>
+                                      <p:to>
+                                        <p:strVal val="visible"/>
+                                      </p:to>
+                                    </p:set>
+                                  </p:childTnLst>
+                                </p:cTn>
+                              </p:par>
+                              <p:par>
+                                <p:cTn id="140" presetID="26" presetClass="emph" presetSubtype="0" fill="hold" nodeType="withEffect">
+                                  <p:stCondLst>
+                                    <p:cond delay="0"/>
+                                  </p:stCondLst>
+                                  <p:childTnLst>
+                                    <p:animEffect transition="out" filter="fade">
+                                      <p:cBhvr>
+                                        <p:cTn id="141" dur="500" tmFilter="0, 0; .2, .5; .8, .5; 1, 0"/>
+                                        <p:tgtEl>
+                                          <p:spTgt spid="72"/>
+                                        </p:tgtEl>
+                                      </p:cBhvr>
+                                    </p:animEffect>
+                                    <p:animScale>
+                                      <p:cBhvr>
+                                        <p:cTn id="142" dur="250" autoRev="1" fill="hold"/>
+                                        <p:tgtEl>
+                                          <p:spTgt spid="72"/>
+                                        </p:tgtEl>
+                                      </p:cBhvr>
+                                      <p:by x="105000" y="105000"/>
+                                    </p:animScale>
+                                  </p:childTnLst>
+                                </p:cTn>
+                              </p:par>
+                            </p:childTnLst>
+                          </p:cTn>
+                        </p:par>
+                        <p:par>
+                          <p:cTn id="143" fill="hold">
+                            <p:stCondLst>
+                              <p:cond delay="2500"/>
+                            </p:stCondLst>
+                            <p:childTnLst>
+                              <p:par>
+                                <p:cTn id="144" presetID="1" presetClass="entr" presetSubtype="0" fill="hold" nodeType="afterEffect">
+                                  <p:stCondLst>
+                                    <p:cond delay="500"/>
+                                  </p:stCondLst>
+                                  <p:childTnLst>
+                                    <p:set>
+                                      <p:cBhvr>
+                                        <p:cTn id="145" dur="1" fill="hold">
+                                          <p:stCondLst>
+                                            <p:cond delay="0"/>
+                                          </p:stCondLst>
+                                        </p:cTn>
+                                        <p:tgtEl>
+                                          <p:spTgt spid="93"/>
+                                        </p:tgtEl>
+                                        <p:attrNameLst>
+                                          <p:attrName>style.visibility</p:attrName>
+                                        </p:attrNameLst>
+                                      </p:cBhvr>
+                                      <p:to>
+                                        <p:strVal val="visible"/>
+                                      </p:to>
+                                    </p:set>
+                                  </p:childTnLst>
+                                </p:cTn>
+                              </p:par>
+                            </p:childTnLst>
+                          </p:cTn>
+                        </p:par>
+                        <p:par>
+                          <p:cTn id="146" fill="hold">
+                            <p:stCondLst>
+                              <p:cond delay="3000"/>
+                            </p:stCondLst>
+                            <p:childTnLst>
+                              <p:par>
+                                <p:cTn id="147" presetID="26" presetClass="emph" presetSubtype="0" fill="hold" nodeType="afterEffect">
+                                  <p:stCondLst>
+                                    <p:cond delay="0"/>
+                                  </p:stCondLst>
+                                  <p:childTnLst>
+                                    <p:animEffect transition="out" filter="fade">
+                                      <p:cBhvr>
+                                        <p:cTn id="148" dur="500" tmFilter="0, 0; .2, .5; .8, .5; 1, 0"/>
+                                        <p:tgtEl>
+                                          <p:spTgt spid="93"/>
+                                        </p:tgtEl>
+                                      </p:cBhvr>
+                                    </p:animEffect>
+                                    <p:animScale>
+                                      <p:cBhvr>
+                                        <p:cTn id="149" dur="250" autoRev="1" fill="hold"/>
+                                        <p:tgtEl>
+                                          <p:spTgt spid="93"/>
+                                        </p:tgtEl>
+                                      </p:cBhvr>
+                                      <p:by x="105000" y="105000"/>
+                                    </p:animScale>
+                                  </p:childTnLst>
+                                </p:cTn>
+                              </p:par>
+                            </p:childTnLst>
+                          </p:cTn>
+                        </p:par>
+                        <p:par>
+                          <p:cTn id="150" fill="hold">
+                            <p:stCondLst>
+                              <p:cond delay="3500"/>
+                            </p:stCondLst>
+                            <p:childTnLst>
+                              <p:par>
+                                <p:cTn id="151" presetID="10" presetClass="entr" presetSubtype="0" fill="hold" grpId="0" nodeType="afterEffect">
+                                  <p:stCondLst>
+                                    <p:cond delay="0"/>
+                                  </p:stCondLst>
+                                  <p:childTnLst>
+                                    <p:set>
+                                      <p:cBhvr>
+                                        <p:cTn id="152" dur="1" fill="hold">
+                                          <p:stCondLst>
+                                            <p:cond delay="0"/>
+                                          </p:stCondLst>
+                                        </p:cTn>
+                                        <p:tgtEl>
+                                          <p:spTgt spid="98"/>
+                                        </p:tgtEl>
+                                        <p:attrNameLst>
+                                          <p:attrName>style.visibility</p:attrName>
+                                        </p:attrNameLst>
+                                      </p:cBhvr>
+                                      <p:to>
+                                        <p:strVal val="visible"/>
+                                      </p:to>
+                                    </p:set>
+                                    <p:animEffect transition="in" filter="fade">
+                                      <p:cBhvr>
+                                        <p:cTn id="153" dur="500"/>
+                                        <p:tgtEl>
+                                          <p:spTgt spid="98"/>
+                                        </p:tgtEl>
+                                      </p:cBhvr>
+                                    </p:animEffect>
+                                  </p:childTnLst>
+                                </p:cTn>
+                              </p:par>
+                            </p:childTnLst>
+                          </p:cTn>
+                        </p:par>
+                        <p:par>
+                          <p:cTn id="154" fill="hold">
+                            <p:stCondLst>
+                              <p:cond delay="4000"/>
+                            </p:stCondLst>
+                            <p:childTnLst>
+                              <p:par>
+                                <p:cTn id="155" presetID="10" presetClass="entr" presetSubtype="0" fill="hold" grpId="0" nodeType="afterEffect">
+                                  <p:stCondLst>
+                                    <p:cond delay="0"/>
+                                  </p:stCondLst>
+                                  <p:childTnLst>
+                                    <p:set>
+                                      <p:cBhvr>
+                                        <p:cTn id="156" dur="1" fill="hold">
+                                          <p:stCondLst>
+                                            <p:cond delay="0"/>
+                                          </p:stCondLst>
+                                        </p:cTn>
+                                        <p:tgtEl>
+                                          <p:spTgt spid="101"/>
+                                        </p:tgtEl>
+                                        <p:attrNameLst>
+                                          <p:attrName>style.visibility</p:attrName>
+                                        </p:attrNameLst>
+                                      </p:cBhvr>
+                                      <p:to>
+                                        <p:strVal val="visible"/>
+                                      </p:to>
+                                    </p:set>
+                                    <p:animEffect transition="in" filter="fade">
+                                      <p:cBhvr>
+                                        <p:cTn id="157" dur="500"/>
+                                        <p:tgtEl>
+                                          <p:spTgt spid="101"/>
+                                        </p:tgtEl>
+                                      </p:cBhvr>
+                                    </p:animEffect>
+                                  </p:childTnLst>
+                                </p:cTn>
+                              </p:par>
+                            </p:childTnLst>
+                          </p:cTn>
+                        </p:par>
+                        <p:par>
+                          <p:cTn id="158" fill="hold">
+                            <p:stCondLst>
+                              <p:cond delay="4500"/>
+                            </p:stCondLst>
+                            <p:childTnLst>
+                              <p:par>
+                                <p:cTn id="159" presetID="10" presetClass="entr" presetSubtype="0" fill="hold" grpId="0" nodeType="afterEffect">
+                                  <p:stCondLst>
+                                    <p:cond delay="0"/>
+                                  </p:stCondLst>
+                                  <p:childTnLst>
+                                    <p:set>
+                                      <p:cBhvr>
+                                        <p:cTn id="160" dur="1" fill="hold">
+                                          <p:stCondLst>
+                                            <p:cond delay="0"/>
+                                          </p:stCondLst>
+                                        </p:cTn>
+                                        <p:tgtEl>
+                                          <p:spTgt spid="99"/>
+                                        </p:tgtEl>
+                                        <p:attrNameLst>
+                                          <p:attrName>style.visibility</p:attrName>
+                                        </p:attrNameLst>
+                                      </p:cBhvr>
+                                      <p:to>
+                                        <p:strVal val="visible"/>
+                                      </p:to>
+                                    </p:set>
+                                    <p:animEffect transition="in" filter="fade">
+                                      <p:cBhvr>
+                                        <p:cTn id="161" dur="500"/>
+                                        <p:tgtEl>
+                                          <p:spTgt spid="99"/>
+                                        </p:tgtEl>
+                                      </p:cBhvr>
+                                    </p:animEffect>
+                                  </p:childTnLst>
+                                </p:cTn>
+                              </p:par>
+                            </p:childTnLst>
+                          </p:cTn>
+                        </p:par>
+                        <p:par>
+                          <p:cTn id="162" fill="hold">
+                            <p:stCondLst>
+                              <p:cond delay="5000"/>
+                            </p:stCondLst>
+                            <p:childTnLst>
+                              <p:par>
+                                <p:cTn id="163" presetID="10" presetClass="entr" presetSubtype="0" fill="hold" grpId="0" nodeType="afterEffect">
+                                  <p:stCondLst>
+                                    <p:cond delay="0"/>
+                                  </p:stCondLst>
+                                  <p:childTnLst>
+                                    <p:set>
+                                      <p:cBhvr>
+                                        <p:cTn id="164" dur="1" fill="hold">
+                                          <p:stCondLst>
+                                            <p:cond delay="0"/>
+                                          </p:stCondLst>
+                                        </p:cTn>
+                                        <p:tgtEl>
+                                          <p:spTgt spid="100"/>
+                                        </p:tgtEl>
+                                        <p:attrNameLst>
+                                          <p:attrName>style.visibility</p:attrName>
+                                        </p:attrNameLst>
+                                      </p:cBhvr>
+                                      <p:to>
+                                        <p:strVal val="visible"/>
+                                      </p:to>
+                                    </p:set>
+                                    <p:animEffect transition="in" filter="fade">
+                                      <p:cBhvr>
+                                        <p:cTn id="165" dur="500"/>
+                                        <p:tgtEl>
+                                          <p:spTgt spid="100"/>
+                                        </p:tgtEl>
+                                      </p:cBhvr>
+                                    </p:animEffect>
+                                  </p:childTnLst>
+                                </p:cTn>
+                              </p:par>
+                            </p:childTnLst>
+                          </p:cTn>
+                        </p:par>
+                      </p:childTnLst>
+                    </p:cTn>
+                  </p:par>
+                  <p:par>
+                    <p:cTn id="166" fill="hold">
+                      <p:stCondLst>
+                        <p:cond delay="indefinite"/>
+                      </p:stCondLst>
+                      <p:childTnLst>
+                        <p:par>
+                          <p:cTn id="167" fill="hold">
+                            <p:stCondLst>
+                              <p:cond delay="0"/>
+                            </p:stCondLst>
+                            <p:childTnLst>
+                              <p:par>
+                                <p:cTn id="168" presetID="10" presetClass="exit" presetSubtype="0" fill="hold" grpId="1" nodeType="clickEffect">
+                                  <p:stCondLst>
+                                    <p:cond delay="0"/>
+                                  </p:stCondLst>
+                                  <p:childTnLst>
+                                    <p:animEffect transition="out" filter="fade">
+                                      <p:cBhvr>
+                                        <p:cTn id="169" dur="250"/>
+                                        <p:tgtEl>
+                                          <p:spTgt spid="95"/>
+                                        </p:tgtEl>
+                                      </p:cBhvr>
+                                    </p:animEffect>
+                                    <p:set>
+                                      <p:cBhvr>
+                                        <p:cTn id="170" dur="1" fill="hold">
+                                          <p:stCondLst>
+                                            <p:cond delay="249"/>
+                                          </p:stCondLst>
+                                        </p:cTn>
+                                        <p:tgtEl>
+                                          <p:spTgt spid="95"/>
+                                        </p:tgtEl>
+                                        <p:attrNameLst>
+                                          <p:attrName>style.visibility</p:attrName>
+                                        </p:attrNameLst>
+                                      </p:cBhvr>
+                                      <p:to>
+                                        <p:strVal val="hidden"/>
+                                      </p:to>
+                                    </p:set>
+                                  </p:childTnLst>
+                                </p:cTn>
+                              </p:par>
+                              <p:par>
+                                <p:cTn id="171" presetID="10" presetClass="exit" presetSubtype="0" fill="hold" nodeType="withEffect">
+                                  <p:stCondLst>
+                                    <p:cond delay="0"/>
+                                  </p:stCondLst>
+                                  <p:childTnLst>
+                                    <p:animEffect transition="out" filter="fade">
+                                      <p:cBhvr>
+                                        <p:cTn id="172" dur="250"/>
+                                        <p:tgtEl>
+                                          <p:spTgt spid="15"/>
+                                        </p:tgtEl>
+                                      </p:cBhvr>
+                                    </p:animEffect>
+                                    <p:set>
+                                      <p:cBhvr>
+                                        <p:cTn id="173" dur="1" fill="hold">
+                                          <p:stCondLst>
+                                            <p:cond delay="249"/>
+                                          </p:stCondLst>
+                                        </p:cTn>
+                                        <p:tgtEl>
+                                          <p:spTgt spid="15"/>
+                                        </p:tgtEl>
+                                        <p:attrNameLst>
+                                          <p:attrName>style.visibility</p:attrName>
+                                        </p:attrNameLst>
+                                      </p:cBhvr>
+                                      <p:to>
+                                        <p:strVal val="hidden"/>
+                                      </p:to>
+                                    </p:set>
+                                  </p:childTnLst>
+                                </p:cTn>
+                              </p:par>
+                              <p:par>
+                                <p:cTn id="174" presetID="10" presetClass="exit" presetSubtype="0" fill="hold" grpId="1" nodeType="withEffect">
+                                  <p:stCondLst>
+                                    <p:cond delay="0"/>
+                                  </p:stCondLst>
+                                  <p:childTnLst>
+                                    <p:animEffect transition="out" filter="fade">
+                                      <p:cBhvr>
+                                        <p:cTn id="175" dur="250"/>
+                                        <p:tgtEl>
+                                          <p:spTgt spid="96"/>
+                                        </p:tgtEl>
+                                      </p:cBhvr>
+                                    </p:animEffect>
+                                    <p:set>
+                                      <p:cBhvr>
+                                        <p:cTn id="176" dur="1" fill="hold">
+                                          <p:stCondLst>
+                                            <p:cond delay="249"/>
+                                          </p:stCondLst>
+                                        </p:cTn>
+                                        <p:tgtEl>
+                                          <p:spTgt spid="96"/>
+                                        </p:tgtEl>
+                                        <p:attrNameLst>
+                                          <p:attrName>style.visibility</p:attrName>
+                                        </p:attrNameLst>
+                                      </p:cBhvr>
+                                      <p:to>
+                                        <p:strVal val="hidden"/>
+                                      </p:to>
+                                    </p:set>
+                                  </p:childTnLst>
+                                </p:cTn>
+                              </p:par>
+                              <p:par>
+                                <p:cTn id="177" presetID="10" presetClass="exit" presetSubtype="0" fill="hold" nodeType="withEffect">
+                                  <p:stCondLst>
+                                    <p:cond delay="0"/>
+                                  </p:stCondLst>
+                                  <p:childTnLst>
+                                    <p:animEffect transition="out" filter="fade">
+                                      <p:cBhvr>
+                                        <p:cTn id="178" dur="250"/>
+                                        <p:tgtEl>
+                                          <p:spTgt spid="25"/>
+                                        </p:tgtEl>
+                                      </p:cBhvr>
+                                    </p:animEffect>
+                                    <p:set>
+                                      <p:cBhvr>
+                                        <p:cTn id="179" dur="1" fill="hold">
+                                          <p:stCondLst>
+                                            <p:cond delay="249"/>
+                                          </p:stCondLst>
+                                        </p:cTn>
+                                        <p:tgtEl>
+                                          <p:spTgt spid="25"/>
+                                        </p:tgtEl>
+                                        <p:attrNameLst>
+                                          <p:attrName>style.visibility</p:attrName>
+                                        </p:attrNameLst>
+                                      </p:cBhvr>
+                                      <p:to>
+                                        <p:strVal val="hidden"/>
+                                      </p:to>
+                                    </p:set>
+                                  </p:childTnLst>
+                                </p:cTn>
+                              </p:par>
+                              <p:par>
+                                <p:cTn id="180" presetID="10" presetClass="exit" presetSubtype="0" fill="hold" nodeType="withEffect">
+                                  <p:stCondLst>
+                                    <p:cond delay="0"/>
+                                  </p:stCondLst>
+                                  <p:childTnLst>
+                                    <p:animEffect transition="out" filter="fade">
+                                      <p:cBhvr>
+                                        <p:cTn id="181" dur="250"/>
+                                        <p:tgtEl>
+                                          <p:spTgt spid="34"/>
+                                        </p:tgtEl>
+                                      </p:cBhvr>
+                                    </p:animEffect>
+                                    <p:set>
+                                      <p:cBhvr>
+                                        <p:cTn id="182" dur="1" fill="hold">
+                                          <p:stCondLst>
+                                            <p:cond delay="249"/>
+                                          </p:stCondLst>
+                                        </p:cTn>
+                                        <p:tgtEl>
+                                          <p:spTgt spid="34"/>
+                                        </p:tgtEl>
+                                        <p:attrNameLst>
+                                          <p:attrName>style.visibility</p:attrName>
+                                        </p:attrNameLst>
+                                      </p:cBhvr>
+                                      <p:to>
+                                        <p:strVal val="hidden"/>
+                                      </p:to>
+                                    </p:set>
+                                  </p:childTnLst>
+                                </p:cTn>
+                              </p:par>
+                              <p:par>
+                                <p:cTn id="183" presetID="10" presetClass="exit" presetSubtype="0" fill="hold" grpId="1" nodeType="withEffect">
+                                  <p:stCondLst>
+                                    <p:cond delay="0"/>
+                                  </p:stCondLst>
+                                  <p:childTnLst>
+                                    <p:animEffect transition="out" filter="fade">
+                                      <p:cBhvr>
+                                        <p:cTn id="184" dur="250"/>
+                                        <p:tgtEl>
+                                          <p:spTgt spid="97"/>
+                                        </p:tgtEl>
+                                      </p:cBhvr>
+                                    </p:animEffect>
+                                    <p:set>
+                                      <p:cBhvr>
+                                        <p:cTn id="185" dur="1" fill="hold">
+                                          <p:stCondLst>
+                                            <p:cond delay="249"/>
+                                          </p:stCondLst>
+                                        </p:cTn>
+                                        <p:tgtEl>
+                                          <p:spTgt spid="97"/>
+                                        </p:tgtEl>
+                                        <p:attrNameLst>
+                                          <p:attrName>style.visibility</p:attrName>
+                                        </p:attrNameLst>
+                                      </p:cBhvr>
+                                      <p:to>
+                                        <p:strVal val="hidden"/>
+                                      </p:to>
+                                    </p:set>
+                                  </p:childTnLst>
+                                </p:cTn>
+                              </p:par>
+                              <p:par>
+                                <p:cTn id="186" presetID="10" presetClass="exit" presetSubtype="0" fill="hold" nodeType="withEffect">
+                                  <p:stCondLst>
+                                    <p:cond delay="0"/>
+                                  </p:stCondLst>
+                                  <p:childTnLst>
+                                    <p:animEffect transition="out" filter="fade">
+                                      <p:cBhvr>
+                                        <p:cTn id="187" dur="250"/>
+                                        <p:tgtEl>
+                                          <p:spTgt spid="51"/>
+                                        </p:tgtEl>
+                                      </p:cBhvr>
+                                    </p:animEffect>
+                                    <p:set>
+                                      <p:cBhvr>
+                                        <p:cTn id="188" dur="1" fill="hold">
+                                          <p:stCondLst>
+                                            <p:cond delay="249"/>
+                                          </p:stCondLst>
+                                        </p:cTn>
+                                        <p:tgtEl>
+                                          <p:spTgt spid="51"/>
+                                        </p:tgtEl>
+                                        <p:attrNameLst>
+                                          <p:attrName>style.visibility</p:attrName>
+                                        </p:attrNameLst>
+                                      </p:cBhvr>
+                                      <p:to>
+                                        <p:strVal val="hidden"/>
+                                      </p:to>
+                                    </p:set>
+                                  </p:childTnLst>
+                                </p:cTn>
+                              </p:par>
+                              <p:par>
+                                <p:cTn id="189" presetID="10" presetClass="exit" presetSubtype="0" fill="hold" nodeType="withEffect">
+                                  <p:stCondLst>
+                                    <p:cond delay="0"/>
+                                  </p:stCondLst>
+                                  <p:childTnLst>
+                                    <p:animEffect transition="out" filter="fade">
+                                      <p:cBhvr>
+                                        <p:cTn id="190" dur="250"/>
+                                        <p:tgtEl>
+                                          <p:spTgt spid="50"/>
+                                        </p:tgtEl>
+                                      </p:cBhvr>
+                                    </p:animEffect>
+                                    <p:set>
+                                      <p:cBhvr>
+                                        <p:cTn id="191" dur="1" fill="hold">
+                                          <p:stCondLst>
+                                            <p:cond delay="249"/>
+                                          </p:stCondLst>
+                                        </p:cTn>
+                                        <p:tgtEl>
+                                          <p:spTgt spid="50"/>
+                                        </p:tgtEl>
+                                        <p:attrNameLst>
+                                          <p:attrName>style.visibility</p:attrName>
+                                        </p:attrNameLst>
+                                      </p:cBhvr>
+                                      <p:to>
+                                        <p:strVal val="hidden"/>
+                                      </p:to>
+                                    </p:set>
+                                  </p:childTnLst>
+                                </p:cTn>
+                              </p:par>
+                              <p:par>
+                                <p:cTn id="192" presetID="10" presetClass="exit" presetSubtype="0" fill="hold" nodeType="withEffect">
+                                  <p:stCondLst>
+                                    <p:cond delay="0"/>
+                                  </p:stCondLst>
+                                  <p:childTnLst>
+                                    <p:animEffect transition="out" filter="fade">
+                                      <p:cBhvr>
+                                        <p:cTn id="193" dur="250"/>
+                                        <p:tgtEl>
+                                          <p:spTgt spid="62"/>
+                                        </p:tgtEl>
+                                      </p:cBhvr>
+                                    </p:animEffect>
+                                    <p:set>
+                                      <p:cBhvr>
+                                        <p:cTn id="194" dur="1" fill="hold">
+                                          <p:stCondLst>
+                                            <p:cond delay="249"/>
+                                          </p:stCondLst>
+                                        </p:cTn>
+                                        <p:tgtEl>
+                                          <p:spTgt spid="62"/>
+                                        </p:tgtEl>
+                                        <p:attrNameLst>
+                                          <p:attrName>style.visibility</p:attrName>
+                                        </p:attrNameLst>
+                                      </p:cBhvr>
+                                      <p:to>
+                                        <p:strVal val="hidden"/>
+                                      </p:to>
+                                    </p:set>
+                                  </p:childTnLst>
+                                </p:cTn>
+                              </p:par>
+                              <p:par>
+                                <p:cTn id="195" presetID="10" presetClass="exit" presetSubtype="0" fill="hold" nodeType="withEffect">
+                                  <p:stCondLst>
+                                    <p:cond delay="0"/>
+                                  </p:stCondLst>
+                                  <p:childTnLst>
+                                    <p:animEffect transition="out" filter="fade">
+                                      <p:cBhvr>
+                                        <p:cTn id="196" dur="250"/>
+                                        <p:tgtEl>
+                                          <p:spTgt spid="87"/>
+                                        </p:tgtEl>
+                                      </p:cBhvr>
+                                    </p:animEffect>
+                                    <p:set>
+                                      <p:cBhvr>
+                                        <p:cTn id="197" dur="1" fill="hold">
+                                          <p:stCondLst>
+                                            <p:cond delay="249"/>
+                                          </p:stCondLst>
+                                        </p:cTn>
+                                        <p:tgtEl>
+                                          <p:spTgt spid="87"/>
+                                        </p:tgtEl>
+                                        <p:attrNameLst>
+                                          <p:attrName>style.visibility</p:attrName>
+                                        </p:attrNameLst>
+                                      </p:cBhvr>
+                                      <p:to>
+                                        <p:strVal val="hidden"/>
+                                      </p:to>
+                                    </p:set>
+                                  </p:childTnLst>
+                                </p:cTn>
+                              </p:par>
+                              <p:par>
+                                <p:cTn id="198" presetID="10" presetClass="exit" presetSubtype="0" fill="hold" nodeType="withEffect">
+                                  <p:stCondLst>
+                                    <p:cond delay="0"/>
+                                  </p:stCondLst>
+                                  <p:childTnLst>
+                                    <p:animEffect transition="out" filter="fade">
+                                      <p:cBhvr>
+                                        <p:cTn id="199" dur="250"/>
+                                        <p:tgtEl>
+                                          <p:spTgt spid="92"/>
+                                        </p:tgtEl>
+                                      </p:cBhvr>
+                                    </p:animEffect>
+                                    <p:set>
+                                      <p:cBhvr>
+                                        <p:cTn id="200" dur="1" fill="hold">
+                                          <p:stCondLst>
+                                            <p:cond delay="249"/>
+                                          </p:stCondLst>
+                                        </p:cTn>
+                                        <p:tgtEl>
+                                          <p:spTgt spid="92"/>
+                                        </p:tgtEl>
+                                        <p:attrNameLst>
+                                          <p:attrName>style.visibility</p:attrName>
+                                        </p:attrNameLst>
+                                      </p:cBhvr>
+                                      <p:to>
+                                        <p:strVal val="hidden"/>
+                                      </p:to>
+                                    </p:set>
+                                  </p:childTnLst>
+                                </p:cTn>
+                              </p:par>
+                              <p:par>
+                                <p:cTn id="201" presetID="10" presetClass="exit" presetSubtype="0" fill="hold" nodeType="withEffect">
+                                  <p:stCondLst>
+                                    <p:cond delay="0"/>
+                                  </p:stCondLst>
+                                  <p:childTnLst>
+                                    <p:animEffect transition="out" filter="fade">
+                                      <p:cBhvr>
+                                        <p:cTn id="202" dur="250"/>
+                                        <p:tgtEl>
+                                          <p:spTgt spid="81"/>
+                                        </p:tgtEl>
+                                      </p:cBhvr>
+                                    </p:animEffect>
+                                    <p:set>
+                                      <p:cBhvr>
+                                        <p:cTn id="203" dur="1" fill="hold">
+                                          <p:stCondLst>
+                                            <p:cond delay="249"/>
+                                          </p:stCondLst>
+                                        </p:cTn>
+                                        <p:tgtEl>
+                                          <p:spTgt spid="81"/>
+                                        </p:tgtEl>
+                                        <p:attrNameLst>
+                                          <p:attrName>style.visibility</p:attrName>
+                                        </p:attrNameLst>
+                                      </p:cBhvr>
+                                      <p:to>
+                                        <p:strVal val="hidden"/>
+                                      </p:to>
+                                    </p:set>
+                                  </p:childTnLst>
+                                </p:cTn>
+                              </p:par>
+                              <p:par>
+                                <p:cTn id="204" presetID="10" presetClass="exit" presetSubtype="0" fill="hold" nodeType="withEffect">
+                                  <p:stCondLst>
+                                    <p:cond delay="0"/>
+                                  </p:stCondLst>
+                                  <p:childTnLst>
+                                    <p:animEffect transition="out" filter="fade">
+                                      <p:cBhvr>
+                                        <p:cTn id="205" dur="250"/>
+                                        <p:tgtEl>
+                                          <p:spTgt spid="72"/>
+                                        </p:tgtEl>
+                                      </p:cBhvr>
+                                    </p:animEffect>
+                                    <p:set>
+                                      <p:cBhvr>
+                                        <p:cTn id="206" dur="1" fill="hold">
+                                          <p:stCondLst>
+                                            <p:cond delay="249"/>
+                                          </p:stCondLst>
+                                        </p:cTn>
+                                        <p:tgtEl>
+                                          <p:spTgt spid="72"/>
+                                        </p:tgtEl>
+                                        <p:attrNameLst>
+                                          <p:attrName>style.visibility</p:attrName>
+                                        </p:attrNameLst>
+                                      </p:cBhvr>
+                                      <p:to>
+                                        <p:strVal val="hidden"/>
+                                      </p:to>
+                                    </p:set>
+                                  </p:childTnLst>
+                                </p:cTn>
+                              </p:par>
+                              <p:par>
+                                <p:cTn id="207" presetID="10" presetClass="exit" presetSubtype="0" fill="hold" nodeType="withEffect">
+                                  <p:stCondLst>
+                                    <p:cond delay="0"/>
+                                  </p:stCondLst>
+                                  <p:childTnLst>
+                                    <p:animEffect transition="out" filter="fade">
+                                      <p:cBhvr>
+                                        <p:cTn id="208" dur="250"/>
+                                        <p:tgtEl>
+                                          <p:spTgt spid="93"/>
+                                        </p:tgtEl>
+                                      </p:cBhvr>
+                                    </p:animEffect>
+                                    <p:set>
+                                      <p:cBhvr>
+                                        <p:cTn id="209" dur="1" fill="hold">
+                                          <p:stCondLst>
+                                            <p:cond delay="249"/>
+                                          </p:stCondLst>
+                                        </p:cTn>
+                                        <p:tgtEl>
+                                          <p:spTgt spid="93"/>
+                                        </p:tgtEl>
+                                        <p:attrNameLst>
+                                          <p:attrName>style.visibility</p:attrName>
+                                        </p:attrNameLst>
+                                      </p:cBhvr>
+                                      <p:to>
+                                        <p:strVal val="hidden"/>
+                                      </p:to>
+                                    </p:set>
+                                  </p:childTnLst>
+                                </p:cTn>
+                              </p:par>
+                              <p:par>
+                                <p:cTn id="210" presetID="10" presetClass="exit" presetSubtype="0" fill="hold" grpId="1" nodeType="withEffect">
+                                  <p:stCondLst>
+                                    <p:cond delay="0"/>
+                                  </p:stCondLst>
+                                  <p:childTnLst>
+                                    <p:animEffect transition="out" filter="fade">
+                                      <p:cBhvr>
+                                        <p:cTn id="211" dur="250"/>
+                                        <p:tgtEl>
+                                          <p:spTgt spid="98"/>
+                                        </p:tgtEl>
+                                      </p:cBhvr>
+                                    </p:animEffect>
+                                    <p:set>
+                                      <p:cBhvr>
+                                        <p:cTn id="212" dur="1" fill="hold">
+                                          <p:stCondLst>
+                                            <p:cond delay="249"/>
+                                          </p:stCondLst>
+                                        </p:cTn>
+                                        <p:tgtEl>
+                                          <p:spTgt spid="98"/>
+                                        </p:tgtEl>
+                                        <p:attrNameLst>
+                                          <p:attrName>style.visibility</p:attrName>
+                                        </p:attrNameLst>
+                                      </p:cBhvr>
+                                      <p:to>
+                                        <p:strVal val="hidden"/>
+                                      </p:to>
+                                    </p:set>
+                                  </p:childTnLst>
+                                </p:cTn>
+                              </p:par>
+                              <p:par>
+                                <p:cTn id="213" presetID="10" presetClass="exit" presetSubtype="0" fill="hold" grpId="1" nodeType="withEffect">
+                                  <p:stCondLst>
+                                    <p:cond delay="0"/>
+                                  </p:stCondLst>
+                                  <p:childTnLst>
+                                    <p:animEffect transition="out" filter="fade">
+                                      <p:cBhvr>
+                                        <p:cTn id="214" dur="250"/>
+                                        <p:tgtEl>
+                                          <p:spTgt spid="101"/>
+                                        </p:tgtEl>
+                                      </p:cBhvr>
+                                    </p:animEffect>
+                                    <p:set>
+                                      <p:cBhvr>
+                                        <p:cTn id="215" dur="1" fill="hold">
+                                          <p:stCondLst>
+                                            <p:cond delay="249"/>
+                                          </p:stCondLst>
+                                        </p:cTn>
+                                        <p:tgtEl>
+                                          <p:spTgt spid="101"/>
+                                        </p:tgtEl>
+                                        <p:attrNameLst>
+                                          <p:attrName>style.visibility</p:attrName>
+                                        </p:attrNameLst>
+                                      </p:cBhvr>
+                                      <p:to>
+                                        <p:strVal val="hidden"/>
+                                      </p:to>
+                                    </p:set>
+                                  </p:childTnLst>
+                                </p:cTn>
+                              </p:par>
+                              <p:par>
+                                <p:cTn id="216" presetID="10" presetClass="exit" presetSubtype="0" fill="hold" grpId="1" nodeType="withEffect">
+                                  <p:stCondLst>
+                                    <p:cond delay="0"/>
+                                  </p:stCondLst>
+                                  <p:childTnLst>
+                                    <p:animEffect transition="out" filter="fade">
+                                      <p:cBhvr>
+                                        <p:cTn id="217" dur="250"/>
+                                        <p:tgtEl>
+                                          <p:spTgt spid="99"/>
+                                        </p:tgtEl>
+                                      </p:cBhvr>
+                                    </p:animEffect>
+                                    <p:set>
+                                      <p:cBhvr>
+                                        <p:cTn id="218" dur="1" fill="hold">
+                                          <p:stCondLst>
+                                            <p:cond delay="249"/>
+                                          </p:stCondLst>
+                                        </p:cTn>
+                                        <p:tgtEl>
+                                          <p:spTgt spid="99"/>
+                                        </p:tgtEl>
+                                        <p:attrNameLst>
+                                          <p:attrName>style.visibility</p:attrName>
+                                        </p:attrNameLst>
+                                      </p:cBhvr>
+                                      <p:to>
+                                        <p:strVal val="hidden"/>
+                                      </p:to>
+                                    </p:set>
+                                  </p:childTnLst>
+                                </p:cTn>
+                              </p:par>
+                              <p:par>
+                                <p:cTn id="219" presetID="10" presetClass="exit" presetSubtype="0" fill="hold" grpId="1" nodeType="withEffect">
+                                  <p:stCondLst>
+                                    <p:cond delay="0"/>
+                                  </p:stCondLst>
+                                  <p:childTnLst>
+                                    <p:animEffect transition="out" filter="fade">
+                                      <p:cBhvr>
+                                        <p:cTn id="220" dur="250"/>
+                                        <p:tgtEl>
+                                          <p:spTgt spid="100"/>
+                                        </p:tgtEl>
+                                      </p:cBhvr>
+                                    </p:animEffect>
+                                    <p:set>
+                                      <p:cBhvr>
+                                        <p:cTn id="221" dur="1" fill="hold">
+                                          <p:stCondLst>
+                                            <p:cond delay="249"/>
+                                          </p:stCondLst>
+                                        </p:cTn>
+                                        <p:tgtEl>
+                                          <p:spTgt spid="100"/>
+                                        </p:tgtEl>
+                                        <p:attrNameLst>
+                                          <p:attrName>style.visibility</p:attrName>
+                                        </p:attrNameLst>
+                                      </p:cBhvr>
+                                      <p:to>
+                                        <p:strVal val="hidden"/>
+                                      </p:to>
+                                    </p:set>
+                                  </p:childTnLst>
+                                </p:cTn>
+                              </p:par>
+                            </p:childTnLst>
+                          </p:cTn>
+                        </p:par>
+                        <p:par>
+                          <p:cTn id="222" fill="hold">
+                            <p:stCondLst>
+                              <p:cond delay="250"/>
+                            </p:stCondLst>
+                            <p:childTnLst>
+                              <p:par>
+                                <p:cTn id="223" presetID="1" presetClass="entr" presetSubtype="0" fill="hold" nodeType="afterEffect">
+                                  <p:stCondLst>
+                                    <p:cond delay="0"/>
+                                  </p:stCondLst>
+                                  <p:childTnLst>
+                                    <p:set>
+                                      <p:cBhvr>
+                                        <p:cTn id="224" dur="1" fill="hold">
+                                          <p:stCondLst>
+                                            <p:cond delay="0"/>
+                                          </p:stCondLst>
+                                        </p:cTn>
+                                        <p:tgtEl>
+                                          <p:spTgt spid="120"/>
+                                        </p:tgtEl>
+                                        <p:attrNameLst>
+                                          <p:attrName>style.visibility</p:attrName>
+                                        </p:attrNameLst>
+                                      </p:cBhvr>
+                                      <p:to>
+                                        <p:strVal val="visible"/>
+                                      </p:to>
+                                    </p:set>
+                                  </p:childTnLst>
+                                </p:cTn>
+                              </p:par>
+                              <p:par>
+                                <p:cTn id="225" presetID="26" presetClass="emph" presetSubtype="0" fill="hold" nodeType="withEffect">
+                                  <p:stCondLst>
+                                    <p:cond delay="0"/>
+                                  </p:stCondLst>
+                                  <p:childTnLst>
+                                    <p:animEffect transition="out" filter="fade">
+                                      <p:cBhvr>
+                                        <p:cTn id="226" dur="750" tmFilter="0, 0; .2, .5; .8, .5; 1, 0"/>
+                                        <p:tgtEl>
+                                          <p:spTgt spid="120"/>
+                                        </p:tgtEl>
+                                      </p:cBhvr>
+                                    </p:animEffect>
+                                    <p:animScale>
+                                      <p:cBhvr>
+                                        <p:cTn id="227" dur="375" autoRev="1" fill="hold"/>
+                                        <p:tgtEl>
+                                          <p:spTgt spid="120"/>
+                                        </p:tgtEl>
+                                      </p:cBhvr>
+                                      <p:by x="105000" y="105000"/>
+                                    </p:animScale>
+                                  </p:childTnLst>
+                                </p:cTn>
+                              </p:par>
+                            </p:childTnLst>
+                          </p:cTn>
+                        </p:par>
+                      </p:childTnLst>
+                    </p:cTn>
+                  </p:par>
+                </p:childTnLst>
+              </p:cTn>
+              <p:prevCondLst>
+                <p:cond evt="onPrev" delay="0">
+                  <p:tgtEl>
+                    <p:sldTgt/>
+                  </p:tgtEl>
+                </p:cond>
+              </p:prevCondLst>
+              <p:nextCondLst>
+                <p:cond evt="onNext" delay="0">
+                  <p:tgtEl>
+                    <p:sldTgt/>
+                  </p:tgtEl>
+                </p:cond>
+              </p:nextCondLst>
+            </p:seq>
+          </p:childTnLst>
+        </p:cTn>
+      </p:par>
+    </p:tnLst>
+    <p:bldLst>
+      <p:bldP spid="3" grpId="0" build="p"/>
+      <p:bldP spid="3" grpId="1" uiExpand="1" build="p"/>
+      <p:bldP spid="95" grpId="0"/>
+      <p:bldP spid="95" grpId="1"/>
+      <p:bldP spid="96" grpId="0"/>
+      <p:bldP spid="96" grpId="1"/>
+      <p:bldP spid="97" grpId="0"/>
+      <p:bldP spid="97" grpId="1"/>
+      <p:bldP spid="98" grpId="0"/>
+      <p:bldP spid="98" grpId="1"/>
+      <p:bldP spid="99" grpId="0"/>
+      <p:bldP spid="99" grpId="1"/>
+      <p:bldP spid="100" grpId="0"/>
+      <p:bldP spid="100" grpId="1"/>
+      <p:bldP spid="101" grpId="0"/>
+      <p:bldP spid="101" grpId="1"/>
+    </p:bldLst>
+  </p:timing>
+</p:sld>
+</file>
+
+<file path=ppt/slides/slide4.xml><?xml version="1.0" encoding="utf-8"?>
+<p:sld xmlns:a="http://schemas.openxmlformats.org/drawingml/2006/main" xmlns:r="http://schemas.openxmlformats.org/officeDocument/2006/relationships" xmlns:p="http://schemas.openxmlformats.org/presentationml/2006/main">
+  <p:cSld>
+    <p:spTree>
+      <p:nvGrpSpPr>
+        <p:cNvPr id="1" name=""/>
+        <p:cNvGrpSpPr/>
+        <p:nvPr/>
+      </p:nvGrpSpPr>
+      <p:grpSpPr>
+        <a:xfrm>
+          <a:off x="0" y="0"/>
+          <a:ext cx="0" cy="0"/>
+          <a:chOff x="0" y="0"/>
+          <a:chExt cx="0" cy="0"/>
+        </a:xfrm>
+      </p:grpSpPr>
       <p:sp>
         <p:nvSpPr>
           <p:cNvPr id="3" name="Espace réservé du texte 2"/>
@@ -8077,7 +13986,7 @@
           <a:lstStyle/>
           <a:p>
             <a:r>
-              <a:rPr lang="fr-CA" sz="2400" dirty="0" err="1" smtClean="0">
+              <a:rPr lang="fr-CA" sz="2400" dirty="0" err="1">
                 <a:solidFill>
                   <a:srgbClr val="FE692E"/>
                 </a:solidFill>
@@ -8114,7 +14023,43 @@
           <a:bodyPr/>
           <a:lstStyle/>
           <a:p>
-            <a:endParaRPr lang="fr-CA" dirty="0"/>
+            <a:pPr>
+              <a:buClr>
+                <a:srgbClr val="FE692E"/>
+              </a:buClr>
+              <a:buFont typeface="Arial" panose="020B0604020202020204" pitchFamily="34" charset="0"/>
+              <a:buChar char="•"/>
+            </a:pPr>
+            <a:r>
+              <a:rPr lang="fr-CA" dirty="0"/>
+              <a:t>Opération séquentielle</a:t>
+            </a:r>
+          </a:p>
+          <a:p>
+            <a:pPr>
+              <a:buClr>
+                <a:srgbClr val="FE692E"/>
+              </a:buClr>
+              <a:buFont typeface="Arial" panose="020B0604020202020204" pitchFamily="34" charset="0"/>
+              <a:buChar char="•"/>
+            </a:pPr>
+            <a:r>
+              <a:rPr lang="fr-CA" dirty="0"/>
+              <a:t>Instructions lues depuis une mémoire</a:t>
+            </a:r>
+          </a:p>
+          <a:p>
+            <a:pPr>
+              <a:buClr>
+                <a:srgbClr val="FE692E"/>
+              </a:buClr>
+              <a:buFont typeface="Arial" panose="020B0604020202020204" pitchFamily="34" charset="0"/>
+              <a:buChar char="•"/>
+            </a:pPr>
+            <a:r>
+              <a:rPr lang="fr-CA" dirty="0"/>
+              <a:t>Très versatile</a:t>
+            </a:r>
           </a:p>
         </p:txBody>
       </p:sp>
@@ -8141,7 +14086,7 @@
           <a:lstStyle/>
           <a:p>
             <a:r>
-              <a:rPr lang="fr-CA" sz="2400" dirty="0" err="1" smtClean="0">
+              <a:rPr lang="fr-CA" sz="2400" dirty="0" err="1">
                 <a:solidFill>
                   <a:srgbClr val="FE692E"/>
                 </a:solidFill>
@@ -8171,13 +14116,72 @@
         <p:spPr>
           <a:xfrm>
             <a:off x="6217920" y="1069419"/>
-            <a:ext cx="4937760" cy="4891115"/>
+            <a:ext cx="5739618" cy="4891115"/>
           </a:xfrm>
         </p:spPr>
         <p:txBody>
           <a:bodyPr/>
           <a:lstStyle/>
           <a:p>
+            <a:pPr>
+              <a:buClr>
+                <a:srgbClr val="FE692E"/>
+              </a:buClr>
+              <a:buFont typeface="Arial" panose="020B0604020202020204" pitchFamily="34" charset="0"/>
+              <a:buChar char="•"/>
+            </a:pPr>
+            <a:r>
+              <a:rPr lang="fr-CA" dirty="0"/>
+              <a:t>Opérations parallèles</a:t>
+            </a:r>
+          </a:p>
+          <a:p>
+            <a:pPr>
+              <a:buClr>
+                <a:srgbClr val="FE692E"/>
+              </a:buClr>
+              <a:buFont typeface="Arial" panose="020B0604020202020204" pitchFamily="34" charset="0"/>
+              <a:buChar char="•"/>
+            </a:pPr>
+            <a:r>
+              <a:rPr lang="fr-CA" dirty="0"/>
+              <a:t>Instructions codées sous formes de portes logiques</a:t>
+            </a:r>
+          </a:p>
+          <a:p>
+            <a:pPr>
+              <a:buClr>
+                <a:srgbClr val="FE692E"/>
+              </a:buClr>
+              <a:buFont typeface="Arial" panose="020B0604020202020204" pitchFamily="34" charset="0"/>
+              <a:buChar char="•"/>
+            </a:pPr>
+            <a:r>
+              <a:rPr lang="fr-CA" dirty="0"/>
+              <a:t>Utile pour des utilisations très spécifiques</a:t>
+            </a:r>
+          </a:p>
+          <a:p>
+            <a:pPr>
+              <a:buClr>
+                <a:srgbClr val="FE692E"/>
+              </a:buClr>
+              <a:buFont typeface="Arial" panose="020B0604020202020204" pitchFamily="34" charset="0"/>
+              <a:buChar char="•"/>
+            </a:pPr>
+            <a:r>
+              <a:rPr lang="fr-CA" dirty="0"/>
+              <a:t>Il est possible de programmer un microcontrôleur complet à l’intérieur d’un FPGA</a:t>
+            </a:r>
+          </a:p>
+          <a:p>
+            <a:pPr>
+              <a:buClr>
+                <a:srgbClr val="FE692E"/>
+              </a:buClr>
+              <a:buFont typeface="Arial" panose="020B0604020202020204" pitchFamily="34" charset="0"/>
+              <a:buChar char="•"/>
+            </a:pPr>
             <a:endParaRPr lang="fr-CA" dirty="0"/>
           </a:p>
         </p:txBody>
@@ -8204,10 +14208,417 @@
       </p:transition>
     </mc:Fallback>
   </mc:AlternateContent>
+  <p:timing>
+    <p:tnLst>
+      <p:par>
+        <p:cTn id="1" dur="indefinite" restart="never" nodeType="tmRoot">
+          <p:childTnLst>
+            <p:seq concurrent="1" nextAc="seek">
+              <p:cTn id="2" dur="indefinite" nodeType="mainSeq">
+                <p:childTnLst>
+                  <p:par>
+                    <p:cTn id="3" fill="hold">
+                      <p:stCondLst>
+                        <p:cond delay="indefinite"/>
+                      </p:stCondLst>
+                      <p:childTnLst>
+                        <p:par>
+                          <p:cTn id="4" fill="hold">
+                            <p:stCondLst>
+                              <p:cond delay="0"/>
+                            </p:stCondLst>
+                            <p:childTnLst>
+                              <p:par>
+                                <p:cTn id="5" presetID="10" presetClass="entr" presetSubtype="0" fill="hold" grpId="0" nodeType="clickEffect">
+                                  <p:stCondLst>
+                                    <p:cond delay="0"/>
+                                  </p:stCondLst>
+                                  <p:childTnLst>
+                                    <p:set>
+                                      <p:cBhvr>
+                                        <p:cTn id="6" dur="1" fill="hold">
+                                          <p:stCondLst>
+                                            <p:cond delay="0"/>
+                                          </p:stCondLst>
+                                        </p:cTn>
+                                        <p:tgtEl>
+                                          <p:spTgt spid="4">
+                                            <p:txEl>
+                                              <p:pRg st="0" end="0"/>
+                                            </p:txEl>
+                                          </p:spTgt>
+                                        </p:tgtEl>
+                                        <p:attrNameLst>
+                                          <p:attrName>style.visibility</p:attrName>
+                                        </p:attrNameLst>
+                                      </p:cBhvr>
+                                      <p:to>
+                                        <p:strVal val="visible"/>
+                                      </p:to>
+                                    </p:set>
+                                    <p:animEffect transition="in" filter="fade">
+                                      <p:cBhvr>
+                                        <p:cTn id="7" dur="500"/>
+                                        <p:tgtEl>
+                                          <p:spTgt spid="4">
+                                            <p:txEl>
+                                              <p:pRg st="0" end="0"/>
+                                            </p:txEl>
+                                          </p:spTgt>
+                                        </p:tgtEl>
+                                      </p:cBhvr>
+                                    </p:animEffect>
+                                  </p:childTnLst>
+                                </p:cTn>
+                              </p:par>
+                              <p:par>
+                                <p:cTn id="8" presetID="10" presetClass="entr" presetSubtype="0" fill="hold" grpId="0" nodeType="withEffect">
+                                  <p:stCondLst>
+                                    <p:cond delay="0"/>
+                                  </p:stCondLst>
+                                  <p:childTnLst>
+                                    <p:set>
+                                      <p:cBhvr>
+                                        <p:cTn id="9" dur="1" fill="hold">
+                                          <p:stCondLst>
+                                            <p:cond delay="0"/>
+                                          </p:stCondLst>
+                                        </p:cTn>
+                                        <p:tgtEl>
+                                          <p:spTgt spid="6">
+                                            <p:txEl>
+                                              <p:pRg st="0" end="0"/>
+                                            </p:txEl>
+                                          </p:spTgt>
+                                        </p:tgtEl>
+                                        <p:attrNameLst>
+                                          <p:attrName>style.visibility</p:attrName>
+                                        </p:attrNameLst>
+                                      </p:cBhvr>
+                                      <p:to>
+                                        <p:strVal val="visible"/>
+                                      </p:to>
+                                    </p:set>
+                                    <p:animEffect transition="in" filter="fade">
+                                      <p:cBhvr>
+                                        <p:cTn id="10" dur="500"/>
+                                        <p:tgtEl>
+                                          <p:spTgt spid="6">
+                                            <p:txEl>
+                                              <p:pRg st="0" end="0"/>
+                                            </p:txEl>
+                                          </p:spTgt>
+                                        </p:tgtEl>
+                                      </p:cBhvr>
+                                    </p:animEffect>
+                                  </p:childTnLst>
+                                </p:cTn>
+                              </p:par>
+                            </p:childTnLst>
+                          </p:cTn>
+                        </p:par>
+                      </p:childTnLst>
+                    </p:cTn>
+                  </p:par>
+                  <p:par>
+                    <p:cTn id="11" fill="hold">
+                      <p:stCondLst>
+                        <p:cond delay="indefinite"/>
+                      </p:stCondLst>
+                      <p:childTnLst>
+                        <p:par>
+                          <p:cTn id="12" fill="hold">
+                            <p:stCondLst>
+                              <p:cond delay="0"/>
+                            </p:stCondLst>
+                            <p:childTnLst>
+                              <p:par>
+                                <p:cTn id="13" presetID="10" presetClass="entr" presetSubtype="0" fill="hold" grpId="0" nodeType="clickEffect">
+                                  <p:stCondLst>
+                                    <p:cond delay="0"/>
+                                  </p:stCondLst>
+                                  <p:childTnLst>
+                                    <p:set>
+                                      <p:cBhvr>
+                                        <p:cTn id="14" dur="1" fill="hold">
+                                          <p:stCondLst>
+                                            <p:cond delay="0"/>
+                                          </p:stCondLst>
+                                        </p:cTn>
+                                        <p:tgtEl>
+                                          <p:spTgt spid="4">
+                                            <p:txEl>
+                                              <p:pRg st="1" end="1"/>
+                                            </p:txEl>
+                                          </p:spTgt>
+                                        </p:tgtEl>
+                                        <p:attrNameLst>
+                                          <p:attrName>style.visibility</p:attrName>
+                                        </p:attrNameLst>
+                                      </p:cBhvr>
+                                      <p:to>
+                                        <p:strVal val="visible"/>
+                                      </p:to>
+                                    </p:set>
+                                    <p:animEffect transition="in" filter="fade">
+                                      <p:cBhvr>
+                                        <p:cTn id="15" dur="500"/>
+                                        <p:tgtEl>
+                                          <p:spTgt spid="4">
+                                            <p:txEl>
+                                              <p:pRg st="1" end="1"/>
+                                            </p:txEl>
+                                          </p:spTgt>
+                                        </p:tgtEl>
+                                      </p:cBhvr>
+                                    </p:animEffect>
+                                  </p:childTnLst>
+                                </p:cTn>
+                              </p:par>
+                              <p:par>
+                                <p:cTn id="16" presetID="10" presetClass="entr" presetSubtype="0" fill="hold" grpId="0" nodeType="withEffect">
+                                  <p:stCondLst>
+                                    <p:cond delay="0"/>
+                                  </p:stCondLst>
+                                  <p:childTnLst>
+                                    <p:set>
+                                      <p:cBhvr>
+                                        <p:cTn id="17" dur="1" fill="hold">
+                                          <p:stCondLst>
+                                            <p:cond delay="0"/>
+                                          </p:stCondLst>
+                                        </p:cTn>
+                                        <p:tgtEl>
+                                          <p:spTgt spid="6">
+                                            <p:txEl>
+                                              <p:pRg st="1" end="1"/>
+                                            </p:txEl>
+                                          </p:spTgt>
+                                        </p:tgtEl>
+                                        <p:attrNameLst>
+                                          <p:attrName>style.visibility</p:attrName>
+                                        </p:attrNameLst>
+                                      </p:cBhvr>
+                                      <p:to>
+                                        <p:strVal val="visible"/>
+                                      </p:to>
+                                    </p:set>
+                                    <p:animEffect transition="in" filter="fade">
+                                      <p:cBhvr>
+                                        <p:cTn id="18" dur="500"/>
+                                        <p:tgtEl>
+                                          <p:spTgt spid="6">
+                                            <p:txEl>
+                                              <p:pRg st="1" end="1"/>
+                                            </p:txEl>
+                                          </p:spTgt>
+                                        </p:tgtEl>
+                                      </p:cBhvr>
+                                    </p:animEffect>
+                                  </p:childTnLst>
+                                </p:cTn>
+                              </p:par>
+                            </p:childTnLst>
+                          </p:cTn>
+                        </p:par>
+                      </p:childTnLst>
+                    </p:cTn>
+                  </p:par>
+                  <p:par>
+                    <p:cTn id="19" fill="hold">
+                      <p:stCondLst>
+                        <p:cond delay="indefinite"/>
+                      </p:stCondLst>
+                      <p:childTnLst>
+                        <p:par>
+                          <p:cTn id="20" fill="hold">
+                            <p:stCondLst>
+                              <p:cond delay="0"/>
+                            </p:stCondLst>
+                            <p:childTnLst>
+                              <p:par>
+                                <p:cTn id="21" presetID="10" presetClass="entr" presetSubtype="0" fill="hold" grpId="0" nodeType="clickEffect">
+                                  <p:stCondLst>
+                                    <p:cond delay="0"/>
+                                  </p:stCondLst>
+                                  <p:childTnLst>
+                                    <p:set>
+                                      <p:cBhvr>
+                                        <p:cTn id="22" dur="1" fill="hold">
+                                          <p:stCondLst>
+                                            <p:cond delay="0"/>
+                                          </p:stCondLst>
+                                        </p:cTn>
+                                        <p:tgtEl>
+                                          <p:spTgt spid="4">
+                                            <p:txEl>
+                                              <p:pRg st="2" end="2"/>
+                                            </p:txEl>
+                                          </p:spTgt>
+                                        </p:tgtEl>
+                                        <p:attrNameLst>
+                                          <p:attrName>style.visibility</p:attrName>
+                                        </p:attrNameLst>
+                                      </p:cBhvr>
+                                      <p:to>
+                                        <p:strVal val="visible"/>
+                                      </p:to>
+                                    </p:set>
+                                    <p:animEffect transition="in" filter="fade">
+                                      <p:cBhvr>
+                                        <p:cTn id="23" dur="500"/>
+                                        <p:tgtEl>
+                                          <p:spTgt spid="4">
+                                            <p:txEl>
+                                              <p:pRg st="2" end="2"/>
+                                            </p:txEl>
+                                          </p:spTgt>
+                                        </p:tgtEl>
+                                      </p:cBhvr>
+                                    </p:animEffect>
+                                  </p:childTnLst>
+                                </p:cTn>
+                              </p:par>
+                              <p:par>
+                                <p:cTn id="24" presetID="10" presetClass="entr" presetSubtype="0" fill="hold" grpId="0" nodeType="withEffect">
+                                  <p:stCondLst>
+                                    <p:cond delay="0"/>
+                                  </p:stCondLst>
+                                  <p:childTnLst>
+                                    <p:set>
+                                      <p:cBhvr>
+                                        <p:cTn id="25" dur="1" fill="hold">
+                                          <p:stCondLst>
+                                            <p:cond delay="0"/>
+                                          </p:stCondLst>
+                                        </p:cTn>
+                                        <p:tgtEl>
+                                          <p:spTgt spid="6">
+                                            <p:txEl>
+                                              <p:pRg st="2" end="2"/>
+                                            </p:txEl>
+                                          </p:spTgt>
+                                        </p:tgtEl>
+                                        <p:attrNameLst>
+                                          <p:attrName>style.visibility</p:attrName>
+                                        </p:attrNameLst>
+                                      </p:cBhvr>
+                                      <p:to>
+                                        <p:strVal val="visible"/>
+                                      </p:to>
+                                    </p:set>
+                                    <p:animEffect transition="in" filter="fade">
+                                      <p:cBhvr>
+                                        <p:cTn id="26" dur="500"/>
+                                        <p:tgtEl>
+                                          <p:spTgt spid="6">
+                                            <p:txEl>
+                                              <p:pRg st="2" end="2"/>
+                                            </p:txEl>
+                                          </p:spTgt>
+                                        </p:tgtEl>
+                                      </p:cBhvr>
+                                    </p:animEffect>
+                                  </p:childTnLst>
+                                </p:cTn>
+                              </p:par>
+                            </p:childTnLst>
+                          </p:cTn>
+                        </p:par>
+                      </p:childTnLst>
+                    </p:cTn>
+                  </p:par>
+                  <p:par>
+                    <p:cTn id="27" fill="hold">
+                      <p:stCondLst>
+                        <p:cond delay="indefinite"/>
+                      </p:stCondLst>
+                      <p:childTnLst>
+                        <p:par>
+                          <p:cTn id="28" fill="hold">
+                            <p:stCondLst>
+                              <p:cond delay="0"/>
+                            </p:stCondLst>
+                            <p:childTnLst>
+                              <p:par>
+                                <p:cTn id="29" presetID="10" presetClass="entr" presetSubtype="0" fill="hold" grpId="0" nodeType="clickEffect">
+                                  <p:stCondLst>
+                                    <p:cond delay="0"/>
+                                  </p:stCondLst>
+                                  <p:childTnLst>
+                                    <p:set>
+                                      <p:cBhvr>
+                                        <p:cTn id="30" dur="1" fill="hold">
+                                          <p:stCondLst>
+                                            <p:cond delay="0"/>
+                                          </p:stCondLst>
+                                        </p:cTn>
+                                        <p:tgtEl>
+                                          <p:spTgt spid="6">
+                                            <p:txEl>
+                                              <p:pRg st="3" end="3"/>
+                                            </p:txEl>
+                                          </p:spTgt>
+                                        </p:tgtEl>
+                                        <p:attrNameLst>
+                                          <p:attrName>style.visibility</p:attrName>
+                                        </p:attrNameLst>
+                                      </p:cBhvr>
+                                      <p:to>
+                                        <p:strVal val="visible"/>
+                                      </p:to>
+                                    </p:set>
+                                    <p:animEffect transition="in" filter="fade">
+                                      <p:cBhvr>
+                                        <p:cTn id="31" dur="500"/>
+                                        <p:tgtEl>
+                                          <p:spTgt spid="6">
+                                            <p:txEl>
+                                              <p:pRg st="3" end="3"/>
+                                            </p:txEl>
+                                          </p:spTgt>
+                                        </p:tgtEl>
+                                      </p:cBhvr>
+                                    </p:animEffect>
+                                  </p:childTnLst>
+                                </p:cTn>
+                              </p:par>
+                            </p:childTnLst>
+                          </p:cTn>
+                        </p:par>
+                      </p:childTnLst>
+                    </p:cTn>
+                  </p:par>
+                </p:childTnLst>
+              </p:cTn>
+              <p:prevCondLst>
+                <p:cond evt="onPrev" delay="0">
+                  <p:tgtEl>
+                    <p:sldTgt/>
+                  </p:tgtEl>
+                </p:cond>
+              </p:prevCondLst>
+              <p:nextCondLst>
+                <p:cond evt="onNext" delay="0">
+                  <p:tgtEl>
+                    <p:sldTgt/>
+                  </p:tgtEl>
+                </p:cond>
+              </p:nextCondLst>
+            </p:seq>
+          </p:childTnLst>
+        </p:cTn>
+      </p:par>
+    </p:tnLst>
+    <p:bldLst>
+      <p:bldP spid="4" grpId="0" uiExpand="1" build="p"/>
+      <p:bldP spid="6" grpId="0" uiExpand="1" build="p"/>
+    </p:bldLst>
+  </p:timing>
 </p:sld>
 </file>
 
-<file path=ppt/slides/slide4.xml><?xml version="1.0" encoding="utf-8"?>
+<file path=ppt/slides/slide5.xml><?xml version="1.0" encoding="utf-8"?>
 <p:sld xmlns:a="http://schemas.openxmlformats.org/drawingml/2006/main" xmlns:r="http://schemas.openxmlformats.org/officeDocument/2006/relationships" xmlns:p="http://schemas.openxmlformats.org/presentationml/2006/main">
   <p:cSld>
     <p:spTree>
@@ -8240,22 +14651,17 @@
           <a:lstStyle/>
           <a:p>
             <a:r>
-              <a:rPr lang="fr-CA" dirty="0" smtClean="0"/>
+              <a:rPr lang="fr-CA" dirty="0"/>
               <a:t>LOGICIEL </a:t>
             </a:r>
             <a:r>
-              <a:rPr lang="fr-CA" dirty="0" smtClean="0">
+              <a:rPr lang="fr-CA" dirty="0">
                 <a:solidFill>
                   <a:srgbClr val="FE692E"/>
                 </a:solidFill>
               </a:rPr>
               <a:t>PC</a:t>
             </a:r>
-            <a:endParaRPr lang="fr-CA" dirty="0">
-              <a:solidFill>
-                <a:srgbClr val="FE692E"/>
-              </a:solidFill>
-            </a:endParaRPr>
           </a:p>
         </p:txBody>
       </p:sp>
@@ -8404,10 +14810,9 @@
           <a:lstStyle/>
           <a:p>
             <a:r>
-              <a:rPr lang="fr-CA" dirty="0" smtClean="0"/>
+              <a:rPr lang="fr-CA" dirty="0"/>
               <a:t>Image originale, 901x604, couleurs 24-bits</a:t>
             </a:r>
-            <a:endParaRPr lang="fr-CA" dirty="0"/>
           </a:p>
         </p:txBody>
       </p:sp>
@@ -8434,10 +14839,9 @@
           <a:lstStyle/>
           <a:p>
             <a:r>
-              <a:rPr lang="fr-CA" dirty="0" smtClean="0"/>
+              <a:rPr lang="fr-CA" dirty="0"/>
               <a:t>Image convertie, 240x160 , noir &amp; blanc</a:t>
             </a:r>
-            <a:endParaRPr lang="fr-CA" dirty="0"/>
           </a:p>
         </p:txBody>
       </p:sp>
@@ -8723,7 +15127,7 @@
 </p:sld>
 </file>
 
-<file path=ppt/slides/slide5.xml><?xml version="1.0" encoding="utf-8"?>
+<file path=ppt/slides/slide6.xml><?xml version="1.0" encoding="utf-8"?>
 <p:sld xmlns:a="http://schemas.openxmlformats.org/drawingml/2006/main" xmlns:r="http://schemas.openxmlformats.org/officeDocument/2006/relationships" xmlns:p="http://schemas.openxmlformats.org/presentationml/2006/main">
   <p:cSld>
     <p:spTree>
@@ -8756,22 +15160,17 @@
           <a:lstStyle/>
           <a:p>
             <a:r>
-              <a:rPr lang="fr-CA" dirty="0" smtClean="0"/>
+              <a:rPr lang="fr-CA" dirty="0"/>
               <a:t>SITE </a:t>
             </a:r>
             <a:r>
-              <a:rPr lang="fr-CA" dirty="0" smtClean="0">
+              <a:rPr lang="fr-CA" dirty="0">
                 <a:solidFill>
                   <a:srgbClr val="FE692E"/>
                 </a:solidFill>
               </a:rPr>
               <a:t>WEB</a:t>
             </a:r>
-            <a:endParaRPr lang="fr-CA" dirty="0">
-              <a:solidFill>
-                <a:srgbClr val="FE692E"/>
-              </a:solidFill>
-            </a:endParaRPr>
           </a:p>
         </p:txBody>
       </p:sp>
@@ -8841,17 +15240,10 @@
       </p:transition>
     </mc:Fallback>
   </mc:AlternateContent>
-  <p:timing>
-    <p:tnLst>
-      <p:par>
-        <p:cTn id="1" dur="indefinite" restart="never" nodeType="tmRoot"/>
-      </p:par>
-    </p:tnLst>
-  </p:timing>
 </p:sld>
 </file>
 
-<file path=ppt/slides/slide6.xml><?xml version="1.0" encoding="utf-8"?>
+<file path=ppt/slides/slide7.xml><?xml version="1.0" encoding="utf-8"?>
 <p:sld xmlns:a="http://schemas.openxmlformats.org/drawingml/2006/main" xmlns:r="http://schemas.openxmlformats.org/officeDocument/2006/relationships" xmlns:p="http://schemas.openxmlformats.org/presentationml/2006/main">
   <p:cSld>
     <p:spTree>
@@ -8884,10 +15276,9 @@
           <a:lstStyle/>
           <a:p>
             <a:r>
-              <a:rPr lang="fr-CA" dirty="0" smtClean="0"/>
+              <a:rPr lang="fr-CA" dirty="0"/>
               <a:t>MERCI!</a:t>
             </a:r>
-            <a:endParaRPr lang="fr-CA" dirty="0"/>
           </a:p>
         </p:txBody>
       </p:sp>
@@ -9022,13 +15413,6 @@
       </p:transition>
     </mc:Fallback>
   </mc:AlternateContent>
-  <p:timing>
-    <p:tnLst>
-      <p:par>
-        <p:cTn id="1" dur="indefinite" restart="never" nodeType="tmRoot"/>
-      </p:par>
-    </p:tnLst>
-  </p:timing>
 </p:sld>
 </file>
 

--- a/Doc/PowerPoint.pptx
+++ b/Doc/PowerPoint.pptx
@@ -4,14 +4,20 @@
   <p:sldMasterIdLst>
     <p:sldMasterId id="2147483672" r:id="rId1"/>
   </p:sldMasterIdLst>
+  <p:notesMasterIdLst>
+    <p:notesMasterId r:id="rId12"/>
+  </p:notesMasterIdLst>
   <p:sldIdLst>
     <p:sldId id="256" r:id="rId2"/>
     <p:sldId id="269" r:id="rId3"/>
     <p:sldId id="274" r:id="rId4"/>
     <p:sldId id="273" r:id="rId5"/>
-    <p:sldId id="271" r:id="rId6"/>
-    <p:sldId id="272" r:id="rId7"/>
-    <p:sldId id="270" r:id="rId8"/>
+    <p:sldId id="278" r:id="rId6"/>
+    <p:sldId id="276" r:id="rId7"/>
+    <p:sldId id="277" r:id="rId8"/>
+    <p:sldId id="271" r:id="rId9"/>
+    <p:sldId id="272" r:id="rId10"/>
+    <p:sldId id="270" r:id="rId11"/>
   </p:sldIdLst>
   <p:sldSz cx="12192000" cy="6858000"/>
   <p:notesSz cx="6858000" cy="9144000"/>
@@ -990,6 +996,13 @@
         </dgm:presLayoutVars>
       </dgm:prSet>
       <dgm:spPr/>
+      <dgm:t>
+        <a:bodyPr/>
+        <a:lstStyle/>
+        <a:p>
+          <a:endParaRPr lang="fr-FR"/>
+        </a:p>
+      </dgm:t>
     </dgm:pt>
     <dgm:pt modelId="{103A2ACA-1721-4550-971C-BE8BAD09D1A0}" type="pres">
       <dgm:prSet presAssocID="{74DFF6C5-3C64-4F97-97DD-1CA0CE4747E4}" presName="spVertical2" presStyleCnt="0"/>
@@ -1020,6 +1033,13 @@
         </dgm:presLayoutVars>
       </dgm:prSet>
       <dgm:spPr/>
+      <dgm:t>
+        <a:bodyPr/>
+        <a:lstStyle/>
+        <a:p>
+          <a:endParaRPr lang="fr-FR"/>
+        </a:p>
+      </dgm:t>
     </dgm:pt>
     <dgm:pt modelId="{4EB8D885-6690-4B46-8948-DEB3274878F0}" type="pres">
       <dgm:prSet presAssocID="{22646828-3880-405B-A78C-421673B69268}" presName="spVertical2" presStyleCnt="0"/>
@@ -1044,9 +1064,9 @@
   </dgm:ptLst>
   <dgm:cxnLst>
     <dgm:cxn modelId="{74372001-9DE7-4FDE-988C-A51C79ECEDC0}" type="presOf" srcId="{22646828-3880-405B-A78C-421673B69268}" destId="{1BC3D23A-FBBC-45A1-ABBC-19741C8E7CEC}" srcOrd="0" destOrd="0" presId="urn:microsoft.com/office/officeart/2005/8/layout/hProcess3"/>
+    <dgm:cxn modelId="{E1105018-5AE7-4D8B-AC6A-814C6976A96B}" srcId="{60BAAD12-50FB-442F-A240-92E5575BEA1F}" destId="{22646828-3880-405B-A78C-421673B69268}" srcOrd="1" destOrd="0" parTransId="{88DEB956-57CA-4689-9989-95A44F0CC55B}" sibTransId="{50F9E2AF-BF08-4ED5-8AFC-C98DDC1D0406}"/>
     <dgm:cxn modelId="{D11DD702-1D51-4D82-8500-B0796C815F2A}" type="presOf" srcId="{74DFF6C5-3C64-4F97-97DD-1CA0CE4747E4}" destId="{A39F2525-C1F2-44BB-AE8F-576840E862AB}" srcOrd="0" destOrd="0" presId="urn:microsoft.com/office/officeart/2005/8/layout/hProcess3"/>
     <dgm:cxn modelId="{5940510A-F1EC-4FB2-8873-6D5A0A4B4B27}" srcId="{60BAAD12-50FB-442F-A240-92E5575BEA1F}" destId="{74DFF6C5-3C64-4F97-97DD-1CA0CE4747E4}" srcOrd="0" destOrd="0" parTransId="{41D2EA29-78EF-4C7F-A385-8D4BDA45FB29}" sibTransId="{BB43829D-3D1C-4832-B084-7E947B021F6F}"/>
-    <dgm:cxn modelId="{E1105018-5AE7-4D8B-AC6A-814C6976A96B}" srcId="{60BAAD12-50FB-442F-A240-92E5575BEA1F}" destId="{22646828-3880-405B-A78C-421673B69268}" srcOrd="1" destOrd="0" parTransId="{88DEB956-57CA-4689-9989-95A44F0CC55B}" sibTransId="{50F9E2AF-BF08-4ED5-8AFC-C98DDC1D0406}"/>
     <dgm:cxn modelId="{8083044D-73F0-469A-9B85-4B916A1A63B6}" type="presOf" srcId="{60BAAD12-50FB-442F-A240-92E5575BEA1F}" destId="{D56906B3-DD53-429F-87B4-D54A0A68FA79}" srcOrd="0" destOrd="0" presId="urn:microsoft.com/office/officeart/2005/8/layout/hProcess3"/>
     <dgm:cxn modelId="{64900CF1-B82F-48A7-AD47-196EBADAA0BD}" type="presParOf" srcId="{D56906B3-DD53-429F-87B4-D54A0A68FA79}" destId="{2A98C18C-576F-4A58-8B48-A945E686AA80}" srcOrd="0" destOrd="0" presId="urn:microsoft.com/office/officeart/2005/8/layout/hProcess3"/>
     <dgm:cxn modelId="{955A7AD0-2ABC-411D-A304-0F116EF4C6E9}" type="presParOf" srcId="{D56906B3-DD53-429F-87B4-D54A0A68FA79}" destId="{023E5586-C125-4E43-BBA5-25B823C8AF38}" srcOrd="1" destOrd="0" presId="urn:microsoft.com/office/officeart/2005/8/layout/hProcess3"/>
@@ -1170,7 +1190,7 @@
         </a:bodyPr>
         <a:lstStyle/>
         <a:p>
-          <a:pPr marL="0" lvl="0" indent="0" algn="ctr" defTabSz="666750">
+          <a:pPr lvl="0" algn="ctr" defTabSz="666750">
             <a:lnSpc>
               <a:spcPct val="90000"/>
             </a:lnSpc>
@@ -1180,7 +1200,6 @@
             <a:spcAft>
               <a:spcPct val="35000"/>
             </a:spcAft>
-            <a:buNone/>
           </a:pPr>
           <a:r>
             <a:rPr lang="fr-FR" sz="1500" kern="1200" dirty="0">
@@ -1235,7 +1254,7 @@
         </a:bodyPr>
         <a:lstStyle/>
         <a:p>
-          <a:pPr marL="0" lvl="0" indent="0" algn="ctr" defTabSz="666750">
+          <a:pPr lvl="0" algn="ctr" defTabSz="666750">
             <a:lnSpc>
               <a:spcPct val="90000"/>
             </a:lnSpc>
@@ -1245,7 +1264,6 @@
             <a:spcAft>
               <a:spcPct val="35000"/>
             </a:spcAft>
-            <a:buNone/>
           </a:pPr>
           <a:r>
             <a:rPr lang="fr-FR" sz="1500" kern="1200" dirty="0">
@@ -2613,6 +2631,356 @@
 </dgm:styleDef>
 </file>
 
+<file path=ppt/notesMasters/notesMaster1.xml><?xml version="1.0" encoding="utf-8"?>
+<p:notesMaster xmlns:a="http://schemas.openxmlformats.org/drawingml/2006/main" xmlns:r="http://schemas.openxmlformats.org/officeDocument/2006/relationships" xmlns:p="http://schemas.openxmlformats.org/presentationml/2006/main">
+  <p:cSld>
+    <p:bg>
+      <p:bgRef idx="1001">
+        <a:schemeClr val="bg1"/>
+      </p:bgRef>
+    </p:bg>
+    <p:spTree>
+      <p:nvGrpSpPr>
+        <p:cNvPr id="1" name=""/>
+        <p:cNvGrpSpPr/>
+        <p:nvPr/>
+      </p:nvGrpSpPr>
+      <p:grpSpPr>
+        <a:xfrm>
+          <a:off x="0" y="0"/>
+          <a:ext cx="0" cy="0"/>
+          <a:chOff x="0" y="0"/>
+          <a:chExt cx="0" cy="0"/>
+        </a:xfrm>
+      </p:grpSpPr>
+      <p:sp>
+        <p:nvSpPr>
+          <p:cNvPr id="2" name="Espace réservé de l'en-tête 1"/>
+          <p:cNvSpPr>
+            <a:spLocks noGrp="1"/>
+          </p:cNvSpPr>
+          <p:nvPr>
+            <p:ph type="hdr" sz="quarter"/>
+          </p:nvPr>
+        </p:nvSpPr>
+        <p:spPr>
+          <a:xfrm>
+            <a:off x="0" y="0"/>
+            <a:ext cx="2971800" cy="458788"/>
+          </a:xfrm>
+          <a:prstGeom prst="rect">
+            <a:avLst/>
+          </a:prstGeom>
+        </p:spPr>
+        <p:txBody>
+          <a:bodyPr vert="horz" lIns="91440" tIns="45720" rIns="91440" bIns="45720" rtlCol="0"/>
+          <a:lstStyle>
+            <a:lvl1pPr algn="l">
+              <a:defRPr sz="1200"/>
+            </a:lvl1pPr>
+          </a:lstStyle>
+          <a:p>
+            <a:endParaRPr lang="fr-CA"/>
+          </a:p>
+        </p:txBody>
+      </p:sp>
+      <p:sp>
+        <p:nvSpPr>
+          <p:cNvPr id="3" name="Espace réservé de la date 2"/>
+          <p:cNvSpPr>
+            <a:spLocks noGrp="1"/>
+          </p:cNvSpPr>
+          <p:nvPr>
+            <p:ph type="dt" idx="1"/>
+          </p:nvPr>
+        </p:nvSpPr>
+        <p:spPr>
+          <a:xfrm>
+            <a:off x="3884613" y="0"/>
+            <a:ext cx="2971800" cy="458788"/>
+          </a:xfrm>
+          <a:prstGeom prst="rect">
+            <a:avLst/>
+          </a:prstGeom>
+        </p:spPr>
+        <p:txBody>
+          <a:bodyPr vert="horz" lIns="91440" tIns="45720" rIns="91440" bIns="45720" rtlCol="0"/>
+          <a:lstStyle>
+            <a:lvl1pPr algn="r">
+              <a:defRPr sz="1200"/>
+            </a:lvl1pPr>
+          </a:lstStyle>
+          <a:p>
+            <a:fld id="{D3448DC2-9E32-4C2E-96D6-F6177B100096}" type="datetimeFigureOut">
+              <a:rPr lang="fr-CA" smtClean="0"/>
+              <a:t>2019-06-05</a:t>
+            </a:fld>
+            <a:endParaRPr lang="fr-CA"/>
+          </a:p>
+        </p:txBody>
+      </p:sp>
+      <p:sp>
+        <p:nvSpPr>
+          <p:cNvPr id="4" name="Espace réservé de l'image des diapositives 3"/>
+          <p:cNvSpPr>
+            <a:spLocks noGrp="1" noRot="1" noChangeAspect="1"/>
+          </p:cNvSpPr>
+          <p:nvPr>
+            <p:ph type="sldImg" idx="2"/>
+          </p:nvPr>
+        </p:nvSpPr>
+        <p:spPr>
+          <a:xfrm>
+            <a:off x="685800" y="1143000"/>
+            <a:ext cx="5486400" cy="3086100"/>
+          </a:xfrm>
+          <a:prstGeom prst="rect">
+            <a:avLst/>
+          </a:prstGeom>
+          <a:noFill/>
+          <a:ln w="12700">
+            <a:solidFill>
+              <a:prstClr val="black"/>
+            </a:solidFill>
+          </a:ln>
+        </p:spPr>
+        <p:txBody>
+          <a:bodyPr vert="horz" lIns="91440" tIns="45720" rIns="91440" bIns="45720" rtlCol="0" anchor="ctr"/>
+          <a:lstStyle/>
+          <a:p>
+            <a:endParaRPr lang="fr-CA"/>
+          </a:p>
+        </p:txBody>
+      </p:sp>
+      <p:sp>
+        <p:nvSpPr>
+          <p:cNvPr id="5" name="Espace réservé des notes 4"/>
+          <p:cNvSpPr>
+            <a:spLocks noGrp="1"/>
+          </p:cNvSpPr>
+          <p:nvPr>
+            <p:ph type="body" sz="quarter" idx="3"/>
+          </p:nvPr>
+        </p:nvSpPr>
+        <p:spPr>
+          <a:xfrm>
+            <a:off x="685800" y="4400550"/>
+            <a:ext cx="5486400" cy="3600450"/>
+          </a:xfrm>
+          <a:prstGeom prst="rect">
+            <a:avLst/>
+          </a:prstGeom>
+        </p:spPr>
+        <p:txBody>
+          <a:bodyPr vert="horz" lIns="91440" tIns="45720" rIns="91440" bIns="45720" rtlCol="0"/>
+          <a:lstStyle/>
+          <a:p>
+            <a:pPr lvl="0"/>
+            <a:r>
+              <a:rPr lang="fr-FR" smtClean="0"/>
+              <a:t>Modifier les styles du texte du masque</a:t>
+            </a:r>
+          </a:p>
+          <a:p>
+            <a:pPr lvl="1"/>
+            <a:r>
+              <a:rPr lang="fr-FR" smtClean="0"/>
+              <a:t>Deuxième niveau</a:t>
+            </a:r>
+          </a:p>
+          <a:p>
+            <a:pPr lvl="2"/>
+            <a:r>
+              <a:rPr lang="fr-FR" smtClean="0"/>
+              <a:t>Troisième niveau</a:t>
+            </a:r>
+          </a:p>
+          <a:p>
+            <a:pPr lvl="3"/>
+            <a:r>
+              <a:rPr lang="fr-FR" smtClean="0"/>
+              <a:t>Quatrième niveau</a:t>
+            </a:r>
+          </a:p>
+          <a:p>
+            <a:pPr lvl="4"/>
+            <a:r>
+              <a:rPr lang="fr-FR" smtClean="0"/>
+              <a:t>Cinquième niveau</a:t>
+            </a:r>
+            <a:endParaRPr lang="fr-CA"/>
+          </a:p>
+        </p:txBody>
+      </p:sp>
+      <p:sp>
+        <p:nvSpPr>
+          <p:cNvPr id="6" name="Espace réservé du pied de page 5"/>
+          <p:cNvSpPr>
+            <a:spLocks noGrp="1"/>
+          </p:cNvSpPr>
+          <p:nvPr>
+            <p:ph type="ftr" sz="quarter" idx="4"/>
+          </p:nvPr>
+        </p:nvSpPr>
+        <p:spPr>
+          <a:xfrm>
+            <a:off x="0" y="8685213"/>
+            <a:ext cx="2971800" cy="458787"/>
+          </a:xfrm>
+          <a:prstGeom prst="rect">
+            <a:avLst/>
+          </a:prstGeom>
+        </p:spPr>
+        <p:txBody>
+          <a:bodyPr vert="horz" lIns="91440" tIns="45720" rIns="91440" bIns="45720" rtlCol="0" anchor="b"/>
+          <a:lstStyle>
+            <a:lvl1pPr algn="l">
+              <a:defRPr sz="1200"/>
+            </a:lvl1pPr>
+          </a:lstStyle>
+          <a:p>
+            <a:endParaRPr lang="fr-CA"/>
+          </a:p>
+        </p:txBody>
+      </p:sp>
+      <p:sp>
+        <p:nvSpPr>
+          <p:cNvPr id="7" name="Espace réservé du numéro de diapositive 6"/>
+          <p:cNvSpPr>
+            <a:spLocks noGrp="1"/>
+          </p:cNvSpPr>
+          <p:nvPr>
+            <p:ph type="sldNum" sz="quarter" idx="5"/>
+          </p:nvPr>
+        </p:nvSpPr>
+        <p:spPr>
+          <a:xfrm>
+            <a:off x="3884613" y="8685213"/>
+            <a:ext cx="2971800" cy="458787"/>
+          </a:xfrm>
+          <a:prstGeom prst="rect">
+            <a:avLst/>
+          </a:prstGeom>
+        </p:spPr>
+        <p:txBody>
+          <a:bodyPr vert="horz" lIns="91440" tIns="45720" rIns="91440" bIns="45720" rtlCol="0" anchor="b"/>
+          <a:lstStyle>
+            <a:lvl1pPr algn="r">
+              <a:defRPr sz="1200"/>
+            </a:lvl1pPr>
+          </a:lstStyle>
+          <a:p>
+            <a:fld id="{6FC6C0EE-87FE-4D3A-AA46-48D472242386}" type="slidenum">
+              <a:rPr lang="fr-CA" smtClean="0"/>
+              <a:t>‹N°›</a:t>
+            </a:fld>
+            <a:endParaRPr lang="fr-CA"/>
+          </a:p>
+        </p:txBody>
+      </p:sp>
+    </p:spTree>
+    <p:extLst>
+      <p:ext uri="{BB962C8B-B14F-4D97-AF65-F5344CB8AC3E}">
+        <p14:creationId xmlns:p14="http://schemas.microsoft.com/office/powerpoint/2010/main" val="1704607015"/>
+      </p:ext>
+    </p:extLst>
+  </p:cSld>
+  <p:clrMap bg1="lt1" tx1="dk1" bg2="lt2" tx2="dk2" accent1="accent1" accent2="accent2" accent3="accent3" accent4="accent4" accent5="accent5" accent6="accent6" hlink="hlink" folHlink="folHlink"/>
+  <p:notesStyle>
+    <a:lvl1pPr marL="0" algn="l" defTabSz="914400" rtl="0" eaLnBrk="1" latinLnBrk="0" hangingPunct="1">
+      <a:defRPr sz="1200" kern="1200">
+        <a:solidFill>
+          <a:schemeClr val="tx1"/>
+        </a:solidFill>
+        <a:latin typeface="+mn-lt"/>
+        <a:ea typeface="+mn-ea"/>
+        <a:cs typeface="+mn-cs"/>
+      </a:defRPr>
+    </a:lvl1pPr>
+    <a:lvl2pPr marL="457200" algn="l" defTabSz="914400" rtl="0" eaLnBrk="1" latinLnBrk="0" hangingPunct="1">
+      <a:defRPr sz="1200" kern="1200">
+        <a:solidFill>
+          <a:schemeClr val="tx1"/>
+        </a:solidFill>
+        <a:latin typeface="+mn-lt"/>
+        <a:ea typeface="+mn-ea"/>
+        <a:cs typeface="+mn-cs"/>
+      </a:defRPr>
+    </a:lvl2pPr>
+    <a:lvl3pPr marL="914400" algn="l" defTabSz="914400" rtl="0" eaLnBrk="1" latinLnBrk="0" hangingPunct="1">
+      <a:defRPr sz="1200" kern="1200">
+        <a:solidFill>
+          <a:schemeClr val="tx1"/>
+        </a:solidFill>
+        <a:latin typeface="+mn-lt"/>
+        <a:ea typeface="+mn-ea"/>
+        <a:cs typeface="+mn-cs"/>
+      </a:defRPr>
+    </a:lvl3pPr>
+    <a:lvl4pPr marL="1371600" algn="l" defTabSz="914400" rtl="0" eaLnBrk="1" latinLnBrk="0" hangingPunct="1">
+      <a:defRPr sz="1200" kern="1200">
+        <a:solidFill>
+          <a:schemeClr val="tx1"/>
+        </a:solidFill>
+        <a:latin typeface="+mn-lt"/>
+        <a:ea typeface="+mn-ea"/>
+        <a:cs typeface="+mn-cs"/>
+      </a:defRPr>
+    </a:lvl4pPr>
+    <a:lvl5pPr marL="1828800" algn="l" defTabSz="914400" rtl="0" eaLnBrk="1" latinLnBrk="0" hangingPunct="1">
+      <a:defRPr sz="1200" kern="1200">
+        <a:solidFill>
+          <a:schemeClr val="tx1"/>
+        </a:solidFill>
+        <a:latin typeface="+mn-lt"/>
+        <a:ea typeface="+mn-ea"/>
+        <a:cs typeface="+mn-cs"/>
+      </a:defRPr>
+    </a:lvl5pPr>
+    <a:lvl6pPr marL="2286000" algn="l" defTabSz="914400" rtl="0" eaLnBrk="1" latinLnBrk="0" hangingPunct="1">
+      <a:defRPr sz="1200" kern="1200">
+        <a:solidFill>
+          <a:schemeClr val="tx1"/>
+        </a:solidFill>
+        <a:latin typeface="+mn-lt"/>
+        <a:ea typeface="+mn-ea"/>
+        <a:cs typeface="+mn-cs"/>
+      </a:defRPr>
+    </a:lvl6pPr>
+    <a:lvl7pPr marL="2743200" algn="l" defTabSz="914400" rtl="0" eaLnBrk="1" latinLnBrk="0" hangingPunct="1">
+      <a:defRPr sz="1200" kern="1200">
+        <a:solidFill>
+          <a:schemeClr val="tx1"/>
+        </a:solidFill>
+        <a:latin typeface="+mn-lt"/>
+        <a:ea typeface="+mn-ea"/>
+        <a:cs typeface="+mn-cs"/>
+      </a:defRPr>
+    </a:lvl7pPr>
+    <a:lvl8pPr marL="3200400" algn="l" defTabSz="914400" rtl="0" eaLnBrk="1" latinLnBrk="0" hangingPunct="1">
+      <a:defRPr sz="1200" kern="1200">
+        <a:solidFill>
+          <a:schemeClr val="tx1"/>
+        </a:solidFill>
+        <a:latin typeface="+mn-lt"/>
+        <a:ea typeface="+mn-ea"/>
+        <a:cs typeface="+mn-cs"/>
+      </a:defRPr>
+    </a:lvl8pPr>
+    <a:lvl9pPr marL="3657600" algn="l" defTabSz="914400" rtl="0" eaLnBrk="1" latinLnBrk="0" hangingPunct="1">
+      <a:defRPr sz="1200" kern="1200">
+        <a:solidFill>
+          <a:schemeClr val="tx1"/>
+        </a:solidFill>
+        <a:latin typeface="+mn-lt"/>
+        <a:ea typeface="+mn-ea"/>
+        <a:cs typeface="+mn-cs"/>
+      </a:defRPr>
+    </a:lvl9pPr>
+  </p:notesStyle>
+</p:notesMaster>
+</file>
+
 <file path=ppt/slideLayouts/slideLayout1.xml><?xml version="1.0" encoding="utf-8"?>
 <p:sldLayout xmlns:a="http://schemas.openxmlformats.org/drawingml/2006/main" xmlns:r="http://schemas.openxmlformats.org/officeDocument/2006/relationships" xmlns:p="http://schemas.openxmlformats.org/presentationml/2006/main" type="title" preserve="1">
   <p:cSld name="Diapositive de titre">
@@ -2839,7 +3207,7 @@
           <a:p>
             <a:fld id="{11CC3C35-F99E-491D-B86D-991790F15B79}" type="datetimeFigureOut">
               <a:rPr lang="fr-CA" smtClean="0"/>
-              <a:t>2019-06-03</a:t>
+              <a:t>2019-06-05</a:t>
             </a:fld>
             <a:endParaRPr lang="fr-CA"/>
           </a:p>
@@ -2881,7 +3249,7 @@
           <a:p>
             <a:fld id="{0052D068-7BF0-4F27-A139-A086802B4DFD}" type="slidenum">
               <a:rPr lang="fr-CA" smtClean="0"/>
-              <a:t>‹#›</a:t>
+              <a:t>‹N°›</a:t>
             </a:fld>
             <a:endParaRPr lang="fr-CA"/>
           </a:p>
@@ -3145,7 +3513,7 @@
           <a:p>
             <a:fld id="{11CC3C35-F99E-491D-B86D-991790F15B79}" type="datetimeFigureOut">
               <a:rPr lang="fr-CA" smtClean="0"/>
-              <a:t>2019-06-03</a:t>
+              <a:t>2019-06-05</a:t>
             </a:fld>
             <a:endParaRPr lang="fr-CA"/>
           </a:p>
@@ -3187,7 +3555,7 @@
           <a:p>
             <a:fld id="{0052D068-7BF0-4F27-A139-A086802B4DFD}" type="slidenum">
               <a:rPr lang="fr-CA" smtClean="0"/>
-              <a:t>‹#›</a:t>
+              <a:t>‹N°›</a:t>
             </a:fld>
             <a:endParaRPr lang="fr-CA"/>
           </a:p>
@@ -3336,7 +3704,7 @@
           <a:p>
             <a:fld id="{11CC3C35-F99E-491D-B86D-991790F15B79}" type="datetimeFigureOut">
               <a:rPr lang="fr-CA" smtClean="0"/>
-              <a:t>2019-06-03</a:t>
+              <a:t>2019-06-05</a:t>
             </a:fld>
             <a:endParaRPr lang="fr-CA"/>
           </a:p>
@@ -3378,7 +3746,7 @@
           <a:p>
             <a:fld id="{0052D068-7BF0-4F27-A139-A086802B4DFD}" type="slidenum">
               <a:rPr lang="fr-CA" smtClean="0"/>
-              <a:t>‹#›</a:t>
+              <a:t>‹N°›</a:t>
             </a:fld>
             <a:endParaRPr lang="fr-CA"/>
           </a:p>
@@ -3721,7 +4089,7 @@
           <a:p>
             <a:fld id="{11CC3C35-F99E-491D-B86D-991790F15B79}" type="datetimeFigureOut">
               <a:rPr lang="fr-CA" smtClean="0"/>
-              <a:t>2019-06-03</a:t>
+              <a:t>2019-06-05</a:t>
             </a:fld>
             <a:endParaRPr lang="fr-CA"/>
           </a:p>
@@ -3763,7 +4131,7 @@
           <a:p>
             <a:fld id="{0052D068-7BF0-4F27-A139-A086802B4DFD}" type="slidenum">
               <a:rPr lang="fr-CA" smtClean="0"/>
-              <a:t>‹#›</a:t>
+              <a:t>‹N°›</a:t>
             </a:fld>
             <a:endParaRPr lang="fr-CA"/>
           </a:p>
@@ -4008,7 +4376,7 @@
           <a:p>
             <a:fld id="{11CC3C35-F99E-491D-B86D-991790F15B79}" type="datetimeFigureOut">
               <a:rPr lang="fr-CA" smtClean="0"/>
-              <a:t>2019-06-03</a:t>
+              <a:t>2019-06-05</a:t>
             </a:fld>
             <a:endParaRPr lang="fr-CA"/>
           </a:p>
@@ -4050,7 +4418,7 @@
           <a:p>
             <a:fld id="{0052D068-7BF0-4F27-A139-A086802B4DFD}" type="slidenum">
               <a:rPr lang="fr-CA" smtClean="0"/>
-              <a:t>‹#›</a:t>
+              <a:t>‹N°›</a:t>
             </a:fld>
             <a:endParaRPr lang="fr-CA"/>
           </a:p>
@@ -4399,7 +4767,7 @@
           <a:p>
             <a:fld id="{11CC3C35-F99E-491D-B86D-991790F15B79}" type="datetimeFigureOut">
               <a:rPr lang="fr-CA" smtClean="0"/>
-              <a:t>2019-06-03</a:t>
+              <a:t>2019-06-05</a:t>
             </a:fld>
             <a:endParaRPr lang="fr-CA"/>
           </a:p>
@@ -4441,7 +4809,7 @@
           <a:p>
             <a:fld id="{0052D068-7BF0-4F27-A139-A086802B4DFD}" type="slidenum">
               <a:rPr lang="fr-CA" smtClean="0"/>
-              <a:t>‹#›</a:t>
+              <a:t>‹N°›</a:t>
             </a:fld>
             <a:endParaRPr lang="fr-CA"/>
           </a:p>
@@ -4831,7 +5199,7 @@
           <a:p>
             <a:fld id="{11CC3C35-F99E-491D-B86D-991790F15B79}" type="datetimeFigureOut">
               <a:rPr lang="fr-CA" smtClean="0"/>
-              <a:t>2019-06-03</a:t>
+              <a:t>2019-06-05</a:t>
             </a:fld>
             <a:endParaRPr lang="fr-CA"/>
           </a:p>
@@ -4894,7 +5262,7 @@
           <a:p>
             <a:fld id="{0052D068-7BF0-4F27-A139-A086802B4DFD}" type="slidenum">
               <a:rPr lang="fr-CA" smtClean="0"/>
-              <a:t>‹#›</a:t>
+              <a:t>‹N°›</a:t>
             </a:fld>
             <a:endParaRPr lang="fr-CA"/>
           </a:p>
@@ -5225,7 +5593,7 @@
           <a:p>
             <a:fld id="{11CC3C35-F99E-491D-B86D-991790F15B79}" type="datetimeFigureOut">
               <a:rPr lang="fr-CA" smtClean="0"/>
-              <a:t>2019-06-03</a:t>
+              <a:t>2019-06-05</a:t>
             </a:fld>
             <a:endParaRPr lang="fr-CA"/>
           </a:p>
@@ -5267,7 +5635,7 @@
           <a:p>
             <a:fld id="{0052D068-7BF0-4F27-A139-A086802B4DFD}" type="slidenum">
               <a:rPr lang="fr-CA" smtClean="0"/>
-              <a:t>‹#›</a:t>
+              <a:t>‹N°›</a:t>
             </a:fld>
             <a:endParaRPr lang="fr-CA"/>
           </a:p>
@@ -5407,7 +5775,7 @@
           <a:p>
             <a:fld id="{11CC3C35-F99E-491D-B86D-991790F15B79}" type="datetimeFigureOut">
               <a:rPr lang="fr-CA" smtClean="0"/>
-              <a:t>2019-06-03</a:t>
+              <a:t>2019-06-05</a:t>
             </a:fld>
             <a:endParaRPr lang="fr-CA"/>
           </a:p>
@@ -5449,7 +5817,7 @@
           <a:p>
             <a:fld id="{0052D068-7BF0-4F27-A139-A086802B4DFD}" type="slidenum">
               <a:rPr lang="fr-CA" smtClean="0"/>
-              <a:t>‹#›</a:t>
+              <a:t>‹N°›</a:t>
             </a:fld>
             <a:endParaRPr lang="fr-CA"/>
           </a:p>
@@ -5706,7 +6074,7 @@
           <a:p>
             <a:fld id="{11CC3C35-F99E-491D-B86D-991790F15B79}" type="datetimeFigureOut">
               <a:rPr lang="fr-CA" smtClean="0"/>
-              <a:t>2019-06-03</a:t>
+              <a:t>2019-06-05</a:t>
             </a:fld>
             <a:endParaRPr lang="fr-CA"/>
           </a:p>
@@ -5780,7 +6148,7 @@
           <a:p>
             <a:fld id="{0052D068-7BF0-4F27-A139-A086802B4DFD}" type="slidenum">
               <a:rPr lang="fr-CA" smtClean="0"/>
-              <a:t>‹#›</a:t>
+              <a:t>‹N°›</a:t>
             </a:fld>
             <a:endParaRPr lang="fr-CA"/>
           </a:p>
@@ -6409,6 +6777,193 @@
       </p:transition>
     </mc:Fallback>
   </mc:AlternateContent>
+  <p:timing>
+    <p:tnLst>
+      <p:par>
+        <p:cTn id="1" dur="indefinite" restart="never" nodeType="tmRoot"/>
+      </p:par>
+    </p:tnLst>
+  </p:timing>
+</p:sld>
+</file>
+
+<file path=ppt/slides/slide10.xml><?xml version="1.0" encoding="utf-8"?>
+<p:sld xmlns:a="http://schemas.openxmlformats.org/drawingml/2006/main" xmlns:r="http://schemas.openxmlformats.org/officeDocument/2006/relationships" xmlns:p="http://schemas.openxmlformats.org/presentationml/2006/main">
+  <p:cSld>
+    <p:spTree>
+      <p:nvGrpSpPr>
+        <p:cNvPr id="1" name=""/>
+        <p:cNvGrpSpPr/>
+        <p:nvPr/>
+      </p:nvGrpSpPr>
+      <p:grpSpPr>
+        <a:xfrm>
+          <a:off x="0" y="0"/>
+          <a:ext cx="0" cy="0"/>
+          <a:chOff x="0" y="0"/>
+          <a:chExt cx="0" cy="0"/>
+        </a:xfrm>
+      </p:grpSpPr>
+      <p:sp>
+        <p:nvSpPr>
+          <p:cNvPr id="2" name="Titre 1"/>
+          <p:cNvSpPr>
+            <a:spLocks noGrp="1"/>
+          </p:cNvSpPr>
+          <p:nvPr>
+            <p:ph type="title"/>
+          </p:nvPr>
+        </p:nvSpPr>
+        <p:spPr/>
+        <p:txBody>
+          <a:bodyPr/>
+          <a:lstStyle/>
+          <a:p>
+            <a:r>
+              <a:rPr lang="fr-CA" dirty="0"/>
+              <a:t>MERCI!</a:t>
+            </a:r>
+          </a:p>
+        </p:txBody>
+      </p:sp>
+      <p:sp>
+        <p:nvSpPr>
+          <p:cNvPr id="4" name="Espace réservé du texte 3"/>
+          <p:cNvSpPr>
+            <a:spLocks noGrp="1"/>
+          </p:cNvSpPr>
+          <p:nvPr>
+            <p:ph type="body" sz="half" idx="2"/>
+          </p:nvPr>
+        </p:nvSpPr>
+        <p:spPr/>
+        <p:txBody>
+          <a:bodyPr/>
+          <a:lstStyle/>
+          <a:p>
+            <a:endParaRPr lang="fr-CA"/>
+          </a:p>
+        </p:txBody>
+      </p:sp>
+      <p:pic>
+        <p:nvPicPr>
+          <p:cNvPr id="7" name="Image 6"/>
+          <p:cNvPicPr>
+            <a:picLocks noChangeAspect="1"/>
+          </p:cNvPicPr>
+          <p:nvPr/>
+        </p:nvPicPr>
+        <p:blipFill>
+          <a:blip r:embed="rId2" cstate="print">
+            <a:extLst>
+              <a:ext uri="{28A0092B-C50C-407E-A947-70E740481C1C}">
+                <a14:useLocalDpi xmlns:a14="http://schemas.microsoft.com/office/drawing/2010/main" val="0"/>
+              </a:ext>
+            </a:extLst>
+          </a:blip>
+          <a:stretch>
+            <a:fillRect/>
+          </a:stretch>
+        </p:blipFill>
+        <p:spPr>
+          <a:xfrm>
+            <a:off x="0" y="-1"/>
+            <a:ext cx="9997448" cy="5623565"/>
+          </a:xfrm>
+          <a:prstGeom prst="rect">
+            <a:avLst/>
+          </a:prstGeom>
+        </p:spPr>
+      </p:pic>
+      <p:pic>
+        <p:nvPicPr>
+          <p:cNvPr id="1026" name="Picture 2" descr="https://scontent.fyhu1-1.fna.fbcdn.net/v/t1.15752-9/s2048x2048/61667264_357624584892437_8334581975750803456_n.jpg?_nc_cat=105&amp;_nc_ht=scontent.fyhu1-1.fna&amp;oh=fa8e486d2f34afefa20af0eebce5f359&amp;oe=5D5D624F"/>
+          <p:cNvPicPr>
+            <a:picLocks noChangeAspect="1" noChangeArrowheads="1"/>
+          </p:cNvPicPr>
+          <p:nvPr/>
+        </p:nvPicPr>
+        <p:blipFill rotWithShape="1">
+          <a:blip r:embed="rId3" cstate="print">
+            <a:extLst>
+              <a:ext uri="{28A0092B-C50C-407E-A947-70E740481C1C}">
+                <a14:useLocalDpi xmlns:a14="http://schemas.microsoft.com/office/drawing/2010/main" val="0"/>
+              </a:ext>
+            </a:extLst>
+          </a:blip>
+          <a:srcRect l="15968" t="24847" r="29727" b="3709"/>
+          <a:stretch/>
+        </p:blipFill>
+        <p:spPr bwMode="auto">
+          <a:xfrm>
+            <a:off x="333376" y="3732117"/>
+            <a:ext cx="3905250" cy="2890021"/>
+          </a:xfrm>
+          <a:prstGeom prst="snip2DiagRect">
+            <a:avLst/>
+          </a:prstGeom>
+          <a:solidFill>
+            <a:srgbClr val="FFFFFF">
+              <a:shade val="85000"/>
+            </a:srgbClr>
+          </a:solidFill>
+          <a:ln w="88900" cap="sq">
+            <a:solidFill>
+              <a:srgbClr val="FFFFFF"/>
+            </a:solidFill>
+            <a:miter lim="800000"/>
+          </a:ln>
+          <a:effectLst>
+            <a:outerShdw blurRad="88900" algn="tl" rotWithShape="0">
+              <a:srgbClr val="000000">
+                <a:alpha val="45000"/>
+              </a:srgbClr>
+            </a:outerShdw>
+          </a:effectLst>
+          <a:scene3d>
+            <a:camera prst="orthographicFront"/>
+            <a:lightRig rig="twoPt" dir="t">
+              <a:rot lat="0" lon="0" rev="7200000"/>
+            </a:lightRig>
+          </a:scene3d>
+          <a:sp3d>
+            <a:bevelT w="25400" h="19050"/>
+            <a:contourClr>
+              <a:srgbClr val="FFFFFF"/>
+            </a:contourClr>
+          </a:sp3d>
+          <a:extLst/>
+        </p:spPr>
+      </p:pic>
+    </p:spTree>
+    <p:extLst>
+      <p:ext uri="{BB962C8B-B14F-4D97-AF65-F5344CB8AC3E}">
+        <p14:creationId xmlns:p14="http://schemas.microsoft.com/office/powerpoint/2010/main" val="2047355086"/>
+      </p:ext>
+    </p:extLst>
+  </p:cSld>
+  <p:clrMapOvr>
+    <a:masterClrMapping/>
+  </p:clrMapOvr>
+  <mc:AlternateContent xmlns:mc="http://schemas.openxmlformats.org/markup-compatibility/2006" xmlns:p14="http://schemas.microsoft.com/office/powerpoint/2010/main">
+    <mc:Choice Requires="p14">
+      <p:transition p14:dur="100">
+        <p:dissolve/>
+      </p:transition>
+    </mc:Choice>
+    <mc:Fallback xmlns="">
+      <p:transition>
+        <p:dissolve/>
+      </p:transition>
+    </mc:Fallback>
+  </mc:AlternateContent>
+  <p:timing>
+    <p:tnLst>
+      <p:par>
+        <p:cTn id="1" dur="indefinite" restart="never" nodeType="tmRoot"/>
+      </p:par>
+    </p:tnLst>
+  </p:timing>
 </p:sld>
 </file>
 
@@ -7014,6 +7569,47 @@
           </a:p>
         </p:txBody>
       </p:sp>
+      <p:pic>
+        <p:nvPicPr>
+          <p:cNvPr id="1026" name="Picture 2" descr="Image result for misra c"/>
+          <p:cNvPicPr>
+            <a:picLocks noChangeAspect="1" noChangeArrowheads="1"/>
+          </p:cNvPicPr>
+          <p:nvPr/>
+        </p:nvPicPr>
+        <p:blipFill>
+          <a:blip r:embed="rId3">
+            <a:extLst>
+              <a:ext uri="{28A0092B-C50C-407E-A947-70E740481C1C}">
+                <a14:useLocalDpi xmlns:a14="http://schemas.microsoft.com/office/drawing/2010/main" val="0"/>
+              </a:ext>
+            </a:extLst>
+          </a:blip>
+          <a:srcRect/>
+          <a:stretch>
+            <a:fillRect/>
+          </a:stretch>
+        </p:blipFill>
+        <p:spPr bwMode="auto">
+          <a:xfrm>
+            <a:off x="9112546" y="1400775"/>
+            <a:ext cx="1739604" cy="1732504"/>
+          </a:xfrm>
+          <a:prstGeom prst="rect">
+            <a:avLst/>
+          </a:prstGeom>
+          <a:noFill/>
+          <a:extLst>
+            <a:ext uri="{909E8E84-426E-40DD-AFC4-6F175D3DCCD1}">
+              <a14:hiddenFill xmlns:a14="http://schemas.microsoft.com/office/drawing/2010/main">
+                <a:solidFill>
+                  <a:srgbClr val="FFFFFF"/>
+                </a:solidFill>
+              </a14:hiddenFill>
+            </a:ext>
+          </a:extLst>
+        </p:spPr>
+      </p:pic>
     </p:spTree>
     <p:extLst>
       <p:ext uri="{BB962C8B-B14F-4D97-AF65-F5344CB8AC3E}">
@@ -7531,33 +8127,15 @@
                                   </p:childTnLst>
                                 </p:cTn>
                               </p:par>
-                            </p:childTnLst>
-                          </p:cTn>
-                        </p:par>
-                      </p:childTnLst>
-                    </p:cTn>
-                  </p:par>
-                  <p:par>
-                    <p:cTn id="38" fill="hold">
-                      <p:stCondLst>
-                        <p:cond delay="indefinite"/>
-                      </p:stCondLst>
-                      <p:childTnLst>
-                        <p:par>
-                          <p:cTn id="39" fill="hold">
-                            <p:stCondLst>
-                              <p:cond delay="0"/>
-                            </p:stCondLst>
-                            <p:childTnLst>
                               <p:par>
-                                <p:cTn id="40" presetID="10" presetClass="entr" presetSubtype="0" fill="hold" grpId="0" nodeType="clickEffect">
+                                <p:cTn id="38" presetID="10" presetClass="entr" presetSubtype="0" fill="hold" grpId="0" nodeType="withEffect">
                                   <p:stCondLst>
                                     <p:cond delay="0"/>
                                   </p:stCondLst>
                                   <p:childTnLst>
                                     <p:set>
                                       <p:cBhvr>
-                                        <p:cTn id="41" dur="1" fill="hold">
+                                        <p:cTn id="39" dur="1" fill="hold">
                                           <p:stCondLst>
                                             <p:cond delay="0"/>
                                           </p:stCondLst>
@@ -7579,7 +8157,7 @@
                                     </p:set>
                                     <p:animEffect transition="in" filter="fade">
                                       <p:cBhvr>
-                                        <p:cTn id="42" dur="500"/>
+                                        <p:cTn id="40" dur="500"/>
                                         <p:tgtEl>
                                           <p:spTgt spid="7">
                                             <p:txEl>
@@ -7599,26 +8177,26 @@
                     </p:cTn>
                   </p:par>
                   <p:par>
-                    <p:cTn id="43" fill="hold">
+                    <p:cTn id="41" fill="hold">
                       <p:stCondLst>
                         <p:cond delay="indefinite"/>
                       </p:stCondLst>
                       <p:childTnLst>
                         <p:par>
-                          <p:cTn id="44" fill="hold">
+                          <p:cTn id="42" fill="hold">
                             <p:stCondLst>
                               <p:cond delay="0"/>
                             </p:stCondLst>
                             <p:childTnLst>
                               <p:par>
-                                <p:cTn id="45" presetID="10" presetClass="entr" presetSubtype="0" fill="hold" grpId="0" nodeType="clickEffect">
+                                <p:cTn id="43" presetID="10" presetClass="entr" presetSubtype="0" fill="hold" grpId="0" nodeType="clickEffect">
                                   <p:stCondLst>
                                     <p:cond delay="0"/>
                                   </p:stCondLst>
                                   <p:childTnLst>
                                     <p:set>
                                       <p:cBhvr>
-                                        <p:cTn id="46" dur="1" fill="hold">
+                                        <p:cTn id="44" dur="1" fill="hold">
                                           <p:stCondLst>
                                             <p:cond delay="0"/>
                                           </p:stCondLst>
@@ -7640,7 +8218,7 @@
                                     </p:set>
                                     <p:animEffect transition="in" filter="fade">
                                       <p:cBhvr>
-                                        <p:cTn id="47" dur="500"/>
+                                        <p:cTn id="45" dur="500"/>
                                         <p:tgtEl>
                                           <p:spTgt spid="7">
                                             <p:txEl>
@@ -7660,26 +8238,26 @@
                     </p:cTn>
                   </p:par>
                   <p:par>
-                    <p:cTn id="48" fill="hold">
+                    <p:cTn id="46" fill="hold">
                       <p:stCondLst>
                         <p:cond delay="indefinite"/>
                       </p:stCondLst>
                       <p:childTnLst>
                         <p:par>
-                          <p:cTn id="49" fill="hold">
+                          <p:cTn id="47" fill="hold">
                             <p:stCondLst>
                               <p:cond delay="0"/>
                             </p:stCondLst>
                             <p:childTnLst>
                               <p:par>
-                                <p:cTn id="50" presetID="10" presetClass="entr" presetSubtype="0" fill="hold" grpId="0" nodeType="clickEffect">
+                                <p:cTn id="48" presetID="10" presetClass="entr" presetSubtype="0" fill="hold" grpId="0" nodeType="clickEffect">
                                   <p:stCondLst>
                                     <p:cond delay="0"/>
                                   </p:stCondLst>
                                   <p:childTnLst>
                                     <p:set>
                                       <p:cBhvr>
-                                        <p:cTn id="51" dur="1" fill="hold">
+                                        <p:cTn id="49" dur="1" fill="hold">
                                           <p:stCondLst>
                                             <p:cond delay="0"/>
                                           </p:stCondLst>
@@ -7701,7 +8279,7 @@
                                     </p:set>
                                     <p:animEffect transition="in" filter="fade">
                                       <p:cBhvr>
-                                        <p:cTn id="52" dur="500"/>
+                                        <p:cTn id="50" dur="500"/>
                                         <p:tgtEl>
                                           <p:spTgt spid="7">
                                             <p:txEl>
@@ -7721,26 +8299,26 @@
                     </p:cTn>
                   </p:par>
                   <p:par>
-                    <p:cTn id="53" fill="hold">
+                    <p:cTn id="51" fill="hold">
                       <p:stCondLst>
                         <p:cond delay="indefinite"/>
                       </p:stCondLst>
                       <p:childTnLst>
                         <p:par>
-                          <p:cTn id="54" fill="hold">
+                          <p:cTn id="52" fill="hold">
                             <p:stCondLst>
                               <p:cond delay="0"/>
                             </p:stCondLst>
                             <p:childTnLst>
                               <p:par>
-                                <p:cTn id="55" presetID="10" presetClass="entr" presetSubtype="0" fill="hold" grpId="0" nodeType="clickEffect">
+                                <p:cTn id="53" presetID="10" presetClass="entr" presetSubtype="0" fill="hold" grpId="0" nodeType="clickEffect">
                                   <p:stCondLst>
                                     <p:cond delay="0"/>
                                   </p:stCondLst>
                                   <p:childTnLst>
                                     <p:set>
                                       <p:cBhvr>
-                                        <p:cTn id="56" dur="1" fill="hold">
+                                        <p:cTn id="54" dur="1" fill="hold">
                                           <p:stCondLst>
                                             <p:cond delay="0"/>
                                           </p:stCondLst>
@@ -7762,7 +8340,7 @@
                                     </p:set>
                                     <p:animEffect transition="in" filter="fade">
                                       <p:cBhvr>
-                                        <p:cTn id="57" dur="500"/>
+                                        <p:cTn id="55" dur="500"/>
                                         <p:tgtEl>
                                           <p:spTgt spid="7">
                                             <p:txEl>
@@ -7782,26 +8360,26 @@
                     </p:cTn>
                   </p:par>
                   <p:par>
-                    <p:cTn id="58" fill="hold">
+                    <p:cTn id="56" fill="hold">
                       <p:stCondLst>
                         <p:cond delay="indefinite"/>
                       </p:stCondLst>
                       <p:childTnLst>
                         <p:par>
-                          <p:cTn id="59" fill="hold">
+                          <p:cTn id="57" fill="hold">
                             <p:stCondLst>
                               <p:cond delay="0"/>
                             </p:stCondLst>
                             <p:childTnLst>
                               <p:par>
-                                <p:cTn id="60" presetID="10" presetClass="entr" presetSubtype="0" fill="hold" grpId="0" nodeType="clickEffect">
+                                <p:cTn id="58" presetID="10" presetClass="entr" presetSubtype="0" fill="hold" grpId="0" nodeType="clickEffect">
                                   <p:stCondLst>
                                     <p:cond delay="0"/>
                                   </p:stCondLst>
                                   <p:childTnLst>
                                     <p:set>
                                       <p:cBhvr>
-                                        <p:cTn id="61" dur="1" fill="hold">
+                                        <p:cTn id="59" dur="1" fill="hold">
                                           <p:stCondLst>
                                             <p:cond delay="0"/>
                                           </p:stCondLst>
@@ -7823,7 +8401,7 @@
                                     </p:set>
                                     <p:animEffect transition="in" filter="fade">
                                       <p:cBhvr>
-                                        <p:cTn id="62" dur="500"/>
+                                        <p:cTn id="60" dur="500"/>
                                         <p:tgtEl>
                                           <p:spTgt spid="7">
                                             <p:txEl>
@@ -7843,26 +8421,26 @@
                     </p:cTn>
                   </p:par>
                   <p:par>
-                    <p:cTn id="63" fill="hold">
+                    <p:cTn id="61" fill="hold">
                       <p:stCondLst>
                         <p:cond delay="indefinite"/>
                       </p:stCondLst>
                       <p:childTnLst>
                         <p:par>
-                          <p:cTn id="64" fill="hold">
+                          <p:cTn id="62" fill="hold">
                             <p:stCondLst>
                               <p:cond delay="0"/>
                             </p:stCondLst>
                             <p:childTnLst>
                               <p:par>
-                                <p:cTn id="65" presetID="10" presetClass="entr" presetSubtype="0" fill="hold" grpId="0" nodeType="clickEffect">
+                                <p:cTn id="63" presetID="10" presetClass="entr" presetSubtype="0" fill="hold" grpId="0" nodeType="clickEffect">
                                   <p:stCondLst>
                                     <p:cond delay="0"/>
                                   </p:stCondLst>
                                   <p:childTnLst>
                                     <p:set>
                                       <p:cBhvr>
-                                        <p:cTn id="66" dur="1" fill="hold">
+                                        <p:cTn id="64" dur="1" fill="hold">
                                           <p:stCondLst>
                                             <p:cond delay="0"/>
                                           </p:stCondLst>
@@ -7884,7 +8462,7 @@
                                     </p:set>
                                     <p:animEffect transition="in" filter="fade">
                                       <p:cBhvr>
-                                        <p:cTn id="67" dur="500"/>
+                                        <p:cTn id="65" dur="500"/>
                                         <p:tgtEl>
                                           <p:spTgt spid="7">
                                             <p:txEl>
@@ -7894,6 +8472,79 @@
                                         </p:tgtEl>
                                       </p:cBhvr>
                                     </p:animEffect>
+                                  </p:childTnLst>
+                                </p:cTn>
+                              </p:par>
+                              <p:par>
+                                <p:cTn id="66" presetID="2" presetClass="entr" presetSubtype="2" fill="hold" nodeType="withEffect">
+                                  <p:stCondLst>
+                                    <p:cond delay="0"/>
+                                  </p:stCondLst>
+                                  <p:childTnLst>
+                                    <p:set>
+                                      <p:cBhvr>
+                                        <p:cTn id="67" dur="1" fill="hold">
+                                          <p:stCondLst>
+                                            <p:cond delay="0"/>
+                                          </p:stCondLst>
+                                        </p:cTn>
+                                        <p:tgtEl>
+                                          <p:spTgt spid="1026"/>
+                                        </p:tgtEl>
+                                        <p:attrNameLst>
+                                          <p:attrName>style.visibility</p:attrName>
+                                        </p:attrNameLst>
+                                      </p:cBhvr>
+                                      <p:to>
+                                        <p:strVal val="visible"/>
+                                      </p:to>
+                                    </p:set>
+                                    <p:anim calcmode="lin" valueType="num">
+                                      <p:cBhvr additive="base">
+                                        <p:cTn id="68" dur="500" fill="hold"/>
+                                        <p:tgtEl>
+                                          <p:spTgt spid="1026"/>
+                                        </p:tgtEl>
+                                        <p:attrNameLst>
+                                          <p:attrName>ppt_x</p:attrName>
+                                        </p:attrNameLst>
+                                      </p:cBhvr>
+                                      <p:tavLst>
+                                        <p:tav tm="0">
+                                          <p:val>
+                                            <p:strVal val="1+#ppt_w/2"/>
+                                          </p:val>
+                                        </p:tav>
+                                        <p:tav tm="100000">
+                                          <p:val>
+                                            <p:strVal val="#ppt_x"/>
+                                          </p:val>
+                                        </p:tav>
+                                      </p:tavLst>
+                                    </p:anim>
+                                    <p:anim calcmode="lin" valueType="num">
+                                      <p:cBhvr additive="base">
+                                        <p:cTn id="69" dur="500" fill="hold"/>
+                                        <p:tgtEl>
+                                          <p:spTgt spid="1026"/>
+                                        </p:tgtEl>
+                                        <p:attrNameLst>
+                                          <p:attrName>ppt_y</p:attrName>
+                                        </p:attrNameLst>
+                                      </p:cBhvr>
+                                      <p:tavLst>
+                                        <p:tav tm="0">
+                                          <p:val>
+                                            <p:strVal val="#ppt_y"/>
+                                          </p:val>
+                                        </p:tav>
+                                        <p:tav tm="100000">
+                                          <p:val>
+                                            <p:strVal val="#ppt_y"/>
+                                          </p:val>
+                                        </p:tav>
+                                      </p:tavLst>
+                                    </p:anim>
                                   </p:childTnLst>
                                 </p:cTn>
                               </p:par>
@@ -7926,8 +8577,8 @@
     </p:tnLst>
     <p:bldLst>
       <p:bldP spid="3" grpId="0" build="p"/>
-      <p:bldP spid="3" grpId="1" build="p"/>
-      <p:bldP spid="7" grpId="0" build="p"/>
+      <p:bldP spid="3" grpId="1" uiExpand="1" build="p"/>
+      <p:bldP spid="7" grpId="0" uiExpand="1" build="p"/>
       <p:bldP spid="5" grpId="0" build="allAtOnce"/>
     </p:bldLst>
   </p:timing>
@@ -14635,6 +15286,6381 @@
           <a:chExt cx="0" cy="0"/>
         </a:xfrm>
       </p:grpSpPr>
+      <p:pic>
+        <p:nvPicPr>
+          <p:cNvPr id="8" name="Image 7"/>
+          <p:cNvPicPr>
+            <a:picLocks noChangeAspect="1"/>
+          </p:cNvPicPr>
+          <p:nvPr/>
+        </p:nvPicPr>
+        <p:blipFill>
+          <a:blip r:embed="rId2"/>
+          <a:stretch>
+            <a:fillRect/>
+          </a:stretch>
+        </p:blipFill>
+        <p:spPr>
+          <a:xfrm>
+            <a:off x="-1638300" y="0"/>
+            <a:ext cx="15601950" cy="7267575"/>
+          </a:xfrm>
+          <a:prstGeom prst="rect">
+            <a:avLst/>
+          </a:prstGeom>
+        </p:spPr>
+      </p:pic>
+      <p:pic>
+        <p:nvPicPr>
+          <p:cNvPr id="9" name="Image 8"/>
+          <p:cNvPicPr>
+            <a:picLocks noChangeAspect="1"/>
+          </p:cNvPicPr>
+          <p:nvPr/>
+        </p:nvPicPr>
+        <p:blipFill>
+          <a:blip r:embed="rId3"/>
+          <a:stretch>
+            <a:fillRect/>
+          </a:stretch>
+        </p:blipFill>
+        <p:spPr>
+          <a:xfrm>
+            <a:off x="-7512921" y="7058025"/>
+            <a:ext cx="15554325" cy="7277100"/>
+          </a:xfrm>
+          <a:prstGeom prst="rect">
+            <a:avLst/>
+          </a:prstGeom>
+        </p:spPr>
+      </p:pic>
+      <p:pic>
+        <p:nvPicPr>
+          <p:cNvPr id="10" name="Image 9"/>
+          <p:cNvPicPr>
+            <a:picLocks noChangeAspect="1"/>
+          </p:cNvPicPr>
+          <p:nvPr/>
+        </p:nvPicPr>
+        <p:blipFill>
+          <a:blip r:embed="rId4"/>
+          <a:stretch>
+            <a:fillRect/>
+          </a:stretch>
+        </p:blipFill>
+        <p:spPr>
+          <a:xfrm>
+            <a:off x="9520237" y="7267575"/>
+            <a:ext cx="8048625" cy="7467600"/>
+          </a:xfrm>
+          <a:prstGeom prst="rect">
+            <a:avLst/>
+          </a:prstGeom>
+        </p:spPr>
+      </p:pic>
+    </p:spTree>
+    <p:extLst>
+      <p:ext uri="{BB962C8B-B14F-4D97-AF65-F5344CB8AC3E}">
+        <p14:creationId xmlns:p14="http://schemas.microsoft.com/office/powerpoint/2010/main" val="2104022518"/>
+      </p:ext>
+    </p:extLst>
+  </p:cSld>
+  <p:clrMapOvr>
+    <a:masterClrMapping/>
+  </p:clrMapOvr>
+  <mc:AlternateContent xmlns:mc="http://schemas.openxmlformats.org/markup-compatibility/2006" xmlns:p14="http://schemas.microsoft.com/office/powerpoint/2010/main">
+    <mc:Choice Requires="p14">
+      <p:transition p14:dur="100">
+        <p:dissolve/>
+      </p:transition>
+    </mc:Choice>
+    <mc:Fallback xmlns="">
+      <p:transition>
+        <p:dissolve/>
+      </p:transition>
+    </mc:Fallback>
+  </mc:AlternateContent>
+  <p:timing>
+    <p:tnLst>
+      <p:par>
+        <p:cTn id="1" dur="indefinite" restart="never" nodeType="tmRoot">
+          <p:childTnLst>
+            <p:seq concurrent="1" nextAc="seek">
+              <p:cTn id="2" dur="indefinite" nodeType="mainSeq">
+                <p:childTnLst>
+                  <p:par>
+                    <p:cTn id="3" fill="hold">
+                      <p:stCondLst>
+                        <p:cond delay="indefinite"/>
+                      </p:stCondLst>
+                      <p:childTnLst>
+                        <p:par>
+                          <p:cTn id="4" fill="hold">
+                            <p:stCondLst>
+                              <p:cond delay="0"/>
+                            </p:stCondLst>
+                            <p:childTnLst>
+                              <p:par>
+                                <p:cTn id="5" presetID="26" presetClass="path" presetSubtype="0" accel="50000" decel="50000" fill="hold" nodeType="clickEffect">
+                                  <p:stCondLst>
+                                    <p:cond delay="0"/>
+                                  </p:stCondLst>
+                                  <p:childTnLst>
+                                    <p:animMotion origin="layout" path="M -0.08503 -0.00023 C -0.08503 0.04051 -0.05807 0.07384 -0.025 0.07384 C 0.01393 0.07384 0.02799 0.03681 0.03398 0.01458 L 0.03997 -0.01528 C 0.04596 -0.0375 0.06094 -0.0743 0.10495 -0.0743 C 0.13294 -0.0743 0.16497 -0.0412 0.16497 -0.00023 C 0.16497 0.04051 0.13294 0.07384 0.10495 0.07384 C 0.06094 0.07384 0.04596 0.03681 0.03997 0.01458 L 0.03398 -0.01528 C 0.02799 -0.0375 0.01393 -0.0743 -0.025 -0.0743 C -0.05807 -0.0743 -0.08503 -0.0412 -0.08503 -0.00023 Z " pathEditMode="relative" rAng="0" ptsTypes="AAAAAAAAAAA">
+                                      <p:cBhvr>
+                                        <p:cTn id="6" dur="8000" fill="hold"/>
+                                        <p:tgtEl>
+                                          <p:spTgt spid="8"/>
+                                        </p:tgtEl>
+                                        <p:attrNameLst>
+                                          <p:attrName>ppt_x</p:attrName>
+                                          <p:attrName>ppt_y</p:attrName>
+                                        </p:attrNameLst>
+                                      </p:cBhvr>
+                                      <p:rCtr x="12500" y="0"/>
+                                    </p:animMotion>
+                                  </p:childTnLst>
+                                </p:cTn>
+                              </p:par>
+                            </p:childTnLst>
+                          </p:cTn>
+                        </p:par>
+                      </p:childTnLst>
+                    </p:cTn>
+                  </p:par>
+                  <p:par>
+                    <p:cTn id="7" fill="hold">
+                      <p:stCondLst>
+                        <p:cond delay="indefinite"/>
+                      </p:stCondLst>
+                      <p:childTnLst>
+                        <p:par>
+                          <p:cTn id="8" fill="hold">
+                            <p:stCondLst>
+                              <p:cond delay="0"/>
+                            </p:stCondLst>
+                            <p:childTnLst>
+                              <p:par>
+                                <p:cTn id="9" presetID="43" presetClass="path" presetSubtype="0" accel="50000" decel="50000" fill="hold" nodeType="clickEffect">
+                                  <p:stCondLst>
+                                    <p:cond delay="0"/>
+                                  </p:stCondLst>
+                                  <p:childTnLst>
+                                    <p:animMotion origin="layout" path="M 1.25E-6 -1.11111E-6 L 0.64141 -1.11111E-6 C 0.92891 -1.11111E-6 1.28359 -0.13333 1.28359 -0.24143 L 1.28359 -0.48264 " pathEditMode="relative" rAng="0" ptsTypes="AAAA">
+                                      <p:cBhvr>
+                                        <p:cTn id="10" dur="2000" fill="hold"/>
+                                        <p:tgtEl>
+                                          <p:spTgt spid="8"/>
+                                        </p:tgtEl>
+                                        <p:attrNameLst>
+                                          <p:attrName>ppt_x</p:attrName>
+                                          <p:attrName>ppt_y</p:attrName>
+                                        </p:attrNameLst>
+                                      </p:cBhvr>
+                                      <p:rCtr x="64180" y="-24144"/>
+                                    </p:animMotion>
+                                  </p:childTnLst>
+                                </p:cTn>
+                              </p:par>
+                              <p:par>
+                                <p:cTn id="11" presetID="57" presetClass="path" presetSubtype="0" accel="50000" decel="50000" fill="hold" nodeType="withEffect">
+                                  <p:stCondLst>
+                                    <p:cond delay="0"/>
+                                  </p:stCondLst>
+                                  <p:childTnLst>
+                                    <p:animMotion origin="layout" path="M 0.01875 0.0132 L 0.01875 -0.50833 C 0.01875 -0.74213 0.18008 -1.02986 0.31107 -1.02986 L 0.60339 -1.02986 " pathEditMode="relative" rAng="0" ptsTypes="AAAA">
+                                      <p:cBhvr>
+                                        <p:cTn id="12" dur="2000" fill="hold"/>
+                                        <p:tgtEl>
+                                          <p:spTgt spid="9"/>
+                                        </p:tgtEl>
+                                        <p:attrNameLst>
+                                          <p:attrName>ppt_x</p:attrName>
+                                          <p:attrName>ppt_y</p:attrName>
+                                        </p:attrNameLst>
+                                      </p:cBhvr>
+                                      <p:rCtr x="29232" y="-52153"/>
+                                    </p:animMotion>
+                                  </p:childTnLst>
+                                </p:cTn>
+                              </p:par>
+                            </p:childTnLst>
+                          </p:cTn>
+                        </p:par>
+                      </p:childTnLst>
+                    </p:cTn>
+                  </p:par>
+                  <p:par>
+                    <p:cTn id="13" fill="hold">
+                      <p:stCondLst>
+                        <p:cond delay="indefinite"/>
+                      </p:stCondLst>
+                      <p:childTnLst>
+                        <p:par>
+                          <p:cTn id="14" fill="hold">
+                            <p:stCondLst>
+                              <p:cond delay="0"/>
+                            </p:stCondLst>
+                            <p:childTnLst>
+                              <p:par>
+                                <p:cTn id="15" presetID="50" presetClass="path" presetSubtype="0" accel="50000" decel="50000" fill="hold" nodeType="clickEffect">
+                                  <p:stCondLst>
+                                    <p:cond delay="0"/>
+                                  </p:stCondLst>
+                                  <p:childTnLst>
+                                    <p:animMotion origin="layout" path="M -0.80599 -1.54028 L -0.16106 -1.54028 C 0.12774 -1.54028 0.48386 -1.39953 0.48386 -1.28518 L 0.48386 -1.02986 " pathEditMode="relative" rAng="0" ptsTypes="AAAA">
+                                      <p:cBhvr>
+                                        <p:cTn id="16" dur="2000" spd="-100000" fill="hold"/>
+                                        <p:tgtEl>
+                                          <p:spTgt spid="9"/>
+                                        </p:tgtEl>
+                                        <p:attrNameLst>
+                                          <p:attrName>ppt_x</p:attrName>
+                                          <p:attrName>ppt_y</p:attrName>
+                                        </p:attrNameLst>
+                                      </p:cBhvr>
+                                      <p:rCtr x="64492" y="25509"/>
+                                    </p:animMotion>
+                                  </p:childTnLst>
+                                </p:cTn>
+                              </p:par>
+                              <p:par>
+                                <p:cTn id="17" presetID="43" presetClass="path" presetSubtype="0" accel="50000" decel="50000" fill="hold" nodeType="withEffect">
+                                  <p:stCondLst>
+                                    <p:cond delay="0"/>
+                                  </p:stCondLst>
+                                  <p:childTnLst>
+                                    <p:animMotion origin="layout" path="M 0.01797 -0.00069 L -0.29375 -0.00069 C -0.43346 -0.00069 -0.60547 -0.29699 -0.60547 -0.5375 L -0.60547 -1.0743 " pathEditMode="relative" rAng="0" ptsTypes="AAAA">
+                                      <p:cBhvr>
+                                        <p:cTn id="18" dur="2000" fill="hold"/>
+                                        <p:tgtEl>
+                                          <p:spTgt spid="10"/>
+                                        </p:tgtEl>
+                                        <p:attrNameLst>
+                                          <p:attrName>ppt_x</p:attrName>
+                                          <p:attrName>ppt_y</p:attrName>
+                                        </p:attrNameLst>
+                                      </p:cBhvr>
+                                      <p:rCtr x="-31172" y="-53681"/>
+                                    </p:animMotion>
+                                  </p:childTnLst>
+                                </p:cTn>
+                              </p:par>
+                            </p:childTnLst>
+                          </p:cTn>
+                        </p:par>
+                      </p:childTnLst>
+                    </p:cTn>
+                  </p:par>
+                </p:childTnLst>
+              </p:cTn>
+              <p:prevCondLst>
+                <p:cond evt="onPrev" delay="0">
+                  <p:tgtEl>
+                    <p:sldTgt/>
+                  </p:tgtEl>
+                </p:cond>
+              </p:prevCondLst>
+              <p:nextCondLst>
+                <p:cond evt="onNext" delay="0">
+                  <p:tgtEl>
+                    <p:sldTgt/>
+                  </p:tgtEl>
+                </p:cond>
+              </p:nextCondLst>
+            </p:seq>
+          </p:childTnLst>
+        </p:cTn>
+      </p:par>
+    </p:tnLst>
+  </p:timing>
+</p:sld>
+</file>
+
+<file path=ppt/slides/slide6.xml><?xml version="1.0" encoding="utf-8"?>
+<p:sld xmlns:a="http://schemas.openxmlformats.org/drawingml/2006/main" xmlns:r="http://schemas.openxmlformats.org/officeDocument/2006/relationships" xmlns:p="http://schemas.openxmlformats.org/presentationml/2006/main">
+  <p:cSld>
+    <p:spTree>
+      <p:nvGrpSpPr>
+        <p:cNvPr id="1" name=""/>
+        <p:cNvGrpSpPr/>
+        <p:nvPr/>
+      </p:nvGrpSpPr>
+      <p:grpSpPr>
+        <a:xfrm>
+          <a:off x="0" y="0"/>
+          <a:ext cx="0" cy="0"/>
+          <a:chOff x="0" y="0"/>
+          <a:chExt cx="0" cy="0"/>
+        </a:xfrm>
+      </p:grpSpPr>
+      <p:sp>
+        <p:nvSpPr>
+          <p:cNvPr id="2" name="Titre 1"/>
+          <p:cNvSpPr>
+            <a:spLocks noGrp="1"/>
+          </p:cNvSpPr>
+          <p:nvPr>
+            <p:ph type="title"/>
+          </p:nvPr>
+        </p:nvSpPr>
+        <p:spPr/>
+        <p:txBody>
+          <a:bodyPr/>
+          <a:lstStyle/>
+          <a:p>
+            <a:r>
+              <a:rPr lang="fr-CA" dirty="0" err="1" smtClean="0"/>
+              <a:t>MATERIEL</a:t>
+            </a:r>
+            <a:endParaRPr lang="fr-CA" dirty="0"/>
+          </a:p>
+        </p:txBody>
+      </p:sp>
+      <p:sp>
+        <p:nvSpPr>
+          <p:cNvPr id="3" name="Espace réservé du contenu 2"/>
+          <p:cNvSpPr>
+            <a:spLocks noGrp="1"/>
+          </p:cNvSpPr>
+          <p:nvPr>
+            <p:ph idx="1"/>
+          </p:nvPr>
+        </p:nvSpPr>
+        <p:spPr/>
+        <p:txBody>
+          <a:bodyPr/>
+          <a:lstStyle/>
+          <a:p>
+            <a:pPr>
+              <a:buClr>
+                <a:srgbClr val="FD4901"/>
+              </a:buClr>
+              <a:buFont typeface="Arial" panose="020B0604020202020204" pitchFamily="34" charset="0"/>
+              <a:buChar char="•"/>
+            </a:pPr>
+            <a:r>
+              <a:rPr lang="fr-CA" dirty="0" smtClean="0"/>
+              <a:t>4 couches</a:t>
+            </a:r>
+          </a:p>
+          <a:p>
+            <a:pPr>
+              <a:buClr>
+                <a:srgbClr val="FD4901"/>
+              </a:buClr>
+              <a:buFont typeface="Arial" panose="020B0604020202020204" pitchFamily="34" charset="0"/>
+              <a:buChar char="•"/>
+            </a:pPr>
+            <a:r>
+              <a:rPr lang="fr-CA" dirty="0" smtClean="0"/>
+              <a:t>Stencil</a:t>
+            </a:r>
+          </a:p>
+          <a:p>
+            <a:pPr>
+              <a:buClr>
+                <a:srgbClr val="FD4901"/>
+              </a:buClr>
+              <a:buFont typeface="Arial" panose="020B0604020202020204" pitchFamily="34" charset="0"/>
+              <a:buChar char="•"/>
+            </a:pPr>
+            <a:r>
+              <a:rPr lang="fr-CA" dirty="0" smtClean="0"/>
+              <a:t>Niveaux de tensions</a:t>
+            </a:r>
+            <a:endParaRPr lang="fr-CA" dirty="0"/>
+          </a:p>
+        </p:txBody>
+      </p:sp>
+    </p:spTree>
+    <p:extLst>
+      <p:ext uri="{BB962C8B-B14F-4D97-AF65-F5344CB8AC3E}">
+        <p14:creationId xmlns:p14="http://schemas.microsoft.com/office/powerpoint/2010/main" val="3783753933"/>
+      </p:ext>
+    </p:extLst>
+  </p:cSld>
+  <p:clrMapOvr>
+    <a:masterClrMapping/>
+  </p:clrMapOvr>
+  <mc:AlternateContent xmlns:mc="http://schemas.openxmlformats.org/markup-compatibility/2006" xmlns:p14="http://schemas.microsoft.com/office/powerpoint/2010/main">
+    <mc:Choice Requires="p14">
+      <p:transition p14:dur="100">
+        <p:dissolve/>
+      </p:transition>
+    </mc:Choice>
+    <mc:Fallback xmlns="">
+      <p:transition>
+        <p:dissolve/>
+      </p:transition>
+    </mc:Fallback>
+  </mc:AlternateContent>
+  <p:timing>
+    <p:tnLst>
+      <p:par>
+        <p:cTn id="1" dur="indefinite" restart="never" nodeType="tmRoot">
+          <p:childTnLst>
+            <p:seq concurrent="1" nextAc="seek">
+              <p:cTn id="2" dur="indefinite" nodeType="mainSeq">
+                <p:childTnLst>
+                  <p:par>
+                    <p:cTn id="3" fill="hold">
+                      <p:stCondLst>
+                        <p:cond delay="indefinite"/>
+                      </p:stCondLst>
+                      <p:childTnLst>
+                        <p:par>
+                          <p:cTn id="4" fill="hold">
+                            <p:stCondLst>
+                              <p:cond delay="0"/>
+                            </p:stCondLst>
+                            <p:childTnLst>
+                              <p:par>
+                                <p:cTn id="5" presetID="10" presetClass="entr" presetSubtype="0" fill="hold" grpId="0" nodeType="clickEffect">
+                                  <p:stCondLst>
+                                    <p:cond delay="0"/>
+                                  </p:stCondLst>
+                                  <p:childTnLst>
+                                    <p:set>
+                                      <p:cBhvr>
+                                        <p:cTn id="6" dur="1" fill="hold">
+                                          <p:stCondLst>
+                                            <p:cond delay="0"/>
+                                          </p:stCondLst>
+                                        </p:cTn>
+                                        <p:tgtEl>
+                                          <p:spTgt spid="3">
+                                            <p:txEl>
+                                              <p:pRg st="0" end="0"/>
+                                            </p:txEl>
+                                          </p:spTgt>
+                                        </p:tgtEl>
+                                        <p:attrNameLst>
+                                          <p:attrName>style.visibility</p:attrName>
+                                        </p:attrNameLst>
+                                      </p:cBhvr>
+                                      <p:to>
+                                        <p:strVal val="visible"/>
+                                      </p:to>
+                                    </p:set>
+                                    <p:animEffect transition="in" filter="fade">
+                                      <p:cBhvr>
+                                        <p:cTn id="7" dur="500"/>
+                                        <p:tgtEl>
+                                          <p:spTgt spid="3">
+                                            <p:txEl>
+                                              <p:pRg st="0" end="0"/>
+                                            </p:txEl>
+                                          </p:spTgt>
+                                        </p:tgtEl>
+                                      </p:cBhvr>
+                                    </p:animEffect>
+                                  </p:childTnLst>
+                                </p:cTn>
+                              </p:par>
+                            </p:childTnLst>
+                          </p:cTn>
+                        </p:par>
+                      </p:childTnLst>
+                    </p:cTn>
+                  </p:par>
+                  <p:par>
+                    <p:cTn id="8" fill="hold">
+                      <p:stCondLst>
+                        <p:cond delay="indefinite"/>
+                      </p:stCondLst>
+                      <p:childTnLst>
+                        <p:par>
+                          <p:cTn id="9" fill="hold">
+                            <p:stCondLst>
+                              <p:cond delay="0"/>
+                            </p:stCondLst>
+                            <p:childTnLst>
+                              <p:par>
+                                <p:cTn id="10" presetID="10" presetClass="entr" presetSubtype="0" fill="hold" grpId="0" nodeType="clickEffect">
+                                  <p:stCondLst>
+                                    <p:cond delay="0"/>
+                                  </p:stCondLst>
+                                  <p:childTnLst>
+                                    <p:set>
+                                      <p:cBhvr>
+                                        <p:cTn id="11" dur="1" fill="hold">
+                                          <p:stCondLst>
+                                            <p:cond delay="0"/>
+                                          </p:stCondLst>
+                                        </p:cTn>
+                                        <p:tgtEl>
+                                          <p:spTgt spid="3">
+                                            <p:txEl>
+                                              <p:pRg st="1" end="1"/>
+                                            </p:txEl>
+                                          </p:spTgt>
+                                        </p:tgtEl>
+                                        <p:attrNameLst>
+                                          <p:attrName>style.visibility</p:attrName>
+                                        </p:attrNameLst>
+                                      </p:cBhvr>
+                                      <p:to>
+                                        <p:strVal val="visible"/>
+                                      </p:to>
+                                    </p:set>
+                                    <p:animEffect transition="in" filter="fade">
+                                      <p:cBhvr>
+                                        <p:cTn id="12" dur="500"/>
+                                        <p:tgtEl>
+                                          <p:spTgt spid="3">
+                                            <p:txEl>
+                                              <p:pRg st="1" end="1"/>
+                                            </p:txEl>
+                                          </p:spTgt>
+                                        </p:tgtEl>
+                                      </p:cBhvr>
+                                    </p:animEffect>
+                                  </p:childTnLst>
+                                </p:cTn>
+                              </p:par>
+                            </p:childTnLst>
+                          </p:cTn>
+                        </p:par>
+                      </p:childTnLst>
+                    </p:cTn>
+                  </p:par>
+                  <p:par>
+                    <p:cTn id="13" fill="hold">
+                      <p:stCondLst>
+                        <p:cond delay="indefinite"/>
+                      </p:stCondLst>
+                      <p:childTnLst>
+                        <p:par>
+                          <p:cTn id="14" fill="hold">
+                            <p:stCondLst>
+                              <p:cond delay="0"/>
+                            </p:stCondLst>
+                            <p:childTnLst>
+                              <p:par>
+                                <p:cTn id="15" presetID="10" presetClass="entr" presetSubtype="0" fill="hold" grpId="0" nodeType="clickEffect">
+                                  <p:stCondLst>
+                                    <p:cond delay="0"/>
+                                  </p:stCondLst>
+                                  <p:childTnLst>
+                                    <p:set>
+                                      <p:cBhvr>
+                                        <p:cTn id="16" dur="1" fill="hold">
+                                          <p:stCondLst>
+                                            <p:cond delay="0"/>
+                                          </p:stCondLst>
+                                        </p:cTn>
+                                        <p:tgtEl>
+                                          <p:spTgt spid="3">
+                                            <p:txEl>
+                                              <p:pRg st="2" end="2"/>
+                                            </p:txEl>
+                                          </p:spTgt>
+                                        </p:tgtEl>
+                                        <p:attrNameLst>
+                                          <p:attrName>style.visibility</p:attrName>
+                                        </p:attrNameLst>
+                                      </p:cBhvr>
+                                      <p:to>
+                                        <p:strVal val="visible"/>
+                                      </p:to>
+                                    </p:set>
+                                    <p:animEffect transition="in" filter="fade">
+                                      <p:cBhvr>
+                                        <p:cTn id="17" dur="500"/>
+                                        <p:tgtEl>
+                                          <p:spTgt spid="3">
+                                            <p:txEl>
+                                              <p:pRg st="2" end="2"/>
+                                            </p:txEl>
+                                          </p:spTgt>
+                                        </p:tgtEl>
+                                      </p:cBhvr>
+                                    </p:animEffect>
+                                  </p:childTnLst>
+                                </p:cTn>
+                              </p:par>
+                            </p:childTnLst>
+                          </p:cTn>
+                        </p:par>
+                      </p:childTnLst>
+                    </p:cTn>
+                  </p:par>
+                </p:childTnLst>
+              </p:cTn>
+              <p:prevCondLst>
+                <p:cond evt="onPrev" delay="0">
+                  <p:tgtEl>
+                    <p:sldTgt/>
+                  </p:tgtEl>
+                </p:cond>
+              </p:prevCondLst>
+              <p:nextCondLst>
+                <p:cond evt="onNext" delay="0">
+                  <p:tgtEl>
+                    <p:sldTgt/>
+                  </p:tgtEl>
+                </p:cond>
+              </p:nextCondLst>
+            </p:seq>
+          </p:childTnLst>
+        </p:cTn>
+      </p:par>
+    </p:tnLst>
+    <p:bldLst>
+      <p:bldP spid="3" grpId="0" build="p"/>
+    </p:bldLst>
+  </p:timing>
+</p:sld>
+</file>
+
+<file path=ppt/slides/slide7.xml><?xml version="1.0" encoding="utf-8"?>
+<p:sld xmlns:a="http://schemas.openxmlformats.org/drawingml/2006/main" xmlns:r="http://schemas.openxmlformats.org/officeDocument/2006/relationships" xmlns:p="http://schemas.openxmlformats.org/presentationml/2006/main">
+  <p:cSld>
+    <p:spTree>
+      <p:nvGrpSpPr>
+        <p:cNvPr id="1" name=""/>
+        <p:cNvGrpSpPr/>
+        <p:nvPr/>
+      </p:nvGrpSpPr>
+      <p:grpSpPr>
+        <a:xfrm>
+          <a:off x="0" y="0"/>
+          <a:ext cx="0" cy="0"/>
+          <a:chOff x="0" y="0"/>
+          <a:chExt cx="0" cy="0"/>
+        </a:xfrm>
+      </p:grpSpPr>
+      <p:sp>
+        <p:nvSpPr>
+          <p:cNvPr id="2" name="Titre 1"/>
+          <p:cNvSpPr>
+            <a:spLocks noGrp="1"/>
+          </p:cNvSpPr>
+          <p:nvPr>
+            <p:ph type="title"/>
+          </p:nvPr>
+        </p:nvSpPr>
+        <p:spPr/>
+        <p:txBody>
+          <a:bodyPr/>
+          <a:lstStyle/>
+          <a:p>
+            <a:r>
+              <a:rPr lang="fr-CA" dirty="0" err="1" smtClean="0"/>
+              <a:t>DEFIS</a:t>
+            </a:r>
+            <a:endParaRPr lang="fr-CA" dirty="0"/>
+          </a:p>
+        </p:txBody>
+      </p:sp>
+      <p:sp>
+        <p:nvSpPr>
+          <p:cNvPr id="3" name="Espace réservé du contenu 2"/>
+          <p:cNvSpPr>
+            <a:spLocks noGrp="1"/>
+          </p:cNvSpPr>
+          <p:nvPr>
+            <p:ph idx="1"/>
+          </p:nvPr>
+        </p:nvSpPr>
+        <p:spPr/>
+        <p:txBody>
+          <a:bodyPr/>
+          <a:lstStyle/>
+          <a:p>
+            <a:pPr>
+              <a:buClr>
+                <a:srgbClr val="FD4901"/>
+              </a:buClr>
+              <a:buFont typeface="Arial" panose="020B0604020202020204" pitchFamily="34" charset="0"/>
+              <a:buChar char="•"/>
+            </a:pPr>
+            <a:r>
+              <a:rPr lang="fr-CA" dirty="0" smtClean="0"/>
+              <a:t> </a:t>
+            </a:r>
+            <a:r>
+              <a:rPr lang="fr-CA" dirty="0" err="1" smtClean="0"/>
+              <a:t>FPGA</a:t>
+            </a:r>
+            <a:endParaRPr lang="fr-CA" dirty="0" smtClean="0"/>
+          </a:p>
+          <a:p>
+            <a:pPr>
+              <a:buClr>
+                <a:srgbClr val="FD4901"/>
+              </a:buClr>
+              <a:buFont typeface="Arial" panose="020B0604020202020204" pitchFamily="34" charset="0"/>
+              <a:buChar char="•"/>
+            </a:pPr>
+            <a:r>
+              <a:rPr lang="fr-CA" dirty="0" smtClean="0"/>
+              <a:t> </a:t>
+            </a:r>
+            <a:r>
+              <a:rPr lang="fr-CA" dirty="0" err="1" smtClean="0"/>
+              <a:t>VHDL</a:t>
+            </a:r>
+            <a:endParaRPr lang="fr-CA" dirty="0" smtClean="0"/>
+          </a:p>
+          <a:p>
+            <a:pPr>
+              <a:buClr>
+                <a:srgbClr val="FD4901"/>
+              </a:buClr>
+              <a:buFont typeface="Arial" panose="020B0604020202020204" pitchFamily="34" charset="0"/>
+              <a:buChar char="•"/>
+            </a:pPr>
+            <a:r>
+              <a:rPr lang="fr-CA" dirty="0" smtClean="0"/>
+              <a:t> Carte 4 couches</a:t>
+            </a:r>
+          </a:p>
+          <a:p>
+            <a:pPr>
+              <a:buClr>
+                <a:srgbClr val="FD4901"/>
+              </a:buClr>
+              <a:buFont typeface="Arial" panose="020B0604020202020204" pitchFamily="34" charset="0"/>
+              <a:buChar char="•"/>
+            </a:pPr>
+            <a:r>
+              <a:rPr lang="fr-CA" dirty="0" smtClean="0"/>
+              <a:t> Manque d’outils de </a:t>
+            </a:r>
+            <a:r>
+              <a:rPr lang="fr-CA" dirty="0" err="1" smtClean="0"/>
+              <a:t>debug</a:t>
+            </a:r>
+            <a:endParaRPr lang="fr-CA" dirty="0" smtClean="0"/>
+          </a:p>
+          <a:p>
+            <a:pPr>
+              <a:buClr>
+                <a:srgbClr val="FD4901"/>
+              </a:buClr>
+              <a:buFont typeface="Arial" panose="020B0604020202020204" pitchFamily="34" charset="0"/>
+              <a:buChar char="•"/>
+            </a:pPr>
+            <a:r>
+              <a:rPr lang="fr-CA" dirty="0" smtClean="0"/>
+              <a:t> Conformité </a:t>
+            </a:r>
+            <a:r>
+              <a:rPr lang="fr-CA" dirty="0" err="1" smtClean="0"/>
+              <a:t>MISRA</a:t>
+            </a:r>
+            <a:r>
+              <a:rPr lang="fr-CA" dirty="0" smtClean="0"/>
+              <a:t>-C</a:t>
+            </a:r>
+          </a:p>
+          <a:p>
+            <a:pPr>
+              <a:buClr>
+                <a:srgbClr val="FD4901"/>
+              </a:buClr>
+              <a:buFont typeface="Arial" panose="020B0604020202020204" pitchFamily="34" charset="0"/>
+              <a:buChar char="•"/>
+            </a:pPr>
+            <a:r>
+              <a:rPr lang="fr-CA" dirty="0" smtClean="0"/>
+              <a:t> Traitement d’images</a:t>
+            </a:r>
+          </a:p>
+          <a:p>
+            <a:pPr>
+              <a:buClr>
+                <a:srgbClr val="FD4901"/>
+              </a:buClr>
+              <a:buFont typeface="Arial" panose="020B0604020202020204" pitchFamily="34" charset="0"/>
+              <a:buChar char="•"/>
+            </a:pPr>
+            <a:r>
+              <a:rPr lang="fr-CA" dirty="0" smtClean="0"/>
+              <a:t> Peu / trop de documentation</a:t>
+            </a:r>
+          </a:p>
+          <a:p>
+            <a:pPr>
+              <a:buClr>
+                <a:srgbClr val="FD4901"/>
+              </a:buClr>
+              <a:buFont typeface="Arial" panose="020B0604020202020204" pitchFamily="34" charset="0"/>
+              <a:buChar char="•"/>
+            </a:pPr>
+            <a:r>
+              <a:rPr lang="fr-CA" dirty="0"/>
+              <a:t> </a:t>
+            </a:r>
+            <a:r>
+              <a:rPr lang="fr-CA" dirty="0" smtClean="0"/>
+              <a:t>Nombreux niveaux de tension</a:t>
+            </a:r>
+            <a:endParaRPr lang="fr-CA" dirty="0"/>
+          </a:p>
+        </p:txBody>
+      </p:sp>
+      <p:pic>
+        <p:nvPicPr>
+          <p:cNvPr id="2050" name="Picture 2" descr="Image result for Xilinx spartan 3"/>
+          <p:cNvPicPr>
+            <a:picLocks noChangeAspect="1" noChangeArrowheads="1"/>
+          </p:cNvPicPr>
+          <p:nvPr/>
+        </p:nvPicPr>
+        <p:blipFill>
+          <a:blip r:embed="rId2">
+            <a:extLst>
+              <a:ext uri="{28A0092B-C50C-407E-A947-70E740481C1C}">
+                <a14:useLocalDpi xmlns:a14="http://schemas.microsoft.com/office/drawing/2010/main" val="0"/>
+              </a:ext>
+            </a:extLst>
+          </a:blip>
+          <a:srcRect/>
+          <a:stretch>
+            <a:fillRect/>
+          </a:stretch>
+        </p:blipFill>
+        <p:spPr bwMode="auto">
+          <a:xfrm>
+            <a:off x="6126480" y="1845734"/>
+            <a:ext cx="4229100" cy="3314700"/>
+          </a:xfrm>
+          <a:prstGeom prst="rect">
+            <a:avLst/>
+          </a:prstGeom>
+          <a:noFill/>
+          <a:extLst>
+            <a:ext uri="{909E8E84-426E-40DD-AFC4-6F175D3DCCD1}">
+              <a14:hiddenFill xmlns:a14="http://schemas.microsoft.com/office/drawing/2010/main">
+                <a:solidFill>
+                  <a:srgbClr val="FFFFFF"/>
+                </a:solidFill>
+              </a14:hiddenFill>
+            </a:ext>
+          </a:extLst>
+        </p:spPr>
+      </p:pic>
+      <p:sp>
+        <p:nvSpPr>
+          <p:cNvPr id="5" name="ZoneTexte 4"/>
+          <p:cNvSpPr txBox="1"/>
+          <p:nvPr/>
+        </p:nvSpPr>
+        <p:spPr>
+          <a:xfrm>
+            <a:off x="4648200" y="6953250"/>
+            <a:ext cx="7543800" cy="47182147"/>
+          </a:xfrm>
+          <a:prstGeom prst="rect">
+            <a:avLst/>
+          </a:prstGeom>
+          <a:noFill/>
+        </p:spPr>
+        <p:txBody>
+          <a:bodyPr wrap="square" rtlCol="0">
+            <a:spAutoFit/>
+          </a:bodyPr>
+          <a:lstStyle/>
+          <a:p>
+            <a:r>
+              <a:rPr lang="fr-CA" dirty="0"/>
+              <a:t>architecture </a:t>
+            </a:r>
+            <a:r>
+              <a:rPr lang="fr-CA" dirty="0" err="1"/>
+              <a:t>Behavioral</a:t>
+            </a:r>
+            <a:r>
+              <a:rPr lang="fr-CA" dirty="0"/>
+              <a:t> of GraphBit </a:t>
+            </a:r>
+            <a:r>
+              <a:rPr lang="fr-CA" dirty="0" err="1"/>
+              <a:t>is</a:t>
+            </a:r>
+            <a:endParaRPr lang="fr-CA" dirty="0"/>
+          </a:p>
+          <a:p>
+            <a:endParaRPr lang="fr-CA" dirty="0"/>
+          </a:p>
+          <a:p>
+            <a:r>
+              <a:rPr lang="fr-CA" dirty="0"/>
+              <a:t>COMPONENT </a:t>
+            </a:r>
+            <a:r>
+              <a:rPr lang="fr-CA" dirty="0" err="1"/>
+              <a:t>PARALLELE</a:t>
+            </a:r>
+            <a:endParaRPr lang="fr-CA" dirty="0"/>
+          </a:p>
+          <a:p>
+            <a:r>
+              <a:rPr lang="fr-CA" dirty="0"/>
+              <a:t>	PORT(</a:t>
+            </a:r>
+          </a:p>
+          <a:p>
+            <a:r>
+              <a:rPr lang="fr-CA" dirty="0"/>
+              <a:t>		</a:t>
+            </a:r>
+            <a:r>
+              <a:rPr lang="fr-CA" dirty="0" err="1"/>
+              <a:t>CLK</a:t>
+            </a:r>
+            <a:r>
+              <a:rPr lang="fr-CA" dirty="0"/>
+              <a:t> : IN </a:t>
+            </a:r>
+            <a:r>
+              <a:rPr lang="fr-CA" dirty="0" err="1"/>
+              <a:t>std_logic</a:t>
+            </a:r>
+            <a:r>
+              <a:rPr lang="fr-CA" dirty="0"/>
+              <a:t>;</a:t>
+            </a:r>
+          </a:p>
+          <a:p>
+            <a:r>
+              <a:rPr lang="fr-CA" dirty="0"/>
+              <a:t>		A0 : IN </a:t>
+            </a:r>
+            <a:r>
+              <a:rPr lang="fr-CA" dirty="0" err="1"/>
+              <a:t>std_logic</a:t>
+            </a:r>
+            <a:r>
+              <a:rPr lang="fr-CA" dirty="0"/>
+              <a:t>;</a:t>
+            </a:r>
+          </a:p>
+          <a:p>
+            <a:r>
+              <a:rPr lang="fr-CA" dirty="0"/>
+              <a:t>		</a:t>
+            </a:r>
+            <a:r>
+              <a:rPr lang="fr-CA" dirty="0" err="1"/>
+              <a:t>DATA_FROM_CPU</a:t>
+            </a:r>
+            <a:r>
+              <a:rPr lang="fr-CA" dirty="0"/>
+              <a:t> : IN </a:t>
+            </a:r>
+            <a:r>
+              <a:rPr lang="fr-CA" dirty="0" err="1"/>
+              <a:t>std_logic_vector</a:t>
+            </a:r>
+            <a:r>
+              <a:rPr lang="fr-CA" dirty="0"/>
+              <a:t>(7 </a:t>
+            </a:r>
+            <a:r>
+              <a:rPr lang="fr-CA" dirty="0" err="1"/>
+              <a:t>downto</a:t>
+            </a:r>
+            <a:r>
+              <a:rPr lang="fr-CA" dirty="0"/>
+              <a:t> 0);</a:t>
+            </a:r>
+          </a:p>
+          <a:p>
+            <a:r>
+              <a:rPr lang="fr-CA" dirty="0"/>
+              <a:t>		CS : IN </a:t>
+            </a:r>
+            <a:r>
+              <a:rPr lang="fr-CA" dirty="0" err="1"/>
+              <a:t>std_logic</a:t>
+            </a:r>
+            <a:r>
+              <a:rPr lang="fr-CA" dirty="0"/>
+              <a:t>;          </a:t>
+            </a:r>
+          </a:p>
+          <a:p>
+            <a:r>
+              <a:rPr lang="fr-CA" dirty="0"/>
+              <a:t>		A0_OUT : OUT </a:t>
+            </a:r>
+            <a:r>
+              <a:rPr lang="fr-CA" dirty="0" err="1"/>
+              <a:t>std_logic</a:t>
+            </a:r>
+            <a:r>
+              <a:rPr lang="fr-CA" dirty="0"/>
+              <a:t>;</a:t>
+            </a:r>
+          </a:p>
+          <a:p>
+            <a:r>
+              <a:rPr lang="fr-CA" dirty="0"/>
+              <a:t>		</a:t>
+            </a:r>
+            <a:r>
+              <a:rPr lang="fr-CA" dirty="0" err="1"/>
+              <a:t>DATA_PARALLELE</a:t>
+            </a:r>
+            <a:r>
+              <a:rPr lang="fr-CA" dirty="0"/>
+              <a:t> : OUT </a:t>
+            </a:r>
+            <a:r>
+              <a:rPr lang="fr-CA" dirty="0" err="1"/>
+              <a:t>std_logic_vector</a:t>
+            </a:r>
+            <a:r>
+              <a:rPr lang="fr-CA" dirty="0"/>
+              <a:t>(7 </a:t>
+            </a:r>
+            <a:r>
+              <a:rPr lang="fr-CA" dirty="0" err="1"/>
+              <a:t>downto</a:t>
+            </a:r>
+            <a:r>
+              <a:rPr lang="fr-CA" dirty="0"/>
+              <a:t> 0);</a:t>
+            </a:r>
+          </a:p>
+          <a:p>
+            <a:r>
+              <a:rPr lang="fr-CA" dirty="0"/>
+              <a:t>		</a:t>
+            </a:r>
+            <a:r>
+              <a:rPr lang="fr-CA" dirty="0" err="1"/>
+              <a:t>FLAG_PARALLELE</a:t>
+            </a:r>
+            <a:r>
+              <a:rPr lang="fr-CA" dirty="0"/>
+              <a:t> : OUT </a:t>
+            </a:r>
+            <a:r>
+              <a:rPr lang="fr-CA" dirty="0" err="1"/>
+              <a:t>std_logic</a:t>
+            </a:r>
+            <a:endParaRPr lang="fr-CA" dirty="0"/>
+          </a:p>
+          <a:p>
+            <a:r>
+              <a:rPr lang="fr-CA" dirty="0"/>
+              <a:t>		);</a:t>
+            </a:r>
+          </a:p>
+          <a:p>
+            <a:r>
+              <a:rPr lang="fr-CA" dirty="0"/>
+              <a:t>	END COMPONENT;</a:t>
+            </a:r>
+          </a:p>
+          <a:p>
+            <a:r>
+              <a:rPr lang="fr-CA" dirty="0"/>
+              <a:t>	</a:t>
+            </a:r>
+          </a:p>
+          <a:p>
+            <a:r>
+              <a:rPr lang="fr-CA" dirty="0"/>
+              <a:t>COMPONENT </a:t>
+            </a:r>
+            <a:r>
+              <a:rPr lang="fr-CA" dirty="0" err="1"/>
+              <a:t>NEW_UART_RX</a:t>
+            </a:r>
+            <a:endParaRPr lang="fr-CA" dirty="0"/>
+          </a:p>
+          <a:p>
+            <a:r>
+              <a:rPr lang="fr-CA" dirty="0"/>
+              <a:t>	PORT(</a:t>
+            </a:r>
+          </a:p>
+          <a:p>
+            <a:r>
+              <a:rPr lang="fr-CA" dirty="0"/>
+              <a:t>		</a:t>
+            </a:r>
+            <a:r>
+              <a:rPr lang="fr-CA" dirty="0" err="1"/>
+              <a:t>RxD</a:t>
+            </a:r>
+            <a:r>
+              <a:rPr lang="fr-CA" dirty="0"/>
+              <a:t> : IN </a:t>
+            </a:r>
+            <a:r>
+              <a:rPr lang="fr-CA" dirty="0" err="1"/>
+              <a:t>std_logic</a:t>
+            </a:r>
+            <a:r>
+              <a:rPr lang="fr-CA" dirty="0"/>
+              <a:t>;</a:t>
+            </a:r>
+          </a:p>
+          <a:p>
+            <a:r>
+              <a:rPr lang="fr-CA" dirty="0"/>
+              <a:t>		</a:t>
+            </a:r>
+            <a:r>
+              <a:rPr lang="fr-CA" dirty="0" err="1"/>
+              <a:t>mclk</a:t>
+            </a:r>
+            <a:r>
+              <a:rPr lang="fr-CA" dirty="0"/>
+              <a:t> : IN </a:t>
+            </a:r>
+            <a:r>
+              <a:rPr lang="fr-CA" dirty="0" err="1"/>
+              <a:t>std_logic</a:t>
+            </a:r>
+            <a:r>
+              <a:rPr lang="fr-CA" dirty="0"/>
+              <a:t>;          </a:t>
+            </a:r>
+          </a:p>
+          <a:p>
+            <a:r>
+              <a:rPr lang="fr-CA" dirty="0"/>
+              <a:t>		</a:t>
+            </a:r>
+            <a:r>
+              <a:rPr lang="fr-CA" dirty="0" err="1"/>
+              <a:t>rdrf</a:t>
+            </a:r>
+            <a:r>
+              <a:rPr lang="fr-CA" dirty="0"/>
+              <a:t> : OUT </a:t>
+            </a:r>
+            <a:r>
+              <a:rPr lang="fr-CA" dirty="0" err="1"/>
+              <a:t>std_logic</a:t>
+            </a:r>
+            <a:r>
+              <a:rPr lang="fr-CA" dirty="0"/>
+              <a:t>;</a:t>
+            </a:r>
+          </a:p>
+          <a:p>
+            <a:r>
+              <a:rPr lang="fr-CA" dirty="0"/>
+              <a:t>		</a:t>
+            </a:r>
+            <a:r>
+              <a:rPr lang="fr-CA" dirty="0" err="1"/>
+              <a:t>rx_data</a:t>
+            </a:r>
+            <a:r>
+              <a:rPr lang="fr-CA" dirty="0"/>
+              <a:t> : OUT </a:t>
+            </a:r>
+            <a:r>
+              <a:rPr lang="fr-CA" dirty="0" err="1"/>
+              <a:t>std_logic_vector</a:t>
+            </a:r>
+            <a:r>
+              <a:rPr lang="fr-CA" dirty="0"/>
+              <a:t>(7 </a:t>
+            </a:r>
+            <a:r>
+              <a:rPr lang="fr-CA" dirty="0" err="1"/>
+              <a:t>downto</a:t>
+            </a:r>
+            <a:r>
+              <a:rPr lang="fr-CA" dirty="0"/>
+              <a:t> 0)</a:t>
+            </a:r>
+          </a:p>
+          <a:p>
+            <a:r>
+              <a:rPr lang="fr-CA" dirty="0"/>
+              <a:t>		);</a:t>
+            </a:r>
+          </a:p>
+          <a:p>
+            <a:r>
+              <a:rPr lang="fr-CA" dirty="0"/>
+              <a:t>	END COMPONENT;</a:t>
+            </a:r>
+          </a:p>
+          <a:p>
+            <a:r>
+              <a:rPr lang="fr-CA" dirty="0"/>
+              <a:t>	</a:t>
+            </a:r>
+          </a:p>
+          <a:p>
+            <a:r>
+              <a:rPr lang="fr-CA" dirty="0"/>
+              <a:t>COMPONENT </a:t>
+            </a:r>
+            <a:r>
+              <a:rPr lang="fr-CA" dirty="0" err="1"/>
+              <a:t>Mux_Comm</a:t>
+            </a:r>
+            <a:endParaRPr lang="fr-CA" dirty="0"/>
+          </a:p>
+          <a:p>
+            <a:r>
+              <a:rPr lang="fr-CA" dirty="0"/>
+              <a:t>	PORT(</a:t>
+            </a:r>
+          </a:p>
+          <a:p>
+            <a:r>
+              <a:rPr lang="fr-CA" dirty="0"/>
+              <a:t>		</a:t>
+            </a:r>
+            <a:r>
+              <a:rPr lang="fr-CA" dirty="0" err="1"/>
+              <a:t>DATA_PARALLELE</a:t>
+            </a:r>
+            <a:r>
+              <a:rPr lang="fr-CA" dirty="0"/>
+              <a:t> : IN </a:t>
+            </a:r>
+            <a:r>
+              <a:rPr lang="fr-CA" dirty="0" err="1"/>
+              <a:t>std_logic_vector</a:t>
+            </a:r>
+            <a:r>
+              <a:rPr lang="fr-CA" dirty="0"/>
+              <a:t>(7 </a:t>
+            </a:r>
+            <a:r>
+              <a:rPr lang="fr-CA" dirty="0" err="1"/>
+              <a:t>downto</a:t>
+            </a:r>
+            <a:r>
+              <a:rPr lang="fr-CA" dirty="0"/>
+              <a:t> 0);</a:t>
+            </a:r>
+          </a:p>
+          <a:p>
+            <a:r>
+              <a:rPr lang="fr-CA" dirty="0"/>
+              <a:t>		</a:t>
+            </a:r>
+            <a:r>
+              <a:rPr lang="fr-CA" dirty="0" err="1"/>
+              <a:t>DATA_UART</a:t>
+            </a:r>
+            <a:r>
+              <a:rPr lang="fr-CA" dirty="0"/>
+              <a:t> : IN </a:t>
+            </a:r>
+            <a:r>
+              <a:rPr lang="fr-CA" dirty="0" err="1"/>
+              <a:t>std_logic_vector</a:t>
+            </a:r>
+            <a:r>
+              <a:rPr lang="fr-CA" dirty="0"/>
+              <a:t>(7 </a:t>
+            </a:r>
+            <a:r>
+              <a:rPr lang="fr-CA" dirty="0" err="1"/>
+              <a:t>downto</a:t>
+            </a:r>
+            <a:r>
+              <a:rPr lang="fr-CA" dirty="0"/>
+              <a:t> 0);</a:t>
+            </a:r>
+          </a:p>
+          <a:p>
+            <a:r>
+              <a:rPr lang="fr-CA" dirty="0"/>
+              <a:t>		</a:t>
+            </a:r>
+            <a:r>
+              <a:rPr lang="fr-CA" dirty="0" err="1"/>
+              <a:t>CLK</a:t>
+            </a:r>
+            <a:r>
+              <a:rPr lang="fr-CA" dirty="0"/>
+              <a:t> : IN </a:t>
+            </a:r>
+            <a:r>
+              <a:rPr lang="fr-CA" dirty="0" err="1"/>
+              <a:t>std_logic</a:t>
+            </a:r>
+            <a:r>
+              <a:rPr lang="fr-CA" dirty="0"/>
+              <a:t>;          </a:t>
+            </a:r>
+          </a:p>
+          <a:p>
+            <a:r>
+              <a:rPr lang="fr-CA" dirty="0"/>
+              <a:t>		</a:t>
+            </a:r>
+            <a:r>
+              <a:rPr lang="fr-CA" dirty="0" err="1"/>
+              <a:t>FLAG_PARALLELE</a:t>
+            </a:r>
+            <a:r>
+              <a:rPr lang="fr-CA" dirty="0"/>
+              <a:t> : IN </a:t>
+            </a:r>
+            <a:r>
+              <a:rPr lang="fr-CA" dirty="0" err="1"/>
+              <a:t>std_logic</a:t>
+            </a:r>
+            <a:r>
+              <a:rPr lang="fr-CA" dirty="0"/>
+              <a:t>;</a:t>
+            </a:r>
+          </a:p>
+          <a:p>
+            <a:r>
+              <a:rPr lang="fr-CA" dirty="0"/>
+              <a:t>		</a:t>
+            </a:r>
+            <a:r>
+              <a:rPr lang="fr-CA" dirty="0" err="1"/>
+              <a:t>FLAG_UART</a:t>
+            </a:r>
+            <a:r>
+              <a:rPr lang="fr-CA" dirty="0"/>
+              <a:t> : IN </a:t>
+            </a:r>
+            <a:r>
+              <a:rPr lang="fr-CA" dirty="0" err="1"/>
+              <a:t>std_logic</a:t>
+            </a:r>
+            <a:r>
+              <a:rPr lang="fr-CA" dirty="0"/>
+              <a:t>;</a:t>
+            </a:r>
+          </a:p>
+          <a:p>
+            <a:r>
+              <a:rPr lang="fr-CA" dirty="0"/>
+              <a:t>		</a:t>
+            </a:r>
+            <a:r>
+              <a:rPr lang="fr-CA" dirty="0" err="1"/>
+              <a:t>FLAG_COM</a:t>
+            </a:r>
+            <a:r>
+              <a:rPr lang="fr-CA" dirty="0"/>
+              <a:t> : OUT </a:t>
+            </a:r>
+            <a:r>
+              <a:rPr lang="fr-CA" dirty="0" err="1"/>
+              <a:t>std_logic</a:t>
+            </a:r>
+            <a:r>
+              <a:rPr lang="fr-CA" dirty="0"/>
+              <a:t>;</a:t>
+            </a:r>
+          </a:p>
+          <a:p>
+            <a:r>
+              <a:rPr lang="fr-CA" dirty="0"/>
+              <a:t>		</a:t>
+            </a:r>
+            <a:r>
+              <a:rPr lang="fr-CA" dirty="0" err="1"/>
+              <a:t>DOUT</a:t>
+            </a:r>
+            <a:r>
+              <a:rPr lang="fr-CA" dirty="0"/>
+              <a:t> : OUT </a:t>
+            </a:r>
+            <a:r>
+              <a:rPr lang="fr-CA" dirty="0" err="1"/>
+              <a:t>std_logic_vector</a:t>
+            </a:r>
+            <a:r>
+              <a:rPr lang="fr-CA" dirty="0"/>
+              <a:t>(7 </a:t>
+            </a:r>
+            <a:r>
+              <a:rPr lang="fr-CA" dirty="0" err="1"/>
+              <a:t>downto</a:t>
+            </a:r>
+            <a:r>
+              <a:rPr lang="fr-CA" dirty="0"/>
+              <a:t> 0)</a:t>
+            </a:r>
+          </a:p>
+          <a:p>
+            <a:r>
+              <a:rPr lang="fr-CA" dirty="0"/>
+              <a:t>		);</a:t>
+            </a:r>
+          </a:p>
+          <a:p>
+            <a:r>
+              <a:rPr lang="fr-CA" dirty="0"/>
+              <a:t>	END COMPONENT;</a:t>
+            </a:r>
+          </a:p>
+          <a:p>
+            <a:endParaRPr lang="fr-CA" dirty="0"/>
+          </a:p>
+          <a:p>
+            <a:r>
+              <a:rPr lang="fr-CA" dirty="0"/>
+              <a:t>COMPONENT </a:t>
+            </a:r>
+            <a:r>
+              <a:rPr lang="fr-CA" dirty="0" err="1"/>
+              <a:t>New_Data_Ctrl</a:t>
+            </a:r>
+            <a:endParaRPr lang="fr-CA" dirty="0"/>
+          </a:p>
+          <a:p>
+            <a:r>
+              <a:rPr lang="fr-CA" dirty="0"/>
+              <a:t>	PORT(</a:t>
+            </a:r>
+          </a:p>
+          <a:p>
+            <a:r>
+              <a:rPr lang="fr-CA" dirty="0"/>
+              <a:t>		</a:t>
+            </a:r>
+            <a:r>
+              <a:rPr lang="fr-CA" dirty="0" err="1"/>
+              <a:t>CLK</a:t>
+            </a:r>
+            <a:r>
+              <a:rPr lang="fr-CA" dirty="0"/>
+              <a:t> : IN </a:t>
+            </a:r>
+            <a:r>
+              <a:rPr lang="fr-CA" dirty="0" err="1"/>
+              <a:t>std_logic</a:t>
+            </a:r>
+            <a:r>
+              <a:rPr lang="fr-CA" dirty="0"/>
+              <a:t>;</a:t>
+            </a:r>
+          </a:p>
+          <a:p>
+            <a:r>
+              <a:rPr lang="fr-CA" dirty="0"/>
+              <a:t>		</a:t>
+            </a:r>
+            <a:r>
+              <a:rPr lang="fr-CA" dirty="0" err="1"/>
+              <a:t>DINB</a:t>
+            </a:r>
+            <a:r>
+              <a:rPr lang="fr-CA" dirty="0"/>
+              <a:t> : IN </a:t>
+            </a:r>
+            <a:r>
+              <a:rPr lang="fr-CA" dirty="0" err="1"/>
+              <a:t>std_logic_vector</a:t>
+            </a:r>
+            <a:r>
+              <a:rPr lang="fr-CA" dirty="0"/>
+              <a:t>(7 </a:t>
+            </a:r>
+            <a:r>
+              <a:rPr lang="fr-CA" dirty="0" err="1"/>
+              <a:t>downto</a:t>
+            </a:r>
+            <a:r>
+              <a:rPr lang="fr-CA" dirty="0"/>
+              <a:t> 0);          </a:t>
+            </a:r>
+          </a:p>
+          <a:p>
+            <a:r>
+              <a:rPr lang="fr-CA" dirty="0"/>
+              <a:t>		DATA : IN </a:t>
+            </a:r>
+            <a:r>
+              <a:rPr lang="fr-CA" dirty="0" err="1"/>
+              <a:t>std_logic_vector</a:t>
+            </a:r>
+            <a:r>
+              <a:rPr lang="fr-CA" dirty="0"/>
+              <a:t>(7 </a:t>
+            </a:r>
+            <a:r>
+              <a:rPr lang="fr-CA" dirty="0" err="1"/>
+              <a:t>downto</a:t>
+            </a:r>
+            <a:r>
+              <a:rPr lang="fr-CA" dirty="0"/>
+              <a:t> 0);</a:t>
+            </a:r>
+          </a:p>
+          <a:p>
+            <a:r>
+              <a:rPr lang="fr-CA" dirty="0"/>
+              <a:t>		FLAG : IN </a:t>
+            </a:r>
+            <a:r>
+              <a:rPr lang="fr-CA" dirty="0" err="1"/>
+              <a:t>std_logic</a:t>
+            </a:r>
+            <a:r>
+              <a:rPr lang="fr-CA" dirty="0"/>
+              <a:t>;</a:t>
+            </a:r>
+          </a:p>
+          <a:p>
+            <a:r>
+              <a:rPr lang="fr-CA" dirty="0"/>
+              <a:t>		</a:t>
+            </a:r>
+            <a:r>
+              <a:rPr lang="fr-CA" dirty="0" err="1"/>
+              <a:t>CLKB</a:t>
+            </a:r>
+            <a:r>
+              <a:rPr lang="fr-CA" dirty="0"/>
+              <a:t> : OUT </a:t>
+            </a:r>
+            <a:r>
+              <a:rPr lang="fr-CA" dirty="0" err="1"/>
+              <a:t>std_logic</a:t>
+            </a:r>
+            <a:r>
+              <a:rPr lang="fr-CA" dirty="0"/>
+              <a:t>;</a:t>
+            </a:r>
+          </a:p>
+          <a:p>
+            <a:r>
+              <a:rPr lang="fr-CA" dirty="0"/>
+              <a:t>		</a:t>
+            </a:r>
+            <a:r>
+              <a:rPr lang="fr-CA" dirty="0" err="1"/>
+              <a:t>DATA_DP</a:t>
+            </a:r>
+            <a:r>
+              <a:rPr lang="fr-CA" dirty="0"/>
+              <a:t> : OUT </a:t>
+            </a:r>
+            <a:r>
+              <a:rPr lang="fr-CA" dirty="0" err="1"/>
+              <a:t>std_logic_vector</a:t>
+            </a:r>
+            <a:r>
+              <a:rPr lang="fr-CA" dirty="0"/>
+              <a:t>(7 </a:t>
+            </a:r>
+            <a:r>
+              <a:rPr lang="fr-CA" dirty="0" err="1"/>
+              <a:t>downto</a:t>
+            </a:r>
+            <a:r>
+              <a:rPr lang="fr-CA" dirty="0"/>
+              <a:t> 0);</a:t>
+            </a:r>
+          </a:p>
+          <a:p>
+            <a:r>
+              <a:rPr lang="fr-CA" dirty="0"/>
+              <a:t>		</a:t>
+            </a:r>
+            <a:r>
+              <a:rPr lang="fr-CA" dirty="0" err="1"/>
+              <a:t>MADDRB</a:t>
+            </a:r>
+            <a:r>
+              <a:rPr lang="fr-CA" dirty="0"/>
+              <a:t> : OUT </a:t>
+            </a:r>
+            <a:r>
+              <a:rPr lang="fr-CA" dirty="0" err="1"/>
+              <a:t>std_logic_vector</a:t>
+            </a:r>
+            <a:r>
+              <a:rPr lang="fr-CA" dirty="0"/>
+              <a:t>(12 </a:t>
+            </a:r>
+            <a:r>
+              <a:rPr lang="fr-CA" dirty="0" err="1"/>
+              <a:t>downto</a:t>
+            </a:r>
+            <a:r>
+              <a:rPr lang="fr-CA" dirty="0"/>
+              <a:t> 0);</a:t>
+            </a:r>
+          </a:p>
+          <a:p>
+            <a:r>
+              <a:rPr lang="fr-CA" dirty="0"/>
+              <a:t>		</a:t>
+            </a:r>
+            <a:r>
+              <a:rPr lang="fr-CA" dirty="0" err="1"/>
+              <a:t>MWEB</a:t>
+            </a:r>
+            <a:r>
+              <a:rPr lang="fr-CA" dirty="0"/>
+              <a:t> : OUT </a:t>
+            </a:r>
+            <a:r>
+              <a:rPr lang="fr-CA" dirty="0" err="1"/>
+              <a:t>std_logic</a:t>
+            </a:r>
+            <a:r>
+              <a:rPr lang="fr-CA" dirty="0"/>
+              <a:t>;</a:t>
+            </a:r>
+          </a:p>
+          <a:p>
+            <a:r>
+              <a:rPr lang="fr-CA" dirty="0"/>
+              <a:t>		</a:t>
+            </a:r>
+            <a:r>
+              <a:rPr lang="fr-CA" dirty="0" err="1"/>
+              <a:t>SUPP</a:t>
+            </a:r>
+            <a:r>
+              <a:rPr lang="fr-CA" dirty="0"/>
+              <a:t> : out </a:t>
+            </a:r>
+            <a:r>
+              <a:rPr lang="fr-CA" dirty="0" err="1"/>
+              <a:t>std_logic_vector</a:t>
+            </a:r>
+            <a:r>
+              <a:rPr lang="fr-CA" dirty="0"/>
+              <a:t>(3 </a:t>
+            </a:r>
+            <a:r>
+              <a:rPr lang="fr-CA" dirty="0" err="1"/>
+              <a:t>downto</a:t>
+            </a:r>
+            <a:r>
+              <a:rPr lang="fr-CA" dirty="0"/>
+              <a:t> 0)</a:t>
+            </a:r>
+          </a:p>
+          <a:p>
+            <a:r>
+              <a:rPr lang="fr-CA" dirty="0"/>
+              <a:t>		);</a:t>
+            </a:r>
+          </a:p>
+          <a:p>
+            <a:r>
+              <a:rPr lang="fr-CA" dirty="0"/>
+              <a:t>	END COMPONENT; </a:t>
+            </a:r>
+          </a:p>
+          <a:p>
+            <a:r>
+              <a:rPr lang="fr-CA" dirty="0"/>
+              <a:t>	</a:t>
+            </a:r>
+          </a:p>
+          <a:p>
+            <a:r>
+              <a:rPr lang="fr-CA" dirty="0"/>
+              <a:t>	COMPONENT </a:t>
+            </a:r>
+            <a:r>
+              <a:rPr lang="fr-CA" dirty="0" err="1"/>
+              <a:t>Timing_LCD</a:t>
+            </a:r>
+            <a:endParaRPr lang="fr-CA" dirty="0"/>
+          </a:p>
+          <a:p>
+            <a:r>
+              <a:rPr lang="fr-CA" dirty="0"/>
+              <a:t>	PORT(</a:t>
+            </a:r>
+          </a:p>
+          <a:p>
+            <a:r>
+              <a:rPr lang="fr-CA" dirty="0"/>
+              <a:t>		</a:t>
+            </a:r>
+            <a:r>
+              <a:rPr lang="fr-CA" dirty="0" err="1"/>
+              <a:t>CLK</a:t>
+            </a:r>
+            <a:r>
+              <a:rPr lang="fr-CA" dirty="0"/>
+              <a:t> : IN </a:t>
+            </a:r>
+            <a:r>
+              <a:rPr lang="fr-CA" dirty="0" err="1"/>
+              <a:t>std_logic</a:t>
+            </a:r>
+            <a:r>
+              <a:rPr lang="fr-CA" dirty="0"/>
+              <a:t>;          </a:t>
+            </a:r>
+          </a:p>
+          <a:p>
+            <a:r>
+              <a:rPr lang="fr-CA" dirty="0"/>
+              <a:t>		</a:t>
+            </a:r>
+            <a:r>
+              <a:rPr lang="fr-CA" dirty="0" err="1"/>
+              <a:t>LATCH</a:t>
+            </a:r>
+            <a:r>
+              <a:rPr lang="fr-CA" dirty="0"/>
+              <a:t> : BUFFER </a:t>
+            </a:r>
+            <a:r>
+              <a:rPr lang="fr-CA" dirty="0" err="1"/>
+              <a:t>std_logic</a:t>
+            </a:r>
+            <a:r>
+              <a:rPr lang="fr-CA" dirty="0"/>
+              <a:t>;</a:t>
+            </a:r>
+          </a:p>
+          <a:p>
+            <a:r>
+              <a:rPr lang="fr-CA" dirty="0"/>
+              <a:t>		SHIFT : BUFFER </a:t>
+            </a:r>
+            <a:r>
+              <a:rPr lang="fr-CA" dirty="0" err="1"/>
+              <a:t>std_logic</a:t>
+            </a:r>
+            <a:r>
+              <a:rPr lang="fr-CA" dirty="0"/>
+              <a:t>;</a:t>
+            </a:r>
+          </a:p>
+          <a:p>
+            <a:r>
+              <a:rPr lang="fr-CA" dirty="0"/>
+              <a:t>		</a:t>
+            </a:r>
+            <a:r>
+              <a:rPr lang="fr-CA" dirty="0" err="1"/>
+              <a:t>FRM</a:t>
+            </a:r>
+            <a:r>
+              <a:rPr lang="fr-CA" dirty="0"/>
+              <a:t> : OUT </a:t>
+            </a:r>
+            <a:r>
+              <a:rPr lang="fr-CA" dirty="0" err="1"/>
+              <a:t>std_logic</a:t>
+            </a:r>
+            <a:r>
+              <a:rPr lang="fr-CA" dirty="0"/>
+              <a:t>;</a:t>
+            </a:r>
+          </a:p>
+          <a:p>
+            <a:r>
+              <a:rPr lang="fr-CA" dirty="0"/>
+              <a:t>		</a:t>
+            </a:r>
+            <a:r>
+              <a:rPr lang="fr-CA" dirty="0" err="1"/>
+              <a:t>DF</a:t>
+            </a:r>
+            <a:r>
+              <a:rPr lang="fr-CA" dirty="0"/>
+              <a:t> : OUT </a:t>
+            </a:r>
+            <a:r>
+              <a:rPr lang="fr-CA" dirty="0" err="1"/>
+              <a:t>std_logic</a:t>
+            </a:r>
+            <a:r>
+              <a:rPr lang="fr-CA" dirty="0"/>
+              <a:t>;</a:t>
+            </a:r>
+          </a:p>
+          <a:p>
+            <a:r>
+              <a:rPr lang="fr-CA" dirty="0"/>
+              <a:t>		</a:t>
+            </a:r>
+            <a:r>
+              <a:rPr lang="fr-CA" dirty="0" err="1"/>
+              <a:t>DISPLAYOFF</a:t>
+            </a:r>
+            <a:r>
+              <a:rPr lang="fr-CA" dirty="0"/>
+              <a:t> : BUFFER </a:t>
+            </a:r>
+            <a:r>
+              <a:rPr lang="fr-CA" dirty="0" err="1"/>
+              <a:t>std_logic</a:t>
+            </a:r>
+            <a:r>
+              <a:rPr lang="fr-CA" dirty="0"/>
+              <a:t>;</a:t>
+            </a:r>
+          </a:p>
+          <a:p>
+            <a:r>
+              <a:rPr lang="fr-CA" dirty="0"/>
+              <a:t>		</a:t>
+            </a:r>
+            <a:r>
+              <a:rPr lang="fr-CA" dirty="0" err="1"/>
+              <a:t>VEE_ON</a:t>
+            </a:r>
+            <a:r>
+              <a:rPr lang="fr-CA" dirty="0"/>
+              <a:t> : BUFFER </a:t>
+            </a:r>
+            <a:r>
+              <a:rPr lang="fr-CA" dirty="0" err="1"/>
+              <a:t>std_logic</a:t>
+            </a:r>
+            <a:r>
+              <a:rPr lang="fr-CA" dirty="0"/>
+              <a:t>;</a:t>
+            </a:r>
+          </a:p>
+          <a:p>
+            <a:r>
+              <a:rPr lang="fr-CA" dirty="0"/>
+              <a:t>		</a:t>
+            </a:r>
+            <a:r>
+              <a:rPr lang="fr-CA" dirty="0" err="1"/>
+              <a:t>MADDRA</a:t>
+            </a:r>
+            <a:r>
+              <a:rPr lang="fr-CA" dirty="0"/>
+              <a:t> : BUFFER </a:t>
+            </a:r>
+            <a:r>
+              <a:rPr lang="fr-CA" dirty="0" err="1"/>
+              <a:t>std_logic_vector</a:t>
+            </a:r>
+            <a:r>
+              <a:rPr lang="fr-CA" dirty="0"/>
+              <a:t>(13 </a:t>
+            </a:r>
+            <a:r>
+              <a:rPr lang="fr-CA" dirty="0" err="1"/>
+              <a:t>downto</a:t>
+            </a:r>
+            <a:r>
+              <a:rPr lang="fr-CA" dirty="0"/>
+              <a:t> 0)</a:t>
+            </a:r>
+          </a:p>
+          <a:p>
+            <a:r>
+              <a:rPr lang="fr-CA" dirty="0"/>
+              <a:t>		);</a:t>
+            </a:r>
+          </a:p>
+          <a:p>
+            <a:r>
+              <a:rPr lang="fr-CA" dirty="0"/>
+              <a:t>	END COMPONENT;</a:t>
+            </a:r>
+          </a:p>
+          <a:p>
+            <a:r>
+              <a:rPr lang="fr-CA" dirty="0"/>
+              <a:t>	</a:t>
+            </a:r>
+          </a:p>
+          <a:p>
+            <a:r>
+              <a:rPr lang="fr-CA" dirty="0"/>
+              <a:t>	COMPONENT </a:t>
+            </a:r>
+            <a:r>
+              <a:rPr lang="fr-CA" dirty="0" err="1"/>
+              <a:t>DualPort</a:t>
+            </a:r>
+            <a:endParaRPr lang="fr-CA" dirty="0"/>
+          </a:p>
+          <a:p>
+            <a:r>
+              <a:rPr lang="fr-CA" dirty="0"/>
+              <a:t>	PORT(</a:t>
+            </a:r>
+          </a:p>
+          <a:p>
+            <a:r>
+              <a:rPr lang="fr-CA" dirty="0"/>
+              <a:t>		</a:t>
+            </a:r>
+            <a:r>
+              <a:rPr lang="fr-CA" dirty="0" err="1"/>
+              <a:t>CLK_Shift</a:t>
+            </a:r>
+            <a:r>
+              <a:rPr lang="fr-CA" dirty="0"/>
+              <a:t> : IN </a:t>
+            </a:r>
+            <a:r>
+              <a:rPr lang="fr-CA" dirty="0" err="1"/>
+              <a:t>std_logic</a:t>
+            </a:r>
+            <a:r>
+              <a:rPr lang="fr-CA" dirty="0"/>
+              <a:t>;</a:t>
+            </a:r>
+          </a:p>
+          <a:p>
+            <a:r>
+              <a:rPr lang="fr-CA" dirty="0"/>
+              <a:t>		</a:t>
+            </a:r>
+            <a:r>
+              <a:rPr lang="fr-CA" dirty="0" err="1"/>
+              <a:t>DATA_IN</a:t>
+            </a:r>
+            <a:r>
+              <a:rPr lang="fr-CA" dirty="0"/>
+              <a:t> : IN </a:t>
+            </a:r>
+            <a:r>
+              <a:rPr lang="fr-CA" dirty="0" err="1"/>
+              <a:t>std_logic_vector</a:t>
+            </a:r>
+            <a:r>
+              <a:rPr lang="fr-CA" dirty="0"/>
+              <a:t>(7 </a:t>
+            </a:r>
+            <a:r>
+              <a:rPr lang="fr-CA" dirty="0" err="1"/>
+              <a:t>downto</a:t>
+            </a:r>
+            <a:r>
+              <a:rPr lang="fr-CA" dirty="0"/>
+              <a:t> 0);</a:t>
+            </a:r>
+          </a:p>
+          <a:p>
+            <a:r>
+              <a:rPr lang="fr-CA" dirty="0"/>
+              <a:t>		</a:t>
+            </a:r>
+            <a:r>
+              <a:rPr lang="fr-CA" dirty="0" err="1"/>
+              <a:t>MWEB</a:t>
+            </a:r>
+            <a:r>
+              <a:rPr lang="fr-CA" dirty="0"/>
+              <a:t> : IN </a:t>
+            </a:r>
+            <a:r>
+              <a:rPr lang="fr-CA" dirty="0" err="1"/>
+              <a:t>std_logic</a:t>
+            </a:r>
+            <a:r>
+              <a:rPr lang="fr-CA" dirty="0"/>
+              <a:t>;</a:t>
+            </a:r>
+          </a:p>
+          <a:p>
+            <a:r>
+              <a:rPr lang="fr-CA" dirty="0"/>
+              <a:t>		</a:t>
+            </a:r>
+            <a:r>
+              <a:rPr lang="fr-CA" dirty="0" err="1"/>
+              <a:t>CLKB</a:t>
+            </a:r>
+            <a:r>
+              <a:rPr lang="fr-CA" dirty="0"/>
+              <a:t> : IN </a:t>
+            </a:r>
+            <a:r>
+              <a:rPr lang="fr-CA" dirty="0" err="1"/>
+              <a:t>std_logic</a:t>
+            </a:r>
+            <a:r>
+              <a:rPr lang="fr-CA" dirty="0"/>
+              <a:t>;</a:t>
+            </a:r>
+          </a:p>
+          <a:p>
+            <a:r>
+              <a:rPr lang="fr-CA" dirty="0"/>
+              <a:t>		</a:t>
+            </a:r>
+            <a:r>
+              <a:rPr lang="fr-CA" dirty="0" err="1"/>
+              <a:t>MADDRA</a:t>
+            </a:r>
+            <a:r>
+              <a:rPr lang="fr-CA" dirty="0"/>
+              <a:t> : IN </a:t>
+            </a:r>
+            <a:r>
+              <a:rPr lang="fr-CA" dirty="0" err="1"/>
+              <a:t>std_logic_vector</a:t>
+            </a:r>
+            <a:r>
+              <a:rPr lang="fr-CA" dirty="0"/>
+              <a:t>(13 </a:t>
+            </a:r>
+            <a:r>
+              <a:rPr lang="fr-CA" dirty="0" err="1"/>
+              <a:t>downto</a:t>
+            </a:r>
+            <a:r>
+              <a:rPr lang="fr-CA" dirty="0"/>
+              <a:t> 0);</a:t>
+            </a:r>
+          </a:p>
+          <a:p>
+            <a:r>
+              <a:rPr lang="fr-CA" dirty="0"/>
+              <a:t>		</a:t>
+            </a:r>
+            <a:r>
+              <a:rPr lang="fr-CA" dirty="0" err="1"/>
+              <a:t>MADDRB</a:t>
+            </a:r>
+            <a:r>
+              <a:rPr lang="fr-CA" dirty="0"/>
+              <a:t> : IN </a:t>
+            </a:r>
+            <a:r>
+              <a:rPr lang="fr-CA" dirty="0" err="1"/>
+              <a:t>std_logic_vector</a:t>
+            </a:r>
+            <a:r>
+              <a:rPr lang="fr-CA" dirty="0"/>
+              <a:t>(12 </a:t>
+            </a:r>
+            <a:r>
+              <a:rPr lang="fr-CA" dirty="0" err="1"/>
+              <a:t>downto</a:t>
+            </a:r>
+            <a:r>
+              <a:rPr lang="fr-CA" dirty="0"/>
+              <a:t> 0);          </a:t>
+            </a:r>
+          </a:p>
+          <a:p>
+            <a:r>
+              <a:rPr lang="fr-CA" dirty="0"/>
+              <a:t>		</a:t>
+            </a:r>
+            <a:r>
+              <a:rPr lang="fr-CA" dirty="0" err="1"/>
+              <a:t>DATA_OUT</a:t>
+            </a:r>
+            <a:r>
+              <a:rPr lang="fr-CA" dirty="0"/>
+              <a:t> : OUT </a:t>
+            </a:r>
+            <a:r>
+              <a:rPr lang="fr-CA" dirty="0" err="1"/>
+              <a:t>std_logic_vector</a:t>
+            </a:r>
+            <a:r>
+              <a:rPr lang="fr-CA" dirty="0"/>
+              <a:t>(3 </a:t>
+            </a:r>
+            <a:r>
+              <a:rPr lang="fr-CA" dirty="0" err="1"/>
+              <a:t>downto</a:t>
+            </a:r>
+            <a:r>
+              <a:rPr lang="fr-CA" dirty="0"/>
+              <a:t> 0);</a:t>
+            </a:r>
+          </a:p>
+          <a:p>
+            <a:r>
+              <a:rPr lang="fr-CA" dirty="0"/>
+              <a:t>		</a:t>
+            </a:r>
+            <a:r>
+              <a:rPr lang="fr-CA" dirty="0" err="1"/>
+              <a:t>DATA_READ</a:t>
+            </a:r>
+            <a:r>
+              <a:rPr lang="fr-CA" dirty="0"/>
+              <a:t> : OUT </a:t>
+            </a:r>
+            <a:r>
+              <a:rPr lang="fr-CA" dirty="0" err="1"/>
+              <a:t>std_logic_vector</a:t>
+            </a:r>
+            <a:r>
+              <a:rPr lang="fr-CA" dirty="0"/>
+              <a:t>(7 </a:t>
+            </a:r>
+            <a:r>
+              <a:rPr lang="fr-CA" dirty="0" err="1"/>
+              <a:t>downto</a:t>
+            </a:r>
+            <a:r>
+              <a:rPr lang="fr-CA" dirty="0"/>
+              <a:t> 0)</a:t>
+            </a:r>
+          </a:p>
+          <a:p>
+            <a:r>
+              <a:rPr lang="fr-CA" dirty="0"/>
+              <a:t>		);</a:t>
+            </a:r>
+          </a:p>
+          <a:p>
+            <a:r>
+              <a:rPr lang="fr-CA" dirty="0"/>
+              <a:t>	END COMPONENT;</a:t>
+            </a:r>
+          </a:p>
+          <a:p>
+            <a:endParaRPr lang="fr-CA" dirty="0"/>
+          </a:p>
+          <a:p>
+            <a:r>
+              <a:rPr lang="fr-CA" dirty="0"/>
+              <a:t>signal Flag : </a:t>
+            </a:r>
+            <a:r>
+              <a:rPr lang="fr-CA" dirty="0" err="1"/>
+              <a:t>STD_LOGIC</a:t>
+            </a:r>
+            <a:r>
+              <a:rPr lang="fr-CA" dirty="0"/>
+              <a:t>;</a:t>
+            </a:r>
+          </a:p>
+          <a:p>
+            <a:r>
+              <a:rPr lang="fr-CA" dirty="0"/>
+              <a:t>signal Data : </a:t>
+            </a:r>
+            <a:r>
+              <a:rPr lang="fr-CA" dirty="0" err="1"/>
+              <a:t>STD_LOGIC_VECTOR</a:t>
+            </a:r>
+            <a:r>
+              <a:rPr lang="fr-CA" dirty="0"/>
+              <a:t>(7 </a:t>
+            </a:r>
+            <a:r>
+              <a:rPr lang="fr-CA" dirty="0" err="1"/>
+              <a:t>downto</a:t>
+            </a:r>
+            <a:r>
+              <a:rPr lang="fr-CA" dirty="0"/>
+              <a:t> 0);</a:t>
+            </a:r>
+          </a:p>
+          <a:p>
+            <a:r>
+              <a:rPr lang="fr-CA" dirty="0"/>
+              <a:t>signal </a:t>
+            </a:r>
+            <a:r>
+              <a:rPr lang="fr-CA" dirty="0" err="1"/>
+              <a:t>Flag_Parallel</a:t>
+            </a:r>
+            <a:r>
+              <a:rPr lang="fr-CA" dirty="0"/>
+              <a:t> : </a:t>
+            </a:r>
+            <a:r>
+              <a:rPr lang="fr-CA" dirty="0" err="1"/>
+              <a:t>STD_LOGIC</a:t>
+            </a:r>
+            <a:r>
+              <a:rPr lang="fr-CA" dirty="0"/>
+              <a:t>;</a:t>
+            </a:r>
+          </a:p>
+          <a:p>
+            <a:r>
+              <a:rPr lang="fr-CA" dirty="0"/>
+              <a:t>signal </a:t>
+            </a:r>
+            <a:r>
+              <a:rPr lang="fr-CA" dirty="0" err="1"/>
+              <a:t>Data_Parallel</a:t>
+            </a:r>
+            <a:r>
+              <a:rPr lang="fr-CA" dirty="0"/>
+              <a:t> : </a:t>
+            </a:r>
+            <a:r>
+              <a:rPr lang="fr-CA" dirty="0" err="1"/>
+              <a:t>STD_LOGIC_VECTOR</a:t>
+            </a:r>
+            <a:r>
+              <a:rPr lang="fr-CA" dirty="0"/>
+              <a:t> (7 </a:t>
+            </a:r>
+            <a:r>
+              <a:rPr lang="fr-CA" dirty="0" err="1"/>
+              <a:t>downto</a:t>
+            </a:r>
+            <a:r>
+              <a:rPr lang="fr-CA" dirty="0"/>
+              <a:t> 0);</a:t>
+            </a:r>
+          </a:p>
+          <a:p>
+            <a:r>
+              <a:rPr lang="fr-CA" dirty="0"/>
+              <a:t>signal </a:t>
+            </a:r>
+            <a:r>
+              <a:rPr lang="fr-CA" dirty="0" err="1"/>
+              <a:t>Flag_UART</a:t>
+            </a:r>
+            <a:r>
+              <a:rPr lang="fr-CA" dirty="0"/>
+              <a:t> : </a:t>
+            </a:r>
+            <a:r>
+              <a:rPr lang="fr-CA" dirty="0" err="1"/>
+              <a:t>STD_LOGIC</a:t>
+            </a:r>
+            <a:r>
+              <a:rPr lang="fr-CA" dirty="0"/>
+              <a:t>;</a:t>
+            </a:r>
+          </a:p>
+          <a:p>
+            <a:r>
+              <a:rPr lang="fr-CA" dirty="0"/>
+              <a:t>signal </a:t>
+            </a:r>
+            <a:r>
+              <a:rPr lang="fr-CA" dirty="0" err="1"/>
+              <a:t>Data_UART</a:t>
+            </a:r>
+            <a:r>
+              <a:rPr lang="fr-CA" dirty="0"/>
+              <a:t> : </a:t>
+            </a:r>
+            <a:r>
+              <a:rPr lang="fr-CA" dirty="0" err="1"/>
+              <a:t>STD_LOGIC_VECTOR</a:t>
+            </a:r>
+            <a:r>
+              <a:rPr lang="fr-CA" dirty="0"/>
+              <a:t>(7 </a:t>
+            </a:r>
+            <a:r>
+              <a:rPr lang="fr-CA" dirty="0" err="1"/>
+              <a:t>downto</a:t>
+            </a:r>
+            <a:r>
+              <a:rPr lang="fr-CA" dirty="0"/>
+              <a:t> 0);</a:t>
+            </a:r>
+          </a:p>
+          <a:p>
+            <a:r>
+              <a:rPr lang="fr-CA" dirty="0"/>
+              <a:t>signal </a:t>
+            </a:r>
+            <a:r>
+              <a:rPr lang="fr-CA" dirty="0" err="1"/>
+              <a:t>DataOut_s</a:t>
+            </a:r>
+            <a:r>
+              <a:rPr lang="fr-CA" dirty="0"/>
+              <a:t> : </a:t>
+            </a:r>
+            <a:r>
+              <a:rPr lang="fr-CA" dirty="0" err="1"/>
+              <a:t>STD_LOGIC_VECTOR</a:t>
+            </a:r>
+            <a:r>
+              <a:rPr lang="fr-CA" dirty="0"/>
+              <a:t> (3 </a:t>
+            </a:r>
+            <a:r>
+              <a:rPr lang="fr-CA" dirty="0" err="1"/>
+              <a:t>downto</a:t>
+            </a:r>
+            <a:r>
+              <a:rPr lang="fr-CA" dirty="0"/>
+              <a:t> 0);</a:t>
+            </a:r>
+          </a:p>
+          <a:p>
+            <a:r>
+              <a:rPr lang="fr-CA" dirty="0"/>
+              <a:t>signal </a:t>
+            </a:r>
+            <a:r>
+              <a:rPr lang="fr-CA" dirty="0" err="1"/>
+              <a:t>Shift_s</a:t>
+            </a:r>
+            <a:r>
+              <a:rPr lang="fr-CA" dirty="0"/>
+              <a:t> : </a:t>
+            </a:r>
+            <a:r>
+              <a:rPr lang="fr-CA" dirty="0" err="1"/>
+              <a:t>STD_LOGIC</a:t>
+            </a:r>
+            <a:r>
+              <a:rPr lang="fr-CA" dirty="0"/>
+              <a:t>;</a:t>
+            </a:r>
+          </a:p>
+          <a:p>
+            <a:r>
+              <a:rPr lang="fr-CA" dirty="0"/>
+              <a:t>signal </a:t>
+            </a:r>
+            <a:r>
+              <a:rPr lang="fr-CA" dirty="0" err="1"/>
+              <a:t>Latch_s</a:t>
+            </a:r>
+            <a:r>
+              <a:rPr lang="fr-CA" dirty="0"/>
+              <a:t> : </a:t>
+            </a:r>
+            <a:r>
+              <a:rPr lang="fr-CA" dirty="0" err="1"/>
+              <a:t>STD_LOGIC</a:t>
+            </a:r>
+            <a:r>
+              <a:rPr lang="fr-CA" dirty="0"/>
+              <a:t>;</a:t>
+            </a:r>
+          </a:p>
+          <a:p>
+            <a:endParaRPr lang="fr-CA" dirty="0"/>
+          </a:p>
+          <a:p>
+            <a:r>
+              <a:rPr lang="fr-CA" dirty="0"/>
+              <a:t>signal </a:t>
+            </a:r>
+            <a:r>
+              <a:rPr lang="fr-CA" dirty="0" err="1"/>
+              <a:t>unconnectedDisplayOff_s</a:t>
+            </a:r>
+            <a:r>
+              <a:rPr lang="fr-CA" dirty="0"/>
+              <a:t> : </a:t>
+            </a:r>
+            <a:r>
+              <a:rPr lang="fr-CA" dirty="0" err="1"/>
+              <a:t>STD_LOGIC</a:t>
+            </a:r>
+            <a:r>
+              <a:rPr lang="fr-CA" dirty="0"/>
+              <a:t>;</a:t>
+            </a:r>
+          </a:p>
+          <a:p>
+            <a:r>
+              <a:rPr lang="fr-CA" dirty="0"/>
+              <a:t>signal </a:t>
+            </a:r>
+            <a:r>
+              <a:rPr lang="fr-CA" dirty="0" err="1"/>
+              <a:t>unconnectedVEEOn_s</a:t>
+            </a:r>
+            <a:r>
+              <a:rPr lang="fr-CA" dirty="0"/>
+              <a:t> : </a:t>
+            </a:r>
+            <a:r>
+              <a:rPr lang="fr-CA" dirty="0" err="1"/>
+              <a:t>STD_LOGIC</a:t>
+            </a:r>
+            <a:r>
+              <a:rPr lang="fr-CA" dirty="0"/>
+              <a:t>;		</a:t>
+            </a:r>
+          </a:p>
+          <a:p>
+            <a:r>
+              <a:rPr lang="fr-CA" dirty="0"/>
+              <a:t>signal unconnectedA0 : </a:t>
+            </a:r>
+            <a:r>
+              <a:rPr lang="fr-CA" dirty="0" err="1"/>
+              <a:t>STD_LOGIC</a:t>
+            </a:r>
+            <a:r>
+              <a:rPr lang="fr-CA" dirty="0"/>
+              <a:t>;</a:t>
+            </a:r>
+          </a:p>
+          <a:p>
+            <a:r>
+              <a:rPr lang="fr-CA" dirty="0"/>
+              <a:t>signal </a:t>
+            </a:r>
+            <a:r>
+              <a:rPr lang="fr-CA" dirty="0" err="1"/>
+              <a:t>unconnectedFlag</a:t>
+            </a:r>
+            <a:r>
+              <a:rPr lang="fr-CA" dirty="0"/>
+              <a:t> : </a:t>
+            </a:r>
+            <a:r>
+              <a:rPr lang="fr-CA" dirty="0" err="1"/>
+              <a:t>STD_LOGIC</a:t>
+            </a:r>
+            <a:r>
+              <a:rPr lang="fr-CA" dirty="0"/>
+              <a:t>;</a:t>
+            </a:r>
+          </a:p>
+          <a:p>
+            <a:endParaRPr lang="fr-CA" dirty="0"/>
+          </a:p>
+          <a:p>
+            <a:r>
+              <a:rPr lang="fr-CA" dirty="0"/>
+              <a:t>signal </a:t>
+            </a:r>
+            <a:r>
+              <a:rPr lang="fr-CA" dirty="0" err="1"/>
+              <a:t>DP_in_s</a:t>
+            </a:r>
+            <a:r>
+              <a:rPr lang="fr-CA" dirty="0"/>
+              <a:t> : </a:t>
+            </a:r>
+            <a:r>
+              <a:rPr lang="fr-CA" dirty="0" err="1"/>
+              <a:t>STD_LOGIC_VECTOR</a:t>
+            </a:r>
+            <a:r>
+              <a:rPr lang="fr-CA" dirty="0"/>
+              <a:t> (7 </a:t>
+            </a:r>
+            <a:r>
+              <a:rPr lang="fr-CA" dirty="0" err="1"/>
+              <a:t>downto</a:t>
+            </a:r>
+            <a:r>
+              <a:rPr lang="fr-CA" dirty="0"/>
+              <a:t> 0);</a:t>
+            </a:r>
+          </a:p>
+          <a:p>
+            <a:r>
+              <a:rPr lang="fr-CA" dirty="0"/>
+              <a:t>signal </a:t>
+            </a:r>
+            <a:r>
+              <a:rPr lang="fr-CA" dirty="0" err="1"/>
+              <a:t>DINB_s</a:t>
+            </a:r>
+            <a:r>
+              <a:rPr lang="fr-CA" dirty="0"/>
+              <a:t> : </a:t>
+            </a:r>
+            <a:r>
+              <a:rPr lang="fr-CA" dirty="0" err="1"/>
+              <a:t>STD_LOGIC_VECTOR</a:t>
+            </a:r>
+            <a:r>
+              <a:rPr lang="fr-CA" dirty="0"/>
+              <a:t> (7 </a:t>
+            </a:r>
+            <a:r>
+              <a:rPr lang="fr-CA" dirty="0" err="1"/>
+              <a:t>downto</a:t>
+            </a:r>
+            <a:r>
+              <a:rPr lang="fr-CA" dirty="0"/>
+              <a:t> 0);</a:t>
+            </a:r>
+          </a:p>
+          <a:p>
+            <a:r>
+              <a:rPr lang="fr-CA" dirty="0"/>
+              <a:t>signal </a:t>
+            </a:r>
+            <a:r>
+              <a:rPr lang="fr-CA" dirty="0" err="1"/>
+              <a:t>CLKB_s</a:t>
+            </a:r>
+            <a:r>
+              <a:rPr lang="fr-CA" dirty="0"/>
+              <a:t> : </a:t>
+            </a:r>
+            <a:r>
+              <a:rPr lang="fr-CA" dirty="0" err="1"/>
+              <a:t>STD_LOGIC</a:t>
+            </a:r>
+            <a:r>
+              <a:rPr lang="fr-CA" dirty="0"/>
+              <a:t>;</a:t>
+            </a:r>
+          </a:p>
+          <a:p>
+            <a:r>
+              <a:rPr lang="fr-CA" dirty="0"/>
+              <a:t>signal </a:t>
+            </a:r>
+            <a:r>
+              <a:rPr lang="fr-CA" dirty="0" err="1"/>
+              <a:t>MWEB_S</a:t>
+            </a:r>
+            <a:r>
+              <a:rPr lang="fr-CA" dirty="0"/>
+              <a:t> : </a:t>
+            </a:r>
+            <a:r>
+              <a:rPr lang="fr-CA" dirty="0" err="1"/>
+              <a:t>STD_LOGIC</a:t>
+            </a:r>
+            <a:r>
+              <a:rPr lang="fr-CA" dirty="0"/>
+              <a:t>;</a:t>
+            </a:r>
+          </a:p>
+          <a:p>
+            <a:r>
+              <a:rPr lang="fr-CA" dirty="0"/>
+              <a:t>signal </a:t>
+            </a:r>
+            <a:r>
+              <a:rPr lang="fr-CA" dirty="0" err="1"/>
+              <a:t>addra</a:t>
+            </a:r>
+            <a:r>
+              <a:rPr lang="fr-CA" dirty="0"/>
+              <a:t> : </a:t>
+            </a:r>
+            <a:r>
+              <a:rPr lang="fr-CA" dirty="0" err="1"/>
+              <a:t>STD_LOGIC_VECTOR</a:t>
+            </a:r>
+            <a:r>
+              <a:rPr lang="fr-CA" dirty="0"/>
+              <a:t> (13 </a:t>
+            </a:r>
+            <a:r>
+              <a:rPr lang="fr-CA" dirty="0" err="1"/>
+              <a:t>downto</a:t>
+            </a:r>
+            <a:r>
+              <a:rPr lang="fr-CA" dirty="0"/>
+              <a:t> 0); -- </a:t>
+            </a:r>
+            <a:r>
+              <a:rPr lang="fr-CA" dirty="0" err="1"/>
+              <a:t>addresse</a:t>
+            </a:r>
+            <a:r>
+              <a:rPr lang="fr-CA" dirty="0"/>
+              <a:t> du port A</a:t>
+            </a:r>
+          </a:p>
+          <a:p>
+            <a:r>
+              <a:rPr lang="fr-CA" dirty="0"/>
+              <a:t>signal </a:t>
+            </a:r>
+            <a:r>
+              <a:rPr lang="fr-CA" dirty="0" err="1"/>
+              <a:t>addrb</a:t>
+            </a:r>
+            <a:r>
+              <a:rPr lang="fr-CA" dirty="0"/>
+              <a:t> : </a:t>
+            </a:r>
+            <a:r>
+              <a:rPr lang="fr-CA" dirty="0" err="1"/>
+              <a:t>STD_LOGIC_VECTOR</a:t>
+            </a:r>
+            <a:r>
+              <a:rPr lang="fr-CA" dirty="0"/>
+              <a:t> (12 </a:t>
+            </a:r>
+            <a:r>
+              <a:rPr lang="fr-CA" dirty="0" err="1"/>
+              <a:t>downto</a:t>
+            </a:r>
+            <a:r>
+              <a:rPr lang="fr-CA" dirty="0"/>
+              <a:t> 0); -- </a:t>
+            </a:r>
+            <a:r>
+              <a:rPr lang="fr-CA" dirty="0" err="1"/>
+              <a:t>addresse</a:t>
+            </a:r>
+            <a:r>
+              <a:rPr lang="fr-CA" dirty="0"/>
+              <a:t> du port a</a:t>
+            </a:r>
+          </a:p>
+          <a:p>
+            <a:endParaRPr lang="fr-CA" dirty="0"/>
+          </a:p>
+          <a:p>
+            <a:r>
+              <a:rPr lang="fr-CA" dirty="0" err="1"/>
+              <a:t>begin</a:t>
+            </a:r>
+            <a:endParaRPr lang="fr-CA" dirty="0"/>
+          </a:p>
+          <a:p>
+            <a:r>
+              <a:rPr lang="fr-CA" dirty="0" err="1"/>
+              <a:t>DATA_OUT</a:t>
+            </a:r>
+            <a:r>
+              <a:rPr lang="fr-CA" dirty="0"/>
+              <a:t> &lt;= </a:t>
+            </a:r>
+            <a:r>
+              <a:rPr lang="fr-CA" dirty="0" err="1"/>
+              <a:t>DataOut_s</a:t>
+            </a:r>
+            <a:r>
+              <a:rPr lang="fr-CA" dirty="0"/>
+              <a:t>;</a:t>
+            </a:r>
+          </a:p>
+          <a:p>
+            <a:r>
+              <a:rPr lang="fr-CA" dirty="0"/>
+              <a:t>SHIFT &lt;= </a:t>
+            </a:r>
+            <a:r>
+              <a:rPr lang="fr-CA" dirty="0" err="1"/>
+              <a:t>Shift_s</a:t>
+            </a:r>
+            <a:r>
+              <a:rPr lang="fr-CA" dirty="0"/>
+              <a:t>;</a:t>
+            </a:r>
+          </a:p>
+          <a:p>
+            <a:r>
+              <a:rPr lang="fr-CA" dirty="0" err="1"/>
+              <a:t>LATCH</a:t>
+            </a:r>
+            <a:r>
+              <a:rPr lang="fr-CA" dirty="0"/>
+              <a:t> &lt;= </a:t>
+            </a:r>
+            <a:r>
+              <a:rPr lang="fr-CA" dirty="0" err="1"/>
+              <a:t>Latch_s</a:t>
+            </a:r>
+            <a:r>
+              <a:rPr lang="fr-CA" dirty="0"/>
+              <a:t>;</a:t>
+            </a:r>
+          </a:p>
+          <a:p>
+            <a:r>
+              <a:rPr lang="fr-CA" dirty="0" err="1"/>
+              <a:t>DISP</a:t>
+            </a:r>
+            <a:r>
+              <a:rPr lang="fr-CA" dirty="0"/>
+              <a:t> &lt;= '1';</a:t>
+            </a:r>
+          </a:p>
+          <a:p>
+            <a:r>
+              <a:rPr lang="fr-CA" dirty="0" err="1"/>
+              <a:t>SHDN</a:t>
+            </a:r>
+            <a:r>
+              <a:rPr lang="fr-CA" dirty="0"/>
+              <a:t> &lt;= '1';</a:t>
+            </a:r>
+          </a:p>
+          <a:p>
+            <a:endParaRPr lang="fr-CA" dirty="0"/>
+          </a:p>
+          <a:p>
+            <a:r>
+              <a:rPr lang="fr-CA" dirty="0" err="1"/>
+              <a:t>Inst_PARALLELE</a:t>
+            </a:r>
+            <a:r>
+              <a:rPr lang="fr-CA" dirty="0"/>
+              <a:t>: </a:t>
+            </a:r>
+            <a:r>
+              <a:rPr lang="fr-CA" dirty="0" err="1"/>
+              <a:t>PARALLELE</a:t>
+            </a:r>
+            <a:r>
+              <a:rPr lang="fr-CA" dirty="0"/>
+              <a:t> PORT </a:t>
+            </a:r>
+            <a:r>
+              <a:rPr lang="fr-CA" dirty="0" err="1"/>
+              <a:t>MAP</a:t>
+            </a:r>
+            <a:r>
+              <a:rPr lang="fr-CA" dirty="0"/>
+              <a:t>(</a:t>
+            </a:r>
+          </a:p>
+          <a:p>
+            <a:r>
+              <a:rPr lang="fr-CA" dirty="0"/>
+              <a:t>		</a:t>
+            </a:r>
+            <a:r>
+              <a:rPr lang="fr-CA" dirty="0" err="1"/>
+              <a:t>CLK</a:t>
+            </a:r>
+            <a:r>
+              <a:rPr lang="fr-CA" dirty="0"/>
+              <a:t> =&gt; </a:t>
+            </a:r>
+            <a:r>
+              <a:rPr lang="fr-CA" dirty="0" err="1"/>
+              <a:t>CLK</a:t>
+            </a:r>
+            <a:r>
+              <a:rPr lang="fr-CA" dirty="0"/>
+              <a:t>,</a:t>
+            </a:r>
+          </a:p>
+          <a:p>
+            <a:r>
+              <a:rPr lang="fr-CA" dirty="0"/>
+              <a:t>		A0 =&gt; '0',</a:t>
+            </a:r>
+          </a:p>
+          <a:p>
+            <a:r>
+              <a:rPr lang="fr-CA" dirty="0"/>
+              <a:t>		</a:t>
+            </a:r>
+            <a:r>
+              <a:rPr lang="fr-CA" dirty="0" err="1"/>
+              <a:t>DATA_FROM_CPU</a:t>
+            </a:r>
+            <a:r>
+              <a:rPr lang="fr-CA" dirty="0"/>
+              <a:t> =&gt; </a:t>
+            </a:r>
+            <a:r>
+              <a:rPr lang="fr-CA" dirty="0" err="1"/>
+              <a:t>DATA_FROM_CPU</a:t>
+            </a:r>
+            <a:r>
+              <a:rPr lang="fr-CA" dirty="0"/>
+              <a:t>,</a:t>
+            </a:r>
+          </a:p>
+          <a:p>
+            <a:r>
+              <a:rPr lang="fr-CA" dirty="0"/>
+              <a:t>		CS =&gt; </a:t>
+            </a:r>
+            <a:r>
+              <a:rPr lang="fr-CA" dirty="0" err="1"/>
+              <a:t>CS_CPU</a:t>
+            </a:r>
+            <a:r>
+              <a:rPr lang="fr-CA" dirty="0"/>
+              <a:t>,</a:t>
+            </a:r>
+          </a:p>
+          <a:p>
+            <a:r>
+              <a:rPr lang="fr-CA" dirty="0"/>
+              <a:t>		A0_OUT =&gt; unconnectedA0,</a:t>
+            </a:r>
+          </a:p>
+          <a:p>
+            <a:r>
+              <a:rPr lang="fr-CA" dirty="0"/>
+              <a:t>		</a:t>
+            </a:r>
+            <a:r>
+              <a:rPr lang="fr-CA" dirty="0" err="1"/>
+              <a:t>DATA_PARALLELE</a:t>
+            </a:r>
+            <a:r>
+              <a:rPr lang="fr-CA" dirty="0"/>
+              <a:t> =&gt; </a:t>
+            </a:r>
+            <a:r>
+              <a:rPr lang="fr-CA" dirty="0" err="1"/>
+              <a:t>Data_Parallel</a:t>
+            </a:r>
+            <a:r>
+              <a:rPr lang="fr-CA" dirty="0"/>
+              <a:t>,</a:t>
+            </a:r>
+          </a:p>
+          <a:p>
+            <a:r>
+              <a:rPr lang="fr-CA" dirty="0"/>
+              <a:t>		</a:t>
+            </a:r>
+            <a:r>
+              <a:rPr lang="fr-CA" dirty="0" err="1"/>
+              <a:t>FLAG_PARALLELE</a:t>
+            </a:r>
+            <a:r>
+              <a:rPr lang="fr-CA" dirty="0"/>
+              <a:t> =&gt; </a:t>
+            </a:r>
+            <a:r>
+              <a:rPr lang="fr-CA" dirty="0" err="1"/>
+              <a:t>Flag_Parallel</a:t>
+            </a:r>
+            <a:endParaRPr lang="fr-CA" dirty="0"/>
+          </a:p>
+          <a:p>
+            <a:r>
+              <a:rPr lang="fr-CA" dirty="0"/>
+              <a:t>	);</a:t>
+            </a:r>
+          </a:p>
+          <a:p>
+            <a:r>
+              <a:rPr lang="fr-CA" dirty="0"/>
+              <a:t>	</a:t>
+            </a:r>
+          </a:p>
+          <a:p>
+            <a:r>
+              <a:rPr lang="fr-CA" dirty="0" err="1"/>
+              <a:t>Inst_uart_rx</a:t>
+            </a:r>
+            <a:r>
+              <a:rPr lang="fr-CA" dirty="0"/>
+              <a:t>: </a:t>
+            </a:r>
+            <a:r>
+              <a:rPr lang="fr-CA" dirty="0" err="1"/>
+              <a:t>new_UART_RX</a:t>
+            </a:r>
+            <a:r>
+              <a:rPr lang="fr-CA" dirty="0"/>
+              <a:t> PORT </a:t>
+            </a:r>
+            <a:r>
+              <a:rPr lang="fr-CA" dirty="0" err="1"/>
+              <a:t>MAP</a:t>
+            </a:r>
+            <a:r>
+              <a:rPr lang="fr-CA" dirty="0"/>
+              <a:t>(</a:t>
+            </a:r>
+          </a:p>
+          <a:p>
+            <a:r>
+              <a:rPr lang="fr-CA" dirty="0"/>
+              <a:t>		</a:t>
+            </a:r>
+            <a:r>
+              <a:rPr lang="fr-CA" dirty="0" err="1"/>
+              <a:t>RxD</a:t>
+            </a:r>
+            <a:r>
+              <a:rPr lang="fr-CA" dirty="0"/>
+              <a:t> =&gt; </a:t>
+            </a:r>
+            <a:r>
+              <a:rPr lang="fr-CA" dirty="0" err="1"/>
+              <a:t>RX</a:t>
+            </a:r>
+            <a:r>
+              <a:rPr lang="fr-CA" dirty="0"/>
+              <a:t>,</a:t>
+            </a:r>
+          </a:p>
+          <a:p>
+            <a:r>
+              <a:rPr lang="fr-CA" dirty="0"/>
+              <a:t>		</a:t>
+            </a:r>
+            <a:r>
+              <a:rPr lang="fr-CA" dirty="0" err="1"/>
+              <a:t>mclk</a:t>
+            </a:r>
+            <a:r>
+              <a:rPr lang="fr-CA" dirty="0"/>
+              <a:t> =&gt; </a:t>
+            </a:r>
+            <a:r>
+              <a:rPr lang="fr-CA" dirty="0" err="1"/>
+              <a:t>CLK</a:t>
+            </a:r>
+            <a:r>
+              <a:rPr lang="fr-CA" dirty="0"/>
+              <a:t>,</a:t>
+            </a:r>
+          </a:p>
+          <a:p>
+            <a:r>
+              <a:rPr lang="fr-CA" dirty="0"/>
+              <a:t>		</a:t>
+            </a:r>
+            <a:r>
+              <a:rPr lang="fr-CA" dirty="0" err="1"/>
+              <a:t>rdrf</a:t>
+            </a:r>
+            <a:r>
+              <a:rPr lang="fr-CA" dirty="0"/>
+              <a:t> =&gt; </a:t>
+            </a:r>
+            <a:r>
+              <a:rPr lang="fr-CA" dirty="0" err="1"/>
+              <a:t>Flag_UART</a:t>
+            </a:r>
+            <a:r>
+              <a:rPr lang="fr-CA" dirty="0"/>
+              <a:t>,</a:t>
+            </a:r>
+          </a:p>
+          <a:p>
+            <a:r>
+              <a:rPr lang="fr-CA" dirty="0"/>
+              <a:t>		</a:t>
+            </a:r>
+            <a:r>
+              <a:rPr lang="fr-CA" dirty="0" err="1"/>
+              <a:t>rx_data</a:t>
+            </a:r>
+            <a:r>
+              <a:rPr lang="fr-CA" dirty="0"/>
+              <a:t> =&gt; </a:t>
+            </a:r>
+            <a:r>
+              <a:rPr lang="fr-CA" dirty="0" err="1"/>
+              <a:t>Data_UART</a:t>
+            </a:r>
+            <a:r>
+              <a:rPr lang="fr-CA" dirty="0"/>
+              <a:t> </a:t>
+            </a:r>
+          </a:p>
+          <a:p>
+            <a:r>
+              <a:rPr lang="fr-CA" dirty="0"/>
+              <a:t>	);</a:t>
+            </a:r>
+          </a:p>
+          <a:p>
+            <a:endParaRPr lang="fr-CA" dirty="0"/>
+          </a:p>
+          <a:p>
+            <a:r>
+              <a:rPr lang="fr-CA" dirty="0" err="1"/>
+              <a:t>Inst_Mux_Comm</a:t>
+            </a:r>
+            <a:r>
+              <a:rPr lang="fr-CA" dirty="0"/>
+              <a:t>: </a:t>
+            </a:r>
+            <a:r>
+              <a:rPr lang="fr-CA" dirty="0" err="1"/>
+              <a:t>Mux_Comm</a:t>
+            </a:r>
+            <a:r>
+              <a:rPr lang="fr-CA" dirty="0"/>
+              <a:t> PORT </a:t>
+            </a:r>
+            <a:r>
+              <a:rPr lang="fr-CA" dirty="0" err="1"/>
+              <a:t>MAP</a:t>
+            </a:r>
+            <a:r>
+              <a:rPr lang="fr-CA" dirty="0"/>
+              <a:t>(</a:t>
+            </a:r>
+          </a:p>
+          <a:p>
+            <a:r>
+              <a:rPr lang="fr-CA" dirty="0"/>
+              <a:t>		</a:t>
+            </a:r>
+            <a:r>
+              <a:rPr lang="fr-CA" dirty="0" err="1"/>
+              <a:t>FLAG_PARALLELE</a:t>
+            </a:r>
+            <a:r>
+              <a:rPr lang="fr-CA" dirty="0"/>
+              <a:t> =&gt; </a:t>
+            </a:r>
+            <a:r>
+              <a:rPr lang="fr-CA" dirty="0" err="1"/>
+              <a:t>Flag_Parallel</a:t>
+            </a:r>
+            <a:r>
+              <a:rPr lang="fr-CA" dirty="0"/>
+              <a:t>,</a:t>
+            </a:r>
+          </a:p>
+          <a:p>
+            <a:r>
+              <a:rPr lang="fr-CA" dirty="0"/>
+              <a:t>		</a:t>
+            </a:r>
+            <a:r>
+              <a:rPr lang="fr-CA" dirty="0" err="1"/>
+              <a:t>DATA_PARALLELE</a:t>
+            </a:r>
+            <a:r>
+              <a:rPr lang="fr-CA" dirty="0"/>
+              <a:t> =&gt; </a:t>
+            </a:r>
+            <a:r>
+              <a:rPr lang="fr-CA" dirty="0" err="1"/>
+              <a:t>Data_Parallel</a:t>
+            </a:r>
+            <a:r>
+              <a:rPr lang="fr-CA" dirty="0"/>
+              <a:t>,</a:t>
+            </a:r>
+          </a:p>
+          <a:p>
+            <a:r>
+              <a:rPr lang="fr-CA" dirty="0"/>
+              <a:t>		</a:t>
+            </a:r>
+            <a:r>
+              <a:rPr lang="fr-CA" dirty="0" err="1"/>
+              <a:t>FLAG_UART</a:t>
+            </a:r>
+            <a:r>
+              <a:rPr lang="fr-CA" dirty="0"/>
+              <a:t> =&gt; </a:t>
+            </a:r>
+            <a:r>
+              <a:rPr lang="fr-CA" dirty="0" err="1"/>
+              <a:t>Flag_UART</a:t>
+            </a:r>
+            <a:r>
+              <a:rPr lang="fr-CA" dirty="0"/>
+              <a:t>,</a:t>
+            </a:r>
+          </a:p>
+          <a:p>
+            <a:r>
+              <a:rPr lang="fr-CA" dirty="0"/>
+              <a:t>		</a:t>
+            </a:r>
+            <a:r>
+              <a:rPr lang="fr-CA" dirty="0" err="1"/>
+              <a:t>DATA_UART</a:t>
+            </a:r>
+            <a:r>
+              <a:rPr lang="fr-CA" dirty="0"/>
+              <a:t> =&gt; </a:t>
+            </a:r>
+            <a:r>
+              <a:rPr lang="fr-CA" dirty="0" err="1"/>
+              <a:t>Data_UART</a:t>
+            </a:r>
+            <a:r>
+              <a:rPr lang="fr-CA" dirty="0"/>
+              <a:t>,</a:t>
+            </a:r>
+          </a:p>
+          <a:p>
+            <a:r>
+              <a:rPr lang="fr-CA" dirty="0"/>
+              <a:t>		</a:t>
+            </a:r>
+            <a:r>
+              <a:rPr lang="fr-CA" dirty="0" err="1"/>
+              <a:t>FLAG_COM</a:t>
+            </a:r>
+            <a:r>
+              <a:rPr lang="fr-CA" dirty="0"/>
+              <a:t> =&gt; Flag,</a:t>
+            </a:r>
+          </a:p>
+          <a:p>
+            <a:r>
+              <a:rPr lang="fr-CA" dirty="0"/>
+              <a:t>		</a:t>
+            </a:r>
+            <a:r>
+              <a:rPr lang="fr-CA" dirty="0" err="1"/>
+              <a:t>DOUT</a:t>
+            </a:r>
+            <a:r>
+              <a:rPr lang="fr-CA" dirty="0"/>
+              <a:t> =&gt; Data,</a:t>
+            </a:r>
+          </a:p>
+          <a:p>
+            <a:r>
+              <a:rPr lang="fr-CA" dirty="0"/>
+              <a:t>		</a:t>
+            </a:r>
+            <a:r>
+              <a:rPr lang="fr-CA" dirty="0" err="1"/>
+              <a:t>CLK</a:t>
+            </a:r>
+            <a:r>
+              <a:rPr lang="fr-CA" dirty="0"/>
+              <a:t> =&gt; </a:t>
+            </a:r>
+            <a:r>
+              <a:rPr lang="fr-CA" dirty="0" err="1"/>
+              <a:t>CLK</a:t>
+            </a:r>
+            <a:endParaRPr lang="fr-CA" dirty="0"/>
+          </a:p>
+          <a:p>
+            <a:r>
+              <a:rPr lang="fr-CA" dirty="0"/>
+              <a:t>	);</a:t>
+            </a:r>
+          </a:p>
+          <a:p>
+            <a:r>
+              <a:rPr lang="fr-CA" dirty="0"/>
+              <a:t>	</a:t>
+            </a:r>
+          </a:p>
+          <a:p>
+            <a:r>
+              <a:rPr lang="fr-CA" dirty="0"/>
+              <a:t>	</a:t>
+            </a:r>
+            <a:r>
+              <a:rPr lang="fr-CA" dirty="0" err="1"/>
+              <a:t>SUPP</a:t>
+            </a:r>
+            <a:r>
+              <a:rPr lang="fr-CA" dirty="0"/>
+              <a:t> &lt;= Flag;</a:t>
+            </a:r>
+          </a:p>
+          <a:p>
+            <a:r>
+              <a:rPr lang="fr-CA" dirty="0"/>
+              <a:t>	</a:t>
+            </a:r>
+          </a:p>
+          <a:p>
+            <a:r>
+              <a:rPr lang="fr-CA" dirty="0" err="1"/>
+              <a:t>Inst_Data_Ctrl</a:t>
+            </a:r>
+            <a:r>
+              <a:rPr lang="fr-CA" dirty="0"/>
+              <a:t>: </a:t>
+            </a:r>
+            <a:r>
+              <a:rPr lang="fr-CA" dirty="0" err="1"/>
+              <a:t>New_Data_Ctrl</a:t>
+            </a:r>
+            <a:r>
+              <a:rPr lang="fr-CA" dirty="0"/>
+              <a:t> PORT </a:t>
+            </a:r>
+            <a:r>
+              <a:rPr lang="fr-CA" dirty="0" err="1"/>
+              <a:t>MAP</a:t>
+            </a:r>
+            <a:r>
+              <a:rPr lang="fr-CA" dirty="0"/>
+              <a:t>(</a:t>
+            </a:r>
+          </a:p>
+          <a:p>
+            <a:r>
+              <a:rPr lang="fr-CA" dirty="0"/>
+              <a:t>		</a:t>
+            </a:r>
+            <a:r>
+              <a:rPr lang="fr-CA" dirty="0" err="1"/>
+              <a:t>CLK</a:t>
+            </a:r>
+            <a:r>
+              <a:rPr lang="fr-CA" dirty="0"/>
+              <a:t> =&gt; </a:t>
+            </a:r>
+            <a:r>
+              <a:rPr lang="fr-CA" dirty="0" err="1"/>
+              <a:t>CLK</a:t>
+            </a:r>
+            <a:r>
+              <a:rPr lang="fr-CA" dirty="0"/>
+              <a:t>,</a:t>
+            </a:r>
+          </a:p>
+          <a:p>
+            <a:r>
+              <a:rPr lang="fr-CA" dirty="0"/>
+              <a:t>		DATA =&gt; Data,</a:t>
+            </a:r>
+          </a:p>
+          <a:p>
+            <a:r>
+              <a:rPr lang="fr-CA" dirty="0"/>
+              <a:t>		FLAG =&gt; Flag,</a:t>
+            </a:r>
+          </a:p>
+          <a:p>
+            <a:r>
+              <a:rPr lang="fr-CA" dirty="0"/>
+              <a:t>		</a:t>
+            </a:r>
+            <a:r>
+              <a:rPr lang="fr-CA" dirty="0" err="1"/>
+              <a:t>DINB</a:t>
+            </a:r>
+            <a:r>
+              <a:rPr lang="fr-CA" dirty="0"/>
+              <a:t> =&gt; </a:t>
+            </a:r>
+            <a:r>
+              <a:rPr lang="fr-CA" dirty="0" err="1"/>
+              <a:t>DINB_s</a:t>
+            </a:r>
+            <a:r>
+              <a:rPr lang="fr-CA" dirty="0"/>
+              <a:t>,</a:t>
+            </a:r>
+          </a:p>
+          <a:p>
+            <a:r>
+              <a:rPr lang="fr-CA" dirty="0"/>
+              <a:t>		</a:t>
+            </a:r>
+            <a:r>
+              <a:rPr lang="fr-CA" dirty="0" err="1"/>
+              <a:t>CLKB</a:t>
+            </a:r>
+            <a:r>
+              <a:rPr lang="fr-CA" dirty="0"/>
+              <a:t> =&gt; </a:t>
+            </a:r>
+            <a:r>
+              <a:rPr lang="fr-CA" dirty="0" err="1"/>
+              <a:t>CLKB_s</a:t>
+            </a:r>
+            <a:r>
+              <a:rPr lang="fr-CA" dirty="0"/>
+              <a:t>,</a:t>
+            </a:r>
+          </a:p>
+          <a:p>
+            <a:r>
+              <a:rPr lang="fr-CA" dirty="0"/>
+              <a:t>		</a:t>
+            </a:r>
+            <a:r>
+              <a:rPr lang="fr-CA" dirty="0" err="1"/>
+              <a:t>DATA_DP</a:t>
+            </a:r>
+            <a:r>
+              <a:rPr lang="fr-CA" dirty="0"/>
+              <a:t> =&gt; </a:t>
+            </a:r>
+            <a:r>
+              <a:rPr lang="fr-CA" dirty="0" err="1"/>
+              <a:t>DP_in_s</a:t>
+            </a:r>
+            <a:r>
+              <a:rPr lang="fr-CA" dirty="0"/>
+              <a:t>,</a:t>
+            </a:r>
+          </a:p>
+          <a:p>
+            <a:r>
+              <a:rPr lang="fr-CA" dirty="0"/>
+              <a:t>		</a:t>
+            </a:r>
+            <a:r>
+              <a:rPr lang="fr-CA" dirty="0" err="1"/>
+              <a:t>MADDRB</a:t>
+            </a:r>
+            <a:r>
+              <a:rPr lang="fr-CA" dirty="0"/>
+              <a:t> =&gt; </a:t>
+            </a:r>
+            <a:r>
+              <a:rPr lang="fr-CA" dirty="0" err="1"/>
+              <a:t>addrb</a:t>
+            </a:r>
+            <a:r>
+              <a:rPr lang="fr-CA" dirty="0"/>
+              <a:t>,</a:t>
+            </a:r>
+          </a:p>
+          <a:p>
+            <a:r>
+              <a:rPr lang="fr-CA" dirty="0"/>
+              <a:t>		</a:t>
+            </a:r>
+            <a:r>
+              <a:rPr lang="fr-CA" dirty="0" err="1"/>
+              <a:t>MWEB</a:t>
+            </a:r>
+            <a:r>
+              <a:rPr lang="fr-CA" dirty="0"/>
+              <a:t> =&gt; </a:t>
+            </a:r>
+            <a:r>
+              <a:rPr lang="fr-CA" dirty="0" err="1"/>
+              <a:t>MWEB_S</a:t>
+            </a:r>
+            <a:endParaRPr lang="fr-CA" dirty="0"/>
+          </a:p>
+          <a:p>
+            <a:r>
+              <a:rPr lang="fr-CA" dirty="0"/>
+              <a:t>		--</a:t>
+            </a:r>
+            <a:r>
+              <a:rPr lang="fr-CA" dirty="0" err="1"/>
+              <a:t>SUPP</a:t>
+            </a:r>
+            <a:r>
+              <a:rPr lang="fr-CA" dirty="0"/>
+              <a:t> =&gt; </a:t>
+            </a:r>
+            <a:r>
+              <a:rPr lang="fr-CA" dirty="0" err="1"/>
+              <a:t>SUPP</a:t>
+            </a:r>
+            <a:endParaRPr lang="fr-CA" dirty="0"/>
+          </a:p>
+          <a:p>
+            <a:r>
+              <a:rPr lang="fr-CA" dirty="0"/>
+              <a:t>	); </a:t>
+            </a:r>
+          </a:p>
+          <a:p>
+            <a:endParaRPr lang="fr-CA" dirty="0"/>
+          </a:p>
+          <a:p>
+            <a:r>
+              <a:rPr lang="fr-CA" dirty="0" err="1"/>
+              <a:t>Inst_Timing_LCD</a:t>
+            </a:r>
+            <a:r>
+              <a:rPr lang="fr-CA" dirty="0"/>
+              <a:t>: </a:t>
+            </a:r>
+            <a:r>
+              <a:rPr lang="fr-CA" dirty="0" err="1"/>
+              <a:t>Timing_LCD</a:t>
+            </a:r>
+            <a:r>
+              <a:rPr lang="fr-CA" dirty="0"/>
+              <a:t> PORT </a:t>
+            </a:r>
+            <a:r>
+              <a:rPr lang="fr-CA" dirty="0" err="1"/>
+              <a:t>MAP</a:t>
+            </a:r>
+            <a:r>
+              <a:rPr lang="fr-CA" dirty="0"/>
+              <a:t>(</a:t>
+            </a:r>
+          </a:p>
+          <a:p>
+            <a:r>
+              <a:rPr lang="fr-CA" dirty="0"/>
+              <a:t>		</a:t>
+            </a:r>
+            <a:r>
+              <a:rPr lang="fr-CA" dirty="0" err="1"/>
+              <a:t>LATCH</a:t>
+            </a:r>
+            <a:r>
+              <a:rPr lang="fr-CA" dirty="0"/>
+              <a:t> =&gt; </a:t>
+            </a:r>
+            <a:r>
+              <a:rPr lang="fr-CA" dirty="0" err="1"/>
+              <a:t>Latch_s</a:t>
+            </a:r>
+            <a:r>
+              <a:rPr lang="fr-CA" dirty="0"/>
+              <a:t>,</a:t>
+            </a:r>
+          </a:p>
+          <a:p>
+            <a:r>
+              <a:rPr lang="fr-CA" dirty="0"/>
+              <a:t>		SHIFT =&gt; </a:t>
+            </a:r>
+            <a:r>
+              <a:rPr lang="fr-CA" dirty="0" err="1"/>
+              <a:t>Shift_s</a:t>
+            </a:r>
+            <a:r>
+              <a:rPr lang="fr-CA" dirty="0"/>
+              <a:t>,</a:t>
+            </a:r>
+          </a:p>
+          <a:p>
+            <a:r>
+              <a:rPr lang="fr-CA" dirty="0"/>
+              <a:t>		</a:t>
+            </a:r>
+            <a:r>
+              <a:rPr lang="fr-CA" dirty="0" err="1"/>
+              <a:t>FRM</a:t>
+            </a:r>
+            <a:r>
+              <a:rPr lang="fr-CA" dirty="0"/>
+              <a:t> =&gt; </a:t>
+            </a:r>
+            <a:r>
+              <a:rPr lang="fr-CA" dirty="0" err="1"/>
+              <a:t>FRM</a:t>
+            </a:r>
+            <a:r>
+              <a:rPr lang="fr-CA" dirty="0"/>
+              <a:t>,</a:t>
+            </a:r>
+          </a:p>
+          <a:p>
+            <a:r>
+              <a:rPr lang="fr-CA" dirty="0"/>
+              <a:t>		</a:t>
+            </a:r>
+            <a:r>
+              <a:rPr lang="fr-CA" dirty="0" err="1"/>
+              <a:t>DF</a:t>
+            </a:r>
+            <a:r>
+              <a:rPr lang="fr-CA" dirty="0"/>
+              <a:t> =&gt; </a:t>
+            </a:r>
+            <a:r>
+              <a:rPr lang="fr-CA" dirty="0" err="1"/>
+              <a:t>DF</a:t>
+            </a:r>
+            <a:r>
+              <a:rPr lang="fr-CA" dirty="0"/>
+              <a:t>,</a:t>
+            </a:r>
+          </a:p>
+          <a:p>
+            <a:r>
+              <a:rPr lang="fr-CA" dirty="0"/>
+              <a:t>		</a:t>
+            </a:r>
+            <a:r>
+              <a:rPr lang="fr-CA" dirty="0" err="1"/>
+              <a:t>CLK</a:t>
+            </a:r>
+            <a:r>
+              <a:rPr lang="fr-CA" dirty="0"/>
+              <a:t> =&gt; </a:t>
+            </a:r>
+            <a:r>
+              <a:rPr lang="fr-CA" dirty="0" err="1"/>
+              <a:t>CLK</a:t>
+            </a:r>
+            <a:r>
+              <a:rPr lang="fr-CA" dirty="0"/>
+              <a:t>,</a:t>
+            </a:r>
+          </a:p>
+          <a:p>
+            <a:r>
+              <a:rPr lang="fr-CA" dirty="0"/>
+              <a:t>		</a:t>
+            </a:r>
+            <a:r>
+              <a:rPr lang="fr-CA" dirty="0" err="1"/>
+              <a:t>DISPLAYOFF</a:t>
+            </a:r>
+            <a:r>
+              <a:rPr lang="fr-CA" dirty="0"/>
+              <a:t> =&gt; </a:t>
+            </a:r>
+            <a:r>
+              <a:rPr lang="fr-CA" dirty="0" err="1"/>
+              <a:t>unconnectedDisplayOff_s</a:t>
+            </a:r>
+            <a:r>
+              <a:rPr lang="fr-CA" dirty="0"/>
+              <a:t>,</a:t>
+            </a:r>
+          </a:p>
+          <a:p>
+            <a:r>
+              <a:rPr lang="fr-CA" dirty="0"/>
+              <a:t>		</a:t>
+            </a:r>
+            <a:r>
+              <a:rPr lang="fr-CA" dirty="0" err="1"/>
+              <a:t>VEE_ON</a:t>
+            </a:r>
+            <a:r>
+              <a:rPr lang="fr-CA" dirty="0"/>
+              <a:t> =&gt; </a:t>
+            </a:r>
+            <a:r>
+              <a:rPr lang="fr-CA" dirty="0" err="1"/>
+              <a:t>unconnectedVEEOn_s</a:t>
+            </a:r>
+            <a:r>
+              <a:rPr lang="fr-CA" dirty="0"/>
+              <a:t>,</a:t>
+            </a:r>
+          </a:p>
+          <a:p>
+            <a:r>
+              <a:rPr lang="fr-CA" dirty="0"/>
+              <a:t>		</a:t>
+            </a:r>
+            <a:r>
+              <a:rPr lang="fr-CA" dirty="0" err="1"/>
+              <a:t>MADDRA</a:t>
+            </a:r>
+            <a:r>
+              <a:rPr lang="fr-CA" dirty="0"/>
+              <a:t> =&gt; </a:t>
+            </a:r>
+            <a:r>
+              <a:rPr lang="fr-CA" dirty="0" err="1"/>
+              <a:t>addra</a:t>
+            </a:r>
+            <a:endParaRPr lang="fr-CA" dirty="0"/>
+          </a:p>
+          <a:p>
+            <a:r>
+              <a:rPr lang="fr-CA" dirty="0"/>
+              <a:t>	);</a:t>
+            </a:r>
+          </a:p>
+          <a:p>
+            <a:r>
+              <a:rPr lang="fr-CA" dirty="0"/>
+              <a:t>	</a:t>
+            </a:r>
+          </a:p>
+          <a:p>
+            <a:r>
+              <a:rPr lang="fr-CA" dirty="0" err="1"/>
+              <a:t>Inst_DualPort</a:t>
+            </a:r>
+            <a:r>
+              <a:rPr lang="fr-CA" dirty="0"/>
+              <a:t>: </a:t>
+            </a:r>
+            <a:r>
+              <a:rPr lang="fr-CA" dirty="0" err="1"/>
+              <a:t>DualPort</a:t>
+            </a:r>
+            <a:r>
+              <a:rPr lang="fr-CA" dirty="0"/>
+              <a:t> PORT </a:t>
+            </a:r>
+            <a:r>
+              <a:rPr lang="fr-CA" dirty="0" err="1"/>
+              <a:t>MAP</a:t>
+            </a:r>
+            <a:r>
+              <a:rPr lang="fr-CA" dirty="0"/>
+              <a:t>(</a:t>
+            </a:r>
+          </a:p>
+          <a:p>
+            <a:r>
+              <a:rPr lang="fr-CA" dirty="0"/>
+              <a:t>		</a:t>
+            </a:r>
+            <a:r>
+              <a:rPr lang="fr-CA" dirty="0" err="1"/>
+              <a:t>CLK_Shift</a:t>
+            </a:r>
+            <a:r>
+              <a:rPr lang="fr-CA" dirty="0"/>
+              <a:t> =&gt; </a:t>
+            </a:r>
+            <a:r>
+              <a:rPr lang="fr-CA" dirty="0" err="1"/>
+              <a:t>Shift_s</a:t>
+            </a:r>
+            <a:r>
+              <a:rPr lang="fr-CA" dirty="0"/>
+              <a:t>,</a:t>
+            </a:r>
+          </a:p>
+          <a:p>
+            <a:r>
+              <a:rPr lang="fr-CA" dirty="0"/>
+              <a:t>		</a:t>
+            </a:r>
+            <a:r>
+              <a:rPr lang="fr-CA" dirty="0" err="1"/>
+              <a:t>DATA_IN</a:t>
+            </a:r>
+            <a:r>
+              <a:rPr lang="fr-CA" dirty="0"/>
+              <a:t> =&gt; </a:t>
+            </a:r>
+            <a:r>
+              <a:rPr lang="fr-CA" dirty="0" err="1"/>
+              <a:t>DP_In_s</a:t>
+            </a:r>
+            <a:r>
+              <a:rPr lang="fr-CA" dirty="0"/>
+              <a:t>,</a:t>
+            </a:r>
+          </a:p>
+          <a:p>
+            <a:r>
+              <a:rPr lang="fr-CA" dirty="0"/>
+              <a:t>		</a:t>
+            </a:r>
+            <a:r>
+              <a:rPr lang="fr-CA" dirty="0" err="1"/>
+              <a:t>DATA_OUT</a:t>
+            </a:r>
+            <a:r>
+              <a:rPr lang="fr-CA" dirty="0"/>
+              <a:t> =&gt; </a:t>
+            </a:r>
+            <a:r>
+              <a:rPr lang="fr-CA" dirty="0" err="1"/>
+              <a:t>DataOut_s</a:t>
+            </a:r>
+            <a:r>
+              <a:rPr lang="fr-CA" dirty="0"/>
+              <a:t>,</a:t>
+            </a:r>
+          </a:p>
+          <a:p>
+            <a:r>
+              <a:rPr lang="fr-CA" dirty="0"/>
+              <a:t>		</a:t>
+            </a:r>
+            <a:r>
+              <a:rPr lang="fr-CA" dirty="0" err="1"/>
+              <a:t>MWEB</a:t>
+            </a:r>
+            <a:r>
+              <a:rPr lang="fr-CA" dirty="0"/>
+              <a:t> =&gt; </a:t>
+            </a:r>
+            <a:r>
+              <a:rPr lang="fr-CA" dirty="0" err="1"/>
+              <a:t>MWEB_S</a:t>
+            </a:r>
+            <a:r>
+              <a:rPr lang="fr-CA" dirty="0"/>
+              <a:t>,</a:t>
+            </a:r>
+          </a:p>
+          <a:p>
+            <a:r>
+              <a:rPr lang="fr-CA" dirty="0"/>
+              <a:t>		</a:t>
+            </a:r>
+            <a:r>
+              <a:rPr lang="fr-CA" dirty="0" err="1"/>
+              <a:t>CLKB</a:t>
+            </a:r>
+            <a:r>
+              <a:rPr lang="fr-CA" dirty="0"/>
+              <a:t> =&gt; </a:t>
+            </a:r>
+            <a:r>
+              <a:rPr lang="fr-CA" dirty="0" err="1"/>
+              <a:t>CLKB_s</a:t>
+            </a:r>
+            <a:r>
+              <a:rPr lang="fr-CA" dirty="0"/>
+              <a:t>,</a:t>
+            </a:r>
+          </a:p>
+          <a:p>
+            <a:r>
+              <a:rPr lang="fr-CA" dirty="0"/>
+              <a:t>		</a:t>
+            </a:r>
+            <a:r>
+              <a:rPr lang="fr-CA" dirty="0" err="1"/>
+              <a:t>MADDRA</a:t>
+            </a:r>
+            <a:r>
+              <a:rPr lang="fr-CA" dirty="0"/>
+              <a:t> =&gt; </a:t>
+            </a:r>
+            <a:r>
+              <a:rPr lang="fr-CA" dirty="0" err="1"/>
+              <a:t>addra</a:t>
+            </a:r>
+            <a:r>
+              <a:rPr lang="fr-CA" dirty="0"/>
+              <a:t>,</a:t>
+            </a:r>
+          </a:p>
+          <a:p>
+            <a:r>
+              <a:rPr lang="fr-CA" dirty="0"/>
+              <a:t>		</a:t>
+            </a:r>
+            <a:r>
+              <a:rPr lang="fr-CA" dirty="0" err="1"/>
+              <a:t>MADDRB</a:t>
+            </a:r>
+            <a:r>
+              <a:rPr lang="fr-CA" dirty="0"/>
+              <a:t> =&gt; </a:t>
+            </a:r>
+            <a:r>
+              <a:rPr lang="fr-CA" dirty="0" err="1"/>
+              <a:t>addrb</a:t>
+            </a:r>
+            <a:r>
+              <a:rPr lang="fr-CA" dirty="0"/>
+              <a:t>,</a:t>
+            </a:r>
+          </a:p>
+          <a:p>
+            <a:r>
+              <a:rPr lang="fr-CA" dirty="0"/>
+              <a:t>		</a:t>
+            </a:r>
+            <a:r>
+              <a:rPr lang="fr-CA" dirty="0" err="1"/>
+              <a:t>DATA_READ</a:t>
+            </a:r>
+            <a:r>
+              <a:rPr lang="fr-CA" dirty="0"/>
+              <a:t> =&gt; </a:t>
+            </a:r>
+            <a:r>
+              <a:rPr lang="fr-CA" dirty="0" err="1"/>
+              <a:t>DINB_s</a:t>
+            </a:r>
+            <a:endParaRPr lang="fr-CA" dirty="0"/>
+          </a:p>
+          <a:p>
+            <a:r>
+              <a:rPr lang="fr-CA" dirty="0"/>
+              <a:t>	);</a:t>
+            </a:r>
+          </a:p>
+          <a:p>
+            <a:endParaRPr lang="fr-CA" dirty="0"/>
+          </a:p>
+          <a:p>
+            <a:endParaRPr lang="fr-CA" dirty="0"/>
+          </a:p>
+          <a:p>
+            <a:endParaRPr lang="fr-CA" dirty="0"/>
+          </a:p>
+          <a:p>
+            <a:r>
+              <a:rPr lang="fr-CA" dirty="0"/>
+              <a:t>end </a:t>
+            </a:r>
+            <a:r>
+              <a:rPr lang="fr-CA" dirty="0" smtClean="0"/>
+              <a:t>Behavioral;4</a:t>
+            </a:r>
+            <a:endParaRPr lang="fr-CA" dirty="0"/>
+          </a:p>
+        </p:txBody>
+      </p:sp>
+      <p:pic>
+        <p:nvPicPr>
+          <p:cNvPr id="7" name="Image 6"/>
+          <p:cNvPicPr/>
+          <p:nvPr/>
+        </p:nvPicPr>
+        <p:blipFill rotWithShape="1">
+          <a:blip r:embed="rId3"/>
+          <a:srcRect l="1214" t="15320" r="73418" b="34946"/>
+          <a:stretch/>
+        </p:blipFill>
+        <p:spPr bwMode="auto">
+          <a:xfrm>
+            <a:off x="6301502" y="1606551"/>
+            <a:ext cx="3842623" cy="3793066"/>
+          </a:xfrm>
+          <a:prstGeom prst="rect">
+            <a:avLst/>
+          </a:prstGeom>
+          <a:ln>
+            <a:noFill/>
+          </a:ln>
+          <a:extLst>
+            <a:ext uri="{53640926-AAD7-44D8-BBD7-CCE9431645EC}">
+              <a14:shadowObscured xmlns:a14="http://schemas.microsoft.com/office/drawing/2010/main"/>
+            </a:ext>
+          </a:extLst>
+        </p:spPr>
+      </p:pic>
+      <p:pic>
+        <p:nvPicPr>
+          <p:cNvPr id="2052" name="Picture 4" descr="Image result for C#"/>
+          <p:cNvPicPr>
+            <a:picLocks noChangeAspect="1" noChangeArrowheads="1"/>
+          </p:cNvPicPr>
+          <p:nvPr/>
+        </p:nvPicPr>
+        <p:blipFill>
+          <a:blip r:embed="rId4">
+            <a:extLst>
+              <a:ext uri="{28A0092B-C50C-407E-A947-70E740481C1C}">
+                <a14:useLocalDpi xmlns:a14="http://schemas.microsoft.com/office/drawing/2010/main" val="0"/>
+              </a:ext>
+            </a:extLst>
+          </a:blip>
+          <a:srcRect/>
+          <a:stretch>
+            <a:fillRect/>
+          </a:stretch>
+        </p:blipFill>
+        <p:spPr bwMode="auto">
+          <a:xfrm>
+            <a:off x="5733345" y="1064683"/>
+            <a:ext cx="4876800" cy="4876801"/>
+          </a:xfrm>
+          <a:prstGeom prst="rect">
+            <a:avLst/>
+          </a:prstGeom>
+          <a:noFill/>
+          <a:extLst>
+            <a:ext uri="{909E8E84-426E-40DD-AFC4-6F175D3DCCD1}">
+              <a14:hiddenFill xmlns:a14="http://schemas.microsoft.com/office/drawing/2010/main">
+                <a:solidFill>
+                  <a:srgbClr val="FFFFFF"/>
+                </a:solidFill>
+              </a14:hiddenFill>
+            </a:ext>
+          </a:extLst>
+        </p:spPr>
+      </p:pic>
+      <p:pic>
+        <p:nvPicPr>
+          <p:cNvPr id="8" name="Picture 2" descr="Image result for misra c"/>
+          <p:cNvPicPr>
+            <a:picLocks noChangeAspect="1" noChangeArrowheads="1"/>
+          </p:cNvPicPr>
+          <p:nvPr/>
+        </p:nvPicPr>
+        <p:blipFill>
+          <a:blip r:embed="rId5">
+            <a:extLst>
+              <a:ext uri="{28A0092B-C50C-407E-A947-70E740481C1C}">
+                <a14:useLocalDpi xmlns:a14="http://schemas.microsoft.com/office/drawing/2010/main" val="0"/>
+              </a:ext>
+            </a:extLst>
+          </a:blip>
+          <a:srcRect/>
+          <a:stretch>
+            <a:fillRect/>
+          </a:stretch>
+        </p:blipFill>
+        <p:spPr bwMode="auto">
+          <a:xfrm>
+            <a:off x="6437489" y="1687027"/>
+            <a:ext cx="3468512" cy="3454356"/>
+          </a:xfrm>
+          <a:prstGeom prst="rect">
+            <a:avLst/>
+          </a:prstGeom>
+          <a:noFill/>
+          <a:extLst>
+            <a:ext uri="{909E8E84-426E-40DD-AFC4-6F175D3DCCD1}">
+              <a14:hiddenFill xmlns:a14="http://schemas.microsoft.com/office/drawing/2010/main">
+                <a:solidFill>
+                  <a:srgbClr val="FFFFFF"/>
+                </a:solidFill>
+              </a14:hiddenFill>
+            </a:ext>
+          </a:extLst>
+        </p:spPr>
+      </p:pic>
+      <p:sp>
+        <p:nvSpPr>
+          <p:cNvPr id="11" name="Espace réservé du contenu 2"/>
+          <p:cNvSpPr txBox="1">
+            <a:spLocks/>
+          </p:cNvSpPr>
+          <p:nvPr/>
+        </p:nvSpPr>
+        <p:spPr>
+          <a:xfrm>
+            <a:off x="7881690" y="1584327"/>
+            <a:ext cx="10058400" cy="4023360"/>
+          </a:xfrm>
+          <a:prstGeom prst="rect">
+            <a:avLst/>
+          </a:prstGeom>
+        </p:spPr>
+        <p:txBody>
+          <a:bodyPr vert="horz" lIns="0" tIns="45720" rIns="0" bIns="45720" rtlCol="0">
+            <a:normAutofit fontScale="92500" lnSpcReduction="10000"/>
+          </a:bodyPr>
+          <a:lstStyle>
+            <a:lvl1pPr marL="91440" indent="-91440" algn="l" defTabSz="914400" rtl="0" eaLnBrk="1" latinLnBrk="0" hangingPunct="1">
+              <a:lnSpc>
+                <a:spcPct val="90000"/>
+              </a:lnSpc>
+              <a:spcBef>
+                <a:spcPts val="1200"/>
+              </a:spcBef>
+              <a:spcAft>
+                <a:spcPts val="200"/>
+              </a:spcAft>
+              <a:buClr>
+                <a:schemeClr val="accent1"/>
+              </a:buClr>
+              <a:buSzPct val="100000"/>
+              <a:buFont typeface="Calibri" panose="020F0502020204030204" pitchFamily="34" charset="0"/>
+              <a:buChar char=" "/>
+              <a:defRPr sz="2000" kern="1200">
+                <a:solidFill>
+                  <a:schemeClr val="tx1">
+                    <a:lumMod val="75000"/>
+                    <a:lumOff val="25000"/>
+                  </a:schemeClr>
+                </a:solidFill>
+                <a:latin typeface="+mn-lt"/>
+                <a:ea typeface="+mn-ea"/>
+                <a:cs typeface="+mn-cs"/>
+              </a:defRPr>
+            </a:lvl1pPr>
+            <a:lvl2pPr marL="384048" indent="-182880" algn="l" defTabSz="914400" rtl="0" eaLnBrk="1" latinLnBrk="0" hangingPunct="1">
+              <a:lnSpc>
+                <a:spcPct val="90000"/>
+              </a:lnSpc>
+              <a:spcBef>
+                <a:spcPts val="200"/>
+              </a:spcBef>
+              <a:spcAft>
+                <a:spcPts val="400"/>
+              </a:spcAft>
+              <a:buClr>
+                <a:schemeClr val="accent1"/>
+              </a:buClr>
+              <a:buFont typeface="Calibri" pitchFamily="34" charset="0"/>
+              <a:buChar char="◦"/>
+              <a:defRPr sz="1800" kern="1200">
+                <a:solidFill>
+                  <a:schemeClr val="tx1">
+                    <a:lumMod val="75000"/>
+                    <a:lumOff val="25000"/>
+                  </a:schemeClr>
+                </a:solidFill>
+                <a:latin typeface="+mn-lt"/>
+                <a:ea typeface="+mn-ea"/>
+                <a:cs typeface="+mn-cs"/>
+              </a:defRPr>
+            </a:lvl2pPr>
+            <a:lvl3pPr marL="566928" indent="-182880" algn="l" defTabSz="914400" rtl="0" eaLnBrk="1" latinLnBrk="0" hangingPunct="1">
+              <a:lnSpc>
+                <a:spcPct val="90000"/>
+              </a:lnSpc>
+              <a:spcBef>
+                <a:spcPts val="200"/>
+              </a:spcBef>
+              <a:spcAft>
+                <a:spcPts val="400"/>
+              </a:spcAft>
+              <a:buClr>
+                <a:schemeClr val="accent1"/>
+              </a:buClr>
+              <a:buFont typeface="Calibri" pitchFamily="34" charset="0"/>
+              <a:buChar char="◦"/>
+              <a:defRPr sz="1400" kern="1200">
+                <a:solidFill>
+                  <a:schemeClr val="tx1">
+                    <a:lumMod val="75000"/>
+                    <a:lumOff val="25000"/>
+                  </a:schemeClr>
+                </a:solidFill>
+                <a:latin typeface="+mn-lt"/>
+                <a:ea typeface="+mn-ea"/>
+                <a:cs typeface="+mn-cs"/>
+              </a:defRPr>
+            </a:lvl3pPr>
+            <a:lvl4pPr marL="749808" indent="-182880" algn="l" defTabSz="914400" rtl="0" eaLnBrk="1" latinLnBrk="0" hangingPunct="1">
+              <a:lnSpc>
+                <a:spcPct val="90000"/>
+              </a:lnSpc>
+              <a:spcBef>
+                <a:spcPts val="200"/>
+              </a:spcBef>
+              <a:spcAft>
+                <a:spcPts val="400"/>
+              </a:spcAft>
+              <a:buClr>
+                <a:schemeClr val="accent1"/>
+              </a:buClr>
+              <a:buFont typeface="Calibri" pitchFamily="34" charset="0"/>
+              <a:buChar char="◦"/>
+              <a:defRPr sz="1400" kern="1200">
+                <a:solidFill>
+                  <a:schemeClr val="tx1">
+                    <a:lumMod val="75000"/>
+                    <a:lumOff val="25000"/>
+                  </a:schemeClr>
+                </a:solidFill>
+                <a:latin typeface="+mn-lt"/>
+                <a:ea typeface="+mn-ea"/>
+                <a:cs typeface="+mn-cs"/>
+              </a:defRPr>
+            </a:lvl4pPr>
+            <a:lvl5pPr marL="932688" indent="-182880" algn="l" defTabSz="914400" rtl="0" eaLnBrk="1" latinLnBrk="0" hangingPunct="1">
+              <a:lnSpc>
+                <a:spcPct val="90000"/>
+              </a:lnSpc>
+              <a:spcBef>
+                <a:spcPts val="200"/>
+              </a:spcBef>
+              <a:spcAft>
+                <a:spcPts val="400"/>
+              </a:spcAft>
+              <a:buClr>
+                <a:schemeClr val="accent1"/>
+              </a:buClr>
+              <a:buFont typeface="Calibri" pitchFamily="34" charset="0"/>
+              <a:buChar char="◦"/>
+              <a:defRPr sz="1400" kern="1200">
+                <a:solidFill>
+                  <a:schemeClr val="tx1">
+                    <a:lumMod val="75000"/>
+                    <a:lumOff val="25000"/>
+                  </a:schemeClr>
+                </a:solidFill>
+                <a:latin typeface="+mn-lt"/>
+                <a:ea typeface="+mn-ea"/>
+                <a:cs typeface="+mn-cs"/>
+              </a:defRPr>
+            </a:lvl5pPr>
+            <a:lvl6pPr marL="1100000" indent="-228600" algn="l" defTabSz="914400" rtl="0" eaLnBrk="1" latinLnBrk="0" hangingPunct="1">
+              <a:lnSpc>
+                <a:spcPct val="90000"/>
+              </a:lnSpc>
+              <a:spcBef>
+                <a:spcPts val="200"/>
+              </a:spcBef>
+              <a:spcAft>
+                <a:spcPts val="400"/>
+              </a:spcAft>
+              <a:buClr>
+                <a:schemeClr val="accent1"/>
+              </a:buClr>
+              <a:buFont typeface="Calibri" pitchFamily="34" charset="0"/>
+              <a:buChar char="◦"/>
+              <a:defRPr sz="1400" kern="1200">
+                <a:solidFill>
+                  <a:schemeClr val="tx1">
+                    <a:lumMod val="75000"/>
+                    <a:lumOff val="25000"/>
+                  </a:schemeClr>
+                </a:solidFill>
+                <a:latin typeface="+mn-lt"/>
+                <a:ea typeface="+mn-ea"/>
+                <a:cs typeface="+mn-cs"/>
+              </a:defRPr>
+            </a:lvl6pPr>
+            <a:lvl7pPr marL="1300000" indent="-228600" algn="l" defTabSz="914400" rtl="0" eaLnBrk="1" latinLnBrk="0" hangingPunct="1">
+              <a:lnSpc>
+                <a:spcPct val="90000"/>
+              </a:lnSpc>
+              <a:spcBef>
+                <a:spcPts val="200"/>
+              </a:spcBef>
+              <a:spcAft>
+                <a:spcPts val="400"/>
+              </a:spcAft>
+              <a:buClr>
+                <a:schemeClr val="accent1"/>
+              </a:buClr>
+              <a:buFont typeface="Calibri" pitchFamily="34" charset="0"/>
+              <a:buChar char="◦"/>
+              <a:defRPr sz="1400" kern="1200">
+                <a:solidFill>
+                  <a:schemeClr val="tx1">
+                    <a:lumMod val="75000"/>
+                    <a:lumOff val="25000"/>
+                  </a:schemeClr>
+                </a:solidFill>
+                <a:latin typeface="+mn-lt"/>
+                <a:ea typeface="+mn-ea"/>
+                <a:cs typeface="+mn-cs"/>
+              </a:defRPr>
+            </a:lvl7pPr>
+            <a:lvl8pPr marL="1500000" indent="-228600" algn="l" defTabSz="914400" rtl="0" eaLnBrk="1" latinLnBrk="0" hangingPunct="1">
+              <a:lnSpc>
+                <a:spcPct val="90000"/>
+              </a:lnSpc>
+              <a:spcBef>
+                <a:spcPts val="200"/>
+              </a:spcBef>
+              <a:spcAft>
+                <a:spcPts val="400"/>
+              </a:spcAft>
+              <a:buClr>
+                <a:schemeClr val="accent1"/>
+              </a:buClr>
+              <a:buFont typeface="Calibri" pitchFamily="34" charset="0"/>
+              <a:buChar char="◦"/>
+              <a:defRPr sz="1400" kern="1200">
+                <a:solidFill>
+                  <a:schemeClr val="tx1">
+                    <a:lumMod val="75000"/>
+                    <a:lumOff val="25000"/>
+                  </a:schemeClr>
+                </a:solidFill>
+                <a:latin typeface="+mn-lt"/>
+                <a:ea typeface="+mn-ea"/>
+                <a:cs typeface="+mn-cs"/>
+              </a:defRPr>
+            </a:lvl8pPr>
+            <a:lvl9pPr marL="1700000" indent="-228600" algn="l" defTabSz="914400" rtl="0" eaLnBrk="1" latinLnBrk="0" hangingPunct="1">
+              <a:lnSpc>
+                <a:spcPct val="90000"/>
+              </a:lnSpc>
+              <a:spcBef>
+                <a:spcPts val="200"/>
+              </a:spcBef>
+              <a:spcAft>
+                <a:spcPts val="400"/>
+              </a:spcAft>
+              <a:buClr>
+                <a:schemeClr val="accent1"/>
+              </a:buClr>
+              <a:buFont typeface="Calibri" pitchFamily="34" charset="0"/>
+              <a:buChar char="◦"/>
+              <a:defRPr sz="1400" kern="1200">
+                <a:solidFill>
+                  <a:schemeClr val="tx1">
+                    <a:lumMod val="75000"/>
+                    <a:lumOff val="25000"/>
+                  </a:schemeClr>
+                </a:solidFill>
+                <a:latin typeface="+mn-lt"/>
+                <a:ea typeface="+mn-ea"/>
+                <a:cs typeface="+mn-cs"/>
+              </a:defRPr>
+            </a:lvl9pPr>
+          </a:lstStyle>
+          <a:p>
+            <a:pPr>
+              <a:buClr>
+                <a:srgbClr val="FD4901"/>
+              </a:buClr>
+              <a:buFont typeface="Arial" panose="020B0604020202020204" pitchFamily="34" charset="0"/>
+              <a:buChar char="•"/>
+            </a:pPr>
+            <a:r>
+              <a:rPr lang="fr-CA" dirty="0" smtClean="0">
+                <a:solidFill>
+                  <a:srgbClr val="FE692E"/>
+                </a:solidFill>
+                <a:latin typeface="+mj-lt"/>
+              </a:rPr>
+              <a:t>1V</a:t>
+            </a:r>
+          </a:p>
+          <a:p>
+            <a:pPr>
+              <a:buClr>
+                <a:srgbClr val="FD4901"/>
+              </a:buClr>
+              <a:buFont typeface="Arial" panose="020B0604020202020204" pitchFamily="34" charset="0"/>
+              <a:buChar char="•"/>
+            </a:pPr>
+            <a:r>
+              <a:rPr lang="fr-CA" dirty="0" smtClean="0">
+                <a:latin typeface="+mj-lt"/>
+              </a:rPr>
+              <a:t>1.2V</a:t>
+            </a:r>
+          </a:p>
+          <a:p>
+            <a:pPr>
+              <a:buClr>
+                <a:srgbClr val="FD4901"/>
+              </a:buClr>
+              <a:buFont typeface="Arial" panose="020B0604020202020204" pitchFamily="34" charset="0"/>
+              <a:buChar char="•"/>
+            </a:pPr>
+            <a:r>
+              <a:rPr lang="fr-CA" dirty="0" smtClean="0">
+                <a:solidFill>
+                  <a:srgbClr val="FE692E"/>
+                </a:solidFill>
+                <a:latin typeface="+mj-lt"/>
+              </a:rPr>
+              <a:t>2V</a:t>
+            </a:r>
+          </a:p>
+          <a:p>
+            <a:pPr>
+              <a:buClr>
+                <a:srgbClr val="FD4901"/>
+              </a:buClr>
+              <a:buFont typeface="Arial" panose="020B0604020202020204" pitchFamily="34" charset="0"/>
+              <a:buChar char="•"/>
+            </a:pPr>
+            <a:r>
+              <a:rPr lang="fr-CA" dirty="0" smtClean="0">
+                <a:latin typeface="+mj-lt"/>
+              </a:rPr>
+              <a:t>2.5V</a:t>
+            </a:r>
+          </a:p>
+          <a:p>
+            <a:pPr>
+              <a:buClr>
+                <a:srgbClr val="FD4901"/>
+              </a:buClr>
+              <a:buFont typeface="Arial" panose="020B0604020202020204" pitchFamily="34" charset="0"/>
+              <a:buChar char="•"/>
+            </a:pPr>
+            <a:r>
+              <a:rPr lang="fr-CA" dirty="0" smtClean="0">
+                <a:latin typeface="+mj-lt"/>
+              </a:rPr>
+              <a:t>3.3V</a:t>
+            </a:r>
+          </a:p>
+          <a:p>
+            <a:pPr>
+              <a:buClr>
+                <a:srgbClr val="FD4901"/>
+              </a:buClr>
+              <a:buFont typeface="Arial" panose="020B0604020202020204" pitchFamily="34" charset="0"/>
+              <a:buChar char="•"/>
+            </a:pPr>
+            <a:r>
+              <a:rPr lang="fr-CA" dirty="0" smtClean="0">
+                <a:latin typeface="+mj-lt"/>
+              </a:rPr>
+              <a:t>5V</a:t>
+            </a:r>
+          </a:p>
+          <a:p>
+            <a:pPr>
+              <a:buClr>
+                <a:srgbClr val="FD4901"/>
+              </a:buClr>
+              <a:buFont typeface="Arial" panose="020B0604020202020204" pitchFamily="34" charset="0"/>
+              <a:buChar char="•"/>
+            </a:pPr>
+            <a:r>
+              <a:rPr lang="fr-CA" dirty="0" smtClean="0">
+                <a:solidFill>
+                  <a:srgbClr val="FE692E"/>
+                </a:solidFill>
+                <a:latin typeface="+mj-lt"/>
+              </a:rPr>
+              <a:t>23V</a:t>
+            </a:r>
+          </a:p>
+          <a:p>
+            <a:pPr>
+              <a:buClr>
+                <a:srgbClr val="FD4901"/>
+              </a:buClr>
+              <a:buFont typeface="Arial" panose="020B0604020202020204" pitchFamily="34" charset="0"/>
+              <a:buChar char="•"/>
+            </a:pPr>
+            <a:r>
+              <a:rPr lang="fr-CA" dirty="0" smtClean="0">
+                <a:solidFill>
+                  <a:srgbClr val="FE692E"/>
+                </a:solidFill>
+                <a:latin typeface="+mj-lt"/>
+              </a:rPr>
+              <a:t>24V</a:t>
+            </a:r>
+          </a:p>
+          <a:p>
+            <a:pPr>
+              <a:buClr>
+                <a:srgbClr val="FD4901"/>
+              </a:buClr>
+              <a:buFont typeface="Arial" panose="020B0604020202020204" pitchFamily="34" charset="0"/>
+              <a:buChar char="•"/>
+            </a:pPr>
+            <a:r>
+              <a:rPr lang="fr-CA" dirty="0" smtClean="0">
+                <a:solidFill>
+                  <a:srgbClr val="FE692E"/>
+                </a:solidFill>
+                <a:latin typeface="+mj-lt"/>
+              </a:rPr>
+              <a:t>25V</a:t>
+            </a:r>
+          </a:p>
+          <a:p>
+            <a:pPr>
+              <a:buClr>
+                <a:srgbClr val="FD4901"/>
+              </a:buClr>
+              <a:buFont typeface="Arial" panose="020B0604020202020204" pitchFamily="34" charset="0"/>
+              <a:buChar char="•"/>
+            </a:pPr>
+            <a:r>
+              <a:rPr lang="fr-CA" dirty="0" smtClean="0">
+                <a:solidFill>
+                  <a:schemeClr val="tx1"/>
+                </a:solidFill>
+                <a:latin typeface="+mj-lt"/>
+              </a:rPr>
+              <a:t>28V</a:t>
+            </a:r>
+            <a:endParaRPr lang="fr-CA" dirty="0">
+              <a:solidFill>
+                <a:schemeClr val="tx1"/>
+              </a:solidFill>
+              <a:latin typeface="+mj-lt"/>
+            </a:endParaRPr>
+          </a:p>
+        </p:txBody>
+      </p:sp>
+    </p:spTree>
+    <p:extLst>
+      <p:ext uri="{BB962C8B-B14F-4D97-AF65-F5344CB8AC3E}">
+        <p14:creationId xmlns:p14="http://schemas.microsoft.com/office/powerpoint/2010/main" val="3060192383"/>
+      </p:ext>
+    </p:extLst>
+  </p:cSld>
+  <p:clrMapOvr>
+    <a:masterClrMapping/>
+  </p:clrMapOvr>
+  <mc:AlternateContent xmlns:mc="http://schemas.openxmlformats.org/markup-compatibility/2006" xmlns:p14="http://schemas.microsoft.com/office/powerpoint/2010/main">
+    <mc:Choice Requires="p14">
+      <p:transition p14:dur="100">
+        <p:dissolve/>
+      </p:transition>
+    </mc:Choice>
+    <mc:Fallback xmlns="">
+      <p:transition>
+        <p:dissolve/>
+      </p:transition>
+    </mc:Fallback>
+  </mc:AlternateContent>
+  <p:timing>
+    <p:tnLst>
+      <p:par>
+        <p:cTn id="1" dur="indefinite" restart="never" nodeType="tmRoot">
+          <p:childTnLst>
+            <p:seq concurrent="1" nextAc="seek">
+              <p:cTn id="2" dur="indefinite" nodeType="mainSeq">
+                <p:childTnLst>
+                  <p:par>
+                    <p:cTn id="3" fill="hold">
+                      <p:stCondLst>
+                        <p:cond delay="indefinite"/>
+                      </p:stCondLst>
+                      <p:childTnLst>
+                        <p:par>
+                          <p:cTn id="4" fill="hold">
+                            <p:stCondLst>
+                              <p:cond delay="0"/>
+                            </p:stCondLst>
+                            <p:childTnLst>
+                              <p:par>
+                                <p:cTn id="5" presetID="10" presetClass="entr" presetSubtype="0" fill="hold" grpId="0" nodeType="clickEffect">
+                                  <p:stCondLst>
+                                    <p:cond delay="0"/>
+                                  </p:stCondLst>
+                                  <p:childTnLst>
+                                    <p:set>
+                                      <p:cBhvr>
+                                        <p:cTn id="6" dur="1" fill="hold">
+                                          <p:stCondLst>
+                                            <p:cond delay="0"/>
+                                          </p:stCondLst>
+                                        </p:cTn>
+                                        <p:tgtEl>
+                                          <p:spTgt spid="3">
+                                            <p:txEl>
+                                              <p:pRg st="0" end="0"/>
+                                            </p:txEl>
+                                          </p:spTgt>
+                                        </p:tgtEl>
+                                        <p:attrNameLst>
+                                          <p:attrName>style.visibility</p:attrName>
+                                        </p:attrNameLst>
+                                      </p:cBhvr>
+                                      <p:to>
+                                        <p:strVal val="visible"/>
+                                      </p:to>
+                                    </p:set>
+                                    <p:animEffect transition="in" filter="fade">
+                                      <p:cBhvr>
+                                        <p:cTn id="7" dur="500"/>
+                                        <p:tgtEl>
+                                          <p:spTgt spid="3">
+                                            <p:txEl>
+                                              <p:pRg st="0" end="0"/>
+                                            </p:txEl>
+                                          </p:spTgt>
+                                        </p:tgtEl>
+                                      </p:cBhvr>
+                                    </p:animEffect>
+                                  </p:childTnLst>
+                                </p:cTn>
+                              </p:par>
+                              <p:par>
+                                <p:cTn id="8" presetID="2" presetClass="entr" presetSubtype="2" fill="hold" nodeType="withEffect">
+                                  <p:stCondLst>
+                                    <p:cond delay="0"/>
+                                  </p:stCondLst>
+                                  <p:childTnLst>
+                                    <p:set>
+                                      <p:cBhvr>
+                                        <p:cTn id="9" dur="1" fill="hold">
+                                          <p:stCondLst>
+                                            <p:cond delay="0"/>
+                                          </p:stCondLst>
+                                        </p:cTn>
+                                        <p:tgtEl>
+                                          <p:spTgt spid="2050"/>
+                                        </p:tgtEl>
+                                        <p:attrNameLst>
+                                          <p:attrName>style.visibility</p:attrName>
+                                        </p:attrNameLst>
+                                      </p:cBhvr>
+                                      <p:to>
+                                        <p:strVal val="visible"/>
+                                      </p:to>
+                                    </p:set>
+                                    <p:anim calcmode="lin" valueType="num">
+                                      <p:cBhvr additive="base">
+                                        <p:cTn id="10" dur="500" fill="hold"/>
+                                        <p:tgtEl>
+                                          <p:spTgt spid="2050"/>
+                                        </p:tgtEl>
+                                        <p:attrNameLst>
+                                          <p:attrName>ppt_x</p:attrName>
+                                        </p:attrNameLst>
+                                      </p:cBhvr>
+                                      <p:tavLst>
+                                        <p:tav tm="0">
+                                          <p:val>
+                                            <p:strVal val="1+#ppt_w/2"/>
+                                          </p:val>
+                                        </p:tav>
+                                        <p:tav tm="100000">
+                                          <p:val>
+                                            <p:strVal val="#ppt_x"/>
+                                          </p:val>
+                                        </p:tav>
+                                      </p:tavLst>
+                                    </p:anim>
+                                    <p:anim calcmode="lin" valueType="num">
+                                      <p:cBhvr additive="base">
+                                        <p:cTn id="11" dur="500" fill="hold"/>
+                                        <p:tgtEl>
+                                          <p:spTgt spid="2050"/>
+                                        </p:tgtEl>
+                                        <p:attrNameLst>
+                                          <p:attrName>ppt_y</p:attrName>
+                                        </p:attrNameLst>
+                                      </p:cBhvr>
+                                      <p:tavLst>
+                                        <p:tav tm="0">
+                                          <p:val>
+                                            <p:strVal val="#ppt_y"/>
+                                          </p:val>
+                                        </p:tav>
+                                        <p:tav tm="100000">
+                                          <p:val>
+                                            <p:strVal val="#ppt_y"/>
+                                          </p:val>
+                                        </p:tav>
+                                      </p:tavLst>
+                                    </p:anim>
+                                  </p:childTnLst>
+                                </p:cTn>
+                              </p:par>
+                            </p:childTnLst>
+                          </p:cTn>
+                        </p:par>
+                      </p:childTnLst>
+                    </p:cTn>
+                  </p:par>
+                  <p:par>
+                    <p:cTn id="12" fill="hold">
+                      <p:stCondLst>
+                        <p:cond delay="indefinite"/>
+                      </p:stCondLst>
+                      <p:childTnLst>
+                        <p:par>
+                          <p:cTn id="13" fill="hold">
+                            <p:stCondLst>
+                              <p:cond delay="0"/>
+                            </p:stCondLst>
+                            <p:childTnLst>
+                              <p:par>
+                                <p:cTn id="14" presetID="10" presetClass="entr" presetSubtype="0" fill="hold" grpId="0" nodeType="clickEffect">
+                                  <p:stCondLst>
+                                    <p:cond delay="0"/>
+                                  </p:stCondLst>
+                                  <p:childTnLst>
+                                    <p:set>
+                                      <p:cBhvr>
+                                        <p:cTn id="15" dur="1" fill="hold">
+                                          <p:stCondLst>
+                                            <p:cond delay="0"/>
+                                          </p:stCondLst>
+                                        </p:cTn>
+                                        <p:tgtEl>
+                                          <p:spTgt spid="3">
+                                            <p:txEl>
+                                              <p:pRg st="1" end="1"/>
+                                            </p:txEl>
+                                          </p:spTgt>
+                                        </p:tgtEl>
+                                        <p:attrNameLst>
+                                          <p:attrName>style.visibility</p:attrName>
+                                        </p:attrNameLst>
+                                      </p:cBhvr>
+                                      <p:to>
+                                        <p:strVal val="visible"/>
+                                      </p:to>
+                                    </p:set>
+                                    <p:animEffect transition="in" filter="fade">
+                                      <p:cBhvr>
+                                        <p:cTn id="16" dur="500"/>
+                                        <p:tgtEl>
+                                          <p:spTgt spid="3">
+                                            <p:txEl>
+                                              <p:pRg st="1" end="1"/>
+                                            </p:txEl>
+                                          </p:spTgt>
+                                        </p:tgtEl>
+                                      </p:cBhvr>
+                                    </p:animEffect>
+                                  </p:childTnLst>
+                                </p:cTn>
+                              </p:par>
+                              <p:par>
+                                <p:cTn id="17" presetID="10" presetClass="exit" presetSubtype="0" fill="hold" nodeType="withEffect">
+                                  <p:stCondLst>
+                                    <p:cond delay="0"/>
+                                  </p:stCondLst>
+                                  <p:childTnLst>
+                                    <p:animEffect transition="out" filter="fade">
+                                      <p:cBhvr>
+                                        <p:cTn id="18" dur="500"/>
+                                        <p:tgtEl>
+                                          <p:spTgt spid="2050"/>
+                                        </p:tgtEl>
+                                      </p:cBhvr>
+                                    </p:animEffect>
+                                    <p:set>
+                                      <p:cBhvr>
+                                        <p:cTn id="19" dur="1" fill="hold">
+                                          <p:stCondLst>
+                                            <p:cond delay="499"/>
+                                          </p:stCondLst>
+                                        </p:cTn>
+                                        <p:tgtEl>
+                                          <p:spTgt spid="2050"/>
+                                        </p:tgtEl>
+                                        <p:attrNameLst>
+                                          <p:attrName>style.visibility</p:attrName>
+                                        </p:attrNameLst>
+                                      </p:cBhvr>
+                                      <p:to>
+                                        <p:strVal val="hidden"/>
+                                      </p:to>
+                                    </p:set>
+                                  </p:childTnLst>
+                                </p:cTn>
+                              </p:par>
+                              <p:par>
+                                <p:cTn id="20" presetID="2" presetClass="exit" presetSubtype="1" fill="hold" grpId="0" nodeType="withEffect">
+                                  <p:stCondLst>
+                                    <p:cond delay="0"/>
+                                  </p:stCondLst>
+                                  <p:childTnLst>
+                                    <p:anim calcmode="lin" valueType="num">
+                                      <p:cBhvr additive="base">
+                                        <p:cTn id="21" dur="5000"/>
+                                        <p:tgtEl>
+                                          <p:spTgt spid="5"/>
+                                        </p:tgtEl>
+                                        <p:attrNameLst>
+                                          <p:attrName>ppt_x</p:attrName>
+                                        </p:attrNameLst>
+                                      </p:cBhvr>
+                                      <p:tavLst>
+                                        <p:tav tm="0">
+                                          <p:val>
+                                            <p:strVal val="ppt_x"/>
+                                          </p:val>
+                                        </p:tav>
+                                        <p:tav tm="100000">
+                                          <p:val>
+                                            <p:strVal val="ppt_x"/>
+                                          </p:val>
+                                        </p:tav>
+                                      </p:tavLst>
+                                    </p:anim>
+                                    <p:anim calcmode="lin" valueType="num">
+                                      <p:cBhvr additive="base">
+                                        <p:cTn id="22" dur="5000"/>
+                                        <p:tgtEl>
+                                          <p:spTgt spid="5"/>
+                                        </p:tgtEl>
+                                        <p:attrNameLst>
+                                          <p:attrName>ppt_y</p:attrName>
+                                        </p:attrNameLst>
+                                      </p:cBhvr>
+                                      <p:tavLst>
+                                        <p:tav tm="0">
+                                          <p:val>
+                                            <p:strVal val="ppt_y"/>
+                                          </p:val>
+                                        </p:tav>
+                                        <p:tav tm="100000">
+                                          <p:val>
+                                            <p:strVal val="0-ppt_h/2"/>
+                                          </p:val>
+                                        </p:tav>
+                                      </p:tavLst>
+                                    </p:anim>
+                                    <p:set>
+                                      <p:cBhvr>
+                                        <p:cTn id="23" dur="1" fill="hold">
+                                          <p:stCondLst>
+                                            <p:cond delay="4999"/>
+                                          </p:stCondLst>
+                                        </p:cTn>
+                                        <p:tgtEl>
+                                          <p:spTgt spid="5"/>
+                                        </p:tgtEl>
+                                        <p:attrNameLst>
+                                          <p:attrName>style.visibility</p:attrName>
+                                        </p:attrNameLst>
+                                      </p:cBhvr>
+                                      <p:to>
+                                        <p:strVal val="hidden"/>
+                                      </p:to>
+                                    </p:set>
+                                  </p:childTnLst>
+                                </p:cTn>
+                              </p:par>
+                            </p:childTnLst>
+                          </p:cTn>
+                        </p:par>
+                      </p:childTnLst>
+                    </p:cTn>
+                  </p:par>
+                  <p:par>
+                    <p:cTn id="24" fill="hold">
+                      <p:stCondLst>
+                        <p:cond delay="indefinite"/>
+                      </p:stCondLst>
+                      <p:childTnLst>
+                        <p:par>
+                          <p:cTn id="25" fill="hold">
+                            <p:stCondLst>
+                              <p:cond delay="0"/>
+                            </p:stCondLst>
+                            <p:childTnLst>
+                              <p:par>
+                                <p:cTn id="26" presetID="10" presetClass="entr" presetSubtype="0" fill="hold" grpId="0" nodeType="clickEffect">
+                                  <p:stCondLst>
+                                    <p:cond delay="0"/>
+                                  </p:stCondLst>
+                                  <p:childTnLst>
+                                    <p:set>
+                                      <p:cBhvr>
+                                        <p:cTn id="27" dur="1" fill="hold">
+                                          <p:stCondLst>
+                                            <p:cond delay="0"/>
+                                          </p:stCondLst>
+                                        </p:cTn>
+                                        <p:tgtEl>
+                                          <p:spTgt spid="3">
+                                            <p:txEl>
+                                              <p:pRg st="2" end="2"/>
+                                            </p:txEl>
+                                          </p:spTgt>
+                                        </p:tgtEl>
+                                        <p:attrNameLst>
+                                          <p:attrName>style.visibility</p:attrName>
+                                        </p:attrNameLst>
+                                      </p:cBhvr>
+                                      <p:to>
+                                        <p:strVal val="visible"/>
+                                      </p:to>
+                                    </p:set>
+                                    <p:animEffect transition="in" filter="fade">
+                                      <p:cBhvr>
+                                        <p:cTn id="28" dur="500"/>
+                                        <p:tgtEl>
+                                          <p:spTgt spid="3">
+                                            <p:txEl>
+                                              <p:pRg st="2" end="2"/>
+                                            </p:txEl>
+                                          </p:spTgt>
+                                        </p:tgtEl>
+                                      </p:cBhvr>
+                                    </p:animEffect>
+                                  </p:childTnLst>
+                                </p:cTn>
+                              </p:par>
+                              <p:par>
+                                <p:cTn id="29" presetID="2" presetClass="entr" presetSubtype="2" fill="hold" nodeType="withEffect">
+                                  <p:stCondLst>
+                                    <p:cond delay="0"/>
+                                  </p:stCondLst>
+                                  <p:childTnLst>
+                                    <p:set>
+                                      <p:cBhvr>
+                                        <p:cTn id="30" dur="1" fill="hold">
+                                          <p:stCondLst>
+                                            <p:cond delay="0"/>
+                                          </p:stCondLst>
+                                        </p:cTn>
+                                        <p:tgtEl>
+                                          <p:spTgt spid="7"/>
+                                        </p:tgtEl>
+                                        <p:attrNameLst>
+                                          <p:attrName>style.visibility</p:attrName>
+                                        </p:attrNameLst>
+                                      </p:cBhvr>
+                                      <p:to>
+                                        <p:strVal val="visible"/>
+                                      </p:to>
+                                    </p:set>
+                                    <p:anim calcmode="lin" valueType="num">
+                                      <p:cBhvr additive="base">
+                                        <p:cTn id="31" dur="500" fill="hold"/>
+                                        <p:tgtEl>
+                                          <p:spTgt spid="7"/>
+                                        </p:tgtEl>
+                                        <p:attrNameLst>
+                                          <p:attrName>ppt_x</p:attrName>
+                                        </p:attrNameLst>
+                                      </p:cBhvr>
+                                      <p:tavLst>
+                                        <p:tav tm="0">
+                                          <p:val>
+                                            <p:strVal val="1+#ppt_w/2"/>
+                                          </p:val>
+                                        </p:tav>
+                                        <p:tav tm="100000">
+                                          <p:val>
+                                            <p:strVal val="#ppt_x"/>
+                                          </p:val>
+                                        </p:tav>
+                                      </p:tavLst>
+                                    </p:anim>
+                                    <p:anim calcmode="lin" valueType="num">
+                                      <p:cBhvr additive="base">
+                                        <p:cTn id="32" dur="500" fill="hold"/>
+                                        <p:tgtEl>
+                                          <p:spTgt spid="7"/>
+                                        </p:tgtEl>
+                                        <p:attrNameLst>
+                                          <p:attrName>ppt_y</p:attrName>
+                                        </p:attrNameLst>
+                                      </p:cBhvr>
+                                      <p:tavLst>
+                                        <p:tav tm="0">
+                                          <p:val>
+                                            <p:strVal val="#ppt_y"/>
+                                          </p:val>
+                                        </p:tav>
+                                        <p:tav tm="100000">
+                                          <p:val>
+                                            <p:strVal val="#ppt_y"/>
+                                          </p:val>
+                                        </p:tav>
+                                      </p:tavLst>
+                                    </p:anim>
+                                  </p:childTnLst>
+                                </p:cTn>
+                              </p:par>
+                            </p:childTnLst>
+                          </p:cTn>
+                        </p:par>
+                      </p:childTnLst>
+                    </p:cTn>
+                  </p:par>
+                  <p:par>
+                    <p:cTn id="33" fill="hold">
+                      <p:stCondLst>
+                        <p:cond delay="indefinite"/>
+                      </p:stCondLst>
+                      <p:childTnLst>
+                        <p:par>
+                          <p:cTn id="34" fill="hold">
+                            <p:stCondLst>
+                              <p:cond delay="0"/>
+                            </p:stCondLst>
+                            <p:childTnLst>
+                              <p:par>
+                                <p:cTn id="35" presetID="10" presetClass="entr" presetSubtype="0" fill="hold" grpId="0" nodeType="clickEffect">
+                                  <p:stCondLst>
+                                    <p:cond delay="0"/>
+                                  </p:stCondLst>
+                                  <p:childTnLst>
+                                    <p:set>
+                                      <p:cBhvr>
+                                        <p:cTn id="36" dur="1" fill="hold">
+                                          <p:stCondLst>
+                                            <p:cond delay="0"/>
+                                          </p:stCondLst>
+                                        </p:cTn>
+                                        <p:tgtEl>
+                                          <p:spTgt spid="3">
+                                            <p:txEl>
+                                              <p:pRg st="3" end="3"/>
+                                            </p:txEl>
+                                          </p:spTgt>
+                                        </p:tgtEl>
+                                        <p:attrNameLst>
+                                          <p:attrName>style.visibility</p:attrName>
+                                        </p:attrNameLst>
+                                      </p:cBhvr>
+                                      <p:to>
+                                        <p:strVal val="visible"/>
+                                      </p:to>
+                                    </p:set>
+                                    <p:animEffect transition="in" filter="fade">
+                                      <p:cBhvr>
+                                        <p:cTn id="37" dur="500"/>
+                                        <p:tgtEl>
+                                          <p:spTgt spid="3">
+                                            <p:txEl>
+                                              <p:pRg st="3" end="3"/>
+                                            </p:txEl>
+                                          </p:spTgt>
+                                        </p:tgtEl>
+                                      </p:cBhvr>
+                                    </p:animEffect>
+                                  </p:childTnLst>
+                                </p:cTn>
+                              </p:par>
+                              <p:par>
+                                <p:cTn id="38" presetID="10" presetClass="exit" presetSubtype="0" fill="hold" nodeType="withEffect">
+                                  <p:stCondLst>
+                                    <p:cond delay="0"/>
+                                  </p:stCondLst>
+                                  <p:childTnLst>
+                                    <p:animEffect transition="out" filter="fade">
+                                      <p:cBhvr>
+                                        <p:cTn id="39" dur="500"/>
+                                        <p:tgtEl>
+                                          <p:spTgt spid="7"/>
+                                        </p:tgtEl>
+                                      </p:cBhvr>
+                                    </p:animEffect>
+                                    <p:set>
+                                      <p:cBhvr>
+                                        <p:cTn id="40" dur="1" fill="hold">
+                                          <p:stCondLst>
+                                            <p:cond delay="499"/>
+                                          </p:stCondLst>
+                                        </p:cTn>
+                                        <p:tgtEl>
+                                          <p:spTgt spid="7"/>
+                                        </p:tgtEl>
+                                        <p:attrNameLst>
+                                          <p:attrName>style.visibility</p:attrName>
+                                        </p:attrNameLst>
+                                      </p:cBhvr>
+                                      <p:to>
+                                        <p:strVal val="hidden"/>
+                                      </p:to>
+                                    </p:set>
+                                  </p:childTnLst>
+                                </p:cTn>
+                              </p:par>
+                            </p:childTnLst>
+                          </p:cTn>
+                        </p:par>
+                      </p:childTnLst>
+                    </p:cTn>
+                  </p:par>
+                  <p:par>
+                    <p:cTn id="41" fill="hold">
+                      <p:stCondLst>
+                        <p:cond delay="indefinite"/>
+                      </p:stCondLst>
+                      <p:childTnLst>
+                        <p:par>
+                          <p:cTn id="42" fill="hold">
+                            <p:stCondLst>
+                              <p:cond delay="0"/>
+                            </p:stCondLst>
+                            <p:childTnLst>
+                              <p:par>
+                                <p:cTn id="43" presetID="10" presetClass="entr" presetSubtype="0" fill="hold" grpId="0" nodeType="clickEffect">
+                                  <p:stCondLst>
+                                    <p:cond delay="0"/>
+                                  </p:stCondLst>
+                                  <p:childTnLst>
+                                    <p:set>
+                                      <p:cBhvr>
+                                        <p:cTn id="44" dur="1" fill="hold">
+                                          <p:stCondLst>
+                                            <p:cond delay="0"/>
+                                          </p:stCondLst>
+                                        </p:cTn>
+                                        <p:tgtEl>
+                                          <p:spTgt spid="3">
+                                            <p:txEl>
+                                              <p:pRg st="4" end="4"/>
+                                            </p:txEl>
+                                          </p:spTgt>
+                                        </p:tgtEl>
+                                        <p:attrNameLst>
+                                          <p:attrName>style.visibility</p:attrName>
+                                        </p:attrNameLst>
+                                      </p:cBhvr>
+                                      <p:to>
+                                        <p:strVal val="visible"/>
+                                      </p:to>
+                                    </p:set>
+                                    <p:animEffect transition="in" filter="fade">
+                                      <p:cBhvr>
+                                        <p:cTn id="45" dur="500"/>
+                                        <p:tgtEl>
+                                          <p:spTgt spid="3">
+                                            <p:txEl>
+                                              <p:pRg st="4" end="4"/>
+                                            </p:txEl>
+                                          </p:spTgt>
+                                        </p:tgtEl>
+                                      </p:cBhvr>
+                                    </p:animEffect>
+                                  </p:childTnLst>
+                                </p:cTn>
+                              </p:par>
+                              <p:par>
+                                <p:cTn id="46" presetID="2" presetClass="entr" presetSubtype="2" fill="hold" nodeType="withEffect">
+                                  <p:stCondLst>
+                                    <p:cond delay="0"/>
+                                  </p:stCondLst>
+                                  <p:childTnLst>
+                                    <p:set>
+                                      <p:cBhvr>
+                                        <p:cTn id="47" dur="1" fill="hold">
+                                          <p:stCondLst>
+                                            <p:cond delay="0"/>
+                                          </p:stCondLst>
+                                        </p:cTn>
+                                        <p:tgtEl>
+                                          <p:spTgt spid="8"/>
+                                        </p:tgtEl>
+                                        <p:attrNameLst>
+                                          <p:attrName>style.visibility</p:attrName>
+                                        </p:attrNameLst>
+                                      </p:cBhvr>
+                                      <p:to>
+                                        <p:strVal val="visible"/>
+                                      </p:to>
+                                    </p:set>
+                                    <p:anim calcmode="lin" valueType="num">
+                                      <p:cBhvr additive="base">
+                                        <p:cTn id="48" dur="500" fill="hold"/>
+                                        <p:tgtEl>
+                                          <p:spTgt spid="8"/>
+                                        </p:tgtEl>
+                                        <p:attrNameLst>
+                                          <p:attrName>ppt_x</p:attrName>
+                                        </p:attrNameLst>
+                                      </p:cBhvr>
+                                      <p:tavLst>
+                                        <p:tav tm="0">
+                                          <p:val>
+                                            <p:strVal val="1+#ppt_w/2"/>
+                                          </p:val>
+                                        </p:tav>
+                                        <p:tav tm="100000">
+                                          <p:val>
+                                            <p:strVal val="#ppt_x"/>
+                                          </p:val>
+                                        </p:tav>
+                                      </p:tavLst>
+                                    </p:anim>
+                                    <p:anim calcmode="lin" valueType="num">
+                                      <p:cBhvr additive="base">
+                                        <p:cTn id="49" dur="500" fill="hold"/>
+                                        <p:tgtEl>
+                                          <p:spTgt spid="8"/>
+                                        </p:tgtEl>
+                                        <p:attrNameLst>
+                                          <p:attrName>ppt_y</p:attrName>
+                                        </p:attrNameLst>
+                                      </p:cBhvr>
+                                      <p:tavLst>
+                                        <p:tav tm="0">
+                                          <p:val>
+                                            <p:strVal val="#ppt_y"/>
+                                          </p:val>
+                                        </p:tav>
+                                        <p:tav tm="100000">
+                                          <p:val>
+                                            <p:strVal val="#ppt_y"/>
+                                          </p:val>
+                                        </p:tav>
+                                      </p:tavLst>
+                                    </p:anim>
+                                  </p:childTnLst>
+                                </p:cTn>
+                              </p:par>
+                            </p:childTnLst>
+                          </p:cTn>
+                        </p:par>
+                      </p:childTnLst>
+                    </p:cTn>
+                  </p:par>
+                  <p:par>
+                    <p:cTn id="50" fill="hold">
+                      <p:stCondLst>
+                        <p:cond delay="indefinite"/>
+                      </p:stCondLst>
+                      <p:childTnLst>
+                        <p:par>
+                          <p:cTn id="51" fill="hold">
+                            <p:stCondLst>
+                              <p:cond delay="0"/>
+                            </p:stCondLst>
+                            <p:childTnLst>
+                              <p:par>
+                                <p:cTn id="52" presetID="10" presetClass="entr" presetSubtype="0" fill="hold" grpId="0" nodeType="clickEffect">
+                                  <p:stCondLst>
+                                    <p:cond delay="0"/>
+                                  </p:stCondLst>
+                                  <p:childTnLst>
+                                    <p:set>
+                                      <p:cBhvr>
+                                        <p:cTn id="53" dur="1" fill="hold">
+                                          <p:stCondLst>
+                                            <p:cond delay="0"/>
+                                          </p:stCondLst>
+                                        </p:cTn>
+                                        <p:tgtEl>
+                                          <p:spTgt spid="3">
+                                            <p:txEl>
+                                              <p:pRg st="5" end="5"/>
+                                            </p:txEl>
+                                          </p:spTgt>
+                                        </p:tgtEl>
+                                        <p:attrNameLst>
+                                          <p:attrName>style.visibility</p:attrName>
+                                        </p:attrNameLst>
+                                      </p:cBhvr>
+                                      <p:to>
+                                        <p:strVal val="visible"/>
+                                      </p:to>
+                                    </p:set>
+                                    <p:animEffect transition="in" filter="fade">
+                                      <p:cBhvr>
+                                        <p:cTn id="54" dur="500"/>
+                                        <p:tgtEl>
+                                          <p:spTgt spid="3">
+                                            <p:txEl>
+                                              <p:pRg st="5" end="5"/>
+                                            </p:txEl>
+                                          </p:spTgt>
+                                        </p:tgtEl>
+                                      </p:cBhvr>
+                                    </p:animEffect>
+                                  </p:childTnLst>
+                                </p:cTn>
+                              </p:par>
+                              <p:par>
+                                <p:cTn id="55" presetID="2" presetClass="entr" presetSubtype="2" fill="hold" nodeType="withEffect">
+                                  <p:stCondLst>
+                                    <p:cond delay="0"/>
+                                  </p:stCondLst>
+                                  <p:childTnLst>
+                                    <p:set>
+                                      <p:cBhvr>
+                                        <p:cTn id="56" dur="1" fill="hold">
+                                          <p:stCondLst>
+                                            <p:cond delay="0"/>
+                                          </p:stCondLst>
+                                        </p:cTn>
+                                        <p:tgtEl>
+                                          <p:spTgt spid="2052"/>
+                                        </p:tgtEl>
+                                        <p:attrNameLst>
+                                          <p:attrName>style.visibility</p:attrName>
+                                        </p:attrNameLst>
+                                      </p:cBhvr>
+                                      <p:to>
+                                        <p:strVal val="visible"/>
+                                      </p:to>
+                                    </p:set>
+                                    <p:anim calcmode="lin" valueType="num">
+                                      <p:cBhvr additive="base">
+                                        <p:cTn id="57" dur="1000" fill="hold"/>
+                                        <p:tgtEl>
+                                          <p:spTgt spid="2052"/>
+                                        </p:tgtEl>
+                                        <p:attrNameLst>
+                                          <p:attrName>ppt_x</p:attrName>
+                                        </p:attrNameLst>
+                                      </p:cBhvr>
+                                      <p:tavLst>
+                                        <p:tav tm="0">
+                                          <p:val>
+                                            <p:strVal val="1+#ppt_w/2"/>
+                                          </p:val>
+                                        </p:tav>
+                                        <p:tav tm="100000">
+                                          <p:val>
+                                            <p:strVal val="#ppt_x"/>
+                                          </p:val>
+                                        </p:tav>
+                                      </p:tavLst>
+                                    </p:anim>
+                                    <p:anim calcmode="lin" valueType="num">
+                                      <p:cBhvr additive="base">
+                                        <p:cTn id="58" dur="1000" fill="hold"/>
+                                        <p:tgtEl>
+                                          <p:spTgt spid="2052"/>
+                                        </p:tgtEl>
+                                        <p:attrNameLst>
+                                          <p:attrName>ppt_y</p:attrName>
+                                        </p:attrNameLst>
+                                      </p:cBhvr>
+                                      <p:tavLst>
+                                        <p:tav tm="0">
+                                          <p:val>
+                                            <p:strVal val="#ppt_y"/>
+                                          </p:val>
+                                        </p:tav>
+                                        <p:tav tm="100000">
+                                          <p:val>
+                                            <p:strVal val="#ppt_y"/>
+                                          </p:val>
+                                        </p:tav>
+                                      </p:tavLst>
+                                    </p:anim>
+                                  </p:childTnLst>
+                                </p:cTn>
+                              </p:par>
+                              <p:par>
+                                <p:cTn id="59" presetID="36" presetClass="path" presetSubtype="0" accel="50000" decel="50000" fill="hold" nodeType="withEffect">
+                                  <p:stCondLst>
+                                    <p:cond delay="0"/>
+                                  </p:stCondLst>
+                                  <p:childTnLst>
+                                    <p:animMotion origin="layout" path="M -2.29167E-6 3.33333E-6 L -2.29167E-6 0.23379 C -2.29167E-6 0.33889 -0.16367 0.46898 -0.29635 0.46898 L -0.59205 0.46898 " pathEditMode="relative" rAng="0" ptsTypes="AAAA">
+                                      <p:cBhvr>
+                                        <p:cTn id="60" dur="2000" fill="hold"/>
+                                        <p:tgtEl>
+                                          <p:spTgt spid="8"/>
+                                        </p:tgtEl>
+                                        <p:attrNameLst>
+                                          <p:attrName>ppt_x</p:attrName>
+                                          <p:attrName>ppt_y</p:attrName>
+                                        </p:attrNameLst>
+                                      </p:cBhvr>
+                                      <p:rCtr x="-29609" y="23449"/>
+                                    </p:animMotion>
+                                  </p:childTnLst>
+                                </p:cTn>
+                              </p:par>
+                              <p:par>
+                                <p:cTn id="61" presetID="6" presetClass="emph" presetSubtype="0" fill="hold" nodeType="withEffect">
+                                  <p:stCondLst>
+                                    <p:cond delay="0"/>
+                                  </p:stCondLst>
+                                  <p:childTnLst>
+                                    <p:animScale>
+                                      <p:cBhvr>
+                                        <p:cTn id="62" dur="500" fill="hold"/>
+                                        <p:tgtEl>
+                                          <p:spTgt spid="8"/>
+                                        </p:tgtEl>
+                                      </p:cBhvr>
+                                      <p:by x="50000" y="50000"/>
+                                    </p:animScale>
+                                  </p:childTnLst>
+                                </p:cTn>
+                              </p:par>
+                              <p:par>
+                                <p:cTn id="63" presetID="6" presetClass="emph" presetSubtype="0" fill="hold" nodeType="withEffect">
+                                  <p:stCondLst>
+                                    <p:cond delay="500"/>
+                                  </p:stCondLst>
+                                  <p:childTnLst>
+                                    <p:animScale>
+                                      <p:cBhvr>
+                                        <p:cTn id="64" dur="500" fill="hold"/>
+                                        <p:tgtEl>
+                                          <p:spTgt spid="8"/>
+                                        </p:tgtEl>
+                                      </p:cBhvr>
+                                      <p:by x="25000" y="25000"/>
+                                    </p:animScale>
+                                  </p:childTnLst>
+                                </p:cTn>
+                              </p:par>
+                            </p:childTnLst>
+                          </p:cTn>
+                        </p:par>
+                      </p:childTnLst>
+                    </p:cTn>
+                  </p:par>
+                  <p:par>
+                    <p:cTn id="65" fill="hold">
+                      <p:stCondLst>
+                        <p:cond delay="indefinite"/>
+                      </p:stCondLst>
+                      <p:childTnLst>
+                        <p:par>
+                          <p:cTn id="66" fill="hold">
+                            <p:stCondLst>
+                              <p:cond delay="0"/>
+                            </p:stCondLst>
+                            <p:childTnLst>
+                              <p:par>
+                                <p:cTn id="67" presetID="10" presetClass="entr" presetSubtype="0" fill="hold" grpId="0" nodeType="clickEffect">
+                                  <p:stCondLst>
+                                    <p:cond delay="0"/>
+                                  </p:stCondLst>
+                                  <p:childTnLst>
+                                    <p:set>
+                                      <p:cBhvr>
+                                        <p:cTn id="68" dur="1" fill="hold">
+                                          <p:stCondLst>
+                                            <p:cond delay="0"/>
+                                          </p:stCondLst>
+                                        </p:cTn>
+                                        <p:tgtEl>
+                                          <p:spTgt spid="3">
+                                            <p:txEl>
+                                              <p:pRg st="6" end="6"/>
+                                            </p:txEl>
+                                          </p:spTgt>
+                                        </p:tgtEl>
+                                        <p:attrNameLst>
+                                          <p:attrName>style.visibility</p:attrName>
+                                        </p:attrNameLst>
+                                      </p:cBhvr>
+                                      <p:to>
+                                        <p:strVal val="visible"/>
+                                      </p:to>
+                                    </p:set>
+                                    <p:animEffect transition="in" filter="fade">
+                                      <p:cBhvr>
+                                        <p:cTn id="69" dur="500"/>
+                                        <p:tgtEl>
+                                          <p:spTgt spid="3">
+                                            <p:txEl>
+                                              <p:pRg st="6" end="6"/>
+                                            </p:txEl>
+                                          </p:spTgt>
+                                        </p:tgtEl>
+                                      </p:cBhvr>
+                                    </p:animEffect>
+                                  </p:childTnLst>
+                                </p:cTn>
+                              </p:par>
+                              <p:par>
+                                <p:cTn id="70" presetID="10" presetClass="exit" presetSubtype="0" fill="hold" nodeType="withEffect">
+                                  <p:stCondLst>
+                                    <p:cond delay="0"/>
+                                  </p:stCondLst>
+                                  <p:childTnLst>
+                                    <p:animEffect transition="out" filter="fade">
+                                      <p:cBhvr>
+                                        <p:cTn id="71" dur="500"/>
+                                        <p:tgtEl>
+                                          <p:spTgt spid="2052"/>
+                                        </p:tgtEl>
+                                      </p:cBhvr>
+                                    </p:animEffect>
+                                    <p:set>
+                                      <p:cBhvr>
+                                        <p:cTn id="72" dur="1" fill="hold">
+                                          <p:stCondLst>
+                                            <p:cond delay="499"/>
+                                          </p:stCondLst>
+                                        </p:cTn>
+                                        <p:tgtEl>
+                                          <p:spTgt spid="2052"/>
+                                        </p:tgtEl>
+                                        <p:attrNameLst>
+                                          <p:attrName>style.visibility</p:attrName>
+                                        </p:attrNameLst>
+                                      </p:cBhvr>
+                                      <p:to>
+                                        <p:strVal val="hidden"/>
+                                      </p:to>
+                                    </p:set>
+                                  </p:childTnLst>
+                                </p:cTn>
+                              </p:par>
+                            </p:childTnLst>
+                          </p:cTn>
+                        </p:par>
+                      </p:childTnLst>
+                    </p:cTn>
+                  </p:par>
+                  <p:par>
+                    <p:cTn id="73" fill="hold">
+                      <p:stCondLst>
+                        <p:cond delay="indefinite"/>
+                      </p:stCondLst>
+                      <p:childTnLst>
+                        <p:par>
+                          <p:cTn id="74" fill="hold">
+                            <p:stCondLst>
+                              <p:cond delay="0"/>
+                            </p:stCondLst>
+                            <p:childTnLst>
+                              <p:par>
+                                <p:cTn id="75" presetID="10" presetClass="entr" presetSubtype="0" fill="hold" grpId="0" nodeType="clickEffect">
+                                  <p:stCondLst>
+                                    <p:cond delay="0"/>
+                                  </p:stCondLst>
+                                  <p:childTnLst>
+                                    <p:set>
+                                      <p:cBhvr>
+                                        <p:cTn id="76" dur="1" fill="hold">
+                                          <p:stCondLst>
+                                            <p:cond delay="0"/>
+                                          </p:stCondLst>
+                                        </p:cTn>
+                                        <p:tgtEl>
+                                          <p:spTgt spid="3">
+                                            <p:txEl>
+                                              <p:pRg st="7" end="7"/>
+                                            </p:txEl>
+                                          </p:spTgt>
+                                        </p:tgtEl>
+                                        <p:attrNameLst>
+                                          <p:attrName>style.visibility</p:attrName>
+                                        </p:attrNameLst>
+                                      </p:cBhvr>
+                                      <p:to>
+                                        <p:strVal val="visible"/>
+                                      </p:to>
+                                    </p:set>
+                                    <p:animEffect transition="in" filter="fade">
+                                      <p:cBhvr>
+                                        <p:cTn id="77" dur="500"/>
+                                        <p:tgtEl>
+                                          <p:spTgt spid="3">
+                                            <p:txEl>
+                                              <p:pRg st="7" end="7"/>
+                                            </p:txEl>
+                                          </p:spTgt>
+                                        </p:tgtEl>
+                                      </p:cBhvr>
+                                    </p:animEffect>
+                                  </p:childTnLst>
+                                </p:cTn>
+                              </p:par>
+                            </p:childTnLst>
+                          </p:cTn>
+                        </p:par>
+                        <p:par>
+                          <p:cTn id="78" fill="hold">
+                            <p:stCondLst>
+                              <p:cond delay="500"/>
+                            </p:stCondLst>
+                            <p:childTnLst>
+                              <p:par>
+                                <p:cTn id="79" presetID="2" presetClass="entr" presetSubtype="2" fill="hold" grpId="0" nodeType="afterEffect">
+                                  <p:stCondLst>
+                                    <p:cond delay="0"/>
+                                  </p:stCondLst>
+                                  <p:childTnLst>
+                                    <p:set>
+                                      <p:cBhvr>
+                                        <p:cTn id="80" dur="1" fill="hold">
+                                          <p:stCondLst>
+                                            <p:cond delay="0"/>
+                                          </p:stCondLst>
+                                        </p:cTn>
+                                        <p:tgtEl>
+                                          <p:spTgt spid="11">
+                                            <p:txEl>
+                                              <p:pRg st="0" end="0"/>
+                                            </p:txEl>
+                                          </p:spTgt>
+                                        </p:tgtEl>
+                                        <p:attrNameLst>
+                                          <p:attrName>style.visibility</p:attrName>
+                                        </p:attrNameLst>
+                                      </p:cBhvr>
+                                      <p:to>
+                                        <p:strVal val="visible"/>
+                                      </p:to>
+                                    </p:set>
+                                    <p:anim calcmode="lin" valueType="num">
+                                      <p:cBhvr additive="base">
+                                        <p:cTn id="81" dur="250" fill="hold"/>
+                                        <p:tgtEl>
+                                          <p:spTgt spid="11">
+                                            <p:txEl>
+                                              <p:pRg st="0" end="0"/>
+                                            </p:txEl>
+                                          </p:spTgt>
+                                        </p:tgtEl>
+                                        <p:attrNameLst>
+                                          <p:attrName>ppt_x</p:attrName>
+                                        </p:attrNameLst>
+                                      </p:cBhvr>
+                                      <p:tavLst>
+                                        <p:tav tm="0">
+                                          <p:val>
+                                            <p:strVal val="1+#ppt_w/2"/>
+                                          </p:val>
+                                        </p:tav>
+                                        <p:tav tm="100000">
+                                          <p:val>
+                                            <p:strVal val="#ppt_x"/>
+                                          </p:val>
+                                        </p:tav>
+                                      </p:tavLst>
+                                    </p:anim>
+                                    <p:anim calcmode="lin" valueType="num">
+                                      <p:cBhvr additive="base">
+                                        <p:cTn id="82" dur="250" fill="hold"/>
+                                        <p:tgtEl>
+                                          <p:spTgt spid="11">
+                                            <p:txEl>
+                                              <p:pRg st="0" end="0"/>
+                                            </p:txEl>
+                                          </p:spTgt>
+                                        </p:tgtEl>
+                                        <p:attrNameLst>
+                                          <p:attrName>ppt_y</p:attrName>
+                                        </p:attrNameLst>
+                                      </p:cBhvr>
+                                      <p:tavLst>
+                                        <p:tav tm="0">
+                                          <p:val>
+                                            <p:strVal val="#ppt_y"/>
+                                          </p:val>
+                                        </p:tav>
+                                        <p:tav tm="100000">
+                                          <p:val>
+                                            <p:strVal val="#ppt_y"/>
+                                          </p:val>
+                                        </p:tav>
+                                      </p:tavLst>
+                                    </p:anim>
+                                  </p:childTnLst>
+                                </p:cTn>
+                              </p:par>
+                            </p:childTnLst>
+                          </p:cTn>
+                        </p:par>
+                        <p:par>
+                          <p:cTn id="83" fill="hold">
+                            <p:stCondLst>
+                              <p:cond delay="750"/>
+                            </p:stCondLst>
+                            <p:childTnLst>
+                              <p:par>
+                                <p:cTn id="84" presetID="2" presetClass="entr" presetSubtype="2" fill="hold" grpId="0" nodeType="afterEffect">
+                                  <p:stCondLst>
+                                    <p:cond delay="0"/>
+                                  </p:stCondLst>
+                                  <p:childTnLst>
+                                    <p:set>
+                                      <p:cBhvr>
+                                        <p:cTn id="85" dur="1" fill="hold">
+                                          <p:stCondLst>
+                                            <p:cond delay="0"/>
+                                          </p:stCondLst>
+                                        </p:cTn>
+                                        <p:tgtEl>
+                                          <p:spTgt spid="11">
+                                            <p:txEl>
+                                              <p:pRg st="1" end="1"/>
+                                            </p:txEl>
+                                          </p:spTgt>
+                                        </p:tgtEl>
+                                        <p:attrNameLst>
+                                          <p:attrName>style.visibility</p:attrName>
+                                        </p:attrNameLst>
+                                      </p:cBhvr>
+                                      <p:to>
+                                        <p:strVal val="visible"/>
+                                      </p:to>
+                                    </p:set>
+                                    <p:anim calcmode="lin" valueType="num">
+                                      <p:cBhvr additive="base">
+                                        <p:cTn id="86" dur="250" fill="hold"/>
+                                        <p:tgtEl>
+                                          <p:spTgt spid="11">
+                                            <p:txEl>
+                                              <p:pRg st="1" end="1"/>
+                                            </p:txEl>
+                                          </p:spTgt>
+                                        </p:tgtEl>
+                                        <p:attrNameLst>
+                                          <p:attrName>ppt_x</p:attrName>
+                                        </p:attrNameLst>
+                                      </p:cBhvr>
+                                      <p:tavLst>
+                                        <p:tav tm="0">
+                                          <p:val>
+                                            <p:strVal val="1+#ppt_w/2"/>
+                                          </p:val>
+                                        </p:tav>
+                                        <p:tav tm="100000">
+                                          <p:val>
+                                            <p:strVal val="#ppt_x"/>
+                                          </p:val>
+                                        </p:tav>
+                                      </p:tavLst>
+                                    </p:anim>
+                                    <p:anim calcmode="lin" valueType="num">
+                                      <p:cBhvr additive="base">
+                                        <p:cTn id="87" dur="250" fill="hold"/>
+                                        <p:tgtEl>
+                                          <p:spTgt spid="11">
+                                            <p:txEl>
+                                              <p:pRg st="1" end="1"/>
+                                            </p:txEl>
+                                          </p:spTgt>
+                                        </p:tgtEl>
+                                        <p:attrNameLst>
+                                          <p:attrName>ppt_y</p:attrName>
+                                        </p:attrNameLst>
+                                      </p:cBhvr>
+                                      <p:tavLst>
+                                        <p:tav tm="0">
+                                          <p:val>
+                                            <p:strVal val="#ppt_y"/>
+                                          </p:val>
+                                        </p:tav>
+                                        <p:tav tm="100000">
+                                          <p:val>
+                                            <p:strVal val="#ppt_y"/>
+                                          </p:val>
+                                        </p:tav>
+                                      </p:tavLst>
+                                    </p:anim>
+                                  </p:childTnLst>
+                                </p:cTn>
+                              </p:par>
+                            </p:childTnLst>
+                          </p:cTn>
+                        </p:par>
+                        <p:par>
+                          <p:cTn id="88" fill="hold">
+                            <p:stCondLst>
+                              <p:cond delay="1000"/>
+                            </p:stCondLst>
+                            <p:childTnLst>
+                              <p:par>
+                                <p:cTn id="89" presetID="2" presetClass="entr" presetSubtype="2" fill="hold" grpId="0" nodeType="afterEffect">
+                                  <p:stCondLst>
+                                    <p:cond delay="0"/>
+                                  </p:stCondLst>
+                                  <p:childTnLst>
+                                    <p:set>
+                                      <p:cBhvr>
+                                        <p:cTn id="90" dur="1" fill="hold">
+                                          <p:stCondLst>
+                                            <p:cond delay="0"/>
+                                          </p:stCondLst>
+                                        </p:cTn>
+                                        <p:tgtEl>
+                                          <p:spTgt spid="11">
+                                            <p:txEl>
+                                              <p:pRg st="2" end="2"/>
+                                            </p:txEl>
+                                          </p:spTgt>
+                                        </p:tgtEl>
+                                        <p:attrNameLst>
+                                          <p:attrName>style.visibility</p:attrName>
+                                        </p:attrNameLst>
+                                      </p:cBhvr>
+                                      <p:to>
+                                        <p:strVal val="visible"/>
+                                      </p:to>
+                                    </p:set>
+                                    <p:anim calcmode="lin" valueType="num">
+                                      <p:cBhvr additive="base">
+                                        <p:cTn id="91" dur="250" fill="hold"/>
+                                        <p:tgtEl>
+                                          <p:spTgt spid="11">
+                                            <p:txEl>
+                                              <p:pRg st="2" end="2"/>
+                                            </p:txEl>
+                                          </p:spTgt>
+                                        </p:tgtEl>
+                                        <p:attrNameLst>
+                                          <p:attrName>ppt_x</p:attrName>
+                                        </p:attrNameLst>
+                                      </p:cBhvr>
+                                      <p:tavLst>
+                                        <p:tav tm="0">
+                                          <p:val>
+                                            <p:strVal val="1+#ppt_w/2"/>
+                                          </p:val>
+                                        </p:tav>
+                                        <p:tav tm="100000">
+                                          <p:val>
+                                            <p:strVal val="#ppt_x"/>
+                                          </p:val>
+                                        </p:tav>
+                                      </p:tavLst>
+                                    </p:anim>
+                                    <p:anim calcmode="lin" valueType="num">
+                                      <p:cBhvr additive="base">
+                                        <p:cTn id="92" dur="250" fill="hold"/>
+                                        <p:tgtEl>
+                                          <p:spTgt spid="11">
+                                            <p:txEl>
+                                              <p:pRg st="2" end="2"/>
+                                            </p:txEl>
+                                          </p:spTgt>
+                                        </p:tgtEl>
+                                        <p:attrNameLst>
+                                          <p:attrName>ppt_y</p:attrName>
+                                        </p:attrNameLst>
+                                      </p:cBhvr>
+                                      <p:tavLst>
+                                        <p:tav tm="0">
+                                          <p:val>
+                                            <p:strVal val="#ppt_y"/>
+                                          </p:val>
+                                        </p:tav>
+                                        <p:tav tm="100000">
+                                          <p:val>
+                                            <p:strVal val="#ppt_y"/>
+                                          </p:val>
+                                        </p:tav>
+                                      </p:tavLst>
+                                    </p:anim>
+                                  </p:childTnLst>
+                                </p:cTn>
+                              </p:par>
+                            </p:childTnLst>
+                          </p:cTn>
+                        </p:par>
+                        <p:par>
+                          <p:cTn id="93" fill="hold">
+                            <p:stCondLst>
+                              <p:cond delay="1250"/>
+                            </p:stCondLst>
+                            <p:childTnLst>
+                              <p:par>
+                                <p:cTn id="94" presetID="2" presetClass="entr" presetSubtype="2" fill="hold" grpId="0" nodeType="afterEffect">
+                                  <p:stCondLst>
+                                    <p:cond delay="0"/>
+                                  </p:stCondLst>
+                                  <p:childTnLst>
+                                    <p:set>
+                                      <p:cBhvr>
+                                        <p:cTn id="95" dur="1" fill="hold">
+                                          <p:stCondLst>
+                                            <p:cond delay="0"/>
+                                          </p:stCondLst>
+                                        </p:cTn>
+                                        <p:tgtEl>
+                                          <p:spTgt spid="11">
+                                            <p:txEl>
+                                              <p:pRg st="3" end="3"/>
+                                            </p:txEl>
+                                          </p:spTgt>
+                                        </p:tgtEl>
+                                        <p:attrNameLst>
+                                          <p:attrName>style.visibility</p:attrName>
+                                        </p:attrNameLst>
+                                      </p:cBhvr>
+                                      <p:to>
+                                        <p:strVal val="visible"/>
+                                      </p:to>
+                                    </p:set>
+                                    <p:anim calcmode="lin" valueType="num">
+                                      <p:cBhvr additive="base">
+                                        <p:cTn id="96" dur="250" fill="hold"/>
+                                        <p:tgtEl>
+                                          <p:spTgt spid="11">
+                                            <p:txEl>
+                                              <p:pRg st="3" end="3"/>
+                                            </p:txEl>
+                                          </p:spTgt>
+                                        </p:tgtEl>
+                                        <p:attrNameLst>
+                                          <p:attrName>ppt_x</p:attrName>
+                                        </p:attrNameLst>
+                                      </p:cBhvr>
+                                      <p:tavLst>
+                                        <p:tav tm="0">
+                                          <p:val>
+                                            <p:strVal val="1+#ppt_w/2"/>
+                                          </p:val>
+                                        </p:tav>
+                                        <p:tav tm="100000">
+                                          <p:val>
+                                            <p:strVal val="#ppt_x"/>
+                                          </p:val>
+                                        </p:tav>
+                                      </p:tavLst>
+                                    </p:anim>
+                                    <p:anim calcmode="lin" valueType="num">
+                                      <p:cBhvr additive="base">
+                                        <p:cTn id="97" dur="250" fill="hold"/>
+                                        <p:tgtEl>
+                                          <p:spTgt spid="11">
+                                            <p:txEl>
+                                              <p:pRg st="3" end="3"/>
+                                            </p:txEl>
+                                          </p:spTgt>
+                                        </p:tgtEl>
+                                        <p:attrNameLst>
+                                          <p:attrName>ppt_y</p:attrName>
+                                        </p:attrNameLst>
+                                      </p:cBhvr>
+                                      <p:tavLst>
+                                        <p:tav tm="0">
+                                          <p:val>
+                                            <p:strVal val="#ppt_y"/>
+                                          </p:val>
+                                        </p:tav>
+                                        <p:tav tm="100000">
+                                          <p:val>
+                                            <p:strVal val="#ppt_y"/>
+                                          </p:val>
+                                        </p:tav>
+                                      </p:tavLst>
+                                    </p:anim>
+                                  </p:childTnLst>
+                                </p:cTn>
+                              </p:par>
+                            </p:childTnLst>
+                          </p:cTn>
+                        </p:par>
+                        <p:par>
+                          <p:cTn id="98" fill="hold">
+                            <p:stCondLst>
+                              <p:cond delay="1500"/>
+                            </p:stCondLst>
+                            <p:childTnLst>
+                              <p:par>
+                                <p:cTn id="99" presetID="2" presetClass="entr" presetSubtype="2" fill="hold" grpId="0" nodeType="afterEffect">
+                                  <p:stCondLst>
+                                    <p:cond delay="0"/>
+                                  </p:stCondLst>
+                                  <p:childTnLst>
+                                    <p:set>
+                                      <p:cBhvr>
+                                        <p:cTn id="100" dur="1" fill="hold">
+                                          <p:stCondLst>
+                                            <p:cond delay="0"/>
+                                          </p:stCondLst>
+                                        </p:cTn>
+                                        <p:tgtEl>
+                                          <p:spTgt spid="11">
+                                            <p:txEl>
+                                              <p:pRg st="4" end="4"/>
+                                            </p:txEl>
+                                          </p:spTgt>
+                                        </p:tgtEl>
+                                        <p:attrNameLst>
+                                          <p:attrName>style.visibility</p:attrName>
+                                        </p:attrNameLst>
+                                      </p:cBhvr>
+                                      <p:to>
+                                        <p:strVal val="visible"/>
+                                      </p:to>
+                                    </p:set>
+                                    <p:anim calcmode="lin" valueType="num">
+                                      <p:cBhvr additive="base">
+                                        <p:cTn id="101" dur="250" fill="hold"/>
+                                        <p:tgtEl>
+                                          <p:spTgt spid="11">
+                                            <p:txEl>
+                                              <p:pRg st="4" end="4"/>
+                                            </p:txEl>
+                                          </p:spTgt>
+                                        </p:tgtEl>
+                                        <p:attrNameLst>
+                                          <p:attrName>ppt_x</p:attrName>
+                                        </p:attrNameLst>
+                                      </p:cBhvr>
+                                      <p:tavLst>
+                                        <p:tav tm="0">
+                                          <p:val>
+                                            <p:strVal val="1+#ppt_w/2"/>
+                                          </p:val>
+                                        </p:tav>
+                                        <p:tav tm="100000">
+                                          <p:val>
+                                            <p:strVal val="#ppt_x"/>
+                                          </p:val>
+                                        </p:tav>
+                                      </p:tavLst>
+                                    </p:anim>
+                                    <p:anim calcmode="lin" valueType="num">
+                                      <p:cBhvr additive="base">
+                                        <p:cTn id="102" dur="250" fill="hold"/>
+                                        <p:tgtEl>
+                                          <p:spTgt spid="11">
+                                            <p:txEl>
+                                              <p:pRg st="4" end="4"/>
+                                            </p:txEl>
+                                          </p:spTgt>
+                                        </p:tgtEl>
+                                        <p:attrNameLst>
+                                          <p:attrName>ppt_y</p:attrName>
+                                        </p:attrNameLst>
+                                      </p:cBhvr>
+                                      <p:tavLst>
+                                        <p:tav tm="0">
+                                          <p:val>
+                                            <p:strVal val="#ppt_y"/>
+                                          </p:val>
+                                        </p:tav>
+                                        <p:tav tm="100000">
+                                          <p:val>
+                                            <p:strVal val="#ppt_y"/>
+                                          </p:val>
+                                        </p:tav>
+                                      </p:tavLst>
+                                    </p:anim>
+                                  </p:childTnLst>
+                                </p:cTn>
+                              </p:par>
+                            </p:childTnLst>
+                          </p:cTn>
+                        </p:par>
+                        <p:par>
+                          <p:cTn id="103" fill="hold">
+                            <p:stCondLst>
+                              <p:cond delay="1750"/>
+                            </p:stCondLst>
+                            <p:childTnLst>
+                              <p:par>
+                                <p:cTn id="104" presetID="2" presetClass="entr" presetSubtype="2" fill="hold" grpId="0" nodeType="afterEffect">
+                                  <p:stCondLst>
+                                    <p:cond delay="0"/>
+                                  </p:stCondLst>
+                                  <p:childTnLst>
+                                    <p:set>
+                                      <p:cBhvr>
+                                        <p:cTn id="105" dur="1" fill="hold">
+                                          <p:stCondLst>
+                                            <p:cond delay="0"/>
+                                          </p:stCondLst>
+                                        </p:cTn>
+                                        <p:tgtEl>
+                                          <p:spTgt spid="11">
+                                            <p:txEl>
+                                              <p:pRg st="5" end="5"/>
+                                            </p:txEl>
+                                          </p:spTgt>
+                                        </p:tgtEl>
+                                        <p:attrNameLst>
+                                          <p:attrName>style.visibility</p:attrName>
+                                        </p:attrNameLst>
+                                      </p:cBhvr>
+                                      <p:to>
+                                        <p:strVal val="visible"/>
+                                      </p:to>
+                                    </p:set>
+                                    <p:anim calcmode="lin" valueType="num">
+                                      <p:cBhvr additive="base">
+                                        <p:cTn id="106" dur="250" fill="hold"/>
+                                        <p:tgtEl>
+                                          <p:spTgt spid="11">
+                                            <p:txEl>
+                                              <p:pRg st="5" end="5"/>
+                                            </p:txEl>
+                                          </p:spTgt>
+                                        </p:tgtEl>
+                                        <p:attrNameLst>
+                                          <p:attrName>ppt_x</p:attrName>
+                                        </p:attrNameLst>
+                                      </p:cBhvr>
+                                      <p:tavLst>
+                                        <p:tav tm="0">
+                                          <p:val>
+                                            <p:strVal val="1+#ppt_w/2"/>
+                                          </p:val>
+                                        </p:tav>
+                                        <p:tav tm="100000">
+                                          <p:val>
+                                            <p:strVal val="#ppt_x"/>
+                                          </p:val>
+                                        </p:tav>
+                                      </p:tavLst>
+                                    </p:anim>
+                                    <p:anim calcmode="lin" valueType="num">
+                                      <p:cBhvr additive="base">
+                                        <p:cTn id="107" dur="250" fill="hold"/>
+                                        <p:tgtEl>
+                                          <p:spTgt spid="11">
+                                            <p:txEl>
+                                              <p:pRg st="5" end="5"/>
+                                            </p:txEl>
+                                          </p:spTgt>
+                                        </p:tgtEl>
+                                        <p:attrNameLst>
+                                          <p:attrName>ppt_y</p:attrName>
+                                        </p:attrNameLst>
+                                      </p:cBhvr>
+                                      <p:tavLst>
+                                        <p:tav tm="0">
+                                          <p:val>
+                                            <p:strVal val="#ppt_y"/>
+                                          </p:val>
+                                        </p:tav>
+                                        <p:tav tm="100000">
+                                          <p:val>
+                                            <p:strVal val="#ppt_y"/>
+                                          </p:val>
+                                        </p:tav>
+                                      </p:tavLst>
+                                    </p:anim>
+                                  </p:childTnLst>
+                                </p:cTn>
+                              </p:par>
+                            </p:childTnLst>
+                          </p:cTn>
+                        </p:par>
+                        <p:par>
+                          <p:cTn id="108" fill="hold">
+                            <p:stCondLst>
+                              <p:cond delay="2000"/>
+                            </p:stCondLst>
+                            <p:childTnLst>
+                              <p:par>
+                                <p:cTn id="109" presetID="2" presetClass="entr" presetSubtype="2" fill="hold" grpId="0" nodeType="afterEffect">
+                                  <p:stCondLst>
+                                    <p:cond delay="0"/>
+                                  </p:stCondLst>
+                                  <p:childTnLst>
+                                    <p:set>
+                                      <p:cBhvr>
+                                        <p:cTn id="110" dur="1" fill="hold">
+                                          <p:stCondLst>
+                                            <p:cond delay="0"/>
+                                          </p:stCondLst>
+                                        </p:cTn>
+                                        <p:tgtEl>
+                                          <p:spTgt spid="11">
+                                            <p:txEl>
+                                              <p:pRg st="6" end="6"/>
+                                            </p:txEl>
+                                          </p:spTgt>
+                                        </p:tgtEl>
+                                        <p:attrNameLst>
+                                          <p:attrName>style.visibility</p:attrName>
+                                        </p:attrNameLst>
+                                      </p:cBhvr>
+                                      <p:to>
+                                        <p:strVal val="visible"/>
+                                      </p:to>
+                                    </p:set>
+                                    <p:anim calcmode="lin" valueType="num">
+                                      <p:cBhvr additive="base">
+                                        <p:cTn id="111" dur="250" fill="hold"/>
+                                        <p:tgtEl>
+                                          <p:spTgt spid="11">
+                                            <p:txEl>
+                                              <p:pRg st="6" end="6"/>
+                                            </p:txEl>
+                                          </p:spTgt>
+                                        </p:tgtEl>
+                                        <p:attrNameLst>
+                                          <p:attrName>ppt_x</p:attrName>
+                                        </p:attrNameLst>
+                                      </p:cBhvr>
+                                      <p:tavLst>
+                                        <p:tav tm="0">
+                                          <p:val>
+                                            <p:strVal val="1+#ppt_w/2"/>
+                                          </p:val>
+                                        </p:tav>
+                                        <p:tav tm="100000">
+                                          <p:val>
+                                            <p:strVal val="#ppt_x"/>
+                                          </p:val>
+                                        </p:tav>
+                                      </p:tavLst>
+                                    </p:anim>
+                                    <p:anim calcmode="lin" valueType="num">
+                                      <p:cBhvr additive="base">
+                                        <p:cTn id="112" dur="250" fill="hold"/>
+                                        <p:tgtEl>
+                                          <p:spTgt spid="11">
+                                            <p:txEl>
+                                              <p:pRg st="6" end="6"/>
+                                            </p:txEl>
+                                          </p:spTgt>
+                                        </p:tgtEl>
+                                        <p:attrNameLst>
+                                          <p:attrName>ppt_y</p:attrName>
+                                        </p:attrNameLst>
+                                      </p:cBhvr>
+                                      <p:tavLst>
+                                        <p:tav tm="0">
+                                          <p:val>
+                                            <p:strVal val="#ppt_y"/>
+                                          </p:val>
+                                        </p:tav>
+                                        <p:tav tm="100000">
+                                          <p:val>
+                                            <p:strVal val="#ppt_y"/>
+                                          </p:val>
+                                        </p:tav>
+                                      </p:tavLst>
+                                    </p:anim>
+                                  </p:childTnLst>
+                                </p:cTn>
+                              </p:par>
+                            </p:childTnLst>
+                          </p:cTn>
+                        </p:par>
+                        <p:par>
+                          <p:cTn id="113" fill="hold">
+                            <p:stCondLst>
+                              <p:cond delay="2250"/>
+                            </p:stCondLst>
+                            <p:childTnLst>
+                              <p:par>
+                                <p:cTn id="114" presetID="2" presetClass="entr" presetSubtype="2" fill="hold" grpId="0" nodeType="afterEffect">
+                                  <p:stCondLst>
+                                    <p:cond delay="0"/>
+                                  </p:stCondLst>
+                                  <p:childTnLst>
+                                    <p:set>
+                                      <p:cBhvr>
+                                        <p:cTn id="115" dur="1" fill="hold">
+                                          <p:stCondLst>
+                                            <p:cond delay="0"/>
+                                          </p:stCondLst>
+                                        </p:cTn>
+                                        <p:tgtEl>
+                                          <p:spTgt spid="11">
+                                            <p:txEl>
+                                              <p:pRg st="7" end="7"/>
+                                            </p:txEl>
+                                          </p:spTgt>
+                                        </p:tgtEl>
+                                        <p:attrNameLst>
+                                          <p:attrName>style.visibility</p:attrName>
+                                        </p:attrNameLst>
+                                      </p:cBhvr>
+                                      <p:to>
+                                        <p:strVal val="visible"/>
+                                      </p:to>
+                                    </p:set>
+                                    <p:anim calcmode="lin" valueType="num">
+                                      <p:cBhvr additive="base">
+                                        <p:cTn id="116" dur="250" fill="hold"/>
+                                        <p:tgtEl>
+                                          <p:spTgt spid="11">
+                                            <p:txEl>
+                                              <p:pRg st="7" end="7"/>
+                                            </p:txEl>
+                                          </p:spTgt>
+                                        </p:tgtEl>
+                                        <p:attrNameLst>
+                                          <p:attrName>ppt_x</p:attrName>
+                                        </p:attrNameLst>
+                                      </p:cBhvr>
+                                      <p:tavLst>
+                                        <p:tav tm="0">
+                                          <p:val>
+                                            <p:strVal val="1+#ppt_w/2"/>
+                                          </p:val>
+                                        </p:tav>
+                                        <p:tav tm="100000">
+                                          <p:val>
+                                            <p:strVal val="#ppt_x"/>
+                                          </p:val>
+                                        </p:tav>
+                                      </p:tavLst>
+                                    </p:anim>
+                                    <p:anim calcmode="lin" valueType="num">
+                                      <p:cBhvr additive="base">
+                                        <p:cTn id="117" dur="250" fill="hold"/>
+                                        <p:tgtEl>
+                                          <p:spTgt spid="11">
+                                            <p:txEl>
+                                              <p:pRg st="7" end="7"/>
+                                            </p:txEl>
+                                          </p:spTgt>
+                                        </p:tgtEl>
+                                        <p:attrNameLst>
+                                          <p:attrName>ppt_y</p:attrName>
+                                        </p:attrNameLst>
+                                      </p:cBhvr>
+                                      <p:tavLst>
+                                        <p:tav tm="0">
+                                          <p:val>
+                                            <p:strVal val="#ppt_y"/>
+                                          </p:val>
+                                        </p:tav>
+                                        <p:tav tm="100000">
+                                          <p:val>
+                                            <p:strVal val="#ppt_y"/>
+                                          </p:val>
+                                        </p:tav>
+                                      </p:tavLst>
+                                    </p:anim>
+                                  </p:childTnLst>
+                                </p:cTn>
+                              </p:par>
+                            </p:childTnLst>
+                          </p:cTn>
+                        </p:par>
+                        <p:par>
+                          <p:cTn id="118" fill="hold">
+                            <p:stCondLst>
+                              <p:cond delay="2500"/>
+                            </p:stCondLst>
+                            <p:childTnLst>
+                              <p:par>
+                                <p:cTn id="119" presetID="2" presetClass="entr" presetSubtype="2" fill="hold" grpId="0" nodeType="afterEffect">
+                                  <p:stCondLst>
+                                    <p:cond delay="0"/>
+                                  </p:stCondLst>
+                                  <p:childTnLst>
+                                    <p:set>
+                                      <p:cBhvr>
+                                        <p:cTn id="120" dur="1" fill="hold">
+                                          <p:stCondLst>
+                                            <p:cond delay="0"/>
+                                          </p:stCondLst>
+                                        </p:cTn>
+                                        <p:tgtEl>
+                                          <p:spTgt spid="11">
+                                            <p:txEl>
+                                              <p:pRg st="8" end="8"/>
+                                            </p:txEl>
+                                          </p:spTgt>
+                                        </p:tgtEl>
+                                        <p:attrNameLst>
+                                          <p:attrName>style.visibility</p:attrName>
+                                        </p:attrNameLst>
+                                      </p:cBhvr>
+                                      <p:to>
+                                        <p:strVal val="visible"/>
+                                      </p:to>
+                                    </p:set>
+                                    <p:anim calcmode="lin" valueType="num">
+                                      <p:cBhvr additive="base">
+                                        <p:cTn id="121" dur="250" fill="hold"/>
+                                        <p:tgtEl>
+                                          <p:spTgt spid="11">
+                                            <p:txEl>
+                                              <p:pRg st="8" end="8"/>
+                                            </p:txEl>
+                                          </p:spTgt>
+                                        </p:tgtEl>
+                                        <p:attrNameLst>
+                                          <p:attrName>ppt_x</p:attrName>
+                                        </p:attrNameLst>
+                                      </p:cBhvr>
+                                      <p:tavLst>
+                                        <p:tav tm="0">
+                                          <p:val>
+                                            <p:strVal val="1+#ppt_w/2"/>
+                                          </p:val>
+                                        </p:tav>
+                                        <p:tav tm="100000">
+                                          <p:val>
+                                            <p:strVal val="#ppt_x"/>
+                                          </p:val>
+                                        </p:tav>
+                                      </p:tavLst>
+                                    </p:anim>
+                                    <p:anim calcmode="lin" valueType="num">
+                                      <p:cBhvr additive="base">
+                                        <p:cTn id="122" dur="250" fill="hold"/>
+                                        <p:tgtEl>
+                                          <p:spTgt spid="11">
+                                            <p:txEl>
+                                              <p:pRg st="8" end="8"/>
+                                            </p:txEl>
+                                          </p:spTgt>
+                                        </p:tgtEl>
+                                        <p:attrNameLst>
+                                          <p:attrName>ppt_y</p:attrName>
+                                        </p:attrNameLst>
+                                      </p:cBhvr>
+                                      <p:tavLst>
+                                        <p:tav tm="0">
+                                          <p:val>
+                                            <p:strVal val="#ppt_y"/>
+                                          </p:val>
+                                        </p:tav>
+                                        <p:tav tm="100000">
+                                          <p:val>
+                                            <p:strVal val="#ppt_y"/>
+                                          </p:val>
+                                        </p:tav>
+                                      </p:tavLst>
+                                    </p:anim>
+                                  </p:childTnLst>
+                                </p:cTn>
+                              </p:par>
+                            </p:childTnLst>
+                          </p:cTn>
+                        </p:par>
+                        <p:par>
+                          <p:cTn id="123" fill="hold">
+                            <p:stCondLst>
+                              <p:cond delay="2750"/>
+                            </p:stCondLst>
+                            <p:childTnLst>
+                              <p:par>
+                                <p:cTn id="124" presetID="2" presetClass="entr" presetSubtype="2" fill="hold" grpId="0" nodeType="afterEffect">
+                                  <p:stCondLst>
+                                    <p:cond delay="0"/>
+                                  </p:stCondLst>
+                                  <p:childTnLst>
+                                    <p:set>
+                                      <p:cBhvr>
+                                        <p:cTn id="125" dur="1" fill="hold">
+                                          <p:stCondLst>
+                                            <p:cond delay="0"/>
+                                          </p:stCondLst>
+                                        </p:cTn>
+                                        <p:tgtEl>
+                                          <p:spTgt spid="11">
+                                            <p:txEl>
+                                              <p:pRg st="9" end="9"/>
+                                            </p:txEl>
+                                          </p:spTgt>
+                                        </p:tgtEl>
+                                        <p:attrNameLst>
+                                          <p:attrName>style.visibility</p:attrName>
+                                        </p:attrNameLst>
+                                      </p:cBhvr>
+                                      <p:to>
+                                        <p:strVal val="visible"/>
+                                      </p:to>
+                                    </p:set>
+                                    <p:anim calcmode="lin" valueType="num">
+                                      <p:cBhvr additive="base">
+                                        <p:cTn id="126" dur="250" fill="hold"/>
+                                        <p:tgtEl>
+                                          <p:spTgt spid="11">
+                                            <p:txEl>
+                                              <p:pRg st="9" end="9"/>
+                                            </p:txEl>
+                                          </p:spTgt>
+                                        </p:tgtEl>
+                                        <p:attrNameLst>
+                                          <p:attrName>ppt_x</p:attrName>
+                                        </p:attrNameLst>
+                                      </p:cBhvr>
+                                      <p:tavLst>
+                                        <p:tav tm="0">
+                                          <p:val>
+                                            <p:strVal val="1+#ppt_w/2"/>
+                                          </p:val>
+                                        </p:tav>
+                                        <p:tav tm="100000">
+                                          <p:val>
+                                            <p:strVal val="#ppt_x"/>
+                                          </p:val>
+                                        </p:tav>
+                                      </p:tavLst>
+                                    </p:anim>
+                                    <p:anim calcmode="lin" valueType="num">
+                                      <p:cBhvr additive="base">
+                                        <p:cTn id="127" dur="250" fill="hold"/>
+                                        <p:tgtEl>
+                                          <p:spTgt spid="11">
+                                            <p:txEl>
+                                              <p:pRg st="9" end="9"/>
+                                            </p:txEl>
+                                          </p:spTgt>
+                                        </p:tgtEl>
+                                        <p:attrNameLst>
+                                          <p:attrName>ppt_y</p:attrName>
+                                        </p:attrNameLst>
+                                      </p:cBhvr>
+                                      <p:tavLst>
+                                        <p:tav tm="0">
+                                          <p:val>
+                                            <p:strVal val="#ppt_y"/>
+                                          </p:val>
+                                        </p:tav>
+                                        <p:tav tm="100000">
+                                          <p:val>
+                                            <p:strVal val="#ppt_y"/>
+                                          </p:val>
+                                        </p:tav>
+                                      </p:tavLst>
+                                    </p:anim>
+                                  </p:childTnLst>
+                                </p:cTn>
+                              </p:par>
+                            </p:childTnLst>
+                          </p:cTn>
+                        </p:par>
+                      </p:childTnLst>
+                    </p:cTn>
+                  </p:par>
+                </p:childTnLst>
+              </p:cTn>
+              <p:prevCondLst>
+                <p:cond evt="onPrev" delay="0">
+                  <p:tgtEl>
+                    <p:sldTgt/>
+                  </p:tgtEl>
+                </p:cond>
+              </p:prevCondLst>
+              <p:nextCondLst>
+                <p:cond evt="onNext" delay="0">
+                  <p:tgtEl>
+                    <p:sldTgt/>
+                  </p:tgtEl>
+                </p:cond>
+              </p:nextCondLst>
+            </p:seq>
+          </p:childTnLst>
+        </p:cTn>
+      </p:par>
+    </p:tnLst>
+    <p:bldLst>
+      <p:bldP spid="3" grpId="0" uiExpand="1" build="p"/>
+      <p:bldP spid="5" grpId="0"/>
+      <p:bldP spid="11" grpId="0" uiExpand="1" build="p"/>
+    </p:bldLst>
+  </p:timing>
+</p:sld>
+</file>
+
+<file path=ppt/slides/slide8.xml><?xml version="1.0" encoding="utf-8"?>
+<p:sld xmlns:a="http://schemas.openxmlformats.org/drawingml/2006/main" xmlns:r="http://schemas.openxmlformats.org/officeDocument/2006/relationships" xmlns:p="http://schemas.openxmlformats.org/presentationml/2006/main">
+  <p:cSld>
+    <p:spTree>
+      <p:nvGrpSpPr>
+        <p:cNvPr id="1" name=""/>
+        <p:cNvGrpSpPr/>
+        <p:nvPr/>
+      </p:nvGrpSpPr>
+      <p:grpSpPr>
+        <a:xfrm>
+          <a:off x="0" y="0"/>
+          <a:ext cx="0" cy="0"/>
+          <a:chOff x="0" y="0"/>
+          <a:chExt cx="0" cy="0"/>
+        </a:xfrm>
+      </p:grpSpPr>
       <p:sp>
         <p:nvSpPr>
           <p:cNvPr id="2" name="Titre 1"/>
@@ -15127,7 +22153,7 @@
 </p:sld>
 </file>
 
-<file path=ppt/slides/slide6.xml><?xml version="1.0" encoding="utf-8"?>
+<file path=ppt/slides/slide9.xml><?xml version="1.0" encoding="utf-8"?>
 <p:sld xmlns:a="http://schemas.openxmlformats.org/drawingml/2006/main" xmlns:r="http://schemas.openxmlformats.org/officeDocument/2006/relationships" xmlns:p="http://schemas.openxmlformats.org/presentationml/2006/main">
   <p:cSld>
     <p:spTree>
@@ -15240,179 +22266,13 @@
       </p:transition>
     </mc:Fallback>
   </mc:AlternateContent>
-</p:sld>
-</file>
-
-<file path=ppt/slides/slide7.xml><?xml version="1.0" encoding="utf-8"?>
-<p:sld xmlns:a="http://schemas.openxmlformats.org/drawingml/2006/main" xmlns:r="http://schemas.openxmlformats.org/officeDocument/2006/relationships" xmlns:p="http://schemas.openxmlformats.org/presentationml/2006/main">
-  <p:cSld>
-    <p:spTree>
-      <p:nvGrpSpPr>
-        <p:cNvPr id="1" name=""/>
-        <p:cNvGrpSpPr/>
-        <p:nvPr/>
-      </p:nvGrpSpPr>
-      <p:grpSpPr>
-        <a:xfrm>
-          <a:off x="0" y="0"/>
-          <a:ext cx="0" cy="0"/>
-          <a:chOff x="0" y="0"/>
-          <a:chExt cx="0" cy="0"/>
-        </a:xfrm>
-      </p:grpSpPr>
-      <p:sp>
-        <p:nvSpPr>
-          <p:cNvPr id="2" name="Titre 1"/>
-          <p:cNvSpPr>
-            <a:spLocks noGrp="1"/>
-          </p:cNvSpPr>
-          <p:nvPr>
-            <p:ph type="title"/>
-          </p:nvPr>
-        </p:nvSpPr>
-        <p:spPr/>
-        <p:txBody>
-          <a:bodyPr/>
-          <a:lstStyle/>
-          <a:p>
-            <a:r>
-              <a:rPr lang="fr-CA" dirty="0"/>
-              <a:t>MERCI!</a:t>
-            </a:r>
-          </a:p>
-        </p:txBody>
-      </p:sp>
-      <p:sp>
-        <p:nvSpPr>
-          <p:cNvPr id="4" name="Espace réservé du texte 3"/>
-          <p:cNvSpPr>
-            <a:spLocks noGrp="1"/>
-          </p:cNvSpPr>
-          <p:nvPr>
-            <p:ph type="body" sz="half" idx="2"/>
-          </p:nvPr>
-        </p:nvSpPr>
-        <p:spPr/>
-        <p:txBody>
-          <a:bodyPr/>
-          <a:lstStyle/>
-          <a:p>
-            <a:endParaRPr lang="fr-CA"/>
-          </a:p>
-        </p:txBody>
-      </p:sp>
-      <p:pic>
-        <p:nvPicPr>
-          <p:cNvPr id="7" name="Image 6"/>
-          <p:cNvPicPr>
-            <a:picLocks noChangeAspect="1"/>
-          </p:cNvPicPr>
-          <p:nvPr/>
-        </p:nvPicPr>
-        <p:blipFill>
-          <a:blip r:embed="rId2" cstate="print">
-            <a:extLst>
-              <a:ext uri="{28A0092B-C50C-407E-A947-70E740481C1C}">
-                <a14:useLocalDpi xmlns:a14="http://schemas.microsoft.com/office/drawing/2010/main" val="0"/>
-              </a:ext>
-            </a:extLst>
-          </a:blip>
-          <a:stretch>
-            <a:fillRect/>
-          </a:stretch>
-        </p:blipFill>
-        <p:spPr>
-          <a:xfrm>
-            <a:off x="0" y="-1"/>
-            <a:ext cx="9997448" cy="5623565"/>
-          </a:xfrm>
-          <a:prstGeom prst="rect">
-            <a:avLst/>
-          </a:prstGeom>
-        </p:spPr>
-      </p:pic>
-      <p:pic>
-        <p:nvPicPr>
-          <p:cNvPr id="1026" name="Picture 2" descr="https://scontent.fyhu1-1.fna.fbcdn.net/v/t1.15752-9/s2048x2048/61667264_357624584892437_8334581975750803456_n.jpg?_nc_cat=105&amp;_nc_ht=scontent.fyhu1-1.fna&amp;oh=fa8e486d2f34afefa20af0eebce5f359&amp;oe=5D5D624F"/>
-          <p:cNvPicPr>
-            <a:picLocks noChangeAspect="1" noChangeArrowheads="1"/>
-          </p:cNvPicPr>
-          <p:nvPr/>
-        </p:nvPicPr>
-        <p:blipFill rotWithShape="1">
-          <a:blip r:embed="rId3" cstate="print">
-            <a:extLst>
-              <a:ext uri="{28A0092B-C50C-407E-A947-70E740481C1C}">
-                <a14:useLocalDpi xmlns:a14="http://schemas.microsoft.com/office/drawing/2010/main" val="0"/>
-              </a:ext>
-            </a:extLst>
-          </a:blip>
-          <a:srcRect l="15968" t="24847" r="29727" b="3709"/>
-          <a:stretch/>
-        </p:blipFill>
-        <p:spPr bwMode="auto">
-          <a:xfrm>
-            <a:off x="333376" y="3732117"/>
-            <a:ext cx="3905250" cy="2890021"/>
-          </a:xfrm>
-          <a:prstGeom prst="snip2DiagRect">
-            <a:avLst/>
-          </a:prstGeom>
-          <a:solidFill>
-            <a:srgbClr val="FFFFFF">
-              <a:shade val="85000"/>
-            </a:srgbClr>
-          </a:solidFill>
-          <a:ln w="88900" cap="sq">
-            <a:solidFill>
-              <a:srgbClr val="FFFFFF"/>
-            </a:solidFill>
-            <a:miter lim="800000"/>
-          </a:ln>
-          <a:effectLst>
-            <a:outerShdw blurRad="88900" algn="tl" rotWithShape="0">
-              <a:srgbClr val="000000">
-                <a:alpha val="45000"/>
-              </a:srgbClr>
-            </a:outerShdw>
-          </a:effectLst>
-          <a:scene3d>
-            <a:camera prst="orthographicFront"/>
-            <a:lightRig rig="twoPt" dir="t">
-              <a:rot lat="0" lon="0" rev="7200000"/>
-            </a:lightRig>
-          </a:scene3d>
-          <a:sp3d>
-            <a:bevelT w="25400" h="19050"/>
-            <a:contourClr>
-              <a:srgbClr val="FFFFFF"/>
-            </a:contourClr>
-          </a:sp3d>
-          <a:extLst/>
-        </p:spPr>
-      </p:pic>
-    </p:spTree>
-    <p:extLst>
-      <p:ext uri="{BB962C8B-B14F-4D97-AF65-F5344CB8AC3E}">
-        <p14:creationId xmlns:p14="http://schemas.microsoft.com/office/powerpoint/2010/main" val="2047355086"/>
-      </p:ext>
-    </p:extLst>
-  </p:cSld>
-  <p:clrMapOvr>
-    <a:masterClrMapping/>
-  </p:clrMapOvr>
-  <mc:AlternateContent xmlns:mc="http://schemas.openxmlformats.org/markup-compatibility/2006" xmlns:p14="http://schemas.microsoft.com/office/powerpoint/2010/main">
-    <mc:Choice Requires="p14">
-      <p:transition p14:dur="100">
-        <p:dissolve/>
-      </p:transition>
-    </mc:Choice>
-    <mc:Fallback xmlns="">
-      <p:transition>
-        <p:dissolve/>
-      </p:transition>
-    </mc:Fallback>
-  </mc:AlternateContent>
+  <p:timing>
+    <p:tnLst>
+      <p:par>
+        <p:cTn id="1" dur="indefinite" restart="never" nodeType="tmRoot"/>
+      </p:par>
+    </p:tnLst>
+  </p:timing>
 </p:sld>
 </file>
 
@@ -15637,4 +22497,265 @@
     </a:ext>
   </a:extLst>
 </a:theme>
+</file>
+
+<file path=ppt/theme/theme2.xml><?xml version="1.0" encoding="utf-8"?>
+<a:theme xmlns:a="http://schemas.openxmlformats.org/drawingml/2006/main" name="Thème Office">
+  <a:themeElements>
+    <a:clrScheme name="Office">
+      <a:dk1>
+        <a:sysClr val="windowText" lastClr="000000"/>
+      </a:dk1>
+      <a:lt1>
+        <a:sysClr val="window" lastClr="FFFFFF"/>
+      </a:lt1>
+      <a:dk2>
+        <a:srgbClr val="44546A"/>
+      </a:dk2>
+      <a:lt2>
+        <a:srgbClr val="E7E6E6"/>
+      </a:lt2>
+      <a:accent1>
+        <a:srgbClr val="5B9BD5"/>
+      </a:accent1>
+      <a:accent2>
+        <a:srgbClr val="ED7D31"/>
+      </a:accent2>
+      <a:accent3>
+        <a:srgbClr val="A5A5A5"/>
+      </a:accent3>
+      <a:accent4>
+        <a:srgbClr val="FFC000"/>
+      </a:accent4>
+      <a:accent5>
+        <a:srgbClr val="4472C4"/>
+      </a:accent5>
+      <a:accent6>
+        <a:srgbClr val="70AD47"/>
+      </a:accent6>
+      <a:hlink>
+        <a:srgbClr val="0563C1"/>
+      </a:hlink>
+      <a:folHlink>
+        <a:srgbClr val="954F72"/>
+      </a:folHlink>
+    </a:clrScheme>
+    <a:fontScheme name="Office">
+      <a:majorFont>
+        <a:latin typeface="Calibri Light" panose="020F0302020204030204"/>
+        <a:ea typeface=""/>
+        <a:cs typeface=""/>
+        <a:font script="Jpan" typeface="游ゴシック Light"/>
+        <a:font script="Hang" typeface="맑은 고딕"/>
+        <a:font script="Hans" typeface="等线 Light"/>
+        <a:font script="Hant" typeface="新細明體"/>
+        <a:font script="Arab" typeface="Times New Roman"/>
+        <a:font script="Hebr" typeface="Times New Roman"/>
+        <a:font script="Thai" typeface="Angsana New"/>
+        <a:font script="Ethi" typeface="Nyala"/>
+        <a:font script="Beng" typeface="Vrinda"/>
+        <a:font script="Gujr" typeface="Shruti"/>
+        <a:font script="Khmr" typeface="MoolBoran"/>
+        <a:font script="Knda" typeface="Tunga"/>
+        <a:font script="Guru" typeface="Raavi"/>
+        <a:font script="Cans" typeface="Euphemia"/>
+        <a:font script="Cher" typeface="Plantagenet Cherokee"/>
+        <a:font script="Yiii" typeface="Microsoft Yi Baiti"/>
+        <a:font script="Tibt" typeface="Microsoft Himalaya"/>
+        <a:font script="Thaa" typeface="MV Boli"/>
+        <a:font script="Deva" typeface="Mangal"/>
+        <a:font script="Telu" typeface="Gautami"/>
+        <a:font script="Taml" typeface="Latha"/>
+        <a:font script="Syrc" typeface="Estrangelo Edessa"/>
+        <a:font script="Orya" typeface="Kalinga"/>
+        <a:font script="Mlym" typeface="Kartika"/>
+        <a:font script="Laoo" typeface="DokChampa"/>
+        <a:font script="Sinh" typeface="Iskoola Pota"/>
+        <a:font script="Mong" typeface="Mongolian Baiti"/>
+        <a:font script="Viet" typeface="Times New Roman"/>
+        <a:font script="Uigh" typeface="Microsoft Uighur"/>
+        <a:font script="Geor" typeface="Sylfaen"/>
+      </a:majorFont>
+      <a:minorFont>
+        <a:latin typeface="Calibri" panose="020F0502020204030204"/>
+        <a:ea typeface=""/>
+        <a:cs typeface=""/>
+        <a:font script="Jpan" typeface="游ゴシック"/>
+        <a:font script="Hang" typeface="맑은 고딕"/>
+        <a:font script="Hans" typeface="等线"/>
+        <a:font script="Hant" typeface="新細明體"/>
+        <a:font script="Arab" typeface="Arial"/>
+        <a:font script="Hebr" typeface="Arial"/>
+        <a:font script="Thai" typeface="Cordia New"/>
+        <a:font script="Ethi" typeface="Nyala"/>
+        <a:font script="Beng" typeface="Vrinda"/>
+        <a:font script="Gujr" typeface="Shruti"/>
+        <a:font script="Khmr" typeface="DaunPenh"/>
+        <a:font script="Knda" typeface="Tunga"/>
+        <a:font script="Guru" typeface="Raavi"/>
+        <a:font script="Cans" typeface="Euphemia"/>
+        <a:font script="Cher" typeface="Plantagenet Cherokee"/>
+        <a:font script="Yiii" typeface="Microsoft Yi Baiti"/>
+        <a:font script="Tibt" typeface="Microsoft Himalaya"/>
+        <a:font script="Thaa" typeface="MV Boli"/>
+        <a:font script="Deva" typeface="Mangal"/>
+        <a:font script="Telu" typeface="Gautami"/>
+        <a:font script="Taml" typeface="Latha"/>
+        <a:font script="Syrc" typeface="Estrangelo Edessa"/>
+        <a:font script="Orya" typeface="Kalinga"/>
+        <a:font script="Mlym" typeface="Kartika"/>
+        <a:font script="Laoo" typeface="DokChampa"/>
+        <a:font script="Sinh" typeface="Iskoola Pota"/>
+        <a:font script="Mong" typeface="Mongolian Baiti"/>
+        <a:font script="Viet" typeface="Arial"/>
+        <a:font script="Uigh" typeface="Microsoft Uighur"/>
+        <a:font script="Geor" typeface="Sylfaen"/>
+      </a:minorFont>
+    </a:fontScheme>
+    <a:fmtScheme name="Office">
+      <a:fillStyleLst>
+        <a:solidFill>
+          <a:schemeClr val="phClr"/>
+        </a:solidFill>
+        <a:gradFill rotWithShape="1">
+          <a:gsLst>
+            <a:gs pos="0">
+              <a:schemeClr val="phClr">
+                <a:lumMod val="110000"/>
+                <a:satMod val="105000"/>
+                <a:tint val="67000"/>
+              </a:schemeClr>
+            </a:gs>
+            <a:gs pos="50000">
+              <a:schemeClr val="phClr">
+                <a:lumMod val="105000"/>
+                <a:satMod val="103000"/>
+                <a:tint val="73000"/>
+              </a:schemeClr>
+            </a:gs>
+            <a:gs pos="100000">
+              <a:schemeClr val="phClr">
+                <a:lumMod val="105000"/>
+                <a:satMod val="109000"/>
+                <a:tint val="81000"/>
+              </a:schemeClr>
+            </a:gs>
+          </a:gsLst>
+          <a:lin ang="5400000" scaled="0"/>
+        </a:gradFill>
+        <a:gradFill rotWithShape="1">
+          <a:gsLst>
+            <a:gs pos="0">
+              <a:schemeClr val="phClr">
+                <a:satMod val="103000"/>
+                <a:lumMod val="102000"/>
+                <a:tint val="94000"/>
+              </a:schemeClr>
+            </a:gs>
+            <a:gs pos="50000">
+              <a:schemeClr val="phClr">
+                <a:satMod val="110000"/>
+                <a:lumMod val="100000"/>
+                <a:shade val="100000"/>
+              </a:schemeClr>
+            </a:gs>
+            <a:gs pos="100000">
+              <a:schemeClr val="phClr">
+                <a:lumMod val="99000"/>
+                <a:satMod val="120000"/>
+                <a:shade val="78000"/>
+              </a:schemeClr>
+            </a:gs>
+          </a:gsLst>
+          <a:lin ang="5400000" scaled="0"/>
+        </a:gradFill>
+      </a:fillStyleLst>
+      <a:lnStyleLst>
+        <a:ln w="6350" cap="flat" cmpd="sng" algn="ctr">
+          <a:solidFill>
+            <a:schemeClr val="phClr"/>
+          </a:solidFill>
+          <a:prstDash val="solid"/>
+          <a:miter lim="800000"/>
+        </a:ln>
+        <a:ln w="12700" cap="flat" cmpd="sng" algn="ctr">
+          <a:solidFill>
+            <a:schemeClr val="phClr"/>
+          </a:solidFill>
+          <a:prstDash val="solid"/>
+          <a:miter lim="800000"/>
+        </a:ln>
+        <a:ln w="19050" cap="flat" cmpd="sng" algn="ctr">
+          <a:solidFill>
+            <a:schemeClr val="phClr"/>
+          </a:solidFill>
+          <a:prstDash val="solid"/>
+          <a:miter lim="800000"/>
+        </a:ln>
+      </a:lnStyleLst>
+      <a:effectStyleLst>
+        <a:effectStyle>
+          <a:effectLst/>
+        </a:effectStyle>
+        <a:effectStyle>
+          <a:effectLst/>
+        </a:effectStyle>
+        <a:effectStyle>
+          <a:effectLst>
+            <a:outerShdw blurRad="57150" dist="19050" dir="5400000" algn="ctr" rotWithShape="0">
+              <a:srgbClr val="000000">
+                <a:alpha val="63000"/>
+              </a:srgbClr>
+            </a:outerShdw>
+          </a:effectLst>
+        </a:effectStyle>
+      </a:effectStyleLst>
+      <a:bgFillStyleLst>
+        <a:solidFill>
+          <a:schemeClr val="phClr"/>
+        </a:solidFill>
+        <a:solidFill>
+          <a:schemeClr val="phClr">
+            <a:tint val="95000"/>
+            <a:satMod val="170000"/>
+          </a:schemeClr>
+        </a:solidFill>
+        <a:gradFill rotWithShape="1">
+          <a:gsLst>
+            <a:gs pos="0">
+              <a:schemeClr val="phClr">
+                <a:tint val="93000"/>
+                <a:satMod val="150000"/>
+                <a:shade val="98000"/>
+                <a:lumMod val="102000"/>
+              </a:schemeClr>
+            </a:gs>
+            <a:gs pos="50000">
+              <a:schemeClr val="phClr">
+                <a:tint val="98000"/>
+                <a:satMod val="130000"/>
+                <a:shade val="90000"/>
+                <a:lumMod val="103000"/>
+              </a:schemeClr>
+            </a:gs>
+            <a:gs pos="100000">
+              <a:schemeClr val="phClr">
+                <a:shade val="63000"/>
+                <a:satMod val="120000"/>
+              </a:schemeClr>
+            </a:gs>
+          </a:gsLst>
+          <a:lin ang="5400000" scaled="0"/>
+        </a:gradFill>
+      </a:bgFillStyleLst>
+    </a:fmtScheme>
+  </a:themeElements>
+  <a:objectDefaults/>
+  <a:extraClrSchemeLst/>
+  <a:extLst>
+    <a:ext uri="{05A4C25C-085E-4340-85A3-A5531E510DB2}">
+      <thm15:themeFamily xmlns:thm15="http://schemas.microsoft.com/office/thememl/2012/main" name="Office Theme" id="{62F939B6-93AF-4DB8-9C6B-D6C7DFDC589F}" vid="{4A3C46E8-61CC-4603-A589-7422A47A8E4A}"/>
+    </a:ext>
+  </a:extLst>
+</a:theme>
 </file>
--- a/Doc/PowerPoint.pptx
+++ b/Doc/PowerPoint.pptx
@@ -5,7 +5,7 @@
     <p:sldMasterId id="2147483672" r:id="rId1"/>
   </p:sldMasterIdLst>
   <p:notesMasterIdLst>
-    <p:notesMasterId r:id="rId12"/>
+    <p:notesMasterId r:id="rId11"/>
   </p:notesMasterIdLst>
   <p:sldIdLst>
     <p:sldId id="256" r:id="rId2"/>
@@ -13,11 +13,10 @@
     <p:sldId id="274" r:id="rId4"/>
     <p:sldId id="273" r:id="rId5"/>
     <p:sldId id="278" r:id="rId6"/>
-    <p:sldId id="276" r:id="rId7"/>
-    <p:sldId id="277" r:id="rId8"/>
-    <p:sldId id="271" r:id="rId9"/>
-    <p:sldId id="272" r:id="rId10"/>
-    <p:sldId id="270" r:id="rId11"/>
+    <p:sldId id="277" r:id="rId7"/>
+    <p:sldId id="271" r:id="rId8"/>
+    <p:sldId id="272" r:id="rId9"/>
+    <p:sldId id="270" r:id="rId10"/>
   </p:sldIdLst>
   <p:sldSz cx="12192000" cy="6858000"/>
   <p:notesSz cx="6858000" cy="9144000"/>
@@ -119,6 +118,9 @@
   <p:extLst>
     <p:ext uri="{EFAFB233-063F-42B5-8137-9DF3F51BA10A}">
       <p15:sldGuideLst xmlns:p15="http://schemas.microsoft.com/office/powerpoint/2012/main"/>
+    </p:ext>
+    <p:ext uri="{2D200454-40CA-4A62-9FC3-DE9A4176ACB9}">
+      <p15:notesGuideLst xmlns:p15="http://schemas.microsoft.com/office/powerpoint/2012/main"/>
     </p:ext>
   </p:extLst>
 </p:presentation>
@@ -6787,186 +6789,6 @@
 </p:sld>
 </file>
 
-<file path=ppt/slides/slide10.xml><?xml version="1.0" encoding="utf-8"?>
-<p:sld xmlns:a="http://schemas.openxmlformats.org/drawingml/2006/main" xmlns:r="http://schemas.openxmlformats.org/officeDocument/2006/relationships" xmlns:p="http://schemas.openxmlformats.org/presentationml/2006/main">
-  <p:cSld>
-    <p:spTree>
-      <p:nvGrpSpPr>
-        <p:cNvPr id="1" name=""/>
-        <p:cNvGrpSpPr/>
-        <p:nvPr/>
-      </p:nvGrpSpPr>
-      <p:grpSpPr>
-        <a:xfrm>
-          <a:off x="0" y="0"/>
-          <a:ext cx="0" cy="0"/>
-          <a:chOff x="0" y="0"/>
-          <a:chExt cx="0" cy="0"/>
-        </a:xfrm>
-      </p:grpSpPr>
-      <p:sp>
-        <p:nvSpPr>
-          <p:cNvPr id="2" name="Titre 1"/>
-          <p:cNvSpPr>
-            <a:spLocks noGrp="1"/>
-          </p:cNvSpPr>
-          <p:nvPr>
-            <p:ph type="title"/>
-          </p:nvPr>
-        </p:nvSpPr>
-        <p:spPr/>
-        <p:txBody>
-          <a:bodyPr/>
-          <a:lstStyle/>
-          <a:p>
-            <a:r>
-              <a:rPr lang="fr-CA" dirty="0"/>
-              <a:t>MERCI!</a:t>
-            </a:r>
-          </a:p>
-        </p:txBody>
-      </p:sp>
-      <p:sp>
-        <p:nvSpPr>
-          <p:cNvPr id="4" name="Espace réservé du texte 3"/>
-          <p:cNvSpPr>
-            <a:spLocks noGrp="1"/>
-          </p:cNvSpPr>
-          <p:nvPr>
-            <p:ph type="body" sz="half" idx="2"/>
-          </p:nvPr>
-        </p:nvSpPr>
-        <p:spPr/>
-        <p:txBody>
-          <a:bodyPr/>
-          <a:lstStyle/>
-          <a:p>
-            <a:endParaRPr lang="fr-CA"/>
-          </a:p>
-        </p:txBody>
-      </p:sp>
-      <p:pic>
-        <p:nvPicPr>
-          <p:cNvPr id="7" name="Image 6"/>
-          <p:cNvPicPr>
-            <a:picLocks noChangeAspect="1"/>
-          </p:cNvPicPr>
-          <p:nvPr/>
-        </p:nvPicPr>
-        <p:blipFill>
-          <a:blip r:embed="rId2" cstate="print">
-            <a:extLst>
-              <a:ext uri="{28A0092B-C50C-407E-A947-70E740481C1C}">
-                <a14:useLocalDpi xmlns:a14="http://schemas.microsoft.com/office/drawing/2010/main" val="0"/>
-              </a:ext>
-            </a:extLst>
-          </a:blip>
-          <a:stretch>
-            <a:fillRect/>
-          </a:stretch>
-        </p:blipFill>
-        <p:spPr>
-          <a:xfrm>
-            <a:off x="0" y="-1"/>
-            <a:ext cx="9997448" cy="5623565"/>
-          </a:xfrm>
-          <a:prstGeom prst="rect">
-            <a:avLst/>
-          </a:prstGeom>
-        </p:spPr>
-      </p:pic>
-      <p:pic>
-        <p:nvPicPr>
-          <p:cNvPr id="1026" name="Picture 2" descr="https://scontent.fyhu1-1.fna.fbcdn.net/v/t1.15752-9/s2048x2048/61667264_357624584892437_8334581975750803456_n.jpg?_nc_cat=105&amp;_nc_ht=scontent.fyhu1-1.fna&amp;oh=fa8e486d2f34afefa20af0eebce5f359&amp;oe=5D5D624F"/>
-          <p:cNvPicPr>
-            <a:picLocks noChangeAspect="1" noChangeArrowheads="1"/>
-          </p:cNvPicPr>
-          <p:nvPr/>
-        </p:nvPicPr>
-        <p:blipFill rotWithShape="1">
-          <a:blip r:embed="rId3" cstate="print">
-            <a:extLst>
-              <a:ext uri="{28A0092B-C50C-407E-A947-70E740481C1C}">
-                <a14:useLocalDpi xmlns:a14="http://schemas.microsoft.com/office/drawing/2010/main" val="0"/>
-              </a:ext>
-            </a:extLst>
-          </a:blip>
-          <a:srcRect l="15968" t="24847" r="29727" b="3709"/>
-          <a:stretch/>
-        </p:blipFill>
-        <p:spPr bwMode="auto">
-          <a:xfrm>
-            <a:off x="333376" y="3732117"/>
-            <a:ext cx="3905250" cy="2890021"/>
-          </a:xfrm>
-          <a:prstGeom prst="snip2DiagRect">
-            <a:avLst/>
-          </a:prstGeom>
-          <a:solidFill>
-            <a:srgbClr val="FFFFFF">
-              <a:shade val="85000"/>
-            </a:srgbClr>
-          </a:solidFill>
-          <a:ln w="88900" cap="sq">
-            <a:solidFill>
-              <a:srgbClr val="FFFFFF"/>
-            </a:solidFill>
-            <a:miter lim="800000"/>
-          </a:ln>
-          <a:effectLst>
-            <a:outerShdw blurRad="88900" algn="tl" rotWithShape="0">
-              <a:srgbClr val="000000">
-                <a:alpha val="45000"/>
-              </a:srgbClr>
-            </a:outerShdw>
-          </a:effectLst>
-          <a:scene3d>
-            <a:camera prst="orthographicFront"/>
-            <a:lightRig rig="twoPt" dir="t">
-              <a:rot lat="0" lon="0" rev="7200000"/>
-            </a:lightRig>
-          </a:scene3d>
-          <a:sp3d>
-            <a:bevelT w="25400" h="19050"/>
-            <a:contourClr>
-              <a:srgbClr val="FFFFFF"/>
-            </a:contourClr>
-          </a:sp3d>
-          <a:extLst/>
-        </p:spPr>
-      </p:pic>
-    </p:spTree>
-    <p:extLst>
-      <p:ext uri="{BB962C8B-B14F-4D97-AF65-F5344CB8AC3E}">
-        <p14:creationId xmlns:p14="http://schemas.microsoft.com/office/powerpoint/2010/main" val="2047355086"/>
-      </p:ext>
-    </p:extLst>
-  </p:cSld>
-  <p:clrMapOvr>
-    <a:masterClrMapping/>
-  </p:clrMapOvr>
-  <mc:AlternateContent xmlns:mc="http://schemas.openxmlformats.org/markup-compatibility/2006" xmlns:p14="http://schemas.microsoft.com/office/powerpoint/2010/main">
-    <mc:Choice Requires="p14">
-      <p:transition p14:dur="100">
-        <p:dissolve/>
-      </p:transition>
-    </mc:Choice>
-    <mc:Fallback xmlns="">
-      <p:transition>
-        <p:dissolve/>
-      </p:transition>
-    </mc:Fallback>
-  </mc:AlternateContent>
-  <p:timing>
-    <p:tnLst>
-      <p:par>
-        <p:cTn id="1" dur="indefinite" restart="never" nodeType="tmRoot"/>
-      </p:par>
-    </p:tnLst>
-  </p:timing>
-</p:sld>
-</file>
-
 <file path=ppt/slides/slide2.xml><?xml version="1.0" encoding="utf-8"?>
 <p:sld xmlns:a="http://schemas.openxmlformats.org/drawingml/2006/main" xmlns:r="http://schemas.openxmlformats.org/officeDocument/2006/relationships" xmlns:p="http://schemas.openxmlformats.org/presentationml/2006/main">
   <p:cSld>
@@ -15392,6 +15214,9 @@
                     <p:cTn id="3" fill="hold">
                       <p:stCondLst>
                         <p:cond delay="indefinite"/>
+                        <p:cond evt="onBegin" delay="0">
+                          <p:tn val="2"/>
+                        </p:cond>
                       </p:stCondLst>
                       <p:childTnLst>
                         <p:par>
@@ -15401,7 +15226,7 @@
                             </p:stCondLst>
                             <p:childTnLst>
                               <p:par>
-                                <p:cTn id="5" presetID="26" presetClass="path" presetSubtype="0" accel="50000" decel="50000" fill="hold" nodeType="clickEffect">
+                                <p:cTn id="5" presetID="26" presetClass="path" presetSubtype="0" accel="50000" decel="50000" fill="hold" nodeType="withEffect">
                                   <p:stCondLst>
                                     <p:cond delay="0"/>
                                   </p:stCondLst>
@@ -15578,343 +15403,6 @@
 </file>
 
 <file path=ppt/slides/slide6.xml><?xml version="1.0" encoding="utf-8"?>
-<p:sld xmlns:a="http://schemas.openxmlformats.org/drawingml/2006/main" xmlns:r="http://schemas.openxmlformats.org/officeDocument/2006/relationships" xmlns:p="http://schemas.openxmlformats.org/presentationml/2006/main">
-  <p:cSld>
-    <p:spTree>
-      <p:nvGrpSpPr>
-        <p:cNvPr id="1" name=""/>
-        <p:cNvGrpSpPr/>
-        <p:nvPr/>
-      </p:nvGrpSpPr>
-      <p:grpSpPr>
-        <a:xfrm>
-          <a:off x="0" y="0"/>
-          <a:ext cx="0" cy="0"/>
-          <a:chOff x="0" y="0"/>
-          <a:chExt cx="0" cy="0"/>
-        </a:xfrm>
-      </p:grpSpPr>
-      <p:sp>
-        <p:nvSpPr>
-          <p:cNvPr id="2" name="Titre 1"/>
-          <p:cNvSpPr>
-            <a:spLocks noGrp="1"/>
-          </p:cNvSpPr>
-          <p:nvPr>
-            <p:ph type="title"/>
-          </p:nvPr>
-        </p:nvSpPr>
-        <p:spPr/>
-        <p:txBody>
-          <a:bodyPr/>
-          <a:lstStyle/>
-          <a:p>
-            <a:r>
-              <a:rPr lang="fr-CA" dirty="0" err="1" smtClean="0"/>
-              <a:t>MATERIEL</a:t>
-            </a:r>
-            <a:endParaRPr lang="fr-CA" dirty="0"/>
-          </a:p>
-        </p:txBody>
-      </p:sp>
-      <p:sp>
-        <p:nvSpPr>
-          <p:cNvPr id="3" name="Espace réservé du contenu 2"/>
-          <p:cNvSpPr>
-            <a:spLocks noGrp="1"/>
-          </p:cNvSpPr>
-          <p:nvPr>
-            <p:ph idx="1"/>
-          </p:nvPr>
-        </p:nvSpPr>
-        <p:spPr/>
-        <p:txBody>
-          <a:bodyPr/>
-          <a:lstStyle/>
-          <a:p>
-            <a:pPr>
-              <a:buClr>
-                <a:srgbClr val="FD4901"/>
-              </a:buClr>
-              <a:buFont typeface="Arial" panose="020B0604020202020204" pitchFamily="34" charset="0"/>
-              <a:buChar char="•"/>
-            </a:pPr>
-            <a:r>
-              <a:rPr lang="fr-CA" dirty="0" smtClean="0"/>
-              <a:t>4 couches</a:t>
-            </a:r>
-          </a:p>
-          <a:p>
-            <a:pPr>
-              <a:buClr>
-                <a:srgbClr val="FD4901"/>
-              </a:buClr>
-              <a:buFont typeface="Arial" panose="020B0604020202020204" pitchFamily="34" charset="0"/>
-              <a:buChar char="•"/>
-            </a:pPr>
-            <a:r>
-              <a:rPr lang="fr-CA" dirty="0" smtClean="0"/>
-              <a:t>Stencil</a:t>
-            </a:r>
-          </a:p>
-          <a:p>
-            <a:pPr>
-              <a:buClr>
-                <a:srgbClr val="FD4901"/>
-              </a:buClr>
-              <a:buFont typeface="Arial" panose="020B0604020202020204" pitchFamily="34" charset="0"/>
-              <a:buChar char="•"/>
-            </a:pPr>
-            <a:r>
-              <a:rPr lang="fr-CA" dirty="0" smtClean="0"/>
-              <a:t>Niveaux de tensions</a:t>
-            </a:r>
-            <a:endParaRPr lang="fr-CA" dirty="0"/>
-          </a:p>
-        </p:txBody>
-      </p:sp>
-    </p:spTree>
-    <p:extLst>
-      <p:ext uri="{BB962C8B-B14F-4D97-AF65-F5344CB8AC3E}">
-        <p14:creationId xmlns:p14="http://schemas.microsoft.com/office/powerpoint/2010/main" val="3783753933"/>
-      </p:ext>
-    </p:extLst>
-  </p:cSld>
-  <p:clrMapOvr>
-    <a:masterClrMapping/>
-  </p:clrMapOvr>
-  <mc:AlternateContent xmlns:mc="http://schemas.openxmlformats.org/markup-compatibility/2006" xmlns:p14="http://schemas.microsoft.com/office/powerpoint/2010/main">
-    <mc:Choice Requires="p14">
-      <p:transition p14:dur="100">
-        <p:dissolve/>
-      </p:transition>
-    </mc:Choice>
-    <mc:Fallback xmlns="">
-      <p:transition>
-        <p:dissolve/>
-      </p:transition>
-    </mc:Fallback>
-  </mc:AlternateContent>
-  <p:timing>
-    <p:tnLst>
-      <p:par>
-        <p:cTn id="1" dur="indefinite" restart="never" nodeType="tmRoot">
-          <p:childTnLst>
-            <p:seq concurrent="1" nextAc="seek">
-              <p:cTn id="2" dur="indefinite" nodeType="mainSeq">
-                <p:childTnLst>
-                  <p:par>
-                    <p:cTn id="3" fill="hold">
-                      <p:stCondLst>
-                        <p:cond delay="indefinite"/>
-                      </p:stCondLst>
-                      <p:childTnLst>
-                        <p:par>
-                          <p:cTn id="4" fill="hold">
-                            <p:stCondLst>
-                              <p:cond delay="0"/>
-                            </p:stCondLst>
-                            <p:childTnLst>
-                              <p:par>
-                                <p:cTn id="5" presetID="10" presetClass="entr" presetSubtype="0" fill="hold" grpId="0" nodeType="clickEffect">
-                                  <p:stCondLst>
-                                    <p:cond delay="0"/>
-                                  </p:stCondLst>
-                                  <p:childTnLst>
-                                    <p:set>
-                                      <p:cBhvr>
-                                        <p:cTn id="6" dur="1" fill="hold">
-                                          <p:stCondLst>
-                                            <p:cond delay="0"/>
-                                          </p:stCondLst>
-                                        </p:cTn>
-                                        <p:tgtEl>
-                                          <p:spTgt spid="3">
-                                            <p:txEl>
-                                              <p:pRg st="0" end="0"/>
-                                            </p:txEl>
-                                          </p:spTgt>
-                                        </p:tgtEl>
-                                        <p:attrNameLst>
-                                          <p:attrName>style.visibility</p:attrName>
-                                        </p:attrNameLst>
-                                      </p:cBhvr>
-                                      <p:to>
-                                        <p:strVal val="visible"/>
-                                      </p:to>
-                                    </p:set>
-                                    <p:animEffect transition="in" filter="fade">
-                                      <p:cBhvr>
-                                        <p:cTn id="7" dur="500"/>
-                                        <p:tgtEl>
-                                          <p:spTgt spid="3">
-                                            <p:txEl>
-                                              <p:pRg st="0" end="0"/>
-                                            </p:txEl>
-                                          </p:spTgt>
-                                        </p:tgtEl>
-                                      </p:cBhvr>
-                                    </p:animEffect>
-                                  </p:childTnLst>
-                                </p:cTn>
-                              </p:par>
-                            </p:childTnLst>
-                          </p:cTn>
-                        </p:par>
-                      </p:childTnLst>
-                    </p:cTn>
-                  </p:par>
-                  <p:par>
-                    <p:cTn id="8" fill="hold">
-                      <p:stCondLst>
-                        <p:cond delay="indefinite"/>
-                      </p:stCondLst>
-                      <p:childTnLst>
-                        <p:par>
-                          <p:cTn id="9" fill="hold">
-                            <p:stCondLst>
-                              <p:cond delay="0"/>
-                            </p:stCondLst>
-                            <p:childTnLst>
-                              <p:par>
-                                <p:cTn id="10" presetID="10" presetClass="entr" presetSubtype="0" fill="hold" grpId="0" nodeType="clickEffect">
-                                  <p:stCondLst>
-                                    <p:cond delay="0"/>
-                                  </p:stCondLst>
-                                  <p:childTnLst>
-                                    <p:set>
-                                      <p:cBhvr>
-                                        <p:cTn id="11" dur="1" fill="hold">
-                                          <p:stCondLst>
-                                            <p:cond delay="0"/>
-                                          </p:stCondLst>
-                                        </p:cTn>
-                                        <p:tgtEl>
-                                          <p:spTgt spid="3">
-                                            <p:txEl>
-                                              <p:pRg st="1" end="1"/>
-                                            </p:txEl>
-                                          </p:spTgt>
-                                        </p:tgtEl>
-                                        <p:attrNameLst>
-                                          <p:attrName>style.visibility</p:attrName>
-                                        </p:attrNameLst>
-                                      </p:cBhvr>
-                                      <p:to>
-                                        <p:strVal val="visible"/>
-                                      </p:to>
-                                    </p:set>
-                                    <p:animEffect transition="in" filter="fade">
-                                      <p:cBhvr>
-                                        <p:cTn id="12" dur="500"/>
-                                        <p:tgtEl>
-                                          <p:spTgt spid="3">
-                                            <p:txEl>
-                                              <p:pRg st="1" end="1"/>
-                                            </p:txEl>
-                                          </p:spTgt>
-                                        </p:tgtEl>
-                                      </p:cBhvr>
-                                    </p:animEffect>
-                                  </p:childTnLst>
-                                </p:cTn>
-                              </p:par>
-                            </p:childTnLst>
-                          </p:cTn>
-                        </p:par>
-                      </p:childTnLst>
-                    </p:cTn>
-                  </p:par>
-                  <p:par>
-                    <p:cTn id="13" fill="hold">
-                      <p:stCondLst>
-                        <p:cond delay="indefinite"/>
-                      </p:stCondLst>
-                      <p:childTnLst>
-                        <p:par>
-                          <p:cTn id="14" fill="hold">
-                            <p:stCondLst>
-                              <p:cond delay="0"/>
-                            </p:stCondLst>
-                            <p:childTnLst>
-                              <p:par>
-                                <p:cTn id="15" presetID="10" presetClass="entr" presetSubtype="0" fill="hold" grpId="0" nodeType="clickEffect">
-                                  <p:stCondLst>
-                                    <p:cond delay="0"/>
-                                  </p:stCondLst>
-                                  <p:childTnLst>
-                                    <p:set>
-                                      <p:cBhvr>
-                                        <p:cTn id="16" dur="1" fill="hold">
-                                          <p:stCondLst>
-                                            <p:cond delay="0"/>
-                                          </p:stCondLst>
-                                        </p:cTn>
-                                        <p:tgtEl>
-                                          <p:spTgt spid="3">
-                                            <p:txEl>
-                                              <p:pRg st="2" end="2"/>
-                                            </p:txEl>
-                                          </p:spTgt>
-                                        </p:tgtEl>
-                                        <p:attrNameLst>
-                                          <p:attrName>style.visibility</p:attrName>
-                                        </p:attrNameLst>
-                                      </p:cBhvr>
-                                      <p:to>
-                                        <p:strVal val="visible"/>
-                                      </p:to>
-                                    </p:set>
-                                    <p:animEffect transition="in" filter="fade">
-                                      <p:cBhvr>
-                                        <p:cTn id="17" dur="500"/>
-                                        <p:tgtEl>
-                                          <p:spTgt spid="3">
-                                            <p:txEl>
-                                              <p:pRg st="2" end="2"/>
-                                            </p:txEl>
-                                          </p:spTgt>
-                                        </p:tgtEl>
-                                      </p:cBhvr>
-                                    </p:animEffect>
-                                  </p:childTnLst>
-                                </p:cTn>
-                              </p:par>
-                            </p:childTnLst>
-                          </p:cTn>
-                        </p:par>
-                      </p:childTnLst>
-                    </p:cTn>
-                  </p:par>
-                </p:childTnLst>
-              </p:cTn>
-              <p:prevCondLst>
-                <p:cond evt="onPrev" delay="0">
-                  <p:tgtEl>
-                    <p:sldTgt/>
-                  </p:tgtEl>
-                </p:cond>
-              </p:prevCondLst>
-              <p:nextCondLst>
-                <p:cond evt="onNext" delay="0">
-                  <p:tgtEl>
-                    <p:sldTgt/>
-                  </p:tgtEl>
-                </p:cond>
-              </p:nextCondLst>
-            </p:seq>
-          </p:childTnLst>
-        </p:cTn>
-      </p:par>
-    </p:tnLst>
-    <p:bldLst>
-      <p:bldP spid="3" grpId="0" build="p"/>
-    </p:bldLst>
-  </p:timing>
-</p:sld>
-</file>
-
-<file path=ppt/slides/slide7.xml><?xml version="1.0" encoding="utf-8"?>
 <p:sld xmlns:a="http://schemas.openxmlformats.org/drawingml/2006/main" xmlns:r="http://schemas.openxmlformats.org/officeDocument/2006/relationships" xmlns:p="http://schemas.openxmlformats.org/presentationml/2006/main">
   <p:cSld>
     <p:spTree>
@@ -21644,7 +21132,7 @@
 </p:sld>
 </file>
 
-<file path=ppt/slides/slide8.xml><?xml version="1.0" encoding="utf-8"?>
+<file path=ppt/slides/slide7.xml><?xml version="1.0" encoding="utf-8"?>
 <p:sld xmlns:a="http://schemas.openxmlformats.org/drawingml/2006/main" xmlns:r="http://schemas.openxmlformats.org/officeDocument/2006/relationships" xmlns:p="http://schemas.openxmlformats.org/presentationml/2006/main">
   <p:cSld>
     <p:spTree>
@@ -22153,6 +21641,129 @@
 </p:sld>
 </file>
 
+<file path=ppt/slides/slide8.xml><?xml version="1.0" encoding="utf-8"?>
+<p:sld xmlns:a="http://schemas.openxmlformats.org/drawingml/2006/main" xmlns:r="http://schemas.openxmlformats.org/officeDocument/2006/relationships" xmlns:p="http://schemas.openxmlformats.org/presentationml/2006/main">
+  <p:cSld>
+    <p:spTree>
+      <p:nvGrpSpPr>
+        <p:cNvPr id="1" name=""/>
+        <p:cNvGrpSpPr/>
+        <p:nvPr/>
+      </p:nvGrpSpPr>
+      <p:grpSpPr>
+        <a:xfrm>
+          <a:off x="0" y="0"/>
+          <a:ext cx="0" cy="0"/>
+          <a:chOff x="0" y="0"/>
+          <a:chExt cx="0" cy="0"/>
+        </a:xfrm>
+      </p:grpSpPr>
+      <p:sp>
+        <p:nvSpPr>
+          <p:cNvPr id="2" name="Titre 1"/>
+          <p:cNvSpPr>
+            <a:spLocks noGrp="1"/>
+          </p:cNvSpPr>
+          <p:nvPr>
+            <p:ph type="title"/>
+          </p:nvPr>
+        </p:nvSpPr>
+        <p:spPr/>
+        <p:txBody>
+          <a:bodyPr/>
+          <a:lstStyle/>
+          <a:p>
+            <a:r>
+              <a:rPr lang="fr-CA" dirty="0"/>
+              <a:t>SITE </a:t>
+            </a:r>
+            <a:r>
+              <a:rPr lang="fr-CA" dirty="0">
+                <a:solidFill>
+                  <a:srgbClr val="FE692E"/>
+                </a:solidFill>
+              </a:rPr>
+              <a:t>WEB</a:t>
+            </a:r>
+          </a:p>
+        </p:txBody>
+      </p:sp>
+      <p:sp>
+        <p:nvSpPr>
+          <p:cNvPr id="3" name="Espace réservé du contenu 2"/>
+          <p:cNvSpPr>
+            <a:spLocks noGrp="1"/>
+          </p:cNvSpPr>
+          <p:nvPr>
+            <p:ph idx="1"/>
+          </p:nvPr>
+        </p:nvSpPr>
+        <p:spPr/>
+        <p:txBody>
+          <a:bodyPr/>
+          <a:lstStyle/>
+          <a:p>
+            <a:endParaRPr lang="fr-CA"/>
+          </a:p>
+        </p:txBody>
+      </p:sp>
+      <p:pic>
+        <p:nvPicPr>
+          <p:cNvPr id="4" name="Image 3">
+            <a:hlinkClick r:id="rId2"/>
+          </p:cNvPr>
+          <p:cNvPicPr>
+            <a:picLocks noChangeAspect="1"/>
+          </p:cNvPicPr>
+          <p:nvPr/>
+        </p:nvPicPr>
+        <p:blipFill rotWithShape="1">
+          <a:blip r:embed="rId3"/>
+          <a:srcRect t="4688"/>
+          <a:stretch/>
+        </p:blipFill>
+        <p:spPr>
+          <a:xfrm>
+            <a:off x="1366519" y="923365"/>
+            <a:ext cx="9519921" cy="5279890"/>
+          </a:xfrm>
+          <a:prstGeom prst="rect">
+            <a:avLst/>
+          </a:prstGeom>
+        </p:spPr>
+      </p:pic>
+    </p:spTree>
+    <p:extLst>
+      <p:ext uri="{BB962C8B-B14F-4D97-AF65-F5344CB8AC3E}">
+        <p14:creationId xmlns:p14="http://schemas.microsoft.com/office/powerpoint/2010/main" val="2778648903"/>
+      </p:ext>
+    </p:extLst>
+  </p:cSld>
+  <p:clrMapOvr>
+    <a:masterClrMapping/>
+  </p:clrMapOvr>
+  <mc:AlternateContent xmlns:mc="http://schemas.openxmlformats.org/markup-compatibility/2006" xmlns:p14="http://schemas.microsoft.com/office/powerpoint/2010/main">
+    <mc:Choice Requires="p14">
+      <p:transition p14:dur="100">
+        <p:dissolve/>
+      </p:transition>
+    </mc:Choice>
+    <mc:Fallback xmlns="">
+      <p:transition>
+        <p:dissolve/>
+      </p:transition>
+    </mc:Fallback>
+  </mc:AlternateContent>
+  <p:timing>
+    <p:tnLst>
+      <p:par>
+        <p:cTn id="1" dur="indefinite" restart="never" nodeType="tmRoot"/>
+      </p:par>
+    </p:tnLst>
+  </p:timing>
+</p:sld>
+</file>
+
 <file path=ppt/slides/slide9.xml><?xml version="1.0" encoding="utf-8"?>
 <p:sld xmlns:a="http://schemas.openxmlformats.org/drawingml/2006/main" xmlns:r="http://schemas.openxmlformats.org/officeDocument/2006/relationships" xmlns:p="http://schemas.openxmlformats.org/presentationml/2006/main">
   <p:cSld>
@@ -22187,27 +21798,19 @@
           <a:p>
             <a:r>
               <a:rPr lang="fr-CA" dirty="0"/>
-              <a:t>SITE </a:t>
-            </a:r>
-            <a:r>
-              <a:rPr lang="fr-CA" dirty="0">
-                <a:solidFill>
-                  <a:srgbClr val="FE692E"/>
-                </a:solidFill>
-              </a:rPr>
-              <a:t>WEB</a:t>
+              <a:t>MERCI!</a:t>
             </a:r>
           </a:p>
         </p:txBody>
       </p:sp>
       <p:sp>
         <p:nvSpPr>
-          <p:cNvPr id="3" name="Espace réservé du contenu 2"/>
+          <p:cNvPr id="4" name="Espace réservé du texte 3"/>
           <p:cNvSpPr>
             <a:spLocks noGrp="1"/>
           </p:cNvSpPr>
           <p:nvPr>
-            <p:ph idx="1"/>
+            <p:ph type="body" sz="half" idx="2"/>
           </p:nvPr>
         </p:nvSpPr>
         <p:spPr/>
@@ -22221,33 +21824,98 @@
       </p:sp>
       <p:pic>
         <p:nvPicPr>
-          <p:cNvPr id="4" name="Image 3">
-            <a:hlinkClick r:id="rId2"/>
-          </p:cNvPr>
+          <p:cNvPr id="7" name="Image 6"/>
           <p:cNvPicPr>
             <a:picLocks noChangeAspect="1"/>
           </p:cNvPicPr>
           <p:nvPr/>
         </p:nvPicPr>
-        <p:blipFill rotWithShape="1">
-          <a:blip r:embed="rId3"/>
-          <a:srcRect t="4688"/>
-          <a:stretch/>
+        <p:blipFill>
+          <a:blip r:embed="rId2" cstate="print">
+            <a:extLst>
+              <a:ext uri="{28A0092B-C50C-407E-A947-70E740481C1C}">
+                <a14:useLocalDpi xmlns:a14="http://schemas.microsoft.com/office/drawing/2010/main" val="0"/>
+              </a:ext>
+            </a:extLst>
+          </a:blip>
+          <a:stretch>
+            <a:fillRect/>
+          </a:stretch>
         </p:blipFill>
         <p:spPr>
           <a:xfrm>
-            <a:off x="1366519" y="923365"/>
-            <a:ext cx="9519921" cy="5279890"/>
+            <a:off x="0" y="-1"/>
+            <a:ext cx="9997448" cy="5623565"/>
           </a:xfrm>
           <a:prstGeom prst="rect">
             <a:avLst/>
           </a:prstGeom>
         </p:spPr>
       </p:pic>
+      <p:pic>
+        <p:nvPicPr>
+          <p:cNvPr id="1026" name="Picture 2" descr="https://scontent.fyhu1-1.fna.fbcdn.net/v/t1.15752-9/s2048x2048/61667264_357624584892437_8334581975750803456_n.jpg?_nc_cat=105&amp;_nc_ht=scontent.fyhu1-1.fna&amp;oh=fa8e486d2f34afefa20af0eebce5f359&amp;oe=5D5D624F"/>
+          <p:cNvPicPr>
+            <a:picLocks noChangeAspect="1" noChangeArrowheads="1"/>
+          </p:cNvPicPr>
+          <p:nvPr/>
+        </p:nvPicPr>
+        <p:blipFill rotWithShape="1">
+          <a:blip r:embed="rId3" cstate="print">
+            <a:extLst>
+              <a:ext uri="{28A0092B-C50C-407E-A947-70E740481C1C}">
+                <a14:useLocalDpi xmlns:a14="http://schemas.microsoft.com/office/drawing/2010/main" val="0"/>
+              </a:ext>
+            </a:extLst>
+          </a:blip>
+          <a:srcRect l="15968" t="24847" r="29727" b="3709"/>
+          <a:stretch/>
+        </p:blipFill>
+        <p:spPr bwMode="auto">
+          <a:xfrm>
+            <a:off x="333376" y="3732117"/>
+            <a:ext cx="3905250" cy="2890021"/>
+          </a:xfrm>
+          <a:prstGeom prst="snip2DiagRect">
+            <a:avLst/>
+          </a:prstGeom>
+          <a:solidFill>
+            <a:srgbClr val="FFFFFF">
+              <a:shade val="85000"/>
+            </a:srgbClr>
+          </a:solidFill>
+          <a:ln w="88900" cap="sq">
+            <a:solidFill>
+              <a:srgbClr val="FFFFFF"/>
+            </a:solidFill>
+            <a:miter lim="800000"/>
+          </a:ln>
+          <a:effectLst>
+            <a:outerShdw blurRad="88900" algn="tl" rotWithShape="0">
+              <a:srgbClr val="000000">
+                <a:alpha val="45000"/>
+              </a:srgbClr>
+            </a:outerShdw>
+          </a:effectLst>
+          <a:scene3d>
+            <a:camera prst="orthographicFront"/>
+            <a:lightRig rig="twoPt" dir="t">
+              <a:rot lat="0" lon="0" rev="7200000"/>
+            </a:lightRig>
+          </a:scene3d>
+          <a:sp3d>
+            <a:bevelT w="25400" h="19050"/>
+            <a:contourClr>
+              <a:srgbClr val="FFFFFF"/>
+            </a:contourClr>
+          </a:sp3d>
+          <a:extLst/>
+        </p:spPr>
+      </p:pic>
     </p:spTree>
     <p:extLst>
       <p:ext uri="{BB962C8B-B14F-4D97-AF65-F5344CB8AC3E}">
-        <p14:creationId xmlns:p14="http://schemas.microsoft.com/office/powerpoint/2010/main" val="2778648903"/>
+        <p14:creationId xmlns:p14="http://schemas.microsoft.com/office/powerpoint/2010/main" val="2047355086"/>
       </p:ext>
     </p:extLst>
   </p:cSld>
